--- a/Draft/ICSE'18/BugPatchingRanking.pptx
+++ b/Draft/ICSE'18/BugPatchingRanking.pptx
@@ -5,10 +5,11 @@
     <p:sldMasterId id="2147483768" r:id="rId1"/>
   </p:sldMasterIdLst>
   <p:notesMasterIdLst>
-    <p:notesMasterId r:id="rId3"/>
+    <p:notesMasterId r:id="rId4"/>
   </p:notesMasterIdLst>
   <p:sldIdLst>
     <p:sldId id="256" r:id="rId2"/>
+    <p:sldId id="257" r:id="rId3"/>
   </p:sldIdLst>
   <p:sldSz cx="9906000" cy="6858000" type="A4"/>
   <p:notesSz cx="9144000" cy="6858000"/>
@@ -107,6 +108,11 @@
       </a:defRPr>
     </a:lvl9pPr>
   </p:defaultTextStyle>
+  <p:extLst>
+    <p:ext uri="{EFAFB233-063F-42B5-8137-9DF3F51BA10A}">
+      <p15:sldGuideLst xmlns:p15="http://schemas.microsoft.com/office/powerpoint/2012/main"/>
+    </p:ext>
+  </p:extLst>
 </p:presentation>
 </file>
 
@@ -192,7 +198,7 @@
           <a:p>
             <a:fld id="{547B129A-3F73-49C4-9CDF-FB1422976497}" type="datetimeFigureOut">
               <a:rPr lang="en-US" smtClean="0"/>
-              <a:t>7/19/2017</a:t>
+              <a:t>7/20/2017</a:t>
             </a:fld>
             <a:endParaRPr lang="en-US"/>
           </a:p>
@@ -549,6 +555,95 @@
 </p:notes>
 </file>
 
+<file path=ppt/notesSlides/notesSlide2.xml><?xml version="1.0" encoding="utf-8"?>
+<p:notes xmlns:a="http://schemas.openxmlformats.org/drawingml/2006/main" xmlns:r="http://schemas.openxmlformats.org/officeDocument/2006/relationships" xmlns:p="http://schemas.openxmlformats.org/presentationml/2006/main">
+  <p:cSld>
+    <p:spTree>
+      <p:nvGrpSpPr>
+        <p:cNvPr id="1" name=""/>
+        <p:cNvGrpSpPr/>
+        <p:nvPr/>
+      </p:nvGrpSpPr>
+      <p:grpSpPr>
+        <a:xfrm>
+          <a:off x="0" y="0"/>
+          <a:ext cx="0" cy="0"/>
+          <a:chOff x="0" y="0"/>
+          <a:chExt cx="0" cy="0"/>
+        </a:xfrm>
+      </p:grpSpPr>
+      <p:sp>
+        <p:nvSpPr>
+          <p:cNvPr id="2" name="Slide Image Placeholder 1"/>
+          <p:cNvSpPr>
+            <a:spLocks noGrp="1" noRot="1" noChangeAspect="1"/>
+          </p:cNvSpPr>
+          <p:nvPr>
+            <p:ph type="sldImg"/>
+          </p:nvPr>
+        </p:nvSpPr>
+        <p:spPr>
+          <a:xfrm>
+            <a:off x="2900363" y="857250"/>
+            <a:ext cx="3343275" cy="2314575"/>
+          </a:xfrm>
+        </p:spPr>
+      </p:sp>
+      <p:sp>
+        <p:nvSpPr>
+          <p:cNvPr id="3" name="Notes Placeholder 2"/>
+          <p:cNvSpPr>
+            <a:spLocks noGrp="1"/>
+          </p:cNvSpPr>
+          <p:nvPr>
+            <p:ph type="body" idx="1"/>
+          </p:nvPr>
+        </p:nvSpPr>
+        <p:spPr/>
+        <p:txBody>
+          <a:bodyPr/>
+          <a:lstStyle/>
+          <a:p>
+            <a:endParaRPr lang="en-US" dirty="0"/>
+          </a:p>
+        </p:txBody>
+      </p:sp>
+      <p:sp>
+        <p:nvSpPr>
+          <p:cNvPr id="4" name="Slide Number Placeholder 3"/>
+          <p:cNvSpPr>
+            <a:spLocks noGrp="1"/>
+          </p:cNvSpPr>
+          <p:nvPr>
+            <p:ph type="sldNum" sz="quarter" idx="10"/>
+          </p:nvPr>
+        </p:nvSpPr>
+        <p:spPr/>
+        <p:txBody>
+          <a:bodyPr/>
+          <a:lstStyle/>
+          <a:p>
+            <a:fld id="{52459B2D-D9E4-4346-8284-1F426F1E6C10}" type="slidenum">
+              <a:rPr lang="en-US" smtClean="0"/>
+              <a:t>2</a:t>
+            </a:fld>
+            <a:endParaRPr lang="en-US"/>
+          </a:p>
+        </p:txBody>
+      </p:sp>
+    </p:spTree>
+    <p:extLst>
+      <p:ext uri="{BB962C8B-B14F-4D97-AF65-F5344CB8AC3E}">
+        <p14:creationId xmlns:p14="http://schemas.microsoft.com/office/powerpoint/2010/main" val="3973942605"/>
+      </p:ext>
+    </p:extLst>
+  </p:cSld>
+  <p:clrMapOvr>
+    <a:masterClrMapping/>
+  </p:clrMapOvr>
+</p:notes>
+</file>
+
 <file path=ppt/slideLayouts/slideLayout1.xml><?xml version="1.0" encoding="utf-8"?>
 <p:sldLayout xmlns:a="http://schemas.openxmlformats.org/drawingml/2006/main" xmlns:r="http://schemas.openxmlformats.org/officeDocument/2006/relationships" xmlns:p="http://schemas.openxmlformats.org/presentationml/2006/main" type="title" preserve="1">
   <p:cSld name="Title Slide">
@@ -680,7 +775,7 @@
           <a:p>
             <a:fld id="{6023FAA5-2274-40FD-9011-D3824ECDC070}" type="datetimeFigureOut">
               <a:rPr lang="en-US" smtClean="0"/>
-              <a:t>7/19/2017</a:t>
+              <a:t>7/20/2017</a:t>
             </a:fld>
             <a:endParaRPr lang="en-US"/>
           </a:p>
@@ -850,7 +945,7 @@
           <a:p>
             <a:fld id="{6023FAA5-2274-40FD-9011-D3824ECDC070}" type="datetimeFigureOut">
               <a:rPr lang="en-US" smtClean="0"/>
-              <a:t>7/19/2017</a:t>
+              <a:t>7/20/2017</a:t>
             </a:fld>
             <a:endParaRPr lang="en-US"/>
           </a:p>
@@ -1030,7 +1125,7 @@
           <a:p>
             <a:fld id="{6023FAA5-2274-40FD-9011-D3824ECDC070}" type="datetimeFigureOut">
               <a:rPr lang="en-US" smtClean="0"/>
-              <a:t>7/19/2017</a:t>
+              <a:t>7/20/2017</a:t>
             </a:fld>
             <a:endParaRPr lang="en-US"/>
           </a:p>
@@ -1200,7 +1295,7 @@
           <a:p>
             <a:fld id="{6023FAA5-2274-40FD-9011-D3824ECDC070}" type="datetimeFigureOut">
               <a:rPr lang="en-US" smtClean="0"/>
-              <a:t>7/19/2017</a:t>
+              <a:t>7/20/2017</a:t>
             </a:fld>
             <a:endParaRPr lang="en-US"/>
           </a:p>
@@ -1444,7 +1539,7 @@
           <a:p>
             <a:fld id="{6023FAA5-2274-40FD-9011-D3824ECDC070}" type="datetimeFigureOut">
               <a:rPr lang="en-US" smtClean="0"/>
-              <a:t>7/19/2017</a:t>
+              <a:t>7/20/2017</a:t>
             </a:fld>
             <a:endParaRPr lang="en-US"/>
           </a:p>
@@ -1676,7 +1771,7 @@
           <a:p>
             <a:fld id="{6023FAA5-2274-40FD-9011-D3824ECDC070}" type="datetimeFigureOut">
               <a:rPr lang="en-US" smtClean="0"/>
-              <a:t>7/19/2017</a:t>
+              <a:t>7/20/2017</a:t>
             </a:fld>
             <a:endParaRPr lang="en-US"/>
           </a:p>
@@ -2043,7 +2138,7 @@
           <a:p>
             <a:fld id="{6023FAA5-2274-40FD-9011-D3824ECDC070}" type="datetimeFigureOut">
               <a:rPr lang="en-US" smtClean="0"/>
-              <a:t>7/19/2017</a:t>
+              <a:t>7/20/2017</a:t>
             </a:fld>
             <a:endParaRPr lang="en-US"/>
           </a:p>
@@ -2161,7 +2256,7 @@
           <a:p>
             <a:fld id="{6023FAA5-2274-40FD-9011-D3824ECDC070}" type="datetimeFigureOut">
               <a:rPr lang="en-US" smtClean="0"/>
-              <a:t>7/19/2017</a:t>
+              <a:t>7/20/2017</a:t>
             </a:fld>
             <a:endParaRPr lang="en-US"/>
           </a:p>
@@ -2256,7 +2351,7 @@
           <a:p>
             <a:fld id="{6023FAA5-2274-40FD-9011-D3824ECDC070}" type="datetimeFigureOut">
               <a:rPr lang="en-US" smtClean="0"/>
-              <a:t>7/19/2017</a:t>
+              <a:t>7/20/2017</a:t>
             </a:fld>
             <a:endParaRPr lang="en-US"/>
           </a:p>
@@ -2533,7 +2628,7 @@
           <a:p>
             <a:fld id="{6023FAA5-2274-40FD-9011-D3824ECDC070}" type="datetimeFigureOut">
               <a:rPr lang="en-US" smtClean="0"/>
-              <a:t>7/19/2017</a:t>
+              <a:t>7/20/2017</a:t>
             </a:fld>
             <a:endParaRPr lang="en-US"/>
           </a:p>
@@ -2790,7 +2885,7 @@
           <a:p>
             <a:fld id="{6023FAA5-2274-40FD-9011-D3824ECDC070}" type="datetimeFigureOut">
               <a:rPr lang="en-US" smtClean="0"/>
-              <a:t>7/19/2017</a:t>
+              <a:t>7/20/2017</a:t>
             </a:fld>
             <a:endParaRPr lang="en-US"/>
           </a:p>
@@ -3003,7 +3098,7 @@
           <a:p>
             <a:fld id="{6023FAA5-2274-40FD-9011-D3824ECDC070}" type="datetimeFigureOut">
               <a:rPr lang="en-US" smtClean="0"/>
-              <a:t>7/19/2017</a:t>
+              <a:t>7/20/2017</a:t>
             </a:fld>
             <a:endParaRPr lang="en-US"/>
           </a:p>
@@ -17251,8 +17346,8 @@
           </a:fontRef>
         </p:style>
       </p:cxnSp>
-      <mc:AlternateContent xmlns:mc="http://schemas.openxmlformats.org/markup-compatibility/2006">
-        <mc:Choice xmlns:a14="http://schemas.microsoft.com/office/drawing/2010/main" Requires="a14">
+      <mc:AlternateContent xmlns:mc="http://schemas.openxmlformats.org/markup-compatibility/2006" xmlns:a14="http://schemas.microsoft.com/office/drawing/2010/main">
+        <mc:Choice Requires="a14">
           <p:sp>
             <p:nvSpPr>
               <p:cNvPr id="205" name="TextBox 204"/>
@@ -17275,6 +17370,7 @@
               </a:bodyPr>
               <a:lstStyle/>
               <a:p>
+                <a:pPr/>
                 <a14:m>
                   <m:oMathPara xmlns:m="http://schemas.openxmlformats.org/officeDocument/2006/math">
                     <m:oMathParaPr>
@@ -17332,7 +17428,7 @@
             </p:txBody>
           </p:sp>
         </mc:Choice>
-        <mc:Fallback>
+        <mc:Fallback xmlns="">
           <p:sp>
             <p:nvSpPr>
               <p:cNvPr id="205" name="TextBox 204"/>
@@ -17413,8 +17509,8 @@
           </a:p>
         </p:txBody>
       </p:sp>
-      <mc:AlternateContent xmlns:mc="http://schemas.openxmlformats.org/markup-compatibility/2006">
-        <mc:Choice xmlns:a14="http://schemas.microsoft.com/office/drawing/2010/main" Requires="a14">
+      <mc:AlternateContent xmlns:mc="http://schemas.openxmlformats.org/markup-compatibility/2006" xmlns:a14="http://schemas.microsoft.com/office/drawing/2010/main">
+        <mc:Choice Requires="a14">
           <p:sp>
             <p:nvSpPr>
               <p:cNvPr id="208" name="Rectangle 207"/>
@@ -17494,7 +17590,7 @@
             </p:txBody>
           </p:sp>
         </mc:Choice>
-        <mc:Fallback>
+        <mc:Fallback xmlns="">
           <p:sp>
             <p:nvSpPr>
               <p:cNvPr id="208" name="Rectangle 207"/>
@@ -17760,6 +17856,6508 @@
     <p:extLst>
       <p:ext uri="{BB962C8B-B14F-4D97-AF65-F5344CB8AC3E}">
         <p14:creationId xmlns:p14="http://schemas.microsoft.com/office/powerpoint/2010/main" val="3993863704"/>
+      </p:ext>
+    </p:extLst>
+  </p:cSld>
+  <p:clrMapOvr>
+    <a:masterClrMapping/>
+  </p:clrMapOvr>
+</p:sld>
+</file>
+
+<file path=ppt/slides/slide2.xml><?xml version="1.0" encoding="utf-8"?>
+<p:sld xmlns:a="http://schemas.openxmlformats.org/drawingml/2006/main" xmlns:r="http://schemas.openxmlformats.org/officeDocument/2006/relationships" xmlns:p="http://schemas.openxmlformats.org/presentationml/2006/main">
+  <p:cSld>
+    <p:spTree>
+      <p:nvGrpSpPr>
+        <p:cNvPr id="1" name=""/>
+        <p:cNvGrpSpPr/>
+        <p:nvPr/>
+      </p:nvGrpSpPr>
+      <p:grpSpPr>
+        <a:xfrm>
+          <a:off x="0" y="0"/>
+          <a:ext cx="0" cy="0"/>
+          <a:chOff x="0" y="0"/>
+          <a:chExt cx="0" cy="0"/>
+        </a:xfrm>
+      </p:grpSpPr>
+      <p:graphicFrame>
+        <p:nvGraphicFramePr>
+          <p:cNvPr id="28" name="Table 27"/>
+          <p:cNvGraphicFramePr>
+            <a:graphicFrameLocks noGrp="1"/>
+          </p:cNvGraphicFramePr>
+          <p:nvPr>
+            <p:extLst>
+              <p:ext uri="{D42A27DB-BD31-4B8C-83A1-F6EECF244321}">
+                <p14:modId xmlns:p14="http://schemas.microsoft.com/office/powerpoint/2010/main" val="2358649495"/>
+              </p:ext>
+            </p:extLst>
+          </p:nvPr>
+        </p:nvGraphicFramePr>
+        <p:xfrm>
+          <a:off x="3024552" y="2245420"/>
+          <a:ext cx="273050" cy="853440"/>
+        </p:xfrm>
+        <a:graphic>
+          <a:graphicData uri="http://schemas.openxmlformats.org/drawingml/2006/table">
+            <a:tbl>
+              <a:tblPr firstRow="1" bandRow="1"/>
+              <a:tblGrid>
+                <a:gridCol w="273050">
+                  <a:extLst>
+                    <a:ext uri="{9D8B030D-6E8A-4147-A177-3AD203B41FA5}">
+                      <a16:colId xmlns:a16="http://schemas.microsoft.com/office/drawing/2014/main" val="4185730726"/>
+                    </a:ext>
+                  </a:extLst>
+                </a:gridCol>
+              </a:tblGrid>
+              <a:tr h="206380">
+                <a:tc>
+                  <a:txBody>
+                    <a:bodyPr/>
+                    <a:lstStyle/>
+                    <a:p>
+                      <a:endParaRPr lang="en-US" sz="800" dirty="0"/>
+                    </a:p>
+                  </a:txBody>
+                  <a:tcPr>
+                    <a:lnL w="19050" cap="flat" cmpd="sng" algn="ctr">
+                      <a:solidFill>
+                        <a:schemeClr val="accent6"/>
+                      </a:solidFill>
+                      <a:prstDash val="solid"/>
+                      <a:round/>
+                      <a:headEnd type="none" w="med" len="med"/>
+                      <a:tailEnd type="none" w="med" len="med"/>
+                    </a:lnL>
+                    <a:lnR w="19050" cap="flat" cmpd="sng" algn="ctr">
+                      <a:solidFill>
+                        <a:schemeClr val="accent6"/>
+                      </a:solidFill>
+                      <a:prstDash val="solid"/>
+                      <a:round/>
+                      <a:headEnd type="none" w="med" len="med"/>
+                      <a:tailEnd type="none" w="med" len="med"/>
+                    </a:lnR>
+                    <a:lnT w="19050" cap="flat" cmpd="sng" algn="ctr">
+                      <a:solidFill>
+                        <a:schemeClr val="accent6"/>
+                      </a:solidFill>
+                      <a:prstDash val="solid"/>
+                      <a:round/>
+                      <a:headEnd type="none" w="med" len="med"/>
+                      <a:tailEnd type="none" w="med" len="med"/>
+                    </a:lnT>
+                    <a:lnB w="19050" cap="flat" cmpd="sng" algn="ctr">
+                      <a:solidFill>
+                        <a:schemeClr val="accent6"/>
+                      </a:solidFill>
+                      <a:prstDash val="solid"/>
+                      <a:round/>
+                      <a:headEnd type="none" w="med" len="med"/>
+                      <a:tailEnd type="none" w="med" len="med"/>
+                    </a:lnB>
+                    <a:lnTlToBr w="12700" cmpd="sng">
+                      <a:noFill/>
+                      <a:prstDash val="solid"/>
+                    </a:lnTlToBr>
+                    <a:lnBlToTr w="12700" cmpd="sng">
+                      <a:noFill/>
+                      <a:prstDash val="solid"/>
+                    </a:lnBlToTr>
+                    <a:solidFill>
+                      <a:schemeClr val="accent6">
+                        <a:lumMod val="20000"/>
+                        <a:lumOff val="80000"/>
+                      </a:schemeClr>
+                    </a:solidFill>
+                  </a:tcPr>
+                </a:tc>
+                <a:extLst>
+                  <a:ext uri="{0D108BD9-81ED-4DB2-BD59-A6C34878D82A}">
+                    <a16:rowId xmlns:a16="http://schemas.microsoft.com/office/drawing/2014/main" val="3244523905"/>
+                  </a:ext>
+                </a:extLst>
+              </a:tr>
+              <a:tr h="206380">
+                <a:tc>
+                  <a:txBody>
+                    <a:bodyPr/>
+                    <a:lstStyle/>
+                    <a:p>
+                      <a:endParaRPr lang="en-US" sz="800" dirty="0"/>
+                    </a:p>
+                  </a:txBody>
+                  <a:tcPr>
+                    <a:lnL w="19050" cap="flat" cmpd="sng" algn="ctr">
+                      <a:solidFill>
+                        <a:schemeClr val="accent6"/>
+                      </a:solidFill>
+                      <a:prstDash val="solid"/>
+                      <a:round/>
+                      <a:headEnd type="none" w="med" len="med"/>
+                      <a:tailEnd type="none" w="med" len="med"/>
+                    </a:lnL>
+                    <a:lnR w="19050" cap="flat" cmpd="sng" algn="ctr">
+                      <a:solidFill>
+                        <a:schemeClr val="accent6"/>
+                      </a:solidFill>
+                      <a:prstDash val="solid"/>
+                      <a:round/>
+                      <a:headEnd type="none" w="med" len="med"/>
+                      <a:tailEnd type="none" w="med" len="med"/>
+                    </a:lnR>
+                    <a:lnT w="19050" cap="flat" cmpd="sng" algn="ctr">
+                      <a:solidFill>
+                        <a:schemeClr val="accent6"/>
+                      </a:solidFill>
+                      <a:prstDash val="solid"/>
+                      <a:round/>
+                      <a:headEnd type="none" w="med" len="med"/>
+                      <a:tailEnd type="none" w="med" len="med"/>
+                    </a:lnT>
+                    <a:lnB w="19050" cap="flat" cmpd="sng" algn="ctr">
+                      <a:solidFill>
+                        <a:schemeClr val="accent6"/>
+                      </a:solidFill>
+                      <a:prstDash val="solid"/>
+                      <a:round/>
+                      <a:headEnd type="none" w="med" len="med"/>
+                      <a:tailEnd type="none" w="med" len="med"/>
+                    </a:lnB>
+                    <a:lnTlToBr w="12700" cmpd="sng">
+                      <a:noFill/>
+                      <a:prstDash val="solid"/>
+                    </a:lnTlToBr>
+                    <a:lnBlToTr w="12700" cmpd="sng">
+                      <a:noFill/>
+                      <a:prstDash val="solid"/>
+                    </a:lnBlToTr>
+                    <a:solidFill>
+                      <a:schemeClr val="bg1"/>
+                    </a:solidFill>
+                  </a:tcPr>
+                </a:tc>
+                <a:extLst>
+                  <a:ext uri="{0D108BD9-81ED-4DB2-BD59-A6C34878D82A}">
+                    <a16:rowId xmlns:a16="http://schemas.microsoft.com/office/drawing/2014/main" val="3678188319"/>
+                  </a:ext>
+                </a:extLst>
+              </a:tr>
+              <a:tr h="206380">
+                <a:tc>
+                  <a:txBody>
+                    <a:bodyPr/>
+                    <a:lstStyle/>
+                    <a:p>
+                      <a:endParaRPr lang="en-US" sz="800" dirty="0"/>
+                    </a:p>
+                  </a:txBody>
+                  <a:tcPr>
+                    <a:lnL w="19050" cap="flat" cmpd="sng" algn="ctr">
+                      <a:solidFill>
+                        <a:schemeClr val="accent6"/>
+                      </a:solidFill>
+                      <a:prstDash val="solid"/>
+                      <a:round/>
+                      <a:headEnd type="none" w="med" len="med"/>
+                      <a:tailEnd type="none" w="med" len="med"/>
+                    </a:lnL>
+                    <a:lnR w="19050" cap="flat" cmpd="sng" algn="ctr">
+                      <a:solidFill>
+                        <a:schemeClr val="accent6"/>
+                      </a:solidFill>
+                      <a:prstDash val="solid"/>
+                      <a:round/>
+                      <a:headEnd type="none" w="med" len="med"/>
+                      <a:tailEnd type="none" w="med" len="med"/>
+                    </a:lnR>
+                    <a:lnT w="19050" cap="flat" cmpd="sng" algn="ctr">
+                      <a:solidFill>
+                        <a:schemeClr val="accent6"/>
+                      </a:solidFill>
+                      <a:prstDash val="solid"/>
+                      <a:round/>
+                      <a:headEnd type="none" w="med" len="med"/>
+                      <a:tailEnd type="none" w="med" len="med"/>
+                    </a:lnT>
+                    <a:lnB w="19050" cap="flat" cmpd="sng" algn="ctr">
+                      <a:solidFill>
+                        <a:schemeClr val="accent6"/>
+                      </a:solidFill>
+                      <a:prstDash val="solid"/>
+                      <a:round/>
+                      <a:headEnd type="none" w="med" len="med"/>
+                      <a:tailEnd type="none" w="med" len="med"/>
+                    </a:lnB>
+                    <a:lnTlToBr w="12700" cmpd="sng">
+                      <a:noFill/>
+                      <a:prstDash val="solid"/>
+                    </a:lnTlToBr>
+                    <a:lnBlToTr w="12700" cmpd="sng">
+                      <a:noFill/>
+                      <a:prstDash val="solid"/>
+                    </a:lnBlToTr>
+                    <a:solidFill>
+                      <a:schemeClr val="bg1"/>
+                    </a:solidFill>
+                  </a:tcPr>
+                </a:tc>
+                <a:extLst>
+                  <a:ext uri="{0D108BD9-81ED-4DB2-BD59-A6C34878D82A}">
+                    <a16:rowId xmlns:a16="http://schemas.microsoft.com/office/drawing/2014/main" val="2525101301"/>
+                  </a:ext>
+                </a:extLst>
+              </a:tr>
+              <a:tr h="206380">
+                <a:tc>
+                  <a:txBody>
+                    <a:bodyPr/>
+                    <a:lstStyle/>
+                    <a:p>
+                      <a:endParaRPr lang="en-US" sz="800" dirty="0"/>
+                    </a:p>
+                  </a:txBody>
+                  <a:tcPr>
+                    <a:lnL w="19050" cap="flat" cmpd="sng" algn="ctr">
+                      <a:solidFill>
+                        <a:schemeClr val="accent6"/>
+                      </a:solidFill>
+                      <a:prstDash val="solid"/>
+                      <a:round/>
+                      <a:headEnd type="none" w="med" len="med"/>
+                      <a:tailEnd type="none" w="med" len="med"/>
+                    </a:lnL>
+                    <a:lnR w="19050" cap="flat" cmpd="sng" algn="ctr">
+                      <a:solidFill>
+                        <a:schemeClr val="accent6"/>
+                      </a:solidFill>
+                      <a:prstDash val="solid"/>
+                      <a:round/>
+                      <a:headEnd type="none" w="med" len="med"/>
+                      <a:tailEnd type="none" w="med" len="med"/>
+                    </a:lnR>
+                    <a:lnT w="19050" cap="flat" cmpd="sng" algn="ctr">
+                      <a:solidFill>
+                        <a:schemeClr val="accent6"/>
+                      </a:solidFill>
+                      <a:prstDash val="solid"/>
+                      <a:round/>
+                      <a:headEnd type="none" w="med" len="med"/>
+                      <a:tailEnd type="none" w="med" len="med"/>
+                    </a:lnT>
+                    <a:lnB w="19050" cap="flat" cmpd="sng" algn="ctr">
+                      <a:solidFill>
+                        <a:schemeClr val="accent6"/>
+                      </a:solidFill>
+                      <a:prstDash val="solid"/>
+                      <a:round/>
+                      <a:headEnd type="none" w="med" len="med"/>
+                      <a:tailEnd type="none" w="med" len="med"/>
+                    </a:lnB>
+                    <a:lnTlToBr w="12700" cmpd="sng">
+                      <a:noFill/>
+                      <a:prstDash val="solid"/>
+                    </a:lnTlToBr>
+                    <a:lnBlToTr w="12700" cmpd="sng">
+                      <a:noFill/>
+                      <a:prstDash val="solid"/>
+                    </a:lnBlToTr>
+                    <a:solidFill>
+                      <a:schemeClr val="bg1"/>
+                    </a:solidFill>
+                  </a:tcPr>
+                </a:tc>
+                <a:extLst>
+                  <a:ext uri="{0D108BD9-81ED-4DB2-BD59-A6C34878D82A}">
+                    <a16:rowId xmlns:a16="http://schemas.microsoft.com/office/drawing/2014/main" val="1313577860"/>
+                  </a:ext>
+                </a:extLst>
+              </a:tr>
+            </a:tbl>
+          </a:graphicData>
+        </a:graphic>
+      </p:graphicFrame>
+      <p:graphicFrame>
+        <p:nvGraphicFramePr>
+          <p:cNvPr id="27" name="Table 26"/>
+          <p:cNvGraphicFramePr>
+            <a:graphicFrameLocks noGrp="1"/>
+          </p:cNvGraphicFramePr>
+          <p:nvPr>
+            <p:extLst>
+              <p:ext uri="{D42A27DB-BD31-4B8C-83A1-F6EECF244321}">
+                <p14:modId xmlns:p14="http://schemas.microsoft.com/office/powerpoint/2010/main" val="4051589343"/>
+              </p:ext>
+            </p:extLst>
+          </p:nvPr>
+        </p:nvGraphicFramePr>
+        <p:xfrm>
+          <a:off x="2917872" y="2410792"/>
+          <a:ext cx="273050" cy="853440"/>
+        </p:xfrm>
+        <a:graphic>
+          <a:graphicData uri="http://schemas.openxmlformats.org/drawingml/2006/table">
+            <a:tbl>
+              <a:tblPr firstRow="1" bandRow="1"/>
+              <a:tblGrid>
+                <a:gridCol w="273050">
+                  <a:extLst>
+                    <a:ext uri="{9D8B030D-6E8A-4147-A177-3AD203B41FA5}">
+                      <a16:colId xmlns:a16="http://schemas.microsoft.com/office/drawing/2014/main" val="4185730726"/>
+                    </a:ext>
+                  </a:extLst>
+                </a:gridCol>
+              </a:tblGrid>
+              <a:tr h="206380">
+                <a:tc>
+                  <a:txBody>
+                    <a:bodyPr/>
+                    <a:lstStyle/>
+                    <a:p>
+                      <a:endParaRPr lang="en-US" sz="800" dirty="0"/>
+                    </a:p>
+                  </a:txBody>
+                  <a:tcPr>
+                    <a:lnL w="19050" cap="flat" cmpd="sng" algn="ctr">
+                      <a:solidFill>
+                        <a:schemeClr val="accent2"/>
+                      </a:solidFill>
+                      <a:prstDash val="solid"/>
+                      <a:round/>
+                      <a:headEnd type="none" w="med" len="med"/>
+                      <a:tailEnd type="none" w="med" len="med"/>
+                    </a:lnL>
+                    <a:lnR w="19050" cap="flat" cmpd="sng" algn="ctr">
+                      <a:solidFill>
+                        <a:schemeClr val="accent2"/>
+                      </a:solidFill>
+                      <a:prstDash val="solid"/>
+                      <a:round/>
+                      <a:headEnd type="none" w="med" len="med"/>
+                      <a:tailEnd type="none" w="med" len="med"/>
+                    </a:lnR>
+                    <a:lnT w="19050" cap="flat" cmpd="sng" algn="ctr">
+                      <a:solidFill>
+                        <a:schemeClr val="accent2"/>
+                      </a:solidFill>
+                      <a:prstDash val="solid"/>
+                      <a:round/>
+                      <a:headEnd type="none" w="med" len="med"/>
+                      <a:tailEnd type="none" w="med" len="med"/>
+                    </a:lnT>
+                    <a:lnB w="19050" cap="flat" cmpd="sng" algn="ctr">
+                      <a:solidFill>
+                        <a:schemeClr val="accent2"/>
+                      </a:solidFill>
+                      <a:prstDash val="solid"/>
+                      <a:round/>
+                      <a:headEnd type="none" w="med" len="med"/>
+                      <a:tailEnd type="none" w="med" len="med"/>
+                    </a:lnB>
+                    <a:lnTlToBr w="12700" cmpd="sng">
+                      <a:noFill/>
+                      <a:prstDash val="solid"/>
+                    </a:lnTlToBr>
+                    <a:lnBlToTr w="12700" cmpd="sng">
+                      <a:noFill/>
+                      <a:prstDash val="solid"/>
+                    </a:lnBlToTr>
+                    <a:solidFill>
+                      <a:schemeClr val="bg1"/>
+                    </a:solidFill>
+                  </a:tcPr>
+                </a:tc>
+                <a:extLst>
+                  <a:ext uri="{0D108BD9-81ED-4DB2-BD59-A6C34878D82A}">
+                    <a16:rowId xmlns:a16="http://schemas.microsoft.com/office/drawing/2014/main" val="3244523905"/>
+                  </a:ext>
+                </a:extLst>
+              </a:tr>
+              <a:tr h="206380">
+                <a:tc>
+                  <a:txBody>
+                    <a:bodyPr/>
+                    <a:lstStyle/>
+                    <a:p>
+                      <a:endParaRPr lang="en-US" sz="800" dirty="0"/>
+                    </a:p>
+                  </a:txBody>
+                  <a:tcPr>
+                    <a:lnL w="19050" cap="flat" cmpd="sng" algn="ctr">
+                      <a:solidFill>
+                        <a:schemeClr val="accent2"/>
+                      </a:solidFill>
+                      <a:prstDash val="solid"/>
+                      <a:round/>
+                      <a:headEnd type="none" w="med" len="med"/>
+                      <a:tailEnd type="none" w="med" len="med"/>
+                    </a:lnL>
+                    <a:lnR w="19050" cap="flat" cmpd="sng" algn="ctr">
+                      <a:solidFill>
+                        <a:schemeClr val="accent2"/>
+                      </a:solidFill>
+                      <a:prstDash val="solid"/>
+                      <a:round/>
+                      <a:headEnd type="none" w="med" len="med"/>
+                      <a:tailEnd type="none" w="med" len="med"/>
+                    </a:lnR>
+                    <a:lnT w="19050" cap="flat" cmpd="sng" algn="ctr">
+                      <a:solidFill>
+                        <a:schemeClr val="accent2"/>
+                      </a:solidFill>
+                      <a:prstDash val="solid"/>
+                      <a:round/>
+                      <a:headEnd type="none" w="med" len="med"/>
+                      <a:tailEnd type="none" w="med" len="med"/>
+                    </a:lnT>
+                    <a:lnB w="19050" cap="flat" cmpd="sng" algn="ctr">
+                      <a:solidFill>
+                        <a:schemeClr val="accent2"/>
+                      </a:solidFill>
+                      <a:prstDash val="solid"/>
+                      <a:round/>
+                      <a:headEnd type="none" w="med" len="med"/>
+                      <a:tailEnd type="none" w="med" len="med"/>
+                    </a:lnB>
+                    <a:lnTlToBr w="12700" cmpd="sng">
+                      <a:noFill/>
+                      <a:prstDash val="solid"/>
+                    </a:lnTlToBr>
+                    <a:lnBlToTr w="12700" cmpd="sng">
+                      <a:noFill/>
+                      <a:prstDash val="solid"/>
+                    </a:lnBlToTr>
+                    <a:solidFill>
+                      <a:schemeClr val="bg1"/>
+                    </a:solidFill>
+                  </a:tcPr>
+                </a:tc>
+                <a:extLst>
+                  <a:ext uri="{0D108BD9-81ED-4DB2-BD59-A6C34878D82A}">
+                    <a16:rowId xmlns:a16="http://schemas.microsoft.com/office/drawing/2014/main" val="3678188319"/>
+                  </a:ext>
+                </a:extLst>
+              </a:tr>
+              <a:tr h="206380">
+                <a:tc>
+                  <a:txBody>
+                    <a:bodyPr/>
+                    <a:lstStyle/>
+                    <a:p>
+                      <a:endParaRPr lang="en-US" sz="800" dirty="0"/>
+                    </a:p>
+                  </a:txBody>
+                  <a:tcPr>
+                    <a:lnL w="19050" cap="flat" cmpd="sng" algn="ctr">
+                      <a:solidFill>
+                        <a:schemeClr val="accent2"/>
+                      </a:solidFill>
+                      <a:prstDash val="solid"/>
+                      <a:round/>
+                      <a:headEnd type="none" w="med" len="med"/>
+                      <a:tailEnd type="none" w="med" len="med"/>
+                    </a:lnL>
+                    <a:lnR w="19050" cap="flat" cmpd="sng" algn="ctr">
+                      <a:solidFill>
+                        <a:schemeClr val="accent2"/>
+                      </a:solidFill>
+                      <a:prstDash val="solid"/>
+                      <a:round/>
+                      <a:headEnd type="none" w="med" len="med"/>
+                      <a:tailEnd type="none" w="med" len="med"/>
+                    </a:lnR>
+                    <a:lnT w="19050" cap="flat" cmpd="sng" algn="ctr">
+                      <a:solidFill>
+                        <a:schemeClr val="accent2"/>
+                      </a:solidFill>
+                      <a:prstDash val="solid"/>
+                      <a:round/>
+                      <a:headEnd type="none" w="med" len="med"/>
+                      <a:tailEnd type="none" w="med" len="med"/>
+                    </a:lnT>
+                    <a:lnB w="19050" cap="flat" cmpd="sng" algn="ctr">
+                      <a:solidFill>
+                        <a:schemeClr val="accent2"/>
+                      </a:solidFill>
+                      <a:prstDash val="solid"/>
+                      <a:round/>
+                      <a:headEnd type="none" w="med" len="med"/>
+                      <a:tailEnd type="none" w="med" len="med"/>
+                    </a:lnB>
+                    <a:lnTlToBr w="12700" cmpd="sng">
+                      <a:noFill/>
+                      <a:prstDash val="solid"/>
+                    </a:lnTlToBr>
+                    <a:lnBlToTr w="12700" cmpd="sng">
+                      <a:noFill/>
+                      <a:prstDash val="solid"/>
+                    </a:lnBlToTr>
+                    <a:solidFill>
+                      <a:schemeClr val="accent2">
+                        <a:lumMod val="40000"/>
+                        <a:lumOff val="60000"/>
+                      </a:schemeClr>
+                    </a:solidFill>
+                  </a:tcPr>
+                </a:tc>
+                <a:extLst>
+                  <a:ext uri="{0D108BD9-81ED-4DB2-BD59-A6C34878D82A}">
+                    <a16:rowId xmlns:a16="http://schemas.microsoft.com/office/drawing/2014/main" val="2525101301"/>
+                  </a:ext>
+                </a:extLst>
+              </a:tr>
+              <a:tr h="206380">
+                <a:tc>
+                  <a:txBody>
+                    <a:bodyPr/>
+                    <a:lstStyle/>
+                    <a:p>
+                      <a:endParaRPr lang="en-US" sz="800" dirty="0"/>
+                    </a:p>
+                  </a:txBody>
+                  <a:tcPr>
+                    <a:lnL w="19050" cap="flat" cmpd="sng" algn="ctr">
+                      <a:solidFill>
+                        <a:schemeClr val="accent2"/>
+                      </a:solidFill>
+                      <a:prstDash val="solid"/>
+                      <a:round/>
+                      <a:headEnd type="none" w="med" len="med"/>
+                      <a:tailEnd type="none" w="med" len="med"/>
+                    </a:lnL>
+                    <a:lnR w="19050" cap="flat" cmpd="sng" algn="ctr">
+                      <a:solidFill>
+                        <a:schemeClr val="accent2"/>
+                      </a:solidFill>
+                      <a:prstDash val="solid"/>
+                      <a:round/>
+                      <a:headEnd type="none" w="med" len="med"/>
+                      <a:tailEnd type="none" w="med" len="med"/>
+                    </a:lnR>
+                    <a:lnT w="19050" cap="flat" cmpd="sng" algn="ctr">
+                      <a:solidFill>
+                        <a:schemeClr val="accent2"/>
+                      </a:solidFill>
+                      <a:prstDash val="solid"/>
+                      <a:round/>
+                      <a:headEnd type="none" w="med" len="med"/>
+                      <a:tailEnd type="none" w="med" len="med"/>
+                    </a:lnT>
+                    <a:lnB w="19050" cap="flat" cmpd="sng" algn="ctr">
+                      <a:solidFill>
+                        <a:schemeClr val="accent2"/>
+                      </a:solidFill>
+                      <a:prstDash val="solid"/>
+                      <a:round/>
+                      <a:headEnd type="none" w="med" len="med"/>
+                      <a:tailEnd type="none" w="med" len="med"/>
+                    </a:lnB>
+                    <a:lnTlToBr w="12700" cmpd="sng">
+                      <a:noFill/>
+                      <a:prstDash val="solid"/>
+                    </a:lnTlToBr>
+                    <a:lnBlToTr w="12700" cmpd="sng">
+                      <a:noFill/>
+                      <a:prstDash val="solid"/>
+                    </a:lnBlToTr>
+                    <a:solidFill>
+                      <a:srgbClr val="FFFFFF"/>
+                    </a:solidFill>
+                  </a:tcPr>
+                </a:tc>
+                <a:extLst>
+                  <a:ext uri="{0D108BD9-81ED-4DB2-BD59-A6C34878D82A}">
+                    <a16:rowId xmlns:a16="http://schemas.microsoft.com/office/drawing/2014/main" val="1313577860"/>
+                  </a:ext>
+                </a:extLst>
+              </a:tr>
+            </a:tbl>
+          </a:graphicData>
+        </a:graphic>
+      </p:graphicFrame>
+      <p:graphicFrame>
+        <p:nvGraphicFramePr>
+          <p:cNvPr id="11" name="Table 10"/>
+          <p:cNvGraphicFramePr>
+            <a:graphicFrameLocks noGrp="1"/>
+          </p:cNvGraphicFramePr>
+          <p:nvPr>
+            <p:extLst>
+              <p:ext uri="{D42A27DB-BD31-4B8C-83A1-F6EECF244321}">
+                <p14:modId xmlns:p14="http://schemas.microsoft.com/office/powerpoint/2010/main" val="2928069219"/>
+              </p:ext>
+            </p:extLst>
+          </p:nvPr>
+        </p:nvGraphicFramePr>
+        <p:xfrm>
+          <a:off x="1217342" y="2245421"/>
+          <a:ext cx="1074420" cy="1219200"/>
+        </p:xfrm>
+        <a:graphic>
+          <a:graphicData uri="http://schemas.openxmlformats.org/drawingml/2006/table">
+            <a:tbl>
+              <a:tblPr firstRow="1" bandRow="1"/>
+              <a:tblGrid>
+                <a:gridCol w="268605">
+                  <a:extLst>
+                    <a:ext uri="{9D8B030D-6E8A-4147-A177-3AD203B41FA5}">
+                      <a16:colId xmlns:a16="http://schemas.microsoft.com/office/drawing/2014/main" val="4185730726"/>
+                    </a:ext>
+                  </a:extLst>
+                </a:gridCol>
+                <a:gridCol w="268605">
+                  <a:extLst>
+                    <a:ext uri="{9D8B030D-6E8A-4147-A177-3AD203B41FA5}">
+                      <a16:colId xmlns:a16="http://schemas.microsoft.com/office/drawing/2014/main" val="1352304641"/>
+                    </a:ext>
+                  </a:extLst>
+                </a:gridCol>
+                <a:gridCol w="268605">
+                  <a:extLst>
+                    <a:ext uri="{9D8B030D-6E8A-4147-A177-3AD203B41FA5}">
+                      <a16:colId xmlns:a16="http://schemas.microsoft.com/office/drawing/2014/main" val="633533869"/>
+                    </a:ext>
+                  </a:extLst>
+                </a:gridCol>
+                <a:gridCol w="268605">
+                  <a:extLst>
+                    <a:ext uri="{9D8B030D-6E8A-4147-A177-3AD203B41FA5}">
+                      <a16:colId xmlns:a16="http://schemas.microsoft.com/office/drawing/2014/main" val="1474325871"/>
+                    </a:ext>
+                  </a:extLst>
+                </a:gridCol>
+              </a:tblGrid>
+              <a:tr h="250825">
+                <a:tc>
+                  <a:txBody>
+                    <a:bodyPr/>
+                    <a:lstStyle/>
+                    <a:p>
+                      <a:endParaRPr lang="en-US" sz="1400" dirty="0"/>
+                    </a:p>
+                  </a:txBody>
+                  <a:tcPr>
+                    <a:lnL w="19050" cap="flat" cmpd="sng" algn="ctr">
+                      <a:solidFill>
+                        <a:schemeClr val="accent1"/>
+                      </a:solidFill>
+                      <a:prstDash val="solid"/>
+                      <a:round/>
+                      <a:headEnd type="none" w="med" len="med"/>
+                      <a:tailEnd type="none" w="med" len="med"/>
+                    </a:lnL>
+                    <a:lnR w="19050" cap="flat" cmpd="sng" algn="ctr">
+                      <a:solidFill>
+                        <a:schemeClr val="accent1"/>
+                      </a:solidFill>
+                      <a:prstDash val="solid"/>
+                      <a:round/>
+                      <a:headEnd type="none" w="med" len="med"/>
+                      <a:tailEnd type="none" w="med" len="med"/>
+                    </a:lnR>
+                    <a:lnT w="19050" cap="flat" cmpd="sng" algn="ctr">
+                      <a:solidFill>
+                        <a:schemeClr val="accent1"/>
+                      </a:solidFill>
+                      <a:prstDash val="solid"/>
+                      <a:round/>
+                      <a:headEnd type="none" w="med" len="med"/>
+                      <a:tailEnd type="none" w="med" len="med"/>
+                    </a:lnT>
+                    <a:lnB w="19050" cap="flat" cmpd="sng" algn="ctr">
+                      <a:solidFill>
+                        <a:schemeClr val="accent1"/>
+                      </a:solidFill>
+                      <a:prstDash val="solid"/>
+                      <a:round/>
+                      <a:headEnd type="none" w="med" len="med"/>
+                      <a:tailEnd type="none" w="med" len="med"/>
+                    </a:lnB>
+                    <a:lnTlToBr w="12700" cmpd="sng">
+                      <a:noFill/>
+                      <a:prstDash val="solid"/>
+                    </a:lnTlToBr>
+                    <a:lnBlToTr w="12700" cmpd="sng">
+                      <a:noFill/>
+                      <a:prstDash val="solid"/>
+                    </a:lnBlToTr>
+                    <a:solidFill>
+                      <a:schemeClr val="accent1">
+                        <a:lumMod val="20000"/>
+                        <a:lumOff val="80000"/>
+                      </a:schemeClr>
+                    </a:solidFill>
+                  </a:tcPr>
+                </a:tc>
+                <a:tc>
+                  <a:txBody>
+                    <a:bodyPr/>
+                    <a:lstStyle/>
+                    <a:p>
+                      <a:endParaRPr lang="en-US" sz="1400" dirty="0"/>
+                    </a:p>
+                  </a:txBody>
+                  <a:tcPr>
+                    <a:lnL w="19050" cap="flat" cmpd="sng" algn="ctr">
+                      <a:solidFill>
+                        <a:schemeClr val="accent1"/>
+                      </a:solidFill>
+                      <a:prstDash val="solid"/>
+                      <a:round/>
+                      <a:headEnd type="none" w="med" len="med"/>
+                      <a:tailEnd type="none" w="med" len="med"/>
+                    </a:lnL>
+                    <a:lnR w="19050" cap="flat" cmpd="sng" algn="ctr">
+                      <a:solidFill>
+                        <a:schemeClr val="accent1"/>
+                      </a:solidFill>
+                      <a:prstDash val="solid"/>
+                      <a:round/>
+                      <a:headEnd type="none" w="med" len="med"/>
+                      <a:tailEnd type="none" w="med" len="med"/>
+                    </a:lnR>
+                    <a:lnT w="19050" cap="flat" cmpd="sng" algn="ctr">
+                      <a:solidFill>
+                        <a:schemeClr val="accent1"/>
+                      </a:solidFill>
+                      <a:prstDash val="solid"/>
+                      <a:round/>
+                      <a:headEnd type="none" w="med" len="med"/>
+                      <a:tailEnd type="none" w="med" len="med"/>
+                    </a:lnT>
+                    <a:lnB w="19050" cap="flat" cmpd="sng" algn="ctr">
+                      <a:solidFill>
+                        <a:schemeClr val="accent1"/>
+                      </a:solidFill>
+                      <a:prstDash val="solid"/>
+                      <a:round/>
+                      <a:headEnd type="none" w="med" len="med"/>
+                      <a:tailEnd type="none" w="med" len="med"/>
+                    </a:lnB>
+                    <a:lnTlToBr w="12700" cmpd="sng">
+                      <a:noFill/>
+                      <a:prstDash val="solid"/>
+                    </a:lnTlToBr>
+                    <a:lnBlToTr w="12700" cmpd="sng">
+                      <a:noFill/>
+                      <a:prstDash val="solid"/>
+                    </a:lnBlToTr>
+                    <a:solidFill>
+                      <a:schemeClr val="accent1">
+                        <a:lumMod val="20000"/>
+                        <a:lumOff val="80000"/>
+                      </a:schemeClr>
+                    </a:solidFill>
+                  </a:tcPr>
+                </a:tc>
+                <a:tc>
+                  <a:txBody>
+                    <a:bodyPr/>
+                    <a:lstStyle/>
+                    <a:p>
+                      <a:endParaRPr lang="en-US" sz="1400" dirty="0"/>
+                    </a:p>
+                  </a:txBody>
+                  <a:tcPr>
+                    <a:lnL w="19050" cap="flat" cmpd="sng" algn="ctr">
+                      <a:solidFill>
+                        <a:schemeClr val="accent1"/>
+                      </a:solidFill>
+                      <a:prstDash val="solid"/>
+                      <a:round/>
+                      <a:headEnd type="none" w="med" len="med"/>
+                      <a:tailEnd type="none" w="med" len="med"/>
+                    </a:lnL>
+                    <a:lnR w="19050" cap="flat" cmpd="sng" algn="ctr">
+                      <a:solidFill>
+                        <a:schemeClr val="accent1"/>
+                      </a:solidFill>
+                      <a:prstDash val="solid"/>
+                      <a:round/>
+                      <a:headEnd type="none" w="med" len="med"/>
+                      <a:tailEnd type="none" w="med" len="med"/>
+                    </a:lnR>
+                    <a:lnT w="19050" cap="flat" cmpd="sng" algn="ctr">
+                      <a:solidFill>
+                        <a:schemeClr val="accent1"/>
+                      </a:solidFill>
+                      <a:prstDash val="solid"/>
+                      <a:round/>
+                      <a:headEnd type="none" w="med" len="med"/>
+                      <a:tailEnd type="none" w="med" len="med"/>
+                    </a:lnT>
+                    <a:lnB w="19050" cap="flat" cmpd="sng" algn="ctr">
+                      <a:solidFill>
+                        <a:schemeClr val="accent1"/>
+                      </a:solidFill>
+                      <a:prstDash val="solid"/>
+                      <a:round/>
+                      <a:headEnd type="none" w="med" len="med"/>
+                      <a:tailEnd type="none" w="med" len="med"/>
+                    </a:lnB>
+                    <a:lnTlToBr w="12700" cmpd="sng">
+                      <a:noFill/>
+                      <a:prstDash val="solid"/>
+                    </a:lnTlToBr>
+                    <a:lnBlToTr w="12700" cmpd="sng">
+                      <a:noFill/>
+                      <a:prstDash val="solid"/>
+                    </a:lnBlToTr>
+                    <a:solidFill>
+                      <a:schemeClr val="accent1">
+                        <a:lumMod val="20000"/>
+                        <a:lumOff val="80000"/>
+                      </a:schemeClr>
+                    </a:solidFill>
+                  </a:tcPr>
+                </a:tc>
+                <a:tc>
+                  <a:txBody>
+                    <a:bodyPr/>
+                    <a:lstStyle/>
+                    <a:p>
+                      <a:endParaRPr lang="en-US" sz="1400" dirty="0"/>
+                    </a:p>
+                  </a:txBody>
+                  <a:tcPr>
+                    <a:lnL w="19050" cap="flat" cmpd="sng" algn="ctr">
+                      <a:solidFill>
+                        <a:schemeClr val="accent1"/>
+                      </a:solidFill>
+                      <a:prstDash val="solid"/>
+                      <a:round/>
+                      <a:headEnd type="none" w="med" len="med"/>
+                      <a:tailEnd type="none" w="med" len="med"/>
+                    </a:lnL>
+                    <a:lnR w="19050" cap="flat" cmpd="sng" algn="ctr">
+                      <a:solidFill>
+                        <a:schemeClr val="accent1"/>
+                      </a:solidFill>
+                      <a:prstDash val="solid"/>
+                      <a:round/>
+                      <a:headEnd type="none" w="med" len="med"/>
+                      <a:tailEnd type="none" w="med" len="med"/>
+                    </a:lnR>
+                    <a:lnT w="19050" cap="flat" cmpd="sng" algn="ctr">
+                      <a:solidFill>
+                        <a:schemeClr val="accent1"/>
+                      </a:solidFill>
+                      <a:prstDash val="solid"/>
+                      <a:round/>
+                      <a:headEnd type="none" w="med" len="med"/>
+                      <a:tailEnd type="none" w="med" len="med"/>
+                    </a:lnT>
+                    <a:lnB w="19050" cap="flat" cmpd="sng" algn="ctr">
+                      <a:solidFill>
+                        <a:schemeClr val="accent1"/>
+                      </a:solidFill>
+                      <a:prstDash val="solid"/>
+                      <a:round/>
+                      <a:headEnd type="none" w="med" len="med"/>
+                      <a:tailEnd type="none" w="med" len="med"/>
+                    </a:lnB>
+                    <a:lnTlToBr w="12700" cmpd="sng">
+                      <a:noFill/>
+                      <a:prstDash val="solid"/>
+                    </a:lnTlToBr>
+                    <a:lnBlToTr w="12700" cmpd="sng">
+                      <a:noFill/>
+                      <a:prstDash val="solid"/>
+                    </a:lnBlToTr>
+                    <a:solidFill>
+                      <a:schemeClr val="accent1">
+                        <a:lumMod val="20000"/>
+                        <a:lumOff val="80000"/>
+                      </a:schemeClr>
+                    </a:solidFill>
+                  </a:tcPr>
+                </a:tc>
+                <a:extLst>
+                  <a:ext uri="{0D108BD9-81ED-4DB2-BD59-A6C34878D82A}">
+                    <a16:rowId xmlns:a16="http://schemas.microsoft.com/office/drawing/2014/main" val="3244523905"/>
+                  </a:ext>
+                </a:extLst>
+              </a:tr>
+              <a:tr h="250825">
+                <a:tc>
+                  <a:txBody>
+                    <a:bodyPr/>
+                    <a:lstStyle/>
+                    <a:p>
+                      <a:endParaRPr lang="en-US" sz="1400" dirty="0"/>
+                    </a:p>
+                  </a:txBody>
+                  <a:tcPr>
+                    <a:lnL w="19050" cap="flat" cmpd="sng" algn="ctr">
+                      <a:solidFill>
+                        <a:schemeClr val="accent1"/>
+                      </a:solidFill>
+                      <a:prstDash val="solid"/>
+                      <a:round/>
+                      <a:headEnd type="none" w="med" len="med"/>
+                      <a:tailEnd type="none" w="med" len="med"/>
+                    </a:lnL>
+                    <a:lnR w="19050" cap="flat" cmpd="sng" algn="ctr">
+                      <a:solidFill>
+                        <a:schemeClr val="accent1"/>
+                      </a:solidFill>
+                      <a:prstDash val="solid"/>
+                      <a:round/>
+                      <a:headEnd type="none" w="med" len="med"/>
+                      <a:tailEnd type="none" w="med" len="med"/>
+                    </a:lnR>
+                    <a:lnT w="19050" cap="flat" cmpd="sng" algn="ctr">
+                      <a:solidFill>
+                        <a:schemeClr val="accent1"/>
+                      </a:solidFill>
+                      <a:prstDash val="solid"/>
+                      <a:round/>
+                      <a:headEnd type="none" w="med" len="med"/>
+                      <a:tailEnd type="none" w="med" len="med"/>
+                    </a:lnT>
+                    <a:lnB w="19050" cap="flat" cmpd="sng" algn="ctr">
+                      <a:solidFill>
+                        <a:schemeClr val="accent1"/>
+                      </a:solidFill>
+                      <a:prstDash val="solid"/>
+                      <a:round/>
+                      <a:headEnd type="none" w="med" len="med"/>
+                      <a:tailEnd type="none" w="med" len="med"/>
+                    </a:lnB>
+                    <a:lnTlToBr w="12700" cmpd="sng">
+                      <a:noFill/>
+                      <a:prstDash val="solid"/>
+                    </a:lnTlToBr>
+                    <a:lnBlToTr w="12700" cmpd="sng">
+                      <a:noFill/>
+                      <a:prstDash val="solid"/>
+                    </a:lnBlToTr>
+                    <a:solidFill>
+                      <a:schemeClr val="accent1">
+                        <a:lumMod val="20000"/>
+                        <a:lumOff val="80000"/>
+                      </a:schemeClr>
+                    </a:solidFill>
+                  </a:tcPr>
+                </a:tc>
+                <a:tc>
+                  <a:txBody>
+                    <a:bodyPr/>
+                    <a:lstStyle/>
+                    <a:p>
+                      <a:endParaRPr lang="en-US" sz="1400" dirty="0"/>
+                    </a:p>
+                  </a:txBody>
+                  <a:tcPr>
+                    <a:lnL w="19050" cap="flat" cmpd="sng" algn="ctr">
+                      <a:solidFill>
+                        <a:schemeClr val="accent1"/>
+                      </a:solidFill>
+                      <a:prstDash val="solid"/>
+                      <a:round/>
+                      <a:headEnd type="none" w="med" len="med"/>
+                      <a:tailEnd type="none" w="med" len="med"/>
+                    </a:lnL>
+                    <a:lnR w="19050" cap="flat" cmpd="sng" algn="ctr">
+                      <a:solidFill>
+                        <a:schemeClr val="accent1"/>
+                      </a:solidFill>
+                      <a:prstDash val="solid"/>
+                      <a:round/>
+                      <a:headEnd type="none" w="med" len="med"/>
+                      <a:tailEnd type="none" w="med" len="med"/>
+                    </a:lnR>
+                    <a:lnT w="19050" cap="flat" cmpd="sng" algn="ctr">
+                      <a:solidFill>
+                        <a:schemeClr val="accent1"/>
+                      </a:solidFill>
+                      <a:prstDash val="solid"/>
+                      <a:round/>
+                      <a:headEnd type="none" w="med" len="med"/>
+                      <a:tailEnd type="none" w="med" len="med"/>
+                    </a:lnT>
+                    <a:lnB w="19050" cap="flat" cmpd="sng" algn="ctr">
+                      <a:solidFill>
+                        <a:schemeClr val="accent1"/>
+                      </a:solidFill>
+                      <a:prstDash val="solid"/>
+                      <a:round/>
+                      <a:headEnd type="none" w="med" len="med"/>
+                      <a:tailEnd type="none" w="med" len="med"/>
+                    </a:lnB>
+                    <a:lnTlToBr w="12700" cmpd="sng">
+                      <a:noFill/>
+                      <a:prstDash val="solid"/>
+                    </a:lnTlToBr>
+                    <a:lnBlToTr w="12700" cmpd="sng">
+                      <a:noFill/>
+                      <a:prstDash val="solid"/>
+                    </a:lnBlToTr>
+                    <a:solidFill>
+                      <a:schemeClr val="accent1">
+                        <a:lumMod val="20000"/>
+                        <a:lumOff val="80000"/>
+                      </a:schemeClr>
+                    </a:solidFill>
+                  </a:tcPr>
+                </a:tc>
+                <a:tc>
+                  <a:txBody>
+                    <a:bodyPr/>
+                    <a:lstStyle/>
+                    <a:p>
+                      <a:endParaRPr lang="en-US" sz="1400" dirty="0"/>
+                    </a:p>
+                  </a:txBody>
+                  <a:tcPr>
+                    <a:lnL w="19050" cap="flat" cmpd="sng" algn="ctr">
+                      <a:solidFill>
+                        <a:schemeClr val="accent1"/>
+                      </a:solidFill>
+                      <a:prstDash val="solid"/>
+                      <a:round/>
+                      <a:headEnd type="none" w="med" len="med"/>
+                      <a:tailEnd type="none" w="med" len="med"/>
+                    </a:lnL>
+                    <a:lnR w="19050" cap="flat" cmpd="sng" algn="ctr">
+                      <a:solidFill>
+                        <a:schemeClr val="accent1"/>
+                      </a:solidFill>
+                      <a:prstDash val="solid"/>
+                      <a:round/>
+                      <a:headEnd type="none" w="med" len="med"/>
+                      <a:tailEnd type="none" w="med" len="med"/>
+                    </a:lnR>
+                    <a:lnT w="19050" cap="flat" cmpd="sng" algn="ctr">
+                      <a:solidFill>
+                        <a:schemeClr val="accent1"/>
+                      </a:solidFill>
+                      <a:prstDash val="solid"/>
+                      <a:round/>
+                      <a:headEnd type="none" w="med" len="med"/>
+                      <a:tailEnd type="none" w="med" len="med"/>
+                    </a:lnT>
+                    <a:lnB w="19050" cap="flat" cmpd="sng" algn="ctr">
+                      <a:solidFill>
+                        <a:schemeClr val="accent1"/>
+                      </a:solidFill>
+                      <a:prstDash val="solid"/>
+                      <a:round/>
+                      <a:headEnd type="none" w="med" len="med"/>
+                      <a:tailEnd type="none" w="med" len="med"/>
+                    </a:lnB>
+                    <a:lnTlToBr w="12700" cmpd="sng">
+                      <a:noFill/>
+                      <a:prstDash val="solid"/>
+                    </a:lnTlToBr>
+                    <a:lnBlToTr w="12700" cmpd="sng">
+                      <a:noFill/>
+                      <a:prstDash val="solid"/>
+                    </a:lnBlToTr>
+                    <a:solidFill>
+                      <a:schemeClr val="accent1">
+                        <a:lumMod val="20000"/>
+                        <a:lumOff val="80000"/>
+                      </a:schemeClr>
+                    </a:solidFill>
+                  </a:tcPr>
+                </a:tc>
+                <a:tc>
+                  <a:txBody>
+                    <a:bodyPr/>
+                    <a:lstStyle/>
+                    <a:p>
+                      <a:endParaRPr lang="en-US" sz="1400" dirty="0"/>
+                    </a:p>
+                  </a:txBody>
+                  <a:tcPr>
+                    <a:lnL w="19050" cap="flat" cmpd="sng" algn="ctr">
+                      <a:solidFill>
+                        <a:schemeClr val="accent1"/>
+                      </a:solidFill>
+                      <a:prstDash val="solid"/>
+                      <a:round/>
+                      <a:headEnd type="none" w="med" len="med"/>
+                      <a:tailEnd type="none" w="med" len="med"/>
+                    </a:lnL>
+                    <a:lnR w="19050" cap="flat" cmpd="sng" algn="ctr">
+                      <a:solidFill>
+                        <a:schemeClr val="accent1"/>
+                      </a:solidFill>
+                      <a:prstDash val="solid"/>
+                      <a:round/>
+                      <a:headEnd type="none" w="med" len="med"/>
+                      <a:tailEnd type="none" w="med" len="med"/>
+                    </a:lnR>
+                    <a:lnT w="19050" cap="flat" cmpd="sng" algn="ctr">
+                      <a:solidFill>
+                        <a:schemeClr val="accent1"/>
+                      </a:solidFill>
+                      <a:prstDash val="solid"/>
+                      <a:round/>
+                      <a:headEnd type="none" w="med" len="med"/>
+                      <a:tailEnd type="none" w="med" len="med"/>
+                    </a:lnT>
+                    <a:lnB w="19050" cap="flat" cmpd="sng" algn="ctr">
+                      <a:solidFill>
+                        <a:schemeClr val="accent1"/>
+                      </a:solidFill>
+                      <a:prstDash val="solid"/>
+                      <a:round/>
+                      <a:headEnd type="none" w="med" len="med"/>
+                      <a:tailEnd type="none" w="med" len="med"/>
+                    </a:lnB>
+                    <a:lnTlToBr w="12700" cmpd="sng">
+                      <a:noFill/>
+                      <a:prstDash val="solid"/>
+                    </a:lnTlToBr>
+                    <a:lnBlToTr w="12700" cmpd="sng">
+                      <a:noFill/>
+                      <a:prstDash val="solid"/>
+                    </a:lnBlToTr>
+                    <a:solidFill>
+                      <a:schemeClr val="accent1">
+                        <a:lumMod val="20000"/>
+                        <a:lumOff val="80000"/>
+                      </a:schemeClr>
+                    </a:solidFill>
+                  </a:tcPr>
+                </a:tc>
+                <a:extLst>
+                  <a:ext uri="{0D108BD9-81ED-4DB2-BD59-A6C34878D82A}">
+                    <a16:rowId xmlns:a16="http://schemas.microsoft.com/office/drawing/2014/main" val="3678188319"/>
+                  </a:ext>
+                </a:extLst>
+              </a:tr>
+              <a:tr h="250825">
+                <a:tc>
+                  <a:txBody>
+                    <a:bodyPr/>
+                    <a:lstStyle/>
+                    <a:p>
+                      <a:endParaRPr lang="en-US" sz="1400"/>
+                    </a:p>
+                  </a:txBody>
+                  <a:tcPr>
+                    <a:lnL w="19050" cap="flat" cmpd="sng" algn="ctr">
+                      <a:solidFill>
+                        <a:schemeClr val="bg1">
+                          <a:lumMod val="50000"/>
+                        </a:schemeClr>
+                      </a:solidFill>
+                      <a:prstDash val="solid"/>
+                      <a:round/>
+                      <a:headEnd type="none" w="med" len="med"/>
+                      <a:tailEnd type="none" w="med" len="med"/>
+                    </a:lnL>
+                    <a:lnR w="19050" cap="flat" cmpd="sng" algn="ctr">
+                      <a:solidFill>
+                        <a:schemeClr val="bg1">
+                          <a:lumMod val="50000"/>
+                        </a:schemeClr>
+                      </a:solidFill>
+                      <a:prstDash val="solid"/>
+                      <a:round/>
+                      <a:headEnd type="none" w="med" len="med"/>
+                      <a:tailEnd type="none" w="med" len="med"/>
+                    </a:lnR>
+                    <a:lnT w="19050" cap="flat" cmpd="sng" algn="ctr">
+                      <a:solidFill>
+                        <a:schemeClr val="accent1"/>
+                      </a:solidFill>
+                      <a:prstDash val="solid"/>
+                      <a:round/>
+                      <a:headEnd type="none" w="med" len="med"/>
+                      <a:tailEnd type="none" w="med" len="med"/>
+                    </a:lnT>
+                    <a:lnB w="19050" cap="flat" cmpd="sng" algn="ctr">
+                      <a:solidFill>
+                        <a:schemeClr val="bg1">
+                          <a:lumMod val="50000"/>
+                        </a:schemeClr>
+                      </a:solidFill>
+                      <a:prstDash val="solid"/>
+                      <a:round/>
+                      <a:headEnd type="none" w="med" len="med"/>
+                      <a:tailEnd type="none" w="med" len="med"/>
+                    </a:lnB>
+                  </a:tcPr>
+                </a:tc>
+                <a:tc>
+                  <a:txBody>
+                    <a:bodyPr/>
+                    <a:lstStyle/>
+                    <a:p>
+                      <a:endParaRPr lang="en-US" sz="1400" dirty="0"/>
+                    </a:p>
+                  </a:txBody>
+                  <a:tcPr>
+                    <a:lnL w="19050" cap="flat" cmpd="sng" algn="ctr">
+                      <a:solidFill>
+                        <a:schemeClr val="bg1">
+                          <a:lumMod val="50000"/>
+                        </a:schemeClr>
+                      </a:solidFill>
+                      <a:prstDash val="solid"/>
+                      <a:round/>
+                      <a:headEnd type="none" w="med" len="med"/>
+                      <a:tailEnd type="none" w="med" len="med"/>
+                    </a:lnL>
+                    <a:lnR w="19050" cap="flat" cmpd="sng" algn="ctr">
+                      <a:solidFill>
+                        <a:schemeClr val="bg1">
+                          <a:lumMod val="50000"/>
+                        </a:schemeClr>
+                      </a:solidFill>
+                      <a:prstDash val="solid"/>
+                      <a:round/>
+                      <a:headEnd type="none" w="med" len="med"/>
+                      <a:tailEnd type="none" w="med" len="med"/>
+                    </a:lnR>
+                    <a:lnT w="19050" cap="flat" cmpd="sng" algn="ctr">
+                      <a:solidFill>
+                        <a:schemeClr val="accent1"/>
+                      </a:solidFill>
+                      <a:prstDash val="solid"/>
+                      <a:round/>
+                      <a:headEnd type="none" w="med" len="med"/>
+                      <a:tailEnd type="none" w="med" len="med"/>
+                    </a:lnT>
+                    <a:lnB w="19050" cap="flat" cmpd="sng" algn="ctr">
+                      <a:solidFill>
+                        <a:schemeClr val="bg1">
+                          <a:lumMod val="50000"/>
+                        </a:schemeClr>
+                      </a:solidFill>
+                      <a:prstDash val="solid"/>
+                      <a:round/>
+                      <a:headEnd type="none" w="med" len="med"/>
+                      <a:tailEnd type="none" w="med" len="med"/>
+                    </a:lnB>
+                  </a:tcPr>
+                </a:tc>
+                <a:tc>
+                  <a:txBody>
+                    <a:bodyPr/>
+                    <a:lstStyle/>
+                    <a:p>
+                      <a:endParaRPr lang="en-US" sz="1400"/>
+                    </a:p>
+                  </a:txBody>
+                  <a:tcPr>
+                    <a:lnL w="19050" cap="flat" cmpd="sng" algn="ctr">
+                      <a:solidFill>
+                        <a:schemeClr val="bg1">
+                          <a:lumMod val="50000"/>
+                        </a:schemeClr>
+                      </a:solidFill>
+                      <a:prstDash val="solid"/>
+                      <a:round/>
+                      <a:headEnd type="none" w="med" len="med"/>
+                      <a:tailEnd type="none" w="med" len="med"/>
+                    </a:lnL>
+                    <a:lnR w="19050" cap="flat" cmpd="sng" algn="ctr">
+                      <a:solidFill>
+                        <a:schemeClr val="bg1">
+                          <a:lumMod val="50000"/>
+                        </a:schemeClr>
+                      </a:solidFill>
+                      <a:prstDash val="solid"/>
+                      <a:round/>
+                      <a:headEnd type="none" w="med" len="med"/>
+                      <a:tailEnd type="none" w="med" len="med"/>
+                    </a:lnR>
+                    <a:lnT w="19050" cap="flat" cmpd="sng" algn="ctr">
+                      <a:solidFill>
+                        <a:schemeClr val="accent1"/>
+                      </a:solidFill>
+                      <a:prstDash val="solid"/>
+                      <a:round/>
+                      <a:headEnd type="none" w="med" len="med"/>
+                      <a:tailEnd type="none" w="med" len="med"/>
+                    </a:lnT>
+                    <a:lnB w="19050" cap="flat" cmpd="sng" algn="ctr">
+                      <a:solidFill>
+                        <a:schemeClr val="bg1">
+                          <a:lumMod val="50000"/>
+                        </a:schemeClr>
+                      </a:solidFill>
+                      <a:prstDash val="solid"/>
+                      <a:round/>
+                      <a:headEnd type="none" w="med" len="med"/>
+                      <a:tailEnd type="none" w="med" len="med"/>
+                    </a:lnB>
+                  </a:tcPr>
+                </a:tc>
+                <a:tc>
+                  <a:txBody>
+                    <a:bodyPr/>
+                    <a:lstStyle/>
+                    <a:p>
+                      <a:endParaRPr lang="en-US" sz="1400" dirty="0"/>
+                    </a:p>
+                  </a:txBody>
+                  <a:tcPr>
+                    <a:lnL w="19050" cap="flat" cmpd="sng" algn="ctr">
+                      <a:solidFill>
+                        <a:schemeClr val="bg1">
+                          <a:lumMod val="50000"/>
+                        </a:schemeClr>
+                      </a:solidFill>
+                      <a:prstDash val="solid"/>
+                      <a:round/>
+                      <a:headEnd type="none" w="med" len="med"/>
+                      <a:tailEnd type="none" w="med" len="med"/>
+                    </a:lnL>
+                    <a:lnR w="19050" cap="flat" cmpd="sng" algn="ctr">
+                      <a:solidFill>
+                        <a:schemeClr val="bg1">
+                          <a:lumMod val="50000"/>
+                        </a:schemeClr>
+                      </a:solidFill>
+                      <a:prstDash val="solid"/>
+                      <a:round/>
+                      <a:headEnd type="none" w="med" len="med"/>
+                      <a:tailEnd type="none" w="med" len="med"/>
+                    </a:lnR>
+                    <a:lnT w="19050" cap="flat" cmpd="sng" algn="ctr">
+                      <a:solidFill>
+                        <a:schemeClr val="accent1"/>
+                      </a:solidFill>
+                      <a:prstDash val="solid"/>
+                      <a:round/>
+                      <a:headEnd type="none" w="med" len="med"/>
+                      <a:tailEnd type="none" w="med" len="med"/>
+                    </a:lnT>
+                    <a:lnB w="19050" cap="flat" cmpd="sng" algn="ctr">
+                      <a:solidFill>
+                        <a:schemeClr val="bg1">
+                          <a:lumMod val="50000"/>
+                        </a:schemeClr>
+                      </a:solidFill>
+                      <a:prstDash val="solid"/>
+                      <a:round/>
+                      <a:headEnd type="none" w="med" len="med"/>
+                      <a:tailEnd type="none" w="med" len="med"/>
+                    </a:lnB>
+                  </a:tcPr>
+                </a:tc>
+                <a:extLst>
+                  <a:ext uri="{0D108BD9-81ED-4DB2-BD59-A6C34878D82A}">
+                    <a16:rowId xmlns:a16="http://schemas.microsoft.com/office/drawing/2014/main" val="2525101301"/>
+                  </a:ext>
+                </a:extLst>
+              </a:tr>
+              <a:tr h="250825">
+                <a:tc>
+                  <a:txBody>
+                    <a:bodyPr/>
+                    <a:lstStyle/>
+                    <a:p>
+                      <a:endParaRPr lang="en-US" sz="1400"/>
+                    </a:p>
+                  </a:txBody>
+                  <a:tcPr>
+                    <a:lnL w="19050" cap="flat" cmpd="sng" algn="ctr">
+                      <a:solidFill>
+                        <a:schemeClr val="bg1">
+                          <a:lumMod val="50000"/>
+                        </a:schemeClr>
+                      </a:solidFill>
+                      <a:prstDash val="solid"/>
+                      <a:round/>
+                      <a:headEnd type="none" w="med" len="med"/>
+                      <a:tailEnd type="none" w="med" len="med"/>
+                    </a:lnL>
+                    <a:lnR w="19050" cap="flat" cmpd="sng" algn="ctr">
+                      <a:solidFill>
+                        <a:schemeClr val="bg1">
+                          <a:lumMod val="50000"/>
+                        </a:schemeClr>
+                      </a:solidFill>
+                      <a:prstDash val="solid"/>
+                      <a:round/>
+                      <a:headEnd type="none" w="med" len="med"/>
+                      <a:tailEnd type="none" w="med" len="med"/>
+                    </a:lnR>
+                    <a:lnT w="19050" cap="flat" cmpd="sng" algn="ctr">
+                      <a:solidFill>
+                        <a:schemeClr val="bg1">
+                          <a:lumMod val="50000"/>
+                        </a:schemeClr>
+                      </a:solidFill>
+                      <a:prstDash val="solid"/>
+                      <a:round/>
+                      <a:headEnd type="none" w="med" len="med"/>
+                      <a:tailEnd type="none" w="med" len="med"/>
+                    </a:lnT>
+                    <a:lnB w="19050" cap="flat" cmpd="sng" algn="ctr">
+                      <a:solidFill>
+                        <a:schemeClr val="bg1">
+                          <a:lumMod val="50000"/>
+                        </a:schemeClr>
+                      </a:solidFill>
+                      <a:prstDash val="solid"/>
+                      <a:round/>
+                      <a:headEnd type="none" w="med" len="med"/>
+                      <a:tailEnd type="none" w="med" len="med"/>
+                    </a:lnB>
+                  </a:tcPr>
+                </a:tc>
+                <a:tc>
+                  <a:txBody>
+                    <a:bodyPr/>
+                    <a:lstStyle/>
+                    <a:p>
+                      <a:endParaRPr lang="en-US" sz="1400"/>
+                    </a:p>
+                  </a:txBody>
+                  <a:tcPr>
+                    <a:lnL w="19050" cap="flat" cmpd="sng" algn="ctr">
+                      <a:solidFill>
+                        <a:schemeClr val="bg1">
+                          <a:lumMod val="50000"/>
+                        </a:schemeClr>
+                      </a:solidFill>
+                      <a:prstDash val="solid"/>
+                      <a:round/>
+                      <a:headEnd type="none" w="med" len="med"/>
+                      <a:tailEnd type="none" w="med" len="med"/>
+                    </a:lnL>
+                    <a:lnR w="19050" cap="flat" cmpd="sng" algn="ctr">
+                      <a:solidFill>
+                        <a:schemeClr val="bg1">
+                          <a:lumMod val="50000"/>
+                        </a:schemeClr>
+                      </a:solidFill>
+                      <a:prstDash val="solid"/>
+                      <a:round/>
+                      <a:headEnd type="none" w="med" len="med"/>
+                      <a:tailEnd type="none" w="med" len="med"/>
+                    </a:lnR>
+                    <a:lnT w="19050" cap="flat" cmpd="sng" algn="ctr">
+                      <a:solidFill>
+                        <a:schemeClr val="bg1">
+                          <a:lumMod val="50000"/>
+                        </a:schemeClr>
+                      </a:solidFill>
+                      <a:prstDash val="solid"/>
+                      <a:round/>
+                      <a:headEnd type="none" w="med" len="med"/>
+                      <a:tailEnd type="none" w="med" len="med"/>
+                    </a:lnT>
+                    <a:lnB w="19050" cap="flat" cmpd="sng" algn="ctr">
+                      <a:solidFill>
+                        <a:schemeClr val="bg1">
+                          <a:lumMod val="50000"/>
+                        </a:schemeClr>
+                      </a:solidFill>
+                      <a:prstDash val="solid"/>
+                      <a:round/>
+                      <a:headEnd type="none" w="med" len="med"/>
+                      <a:tailEnd type="none" w="med" len="med"/>
+                    </a:lnB>
+                  </a:tcPr>
+                </a:tc>
+                <a:tc>
+                  <a:txBody>
+                    <a:bodyPr/>
+                    <a:lstStyle/>
+                    <a:p>
+                      <a:endParaRPr lang="en-US" sz="1400" dirty="0"/>
+                    </a:p>
+                  </a:txBody>
+                  <a:tcPr>
+                    <a:lnL w="19050" cap="flat" cmpd="sng" algn="ctr">
+                      <a:solidFill>
+                        <a:schemeClr val="bg1">
+                          <a:lumMod val="50000"/>
+                        </a:schemeClr>
+                      </a:solidFill>
+                      <a:prstDash val="solid"/>
+                      <a:round/>
+                      <a:headEnd type="none" w="med" len="med"/>
+                      <a:tailEnd type="none" w="med" len="med"/>
+                    </a:lnL>
+                    <a:lnR w="19050" cap="flat" cmpd="sng" algn="ctr">
+                      <a:solidFill>
+                        <a:schemeClr val="bg1">
+                          <a:lumMod val="50000"/>
+                        </a:schemeClr>
+                      </a:solidFill>
+                      <a:prstDash val="solid"/>
+                      <a:round/>
+                      <a:headEnd type="none" w="med" len="med"/>
+                      <a:tailEnd type="none" w="med" len="med"/>
+                    </a:lnR>
+                    <a:lnT w="19050" cap="flat" cmpd="sng" algn="ctr">
+                      <a:solidFill>
+                        <a:schemeClr val="bg1">
+                          <a:lumMod val="50000"/>
+                        </a:schemeClr>
+                      </a:solidFill>
+                      <a:prstDash val="solid"/>
+                      <a:round/>
+                      <a:headEnd type="none" w="med" len="med"/>
+                      <a:tailEnd type="none" w="med" len="med"/>
+                    </a:lnT>
+                    <a:lnB w="19050" cap="flat" cmpd="sng" algn="ctr">
+                      <a:solidFill>
+                        <a:schemeClr val="bg1">
+                          <a:lumMod val="50000"/>
+                        </a:schemeClr>
+                      </a:solidFill>
+                      <a:prstDash val="solid"/>
+                      <a:round/>
+                      <a:headEnd type="none" w="med" len="med"/>
+                      <a:tailEnd type="none" w="med" len="med"/>
+                    </a:lnB>
+                  </a:tcPr>
+                </a:tc>
+                <a:tc>
+                  <a:txBody>
+                    <a:bodyPr/>
+                    <a:lstStyle/>
+                    <a:p>
+                      <a:endParaRPr lang="en-US" sz="1400" dirty="0"/>
+                    </a:p>
+                  </a:txBody>
+                  <a:tcPr>
+                    <a:lnL w="19050" cap="flat" cmpd="sng" algn="ctr">
+                      <a:solidFill>
+                        <a:schemeClr val="bg1">
+                          <a:lumMod val="50000"/>
+                        </a:schemeClr>
+                      </a:solidFill>
+                      <a:prstDash val="solid"/>
+                      <a:round/>
+                      <a:headEnd type="none" w="med" len="med"/>
+                      <a:tailEnd type="none" w="med" len="med"/>
+                    </a:lnL>
+                    <a:lnR w="19050" cap="flat" cmpd="sng" algn="ctr">
+                      <a:solidFill>
+                        <a:schemeClr val="bg1">
+                          <a:lumMod val="50000"/>
+                        </a:schemeClr>
+                      </a:solidFill>
+                      <a:prstDash val="solid"/>
+                      <a:round/>
+                      <a:headEnd type="none" w="med" len="med"/>
+                      <a:tailEnd type="none" w="med" len="med"/>
+                    </a:lnR>
+                    <a:lnT w="19050" cap="flat" cmpd="sng" algn="ctr">
+                      <a:solidFill>
+                        <a:schemeClr val="bg1">
+                          <a:lumMod val="50000"/>
+                        </a:schemeClr>
+                      </a:solidFill>
+                      <a:prstDash val="solid"/>
+                      <a:round/>
+                      <a:headEnd type="none" w="med" len="med"/>
+                      <a:tailEnd type="none" w="med" len="med"/>
+                    </a:lnT>
+                    <a:lnB w="19050" cap="flat" cmpd="sng" algn="ctr">
+                      <a:solidFill>
+                        <a:schemeClr val="bg1">
+                          <a:lumMod val="50000"/>
+                        </a:schemeClr>
+                      </a:solidFill>
+                      <a:prstDash val="solid"/>
+                      <a:round/>
+                      <a:headEnd type="none" w="med" len="med"/>
+                      <a:tailEnd type="none" w="med" len="med"/>
+                    </a:lnB>
+                  </a:tcPr>
+                </a:tc>
+                <a:extLst>
+                  <a:ext uri="{0D108BD9-81ED-4DB2-BD59-A6C34878D82A}">
+                    <a16:rowId xmlns:a16="http://schemas.microsoft.com/office/drawing/2014/main" val="1313577860"/>
+                  </a:ext>
+                </a:extLst>
+              </a:tr>
+            </a:tbl>
+          </a:graphicData>
+        </a:graphic>
+      </p:graphicFrame>
+      <p:sp>
+        <p:nvSpPr>
+          <p:cNvPr id="16" name="TextBox 15"/>
+          <p:cNvSpPr txBox="1"/>
+          <p:nvPr/>
+        </p:nvSpPr>
+        <p:spPr>
+          <a:xfrm>
+            <a:off x="788447" y="2518459"/>
+            <a:ext cx="492443" cy="588027"/>
+          </a:xfrm>
+          <a:prstGeom prst="rect">
+            <a:avLst/>
+          </a:prstGeom>
+          <a:noFill/>
+        </p:spPr>
+        <p:txBody>
+          <a:bodyPr vert="vert270" wrap="square" rtlCol="0">
+            <a:spAutoFit/>
+          </a:bodyPr>
+          <a:lstStyle/>
+          <a:p>
+            <a:r>
+              <a:rPr lang="en-US" sz="2000" dirty="0">
+                <a:solidFill>
+                  <a:schemeClr val="bg1">
+                    <a:lumMod val="50000"/>
+                  </a:schemeClr>
+                </a:solidFill>
+              </a:rPr>
+              <a:t>Text</a:t>
+            </a:r>
+          </a:p>
+        </p:txBody>
+      </p:sp>
+      <p:sp>
+        <p:nvSpPr>
+          <p:cNvPr id="17" name="TextBox 16"/>
+          <p:cNvSpPr txBox="1"/>
+          <p:nvPr/>
+        </p:nvSpPr>
+        <p:spPr>
+          <a:xfrm>
+            <a:off x="788447" y="3670992"/>
+            <a:ext cx="492443" cy="738513"/>
+          </a:xfrm>
+          <a:prstGeom prst="rect">
+            <a:avLst/>
+          </a:prstGeom>
+          <a:noFill/>
+        </p:spPr>
+        <p:txBody>
+          <a:bodyPr vert="vert270" wrap="square" rtlCol="0">
+            <a:spAutoFit/>
+          </a:bodyPr>
+          <a:lstStyle/>
+          <a:p>
+            <a:r>
+              <a:rPr lang="en-US" sz="2000" dirty="0">
+                <a:solidFill>
+                  <a:schemeClr val="bg1">
+                    <a:lumMod val="50000"/>
+                  </a:schemeClr>
+                </a:solidFill>
+              </a:rPr>
+              <a:t>Code</a:t>
+            </a:r>
+          </a:p>
+        </p:txBody>
+      </p:sp>
+      <p:graphicFrame>
+        <p:nvGraphicFramePr>
+          <p:cNvPr id="25" name="Table 24"/>
+          <p:cNvGraphicFramePr>
+            <a:graphicFrameLocks noGrp="1"/>
+          </p:cNvGraphicFramePr>
+          <p:nvPr>
+            <p:extLst>
+              <p:ext uri="{D42A27DB-BD31-4B8C-83A1-F6EECF244321}">
+                <p14:modId xmlns:p14="http://schemas.microsoft.com/office/powerpoint/2010/main" val="1828581046"/>
+              </p:ext>
+            </p:extLst>
+          </p:nvPr>
+        </p:nvGraphicFramePr>
+        <p:xfrm>
+          <a:off x="2811192" y="2509952"/>
+          <a:ext cx="273050" cy="915688"/>
+        </p:xfrm>
+        <a:graphic>
+          <a:graphicData uri="http://schemas.openxmlformats.org/drawingml/2006/table">
+            <a:tbl>
+              <a:tblPr firstRow="1" bandRow="1"/>
+              <a:tblGrid>
+                <a:gridCol w="273050">
+                  <a:extLst>
+                    <a:ext uri="{9D8B030D-6E8A-4147-A177-3AD203B41FA5}">
+                      <a16:colId xmlns:a16="http://schemas.microsoft.com/office/drawing/2014/main" val="4185730726"/>
+                    </a:ext>
+                  </a:extLst>
+                </a:gridCol>
+              </a:tblGrid>
+              <a:tr h="228922">
+                <a:tc>
+                  <a:txBody>
+                    <a:bodyPr/>
+                    <a:lstStyle/>
+                    <a:p>
+                      <a:endParaRPr lang="en-US" sz="800" dirty="0"/>
+                    </a:p>
+                  </a:txBody>
+                  <a:tcPr>
+                    <a:lnL w="19050" cap="flat" cmpd="sng" algn="ctr">
+                      <a:solidFill>
+                        <a:schemeClr val="accent1"/>
+                      </a:solidFill>
+                      <a:prstDash val="solid"/>
+                      <a:round/>
+                      <a:headEnd type="none" w="med" len="med"/>
+                      <a:tailEnd type="none" w="med" len="med"/>
+                    </a:lnL>
+                    <a:lnR w="19050" cap="flat" cmpd="sng" algn="ctr">
+                      <a:solidFill>
+                        <a:schemeClr val="accent1"/>
+                      </a:solidFill>
+                      <a:prstDash val="solid"/>
+                      <a:round/>
+                      <a:headEnd type="none" w="med" len="med"/>
+                      <a:tailEnd type="none" w="med" len="med"/>
+                    </a:lnR>
+                    <a:lnT w="19050" cap="flat" cmpd="sng" algn="ctr">
+                      <a:solidFill>
+                        <a:schemeClr val="accent1"/>
+                      </a:solidFill>
+                      <a:prstDash val="solid"/>
+                      <a:round/>
+                      <a:headEnd type="none" w="med" len="med"/>
+                      <a:tailEnd type="none" w="med" len="med"/>
+                    </a:lnT>
+                    <a:lnB w="19050" cap="flat" cmpd="sng" algn="ctr">
+                      <a:solidFill>
+                        <a:schemeClr val="accent1"/>
+                      </a:solidFill>
+                      <a:prstDash val="solid"/>
+                      <a:round/>
+                      <a:headEnd type="none" w="med" len="med"/>
+                      <a:tailEnd type="none" w="med" len="med"/>
+                    </a:lnB>
+                    <a:lnTlToBr w="12700" cmpd="sng">
+                      <a:noFill/>
+                      <a:prstDash val="solid"/>
+                    </a:lnTlToBr>
+                    <a:lnBlToTr w="12700" cmpd="sng">
+                      <a:noFill/>
+                      <a:prstDash val="solid"/>
+                    </a:lnBlToTr>
+                    <a:solidFill>
+                      <a:srgbClr val="FFFFFF"/>
+                    </a:solidFill>
+                  </a:tcPr>
+                </a:tc>
+                <a:extLst>
+                  <a:ext uri="{0D108BD9-81ED-4DB2-BD59-A6C34878D82A}">
+                    <a16:rowId xmlns:a16="http://schemas.microsoft.com/office/drawing/2014/main" val="3244523905"/>
+                  </a:ext>
+                </a:extLst>
+              </a:tr>
+              <a:tr h="228922">
+                <a:tc>
+                  <a:txBody>
+                    <a:bodyPr/>
+                    <a:lstStyle/>
+                    <a:p>
+                      <a:endParaRPr lang="en-US" sz="800" dirty="0"/>
+                    </a:p>
+                  </a:txBody>
+                  <a:tcPr>
+                    <a:lnL w="19050" cap="flat" cmpd="sng" algn="ctr">
+                      <a:solidFill>
+                        <a:schemeClr val="accent1"/>
+                      </a:solidFill>
+                      <a:prstDash val="solid"/>
+                      <a:round/>
+                      <a:headEnd type="none" w="med" len="med"/>
+                      <a:tailEnd type="none" w="med" len="med"/>
+                    </a:lnL>
+                    <a:lnR w="19050" cap="flat" cmpd="sng" algn="ctr">
+                      <a:solidFill>
+                        <a:schemeClr val="accent1"/>
+                      </a:solidFill>
+                      <a:prstDash val="solid"/>
+                      <a:round/>
+                      <a:headEnd type="none" w="med" len="med"/>
+                      <a:tailEnd type="none" w="med" len="med"/>
+                    </a:lnR>
+                    <a:lnT w="19050" cap="flat" cmpd="sng" algn="ctr">
+                      <a:solidFill>
+                        <a:schemeClr val="accent1"/>
+                      </a:solidFill>
+                      <a:prstDash val="solid"/>
+                      <a:round/>
+                      <a:headEnd type="none" w="med" len="med"/>
+                      <a:tailEnd type="none" w="med" len="med"/>
+                    </a:lnT>
+                    <a:lnB w="19050" cap="flat" cmpd="sng" algn="ctr">
+                      <a:solidFill>
+                        <a:schemeClr val="accent1"/>
+                      </a:solidFill>
+                      <a:prstDash val="solid"/>
+                      <a:round/>
+                      <a:headEnd type="none" w="med" len="med"/>
+                      <a:tailEnd type="none" w="med" len="med"/>
+                    </a:lnB>
+                    <a:lnTlToBr w="12700" cmpd="sng">
+                      <a:noFill/>
+                      <a:prstDash val="solid"/>
+                    </a:lnTlToBr>
+                    <a:lnBlToTr w="12700" cmpd="sng">
+                      <a:noFill/>
+                      <a:prstDash val="solid"/>
+                    </a:lnBlToTr>
+                    <a:solidFill>
+                      <a:schemeClr val="accent1">
+                        <a:lumMod val="20000"/>
+                        <a:lumOff val="80000"/>
+                      </a:schemeClr>
+                    </a:solidFill>
+                  </a:tcPr>
+                </a:tc>
+                <a:extLst>
+                  <a:ext uri="{0D108BD9-81ED-4DB2-BD59-A6C34878D82A}">
+                    <a16:rowId xmlns:a16="http://schemas.microsoft.com/office/drawing/2014/main" val="3678188319"/>
+                  </a:ext>
+                </a:extLst>
+              </a:tr>
+              <a:tr h="228922">
+                <a:tc>
+                  <a:txBody>
+                    <a:bodyPr/>
+                    <a:lstStyle/>
+                    <a:p>
+                      <a:endParaRPr lang="en-US" sz="800" dirty="0"/>
+                    </a:p>
+                  </a:txBody>
+                  <a:tcPr>
+                    <a:lnL w="19050" cap="flat" cmpd="sng" algn="ctr">
+                      <a:solidFill>
+                        <a:schemeClr val="accent1"/>
+                      </a:solidFill>
+                      <a:prstDash val="solid"/>
+                      <a:round/>
+                      <a:headEnd type="none" w="med" len="med"/>
+                      <a:tailEnd type="none" w="med" len="med"/>
+                    </a:lnL>
+                    <a:lnR w="19050" cap="flat" cmpd="sng" algn="ctr">
+                      <a:solidFill>
+                        <a:schemeClr val="accent1"/>
+                      </a:solidFill>
+                      <a:prstDash val="solid"/>
+                      <a:round/>
+                      <a:headEnd type="none" w="med" len="med"/>
+                      <a:tailEnd type="none" w="med" len="med"/>
+                    </a:lnR>
+                    <a:lnT w="19050" cap="flat" cmpd="sng" algn="ctr">
+                      <a:solidFill>
+                        <a:schemeClr val="accent1"/>
+                      </a:solidFill>
+                      <a:prstDash val="solid"/>
+                      <a:round/>
+                      <a:headEnd type="none" w="med" len="med"/>
+                      <a:tailEnd type="none" w="med" len="med"/>
+                    </a:lnT>
+                    <a:lnB w="19050" cap="flat" cmpd="sng" algn="ctr">
+                      <a:solidFill>
+                        <a:schemeClr val="accent1"/>
+                      </a:solidFill>
+                      <a:prstDash val="solid"/>
+                      <a:round/>
+                      <a:headEnd type="none" w="med" len="med"/>
+                      <a:tailEnd type="none" w="med" len="med"/>
+                    </a:lnB>
+                    <a:lnTlToBr w="12700" cmpd="sng">
+                      <a:noFill/>
+                      <a:prstDash val="solid"/>
+                    </a:lnTlToBr>
+                    <a:lnBlToTr w="12700" cmpd="sng">
+                      <a:noFill/>
+                      <a:prstDash val="solid"/>
+                    </a:lnBlToTr>
+                    <a:solidFill>
+                      <a:schemeClr val="bg1"/>
+                    </a:solidFill>
+                  </a:tcPr>
+                </a:tc>
+                <a:extLst>
+                  <a:ext uri="{0D108BD9-81ED-4DB2-BD59-A6C34878D82A}">
+                    <a16:rowId xmlns:a16="http://schemas.microsoft.com/office/drawing/2014/main" val="2525101301"/>
+                  </a:ext>
+                </a:extLst>
+              </a:tr>
+              <a:tr h="228922">
+                <a:tc>
+                  <a:txBody>
+                    <a:bodyPr/>
+                    <a:lstStyle/>
+                    <a:p>
+                      <a:endParaRPr lang="en-US" sz="800" dirty="0"/>
+                    </a:p>
+                  </a:txBody>
+                  <a:tcPr>
+                    <a:lnL w="19050" cap="flat" cmpd="sng" algn="ctr">
+                      <a:solidFill>
+                        <a:schemeClr val="accent1"/>
+                      </a:solidFill>
+                      <a:prstDash val="solid"/>
+                      <a:round/>
+                      <a:headEnd type="none" w="med" len="med"/>
+                      <a:tailEnd type="none" w="med" len="med"/>
+                    </a:lnL>
+                    <a:lnR w="19050" cap="flat" cmpd="sng" algn="ctr">
+                      <a:solidFill>
+                        <a:schemeClr val="accent1"/>
+                      </a:solidFill>
+                      <a:prstDash val="solid"/>
+                      <a:round/>
+                      <a:headEnd type="none" w="med" len="med"/>
+                      <a:tailEnd type="none" w="med" len="med"/>
+                    </a:lnR>
+                    <a:lnT w="19050" cap="flat" cmpd="sng" algn="ctr">
+                      <a:solidFill>
+                        <a:schemeClr val="accent1"/>
+                      </a:solidFill>
+                      <a:prstDash val="solid"/>
+                      <a:round/>
+                      <a:headEnd type="none" w="med" len="med"/>
+                      <a:tailEnd type="none" w="med" len="med"/>
+                    </a:lnT>
+                    <a:lnB w="19050" cap="flat" cmpd="sng" algn="ctr">
+                      <a:solidFill>
+                        <a:schemeClr val="accent1"/>
+                      </a:solidFill>
+                      <a:prstDash val="solid"/>
+                      <a:round/>
+                      <a:headEnd type="none" w="med" len="med"/>
+                      <a:tailEnd type="none" w="med" len="med"/>
+                    </a:lnB>
+                    <a:lnTlToBr w="12700" cmpd="sng">
+                      <a:noFill/>
+                      <a:prstDash val="solid"/>
+                    </a:lnTlToBr>
+                    <a:lnBlToTr w="12700" cmpd="sng">
+                      <a:noFill/>
+                      <a:prstDash val="solid"/>
+                    </a:lnBlToTr>
+                    <a:solidFill>
+                      <a:schemeClr val="bg1"/>
+                    </a:solidFill>
+                  </a:tcPr>
+                </a:tc>
+                <a:extLst>
+                  <a:ext uri="{0D108BD9-81ED-4DB2-BD59-A6C34878D82A}">
+                    <a16:rowId xmlns:a16="http://schemas.microsoft.com/office/drawing/2014/main" val="1313577860"/>
+                  </a:ext>
+                </a:extLst>
+              </a:tr>
+            </a:tbl>
+          </a:graphicData>
+        </a:graphic>
+      </p:graphicFrame>
+      <p:cxnSp>
+        <p:nvCxnSpPr>
+          <p:cNvPr id="33" name="Straight Connector 32"/>
+          <p:cNvCxnSpPr/>
+          <p:nvPr/>
+        </p:nvCxnSpPr>
+        <p:spPr>
+          <a:xfrm>
+            <a:off x="1217342" y="2245426"/>
+            <a:ext cx="1593850" cy="480717"/>
+          </a:xfrm>
+          <a:prstGeom prst="line">
+            <a:avLst/>
+          </a:prstGeom>
+        </p:spPr>
+        <p:style>
+          <a:lnRef idx="3">
+            <a:schemeClr val="accent1"/>
+          </a:lnRef>
+          <a:fillRef idx="0">
+            <a:schemeClr val="accent1"/>
+          </a:fillRef>
+          <a:effectRef idx="2">
+            <a:schemeClr val="accent1"/>
+          </a:effectRef>
+          <a:fontRef idx="minor">
+            <a:schemeClr val="tx1"/>
+          </a:fontRef>
+        </p:style>
+      </p:cxnSp>
+      <p:cxnSp>
+        <p:nvCxnSpPr>
+          <p:cNvPr id="36" name="Straight Connector 35"/>
+          <p:cNvCxnSpPr/>
+          <p:nvPr/>
+        </p:nvCxnSpPr>
+        <p:spPr>
+          <a:xfrm>
+            <a:off x="2291767" y="2245421"/>
+            <a:ext cx="781685" cy="487714"/>
+          </a:xfrm>
+          <a:prstGeom prst="line">
+            <a:avLst/>
+          </a:prstGeom>
+        </p:spPr>
+        <p:style>
+          <a:lnRef idx="3">
+            <a:schemeClr val="accent1"/>
+          </a:lnRef>
+          <a:fillRef idx="0">
+            <a:schemeClr val="accent1"/>
+          </a:fillRef>
+          <a:effectRef idx="2">
+            <a:schemeClr val="accent1"/>
+          </a:effectRef>
+          <a:fontRef idx="minor">
+            <a:schemeClr val="tx1"/>
+          </a:fontRef>
+        </p:style>
+      </p:cxnSp>
+      <p:cxnSp>
+        <p:nvCxnSpPr>
+          <p:cNvPr id="43" name="Straight Connector 42"/>
+          <p:cNvCxnSpPr>
+            <a:endCxn id="25" idx="1"/>
+          </p:cNvCxnSpPr>
+          <p:nvPr/>
+        </p:nvCxnSpPr>
+        <p:spPr>
+          <a:xfrm>
+            <a:off x="1217342" y="2837512"/>
+            <a:ext cx="1593850" cy="130289"/>
+          </a:xfrm>
+          <a:prstGeom prst="line">
+            <a:avLst/>
+          </a:prstGeom>
+        </p:spPr>
+        <p:style>
+          <a:lnRef idx="3">
+            <a:schemeClr val="accent1"/>
+          </a:lnRef>
+          <a:fillRef idx="0">
+            <a:schemeClr val="accent1"/>
+          </a:fillRef>
+          <a:effectRef idx="2">
+            <a:schemeClr val="accent1"/>
+          </a:effectRef>
+          <a:fontRef idx="minor">
+            <a:schemeClr val="tx1"/>
+          </a:fontRef>
+        </p:style>
+      </p:cxnSp>
+      <p:cxnSp>
+        <p:nvCxnSpPr>
+          <p:cNvPr id="46" name="Straight Connector 45"/>
+          <p:cNvCxnSpPr>
+            <a:stCxn id="11" idx="3"/>
+            <a:endCxn id="25" idx="3"/>
+          </p:cNvCxnSpPr>
+          <p:nvPr/>
+        </p:nvCxnSpPr>
+        <p:spPr>
+          <a:xfrm>
+            <a:off x="2291762" y="2855021"/>
+            <a:ext cx="792480" cy="112775"/>
+          </a:xfrm>
+          <a:prstGeom prst="line">
+            <a:avLst/>
+          </a:prstGeom>
+        </p:spPr>
+        <p:style>
+          <a:lnRef idx="3">
+            <a:schemeClr val="accent1"/>
+          </a:lnRef>
+          <a:fillRef idx="0">
+            <a:schemeClr val="accent1"/>
+          </a:fillRef>
+          <a:effectRef idx="2">
+            <a:schemeClr val="accent1"/>
+          </a:effectRef>
+          <a:fontRef idx="minor">
+            <a:schemeClr val="tx1"/>
+          </a:fontRef>
+        </p:style>
+      </p:cxnSp>
+      <p:graphicFrame>
+        <p:nvGraphicFramePr>
+          <p:cNvPr id="61" name="Table 60"/>
+          <p:cNvGraphicFramePr>
+            <a:graphicFrameLocks noGrp="1"/>
+          </p:cNvGraphicFramePr>
+          <p:nvPr>
+            <p:extLst>
+              <p:ext uri="{D42A27DB-BD31-4B8C-83A1-F6EECF244321}">
+                <p14:modId xmlns:p14="http://schemas.microsoft.com/office/powerpoint/2010/main" val="309230781"/>
+              </p:ext>
+            </p:extLst>
+          </p:nvPr>
+        </p:nvGraphicFramePr>
+        <p:xfrm>
+          <a:off x="4244934" y="2240167"/>
+          <a:ext cx="273050" cy="1144610"/>
+        </p:xfrm>
+        <a:graphic>
+          <a:graphicData uri="http://schemas.openxmlformats.org/drawingml/2006/table">
+            <a:tbl>
+              <a:tblPr firstRow="1" bandRow="1"/>
+              <a:tblGrid>
+                <a:gridCol w="273050">
+                  <a:extLst>
+                    <a:ext uri="{9D8B030D-6E8A-4147-A177-3AD203B41FA5}">
+                      <a16:colId xmlns:a16="http://schemas.microsoft.com/office/drawing/2014/main" val="4185730726"/>
+                    </a:ext>
+                  </a:extLst>
+                </a:gridCol>
+              </a:tblGrid>
+              <a:tr h="228922">
+                <a:tc>
+                  <a:txBody>
+                    <a:bodyPr/>
+                    <a:lstStyle/>
+                    <a:p>
+                      <a:endParaRPr lang="en-US" sz="800" dirty="0"/>
+                    </a:p>
+                  </a:txBody>
+                  <a:tcPr>
+                    <a:lnL w="19050" cap="flat" cmpd="sng" algn="ctr">
+                      <a:solidFill>
+                        <a:schemeClr val="accent1"/>
+                      </a:solidFill>
+                      <a:prstDash val="solid"/>
+                      <a:round/>
+                      <a:headEnd type="none" w="med" len="med"/>
+                      <a:tailEnd type="none" w="med" len="med"/>
+                    </a:lnL>
+                    <a:lnR w="19050" cap="flat" cmpd="sng" algn="ctr">
+                      <a:solidFill>
+                        <a:schemeClr val="accent1"/>
+                      </a:solidFill>
+                      <a:prstDash val="solid"/>
+                      <a:round/>
+                      <a:headEnd type="none" w="med" len="med"/>
+                      <a:tailEnd type="none" w="med" len="med"/>
+                    </a:lnR>
+                    <a:lnT w="19050" cap="flat" cmpd="sng" algn="ctr">
+                      <a:solidFill>
+                        <a:schemeClr val="accent1"/>
+                      </a:solidFill>
+                      <a:prstDash val="solid"/>
+                      <a:round/>
+                      <a:headEnd type="none" w="med" len="med"/>
+                      <a:tailEnd type="none" w="med" len="med"/>
+                    </a:lnT>
+                    <a:lnB w="19050" cap="flat" cmpd="sng" algn="ctr">
+                      <a:solidFill>
+                        <a:schemeClr val="accent1"/>
+                      </a:solidFill>
+                      <a:prstDash val="solid"/>
+                      <a:round/>
+                      <a:headEnd type="none" w="med" len="med"/>
+                      <a:tailEnd type="none" w="med" len="med"/>
+                    </a:lnB>
+                    <a:lnTlToBr w="12700" cmpd="sng">
+                      <a:noFill/>
+                      <a:prstDash val="solid"/>
+                    </a:lnTlToBr>
+                    <a:lnBlToTr w="12700" cmpd="sng">
+                      <a:noFill/>
+                      <a:prstDash val="solid"/>
+                    </a:lnBlToTr>
+                    <a:solidFill>
+                      <a:schemeClr val="accent1">
+                        <a:lumMod val="20000"/>
+                        <a:lumOff val="80000"/>
+                      </a:schemeClr>
+                    </a:solidFill>
+                  </a:tcPr>
+                </a:tc>
+                <a:extLst>
+                  <a:ext uri="{0D108BD9-81ED-4DB2-BD59-A6C34878D82A}">
+                    <a16:rowId xmlns:a16="http://schemas.microsoft.com/office/drawing/2014/main" val="3678188319"/>
+                  </a:ext>
+                </a:extLst>
+              </a:tr>
+              <a:tr h="228922">
+                <a:tc>
+                  <a:txBody>
+                    <a:bodyPr/>
+                    <a:lstStyle/>
+                    <a:p>
+                      <a:endParaRPr lang="en-US" sz="800" dirty="0"/>
+                    </a:p>
+                  </a:txBody>
+                  <a:tcPr>
+                    <a:lnL w="19050" cap="flat" cmpd="sng" algn="ctr">
+                      <a:solidFill>
+                        <a:schemeClr val="bg1">
+                          <a:lumMod val="50000"/>
+                        </a:schemeClr>
+                      </a:solidFill>
+                      <a:prstDash val="solid"/>
+                      <a:round/>
+                      <a:headEnd type="none" w="med" len="med"/>
+                      <a:tailEnd type="none" w="med" len="med"/>
+                    </a:lnL>
+                    <a:lnR w="19050" cap="flat" cmpd="sng" algn="ctr">
+                      <a:solidFill>
+                        <a:schemeClr val="bg1">
+                          <a:lumMod val="50000"/>
+                        </a:schemeClr>
+                      </a:solidFill>
+                      <a:prstDash val="solid"/>
+                      <a:round/>
+                      <a:headEnd type="none" w="med" len="med"/>
+                      <a:tailEnd type="none" w="med" len="med"/>
+                    </a:lnR>
+                    <a:lnT w="19050" cap="flat" cmpd="sng" algn="ctr">
+                      <a:solidFill>
+                        <a:schemeClr val="accent1"/>
+                      </a:solidFill>
+                      <a:prstDash val="solid"/>
+                      <a:round/>
+                      <a:headEnd type="none" w="med" len="med"/>
+                      <a:tailEnd type="none" w="med" len="med"/>
+                    </a:lnT>
+                    <a:lnB w="19050" cap="flat" cmpd="sng" algn="ctr">
+                      <a:solidFill>
+                        <a:schemeClr val="accent2"/>
+                      </a:solidFill>
+                      <a:prstDash val="solid"/>
+                      <a:round/>
+                      <a:headEnd type="none" w="med" len="med"/>
+                      <a:tailEnd type="none" w="med" len="med"/>
+                    </a:lnB>
+                    <a:solidFill>
+                      <a:schemeClr val="bg1"/>
+                    </a:solidFill>
+                  </a:tcPr>
+                </a:tc>
+                <a:extLst>
+                  <a:ext uri="{0D108BD9-81ED-4DB2-BD59-A6C34878D82A}">
+                    <a16:rowId xmlns:a16="http://schemas.microsoft.com/office/drawing/2014/main" val="2525101301"/>
+                  </a:ext>
+                </a:extLst>
+              </a:tr>
+              <a:tr h="228922">
+                <a:tc>
+                  <a:txBody>
+                    <a:bodyPr/>
+                    <a:lstStyle/>
+                    <a:p>
+                      <a:endParaRPr lang="en-US" sz="800" dirty="0"/>
+                    </a:p>
+                  </a:txBody>
+                  <a:tcPr>
+                    <a:lnL w="19050" cap="flat" cmpd="sng" algn="ctr">
+                      <a:solidFill>
+                        <a:schemeClr val="accent2"/>
+                      </a:solidFill>
+                      <a:prstDash val="solid"/>
+                      <a:round/>
+                      <a:headEnd type="none" w="med" len="med"/>
+                      <a:tailEnd type="none" w="med" len="med"/>
+                    </a:lnL>
+                    <a:lnR w="19050" cap="flat" cmpd="sng" algn="ctr">
+                      <a:solidFill>
+                        <a:schemeClr val="accent2"/>
+                      </a:solidFill>
+                      <a:prstDash val="solid"/>
+                      <a:round/>
+                      <a:headEnd type="none" w="med" len="med"/>
+                      <a:tailEnd type="none" w="med" len="med"/>
+                    </a:lnR>
+                    <a:lnT w="19050" cap="flat" cmpd="sng" algn="ctr">
+                      <a:solidFill>
+                        <a:schemeClr val="accent2"/>
+                      </a:solidFill>
+                      <a:prstDash val="solid"/>
+                      <a:round/>
+                      <a:headEnd type="none" w="med" len="med"/>
+                      <a:tailEnd type="none" w="med" len="med"/>
+                    </a:lnT>
+                    <a:lnB w="19050" cap="flat" cmpd="sng" algn="ctr">
+                      <a:solidFill>
+                        <a:schemeClr val="accent2"/>
+                      </a:solidFill>
+                      <a:prstDash val="solid"/>
+                      <a:round/>
+                      <a:headEnd type="none" w="med" len="med"/>
+                      <a:tailEnd type="none" w="med" len="med"/>
+                    </a:lnB>
+                    <a:lnTlToBr w="12700" cmpd="sng">
+                      <a:noFill/>
+                      <a:prstDash val="solid"/>
+                    </a:lnTlToBr>
+                    <a:lnBlToTr w="12700" cmpd="sng">
+                      <a:noFill/>
+                      <a:prstDash val="solid"/>
+                    </a:lnBlToTr>
+                    <a:solidFill>
+                      <a:schemeClr val="accent2">
+                        <a:lumMod val="40000"/>
+                        <a:lumOff val="60000"/>
+                      </a:schemeClr>
+                    </a:solidFill>
+                  </a:tcPr>
+                </a:tc>
+                <a:extLst>
+                  <a:ext uri="{0D108BD9-81ED-4DB2-BD59-A6C34878D82A}">
+                    <a16:rowId xmlns:a16="http://schemas.microsoft.com/office/drawing/2014/main" val="1313577860"/>
+                  </a:ext>
+                </a:extLst>
+              </a:tr>
+              <a:tr h="228922">
+                <a:tc>
+                  <a:txBody>
+                    <a:bodyPr/>
+                    <a:lstStyle/>
+                    <a:p>
+                      <a:endParaRPr lang="en-US" sz="800" dirty="0"/>
+                    </a:p>
+                  </a:txBody>
+                  <a:tcPr>
+                    <a:lnL w="19050" cap="flat" cmpd="sng" algn="ctr">
+                      <a:solidFill>
+                        <a:schemeClr val="bg1">
+                          <a:lumMod val="50000"/>
+                        </a:schemeClr>
+                      </a:solidFill>
+                      <a:prstDash val="solid"/>
+                      <a:round/>
+                      <a:headEnd type="none" w="med" len="med"/>
+                      <a:tailEnd type="none" w="med" len="med"/>
+                    </a:lnL>
+                    <a:lnR w="19050" cap="flat" cmpd="sng" algn="ctr">
+                      <a:solidFill>
+                        <a:schemeClr val="bg1">
+                          <a:lumMod val="50000"/>
+                        </a:schemeClr>
+                      </a:solidFill>
+                      <a:prstDash val="solid"/>
+                      <a:round/>
+                      <a:headEnd type="none" w="med" len="med"/>
+                      <a:tailEnd type="none" w="med" len="med"/>
+                    </a:lnR>
+                    <a:lnT w="19050" cap="flat" cmpd="sng" algn="ctr">
+                      <a:solidFill>
+                        <a:schemeClr val="accent2"/>
+                      </a:solidFill>
+                      <a:prstDash val="solid"/>
+                      <a:round/>
+                      <a:headEnd type="none" w="med" len="med"/>
+                      <a:tailEnd type="none" w="med" len="med"/>
+                    </a:lnT>
+                    <a:lnB w="19050" cap="flat" cmpd="sng" algn="ctr">
+                      <a:solidFill>
+                        <a:schemeClr val="accent6"/>
+                      </a:solidFill>
+                      <a:prstDash val="solid"/>
+                      <a:round/>
+                      <a:headEnd type="none" w="med" len="med"/>
+                      <a:tailEnd type="none" w="med" len="med"/>
+                    </a:lnB>
+                    <a:solidFill>
+                      <a:schemeClr val="bg1"/>
+                    </a:solidFill>
+                  </a:tcPr>
+                </a:tc>
+                <a:extLst>
+                  <a:ext uri="{0D108BD9-81ED-4DB2-BD59-A6C34878D82A}">
+                    <a16:rowId xmlns:a16="http://schemas.microsoft.com/office/drawing/2014/main" val="279552576"/>
+                  </a:ext>
+                </a:extLst>
+              </a:tr>
+              <a:tr h="228922">
+                <a:tc>
+                  <a:txBody>
+                    <a:bodyPr/>
+                    <a:lstStyle/>
+                    <a:p>
+                      <a:endParaRPr lang="en-US" sz="800" dirty="0"/>
+                    </a:p>
+                  </a:txBody>
+                  <a:tcPr>
+                    <a:lnL w="19050" cap="flat" cmpd="sng" algn="ctr">
+                      <a:solidFill>
+                        <a:schemeClr val="accent6"/>
+                      </a:solidFill>
+                      <a:prstDash val="solid"/>
+                      <a:round/>
+                      <a:headEnd type="none" w="med" len="med"/>
+                      <a:tailEnd type="none" w="med" len="med"/>
+                    </a:lnL>
+                    <a:lnR w="19050" cap="flat" cmpd="sng" algn="ctr">
+                      <a:solidFill>
+                        <a:schemeClr val="accent6"/>
+                      </a:solidFill>
+                      <a:prstDash val="solid"/>
+                      <a:round/>
+                      <a:headEnd type="none" w="med" len="med"/>
+                      <a:tailEnd type="none" w="med" len="med"/>
+                    </a:lnR>
+                    <a:lnT w="19050" cap="flat" cmpd="sng" algn="ctr">
+                      <a:solidFill>
+                        <a:schemeClr val="accent6"/>
+                      </a:solidFill>
+                      <a:prstDash val="solid"/>
+                      <a:round/>
+                      <a:headEnd type="none" w="med" len="med"/>
+                      <a:tailEnd type="none" w="med" len="med"/>
+                    </a:lnT>
+                    <a:lnB w="19050" cap="flat" cmpd="sng" algn="ctr">
+                      <a:solidFill>
+                        <a:schemeClr val="accent6"/>
+                      </a:solidFill>
+                      <a:prstDash val="solid"/>
+                      <a:round/>
+                      <a:headEnd type="none" w="med" len="med"/>
+                      <a:tailEnd type="none" w="med" len="med"/>
+                    </a:lnB>
+                    <a:lnTlToBr w="12700" cmpd="sng">
+                      <a:noFill/>
+                      <a:prstDash val="solid"/>
+                    </a:lnTlToBr>
+                    <a:lnBlToTr w="12700" cmpd="sng">
+                      <a:noFill/>
+                      <a:prstDash val="solid"/>
+                    </a:lnBlToTr>
+                    <a:solidFill>
+                      <a:schemeClr val="accent6">
+                        <a:lumMod val="20000"/>
+                        <a:lumOff val="80000"/>
+                      </a:schemeClr>
+                    </a:solidFill>
+                  </a:tcPr>
+                </a:tc>
+                <a:extLst>
+                  <a:ext uri="{0D108BD9-81ED-4DB2-BD59-A6C34878D82A}">
+                    <a16:rowId xmlns:a16="http://schemas.microsoft.com/office/drawing/2014/main" val="1531947066"/>
+                  </a:ext>
+                </a:extLst>
+              </a:tr>
+            </a:tbl>
+          </a:graphicData>
+        </a:graphic>
+      </p:graphicFrame>
+      <p:cxnSp>
+        <p:nvCxnSpPr>
+          <p:cNvPr id="63" name="Straight Connector 62"/>
+          <p:cNvCxnSpPr/>
+          <p:nvPr/>
+        </p:nvCxnSpPr>
+        <p:spPr>
+          <a:xfrm flipV="1">
+            <a:off x="3084242" y="2244380"/>
+            <a:ext cx="1162688" cy="264711"/>
+          </a:xfrm>
+          <a:prstGeom prst="line">
+            <a:avLst/>
+          </a:prstGeom>
+        </p:spPr>
+        <p:style>
+          <a:lnRef idx="3">
+            <a:schemeClr val="accent1"/>
+          </a:lnRef>
+          <a:fillRef idx="0">
+            <a:schemeClr val="accent1"/>
+          </a:fillRef>
+          <a:effectRef idx="2">
+            <a:schemeClr val="accent1"/>
+          </a:effectRef>
+          <a:fontRef idx="minor">
+            <a:schemeClr val="tx1"/>
+          </a:fontRef>
+        </p:style>
+      </p:cxnSp>
+      <p:cxnSp>
+        <p:nvCxnSpPr>
+          <p:cNvPr id="65" name="Straight Connector 64"/>
+          <p:cNvCxnSpPr/>
+          <p:nvPr/>
+        </p:nvCxnSpPr>
+        <p:spPr>
+          <a:xfrm flipV="1">
+            <a:off x="3084242" y="2480360"/>
+            <a:ext cx="1162688" cy="945280"/>
+          </a:xfrm>
+          <a:prstGeom prst="line">
+            <a:avLst/>
+          </a:prstGeom>
+        </p:spPr>
+        <p:style>
+          <a:lnRef idx="3">
+            <a:schemeClr val="accent1"/>
+          </a:lnRef>
+          <a:fillRef idx="0">
+            <a:schemeClr val="accent1"/>
+          </a:fillRef>
+          <a:effectRef idx="2">
+            <a:schemeClr val="accent1"/>
+          </a:effectRef>
+          <a:fontRef idx="minor">
+            <a:schemeClr val="tx1"/>
+          </a:fontRef>
+        </p:style>
+      </p:cxnSp>
+      <p:cxnSp>
+        <p:nvCxnSpPr>
+          <p:cNvPr id="68" name="Straight Connector 67"/>
+          <p:cNvCxnSpPr/>
+          <p:nvPr/>
+        </p:nvCxnSpPr>
+        <p:spPr>
+          <a:xfrm>
+            <a:off x="3190922" y="2410791"/>
+            <a:ext cx="1064802" cy="282526"/>
+          </a:xfrm>
+          <a:prstGeom prst="line">
+            <a:avLst/>
+          </a:prstGeom>
+          <a:ln w="9525" cap="flat" cmpd="sng" algn="ctr">
+            <a:solidFill>
+              <a:schemeClr val="accent2"/>
+            </a:solidFill>
+            <a:prstDash val="dash"/>
+            <a:round/>
+            <a:headEnd type="none" w="med" len="med"/>
+            <a:tailEnd type="none" w="med" len="med"/>
+          </a:ln>
+        </p:spPr>
+        <p:style>
+          <a:lnRef idx="0">
+            <a:scrgbClr r="0" g="0" b="0"/>
+          </a:lnRef>
+          <a:fillRef idx="0">
+            <a:scrgbClr r="0" g="0" b="0"/>
+          </a:fillRef>
+          <a:effectRef idx="0">
+            <a:scrgbClr r="0" g="0" b="0"/>
+          </a:effectRef>
+          <a:fontRef idx="minor">
+            <a:schemeClr val="tx1"/>
+          </a:fontRef>
+        </p:style>
+      </p:cxnSp>
+      <p:cxnSp>
+        <p:nvCxnSpPr>
+          <p:cNvPr id="73" name="Straight Connector 72"/>
+          <p:cNvCxnSpPr/>
+          <p:nvPr/>
+        </p:nvCxnSpPr>
+        <p:spPr>
+          <a:xfrm flipV="1">
+            <a:off x="3190922" y="2927777"/>
+            <a:ext cx="1056008" cy="336457"/>
+          </a:xfrm>
+          <a:prstGeom prst="line">
+            <a:avLst/>
+          </a:prstGeom>
+          <a:ln w="9525" cap="flat" cmpd="sng" algn="ctr">
+            <a:solidFill>
+              <a:schemeClr val="accent2"/>
+            </a:solidFill>
+            <a:prstDash val="dash"/>
+            <a:round/>
+            <a:headEnd type="none" w="med" len="med"/>
+            <a:tailEnd type="none" w="med" len="med"/>
+          </a:ln>
+        </p:spPr>
+        <p:style>
+          <a:lnRef idx="0">
+            <a:scrgbClr r="0" g="0" b="0"/>
+          </a:lnRef>
+          <a:fillRef idx="0">
+            <a:scrgbClr r="0" g="0" b="0"/>
+          </a:fillRef>
+          <a:effectRef idx="0">
+            <a:scrgbClr r="0" g="0" b="0"/>
+          </a:effectRef>
+          <a:fontRef idx="minor">
+            <a:schemeClr val="tx1"/>
+          </a:fontRef>
+        </p:style>
+      </p:cxnSp>
+      <p:cxnSp>
+        <p:nvCxnSpPr>
+          <p:cNvPr id="83" name="Straight Connector 82"/>
+          <p:cNvCxnSpPr/>
+          <p:nvPr/>
+        </p:nvCxnSpPr>
+        <p:spPr>
+          <a:xfrm>
+            <a:off x="3297602" y="2245419"/>
+            <a:ext cx="958122" cy="918964"/>
+          </a:xfrm>
+          <a:prstGeom prst="line">
+            <a:avLst/>
+          </a:prstGeom>
+          <a:ln w="9525" cap="flat" cmpd="sng" algn="ctr">
+            <a:solidFill>
+              <a:schemeClr val="accent6"/>
+            </a:solidFill>
+            <a:prstDash val="dash"/>
+            <a:round/>
+            <a:headEnd type="none" w="med" len="med"/>
+            <a:tailEnd type="none" w="med" len="med"/>
+          </a:ln>
+        </p:spPr>
+        <p:style>
+          <a:lnRef idx="0">
+            <a:scrgbClr r="0" g="0" b="0"/>
+          </a:lnRef>
+          <a:fillRef idx="0">
+            <a:scrgbClr r="0" g="0" b="0"/>
+          </a:fillRef>
+          <a:effectRef idx="0">
+            <a:scrgbClr r="0" g="0" b="0"/>
+          </a:effectRef>
+          <a:fontRef idx="minor">
+            <a:schemeClr val="tx1"/>
+          </a:fontRef>
+        </p:style>
+      </p:cxnSp>
+      <p:cxnSp>
+        <p:nvCxnSpPr>
+          <p:cNvPr id="86" name="Straight Connector 85"/>
+          <p:cNvCxnSpPr/>
+          <p:nvPr/>
+        </p:nvCxnSpPr>
+        <p:spPr>
+          <a:xfrm>
+            <a:off x="3297602" y="3098860"/>
+            <a:ext cx="947332" cy="284898"/>
+          </a:xfrm>
+          <a:prstGeom prst="line">
+            <a:avLst/>
+          </a:prstGeom>
+          <a:ln w="9525" cap="flat" cmpd="sng" algn="ctr">
+            <a:solidFill>
+              <a:schemeClr val="accent6"/>
+            </a:solidFill>
+            <a:prstDash val="dash"/>
+            <a:round/>
+            <a:headEnd type="none" w="med" len="med"/>
+            <a:tailEnd type="none" w="med" len="med"/>
+          </a:ln>
+        </p:spPr>
+        <p:style>
+          <a:lnRef idx="0">
+            <a:scrgbClr r="0" g="0" b="0"/>
+          </a:lnRef>
+          <a:fillRef idx="0">
+            <a:scrgbClr r="0" g="0" b="0"/>
+          </a:fillRef>
+          <a:effectRef idx="0">
+            <a:scrgbClr r="0" g="0" b="0"/>
+          </a:effectRef>
+          <a:fontRef idx="minor">
+            <a:schemeClr val="tx1"/>
+          </a:fontRef>
+        </p:style>
+      </p:cxnSp>
+      <p:graphicFrame>
+        <p:nvGraphicFramePr>
+          <p:cNvPr id="94" name="Table 93"/>
+          <p:cNvGraphicFramePr>
+            <a:graphicFrameLocks noGrp="1"/>
+          </p:cNvGraphicFramePr>
+          <p:nvPr>
+            <p:extLst>
+              <p:ext uri="{D42A27DB-BD31-4B8C-83A1-F6EECF244321}">
+                <p14:modId xmlns:p14="http://schemas.microsoft.com/office/powerpoint/2010/main" val="526443541"/>
+              </p:ext>
+            </p:extLst>
+          </p:nvPr>
+        </p:nvGraphicFramePr>
+        <p:xfrm>
+          <a:off x="3024552" y="3523519"/>
+          <a:ext cx="273050" cy="853440"/>
+        </p:xfrm>
+        <a:graphic>
+          <a:graphicData uri="http://schemas.openxmlformats.org/drawingml/2006/table">
+            <a:tbl>
+              <a:tblPr firstRow="1" bandRow="1"/>
+              <a:tblGrid>
+                <a:gridCol w="273050">
+                  <a:extLst>
+                    <a:ext uri="{9D8B030D-6E8A-4147-A177-3AD203B41FA5}">
+                      <a16:colId xmlns:a16="http://schemas.microsoft.com/office/drawing/2014/main" val="4185730726"/>
+                    </a:ext>
+                  </a:extLst>
+                </a:gridCol>
+              </a:tblGrid>
+              <a:tr h="206380">
+                <a:tc>
+                  <a:txBody>
+                    <a:bodyPr/>
+                    <a:lstStyle/>
+                    <a:p>
+                      <a:endParaRPr lang="en-US" sz="800" dirty="0"/>
+                    </a:p>
+                  </a:txBody>
+                  <a:tcPr>
+                    <a:lnL w="19050" cap="flat" cmpd="sng" algn="ctr">
+                      <a:solidFill>
+                        <a:schemeClr val="accent6"/>
+                      </a:solidFill>
+                      <a:prstDash val="solid"/>
+                      <a:round/>
+                      <a:headEnd type="none" w="med" len="med"/>
+                      <a:tailEnd type="none" w="med" len="med"/>
+                    </a:lnL>
+                    <a:lnR w="19050" cap="flat" cmpd="sng" algn="ctr">
+                      <a:solidFill>
+                        <a:schemeClr val="accent6"/>
+                      </a:solidFill>
+                      <a:prstDash val="solid"/>
+                      <a:round/>
+                      <a:headEnd type="none" w="med" len="med"/>
+                      <a:tailEnd type="none" w="med" len="med"/>
+                    </a:lnR>
+                    <a:lnT w="19050" cap="flat" cmpd="sng" algn="ctr">
+                      <a:solidFill>
+                        <a:schemeClr val="accent6"/>
+                      </a:solidFill>
+                      <a:prstDash val="solid"/>
+                      <a:round/>
+                      <a:headEnd type="none" w="med" len="med"/>
+                      <a:tailEnd type="none" w="med" len="med"/>
+                    </a:lnT>
+                    <a:lnB w="19050" cap="flat" cmpd="sng" algn="ctr">
+                      <a:solidFill>
+                        <a:schemeClr val="accent6"/>
+                      </a:solidFill>
+                      <a:prstDash val="solid"/>
+                      <a:round/>
+                      <a:headEnd type="none" w="med" len="med"/>
+                      <a:tailEnd type="none" w="med" len="med"/>
+                    </a:lnB>
+                    <a:lnTlToBr w="12700" cmpd="sng">
+                      <a:noFill/>
+                      <a:prstDash val="solid"/>
+                    </a:lnTlToBr>
+                    <a:lnBlToTr w="12700" cmpd="sng">
+                      <a:noFill/>
+                      <a:prstDash val="solid"/>
+                    </a:lnBlToTr>
+                    <a:solidFill>
+                      <a:schemeClr val="accent6">
+                        <a:lumMod val="20000"/>
+                        <a:lumOff val="80000"/>
+                      </a:schemeClr>
+                    </a:solidFill>
+                  </a:tcPr>
+                </a:tc>
+                <a:extLst>
+                  <a:ext uri="{0D108BD9-81ED-4DB2-BD59-A6C34878D82A}">
+                    <a16:rowId xmlns:a16="http://schemas.microsoft.com/office/drawing/2014/main" val="3244523905"/>
+                  </a:ext>
+                </a:extLst>
+              </a:tr>
+              <a:tr h="206380">
+                <a:tc>
+                  <a:txBody>
+                    <a:bodyPr/>
+                    <a:lstStyle/>
+                    <a:p>
+                      <a:endParaRPr lang="en-US" sz="800" dirty="0"/>
+                    </a:p>
+                  </a:txBody>
+                  <a:tcPr>
+                    <a:lnL w="19050" cap="flat" cmpd="sng" algn="ctr">
+                      <a:solidFill>
+                        <a:schemeClr val="accent6"/>
+                      </a:solidFill>
+                      <a:prstDash val="solid"/>
+                      <a:round/>
+                      <a:headEnd type="none" w="med" len="med"/>
+                      <a:tailEnd type="none" w="med" len="med"/>
+                    </a:lnL>
+                    <a:lnR w="19050" cap="flat" cmpd="sng" algn="ctr">
+                      <a:solidFill>
+                        <a:schemeClr val="accent6"/>
+                      </a:solidFill>
+                      <a:prstDash val="solid"/>
+                      <a:round/>
+                      <a:headEnd type="none" w="med" len="med"/>
+                      <a:tailEnd type="none" w="med" len="med"/>
+                    </a:lnR>
+                    <a:lnT w="19050" cap="flat" cmpd="sng" algn="ctr">
+                      <a:solidFill>
+                        <a:schemeClr val="accent6"/>
+                      </a:solidFill>
+                      <a:prstDash val="solid"/>
+                      <a:round/>
+                      <a:headEnd type="none" w="med" len="med"/>
+                      <a:tailEnd type="none" w="med" len="med"/>
+                    </a:lnT>
+                    <a:lnB w="19050" cap="flat" cmpd="sng" algn="ctr">
+                      <a:solidFill>
+                        <a:schemeClr val="accent6"/>
+                      </a:solidFill>
+                      <a:prstDash val="solid"/>
+                      <a:round/>
+                      <a:headEnd type="none" w="med" len="med"/>
+                      <a:tailEnd type="none" w="med" len="med"/>
+                    </a:lnB>
+                    <a:lnTlToBr w="12700" cmpd="sng">
+                      <a:noFill/>
+                      <a:prstDash val="solid"/>
+                    </a:lnTlToBr>
+                    <a:lnBlToTr w="12700" cmpd="sng">
+                      <a:noFill/>
+                      <a:prstDash val="solid"/>
+                    </a:lnBlToTr>
+                    <a:solidFill>
+                      <a:schemeClr val="bg1"/>
+                    </a:solidFill>
+                  </a:tcPr>
+                </a:tc>
+                <a:extLst>
+                  <a:ext uri="{0D108BD9-81ED-4DB2-BD59-A6C34878D82A}">
+                    <a16:rowId xmlns:a16="http://schemas.microsoft.com/office/drawing/2014/main" val="3678188319"/>
+                  </a:ext>
+                </a:extLst>
+              </a:tr>
+              <a:tr h="206380">
+                <a:tc>
+                  <a:txBody>
+                    <a:bodyPr/>
+                    <a:lstStyle/>
+                    <a:p>
+                      <a:endParaRPr lang="en-US" sz="800" dirty="0"/>
+                    </a:p>
+                  </a:txBody>
+                  <a:tcPr>
+                    <a:lnL w="19050" cap="flat" cmpd="sng" algn="ctr">
+                      <a:solidFill>
+                        <a:schemeClr val="accent6"/>
+                      </a:solidFill>
+                      <a:prstDash val="solid"/>
+                      <a:round/>
+                      <a:headEnd type="none" w="med" len="med"/>
+                      <a:tailEnd type="none" w="med" len="med"/>
+                    </a:lnL>
+                    <a:lnR w="19050" cap="flat" cmpd="sng" algn="ctr">
+                      <a:solidFill>
+                        <a:schemeClr val="accent6"/>
+                      </a:solidFill>
+                      <a:prstDash val="solid"/>
+                      <a:round/>
+                      <a:headEnd type="none" w="med" len="med"/>
+                      <a:tailEnd type="none" w="med" len="med"/>
+                    </a:lnR>
+                    <a:lnT w="19050" cap="flat" cmpd="sng" algn="ctr">
+                      <a:solidFill>
+                        <a:schemeClr val="accent6"/>
+                      </a:solidFill>
+                      <a:prstDash val="solid"/>
+                      <a:round/>
+                      <a:headEnd type="none" w="med" len="med"/>
+                      <a:tailEnd type="none" w="med" len="med"/>
+                    </a:lnT>
+                    <a:lnB w="19050" cap="flat" cmpd="sng" algn="ctr">
+                      <a:solidFill>
+                        <a:schemeClr val="accent6"/>
+                      </a:solidFill>
+                      <a:prstDash val="solid"/>
+                      <a:round/>
+                      <a:headEnd type="none" w="med" len="med"/>
+                      <a:tailEnd type="none" w="med" len="med"/>
+                    </a:lnB>
+                    <a:lnTlToBr w="12700" cmpd="sng">
+                      <a:noFill/>
+                      <a:prstDash val="solid"/>
+                    </a:lnTlToBr>
+                    <a:lnBlToTr w="12700" cmpd="sng">
+                      <a:noFill/>
+                      <a:prstDash val="solid"/>
+                    </a:lnBlToTr>
+                    <a:solidFill>
+                      <a:schemeClr val="bg1"/>
+                    </a:solidFill>
+                  </a:tcPr>
+                </a:tc>
+                <a:extLst>
+                  <a:ext uri="{0D108BD9-81ED-4DB2-BD59-A6C34878D82A}">
+                    <a16:rowId xmlns:a16="http://schemas.microsoft.com/office/drawing/2014/main" val="2525101301"/>
+                  </a:ext>
+                </a:extLst>
+              </a:tr>
+              <a:tr h="206380">
+                <a:tc>
+                  <a:txBody>
+                    <a:bodyPr/>
+                    <a:lstStyle/>
+                    <a:p>
+                      <a:endParaRPr lang="en-US" sz="800" dirty="0"/>
+                    </a:p>
+                  </a:txBody>
+                  <a:tcPr>
+                    <a:lnL w="19050" cap="flat" cmpd="sng" algn="ctr">
+                      <a:solidFill>
+                        <a:schemeClr val="accent6"/>
+                      </a:solidFill>
+                      <a:prstDash val="solid"/>
+                      <a:round/>
+                      <a:headEnd type="none" w="med" len="med"/>
+                      <a:tailEnd type="none" w="med" len="med"/>
+                    </a:lnL>
+                    <a:lnR w="19050" cap="flat" cmpd="sng" algn="ctr">
+                      <a:solidFill>
+                        <a:schemeClr val="accent6"/>
+                      </a:solidFill>
+                      <a:prstDash val="solid"/>
+                      <a:round/>
+                      <a:headEnd type="none" w="med" len="med"/>
+                      <a:tailEnd type="none" w="med" len="med"/>
+                    </a:lnR>
+                    <a:lnT w="19050" cap="flat" cmpd="sng" algn="ctr">
+                      <a:solidFill>
+                        <a:schemeClr val="accent6"/>
+                      </a:solidFill>
+                      <a:prstDash val="solid"/>
+                      <a:round/>
+                      <a:headEnd type="none" w="med" len="med"/>
+                      <a:tailEnd type="none" w="med" len="med"/>
+                    </a:lnT>
+                    <a:lnB w="19050" cap="flat" cmpd="sng" algn="ctr">
+                      <a:solidFill>
+                        <a:schemeClr val="accent6"/>
+                      </a:solidFill>
+                      <a:prstDash val="solid"/>
+                      <a:round/>
+                      <a:headEnd type="none" w="med" len="med"/>
+                      <a:tailEnd type="none" w="med" len="med"/>
+                    </a:lnB>
+                    <a:lnTlToBr w="12700" cmpd="sng">
+                      <a:noFill/>
+                      <a:prstDash val="solid"/>
+                    </a:lnTlToBr>
+                    <a:lnBlToTr w="12700" cmpd="sng">
+                      <a:noFill/>
+                      <a:prstDash val="solid"/>
+                    </a:lnBlToTr>
+                    <a:solidFill>
+                      <a:schemeClr val="bg1"/>
+                    </a:solidFill>
+                  </a:tcPr>
+                </a:tc>
+                <a:extLst>
+                  <a:ext uri="{0D108BD9-81ED-4DB2-BD59-A6C34878D82A}">
+                    <a16:rowId xmlns:a16="http://schemas.microsoft.com/office/drawing/2014/main" val="1313577860"/>
+                  </a:ext>
+                </a:extLst>
+              </a:tr>
+            </a:tbl>
+          </a:graphicData>
+        </a:graphic>
+      </p:graphicFrame>
+      <p:graphicFrame>
+        <p:nvGraphicFramePr>
+          <p:cNvPr id="95" name="Table 94"/>
+          <p:cNvGraphicFramePr>
+            <a:graphicFrameLocks noGrp="1"/>
+          </p:cNvGraphicFramePr>
+          <p:nvPr>
+            <p:extLst>
+              <p:ext uri="{D42A27DB-BD31-4B8C-83A1-F6EECF244321}">
+                <p14:modId xmlns:p14="http://schemas.microsoft.com/office/powerpoint/2010/main" val="376736180"/>
+              </p:ext>
+            </p:extLst>
+          </p:nvPr>
+        </p:nvGraphicFramePr>
+        <p:xfrm>
+          <a:off x="2917872" y="3688891"/>
+          <a:ext cx="273050" cy="853440"/>
+        </p:xfrm>
+        <a:graphic>
+          <a:graphicData uri="http://schemas.openxmlformats.org/drawingml/2006/table">
+            <a:tbl>
+              <a:tblPr firstRow="1" bandRow="1"/>
+              <a:tblGrid>
+                <a:gridCol w="273050">
+                  <a:extLst>
+                    <a:ext uri="{9D8B030D-6E8A-4147-A177-3AD203B41FA5}">
+                      <a16:colId xmlns:a16="http://schemas.microsoft.com/office/drawing/2014/main" val="4185730726"/>
+                    </a:ext>
+                  </a:extLst>
+                </a:gridCol>
+              </a:tblGrid>
+              <a:tr h="206380">
+                <a:tc>
+                  <a:txBody>
+                    <a:bodyPr/>
+                    <a:lstStyle/>
+                    <a:p>
+                      <a:endParaRPr lang="en-US" sz="800" dirty="0"/>
+                    </a:p>
+                  </a:txBody>
+                  <a:tcPr>
+                    <a:lnL w="19050" cap="flat" cmpd="sng" algn="ctr">
+                      <a:solidFill>
+                        <a:schemeClr val="accent2"/>
+                      </a:solidFill>
+                      <a:prstDash val="solid"/>
+                      <a:round/>
+                      <a:headEnd type="none" w="med" len="med"/>
+                      <a:tailEnd type="none" w="med" len="med"/>
+                    </a:lnL>
+                    <a:lnR w="19050" cap="flat" cmpd="sng" algn="ctr">
+                      <a:solidFill>
+                        <a:schemeClr val="accent2"/>
+                      </a:solidFill>
+                      <a:prstDash val="solid"/>
+                      <a:round/>
+                      <a:headEnd type="none" w="med" len="med"/>
+                      <a:tailEnd type="none" w="med" len="med"/>
+                    </a:lnR>
+                    <a:lnT w="19050" cap="flat" cmpd="sng" algn="ctr">
+                      <a:solidFill>
+                        <a:schemeClr val="accent2"/>
+                      </a:solidFill>
+                      <a:prstDash val="solid"/>
+                      <a:round/>
+                      <a:headEnd type="none" w="med" len="med"/>
+                      <a:tailEnd type="none" w="med" len="med"/>
+                    </a:lnT>
+                    <a:lnB w="19050" cap="flat" cmpd="sng" algn="ctr">
+                      <a:solidFill>
+                        <a:schemeClr val="accent2"/>
+                      </a:solidFill>
+                      <a:prstDash val="solid"/>
+                      <a:round/>
+                      <a:headEnd type="none" w="med" len="med"/>
+                      <a:tailEnd type="none" w="med" len="med"/>
+                    </a:lnB>
+                    <a:lnTlToBr w="12700" cmpd="sng">
+                      <a:noFill/>
+                      <a:prstDash val="solid"/>
+                    </a:lnTlToBr>
+                    <a:lnBlToTr w="12700" cmpd="sng">
+                      <a:noFill/>
+                      <a:prstDash val="solid"/>
+                    </a:lnBlToTr>
+                    <a:solidFill>
+                      <a:schemeClr val="bg1"/>
+                    </a:solidFill>
+                  </a:tcPr>
+                </a:tc>
+                <a:extLst>
+                  <a:ext uri="{0D108BD9-81ED-4DB2-BD59-A6C34878D82A}">
+                    <a16:rowId xmlns:a16="http://schemas.microsoft.com/office/drawing/2014/main" val="3244523905"/>
+                  </a:ext>
+                </a:extLst>
+              </a:tr>
+              <a:tr h="206380">
+                <a:tc>
+                  <a:txBody>
+                    <a:bodyPr/>
+                    <a:lstStyle/>
+                    <a:p>
+                      <a:endParaRPr lang="en-US" sz="800" dirty="0"/>
+                    </a:p>
+                  </a:txBody>
+                  <a:tcPr>
+                    <a:lnL w="19050" cap="flat" cmpd="sng" algn="ctr">
+                      <a:solidFill>
+                        <a:schemeClr val="accent2"/>
+                      </a:solidFill>
+                      <a:prstDash val="solid"/>
+                      <a:round/>
+                      <a:headEnd type="none" w="med" len="med"/>
+                      <a:tailEnd type="none" w="med" len="med"/>
+                    </a:lnL>
+                    <a:lnR w="19050" cap="flat" cmpd="sng" algn="ctr">
+                      <a:solidFill>
+                        <a:schemeClr val="accent2"/>
+                      </a:solidFill>
+                      <a:prstDash val="solid"/>
+                      <a:round/>
+                      <a:headEnd type="none" w="med" len="med"/>
+                      <a:tailEnd type="none" w="med" len="med"/>
+                    </a:lnR>
+                    <a:lnT w="19050" cap="flat" cmpd="sng" algn="ctr">
+                      <a:solidFill>
+                        <a:schemeClr val="accent2"/>
+                      </a:solidFill>
+                      <a:prstDash val="solid"/>
+                      <a:round/>
+                      <a:headEnd type="none" w="med" len="med"/>
+                      <a:tailEnd type="none" w="med" len="med"/>
+                    </a:lnT>
+                    <a:lnB w="19050" cap="flat" cmpd="sng" algn="ctr">
+                      <a:solidFill>
+                        <a:schemeClr val="accent2"/>
+                      </a:solidFill>
+                      <a:prstDash val="solid"/>
+                      <a:round/>
+                      <a:headEnd type="none" w="med" len="med"/>
+                      <a:tailEnd type="none" w="med" len="med"/>
+                    </a:lnB>
+                    <a:lnTlToBr w="12700" cmpd="sng">
+                      <a:noFill/>
+                      <a:prstDash val="solid"/>
+                    </a:lnTlToBr>
+                    <a:lnBlToTr w="12700" cmpd="sng">
+                      <a:noFill/>
+                      <a:prstDash val="solid"/>
+                    </a:lnBlToTr>
+                    <a:solidFill>
+                      <a:schemeClr val="bg1"/>
+                    </a:solidFill>
+                  </a:tcPr>
+                </a:tc>
+                <a:extLst>
+                  <a:ext uri="{0D108BD9-81ED-4DB2-BD59-A6C34878D82A}">
+                    <a16:rowId xmlns:a16="http://schemas.microsoft.com/office/drawing/2014/main" val="3678188319"/>
+                  </a:ext>
+                </a:extLst>
+              </a:tr>
+              <a:tr h="206380">
+                <a:tc>
+                  <a:txBody>
+                    <a:bodyPr/>
+                    <a:lstStyle/>
+                    <a:p>
+                      <a:endParaRPr lang="en-US" sz="800" dirty="0"/>
+                    </a:p>
+                  </a:txBody>
+                  <a:tcPr>
+                    <a:lnL w="19050" cap="flat" cmpd="sng" algn="ctr">
+                      <a:solidFill>
+                        <a:schemeClr val="accent2"/>
+                      </a:solidFill>
+                      <a:prstDash val="solid"/>
+                      <a:round/>
+                      <a:headEnd type="none" w="med" len="med"/>
+                      <a:tailEnd type="none" w="med" len="med"/>
+                    </a:lnL>
+                    <a:lnR w="19050" cap="flat" cmpd="sng" algn="ctr">
+                      <a:solidFill>
+                        <a:schemeClr val="accent2"/>
+                      </a:solidFill>
+                      <a:prstDash val="solid"/>
+                      <a:round/>
+                      <a:headEnd type="none" w="med" len="med"/>
+                      <a:tailEnd type="none" w="med" len="med"/>
+                    </a:lnR>
+                    <a:lnT w="19050" cap="flat" cmpd="sng" algn="ctr">
+                      <a:solidFill>
+                        <a:schemeClr val="accent2"/>
+                      </a:solidFill>
+                      <a:prstDash val="solid"/>
+                      <a:round/>
+                      <a:headEnd type="none" w="med" len="med"/>
+                      <a:tailEnd type="none" w="med" len="med"/>
+                    </a:lnT>
+                    <a:lnB w="19050" cap="flat" cmpd="sng" algn="ctr">
+                      <a:solidFill>
+                        <a:schemeClr val="accent2"/>
+                      </a:solidFill>
+                      <a:prstDash val="solid"/>
+                      <a:round/>
+                      <a:headEnd type="none" w="med" len="med"/>
+                      <a:tailEnd type="none" w="med" len="med"/>
+                    </a:lnB>
+                    <a:lnTlToBr w="12700" cmpd="sng">
+                      <a:noFill/>
+                      <a:prstDash val="solid"/>
+                    </a:lnTlToBr>
+                    <a:lnBlToTr w="12700" cmpd="sng">
+                      <a:noFill/>
+                      <a:prstDash val="solid"/>
+                    </a:lnBlToTr>
+                    <a:solidFill>
+                      <a:schemeClr val="accent2">
+                        <a:lumMod val="40000"/>
+                        <a:lumOff val="60000"/>
+                      </a:schemeClr>
+                    </a:solidFill>
+                  </a:tcPr>
+                </a:tc>
+                <a:extLst>
+                  <a:ext uri="{0D108BD9-81ED-4DB2-BD59-A6C34878D82A}">
+                    <a16:rowId xmlns:a16="http://schemas.microsoft.com/office/drawing/2014/main" val="2525101301"/>
+                  </a:ext>
+                </a:extLst>
+              </a:tr>
+              <a:tr h="206380">
+                <a:tc>
+                  <a:txBody>
+                    <a:bodyPr/>
+                    <a:lstStyle/>
+                    <a:p>
+                      <a:endParaRPr lang="en-US" sz="800" dirty="0"/>
+                    </a:p>
+                  </a:txBody>
+                  <a:tcPr>
+                    <a:lnL w="19050" cap="flat" cmpd="sng" algn="ctr">
+                      <a:solidFill>
+                        <a:schemeClr val="accent2"/>
+                      </a:solidFill>
+                      <a:prstDash val="solid"/>
+                      <a:round/>
+                      <a:headEnd type="none" w="med" len="med"/>
+                      <a:tailEnd type="none" w="med" len="med"/>
+                    </a:lnL>
+                    <a:lnR w="19050" cap="flat" cmpd="sng" algn="ctr">
+                      <a:solidFill>
+                        <a:schemeClr val="accent2"/>
+                      </a:solidFill>
+                      <a:prstDash val="solid"/>
+                      <a:round/>
+                      <a:headEnd type="none" w="med" len="med"/>
+                      <a:tailEnd type="none" w="med" len="med"/>
+                    </a:lnR>
+                    <a:lnT w="19050" cap="flat" cmpd="sng" algn="ctr">
+                      <a:solidFill>
+                        <a:schemeClr val="accent2"/>
+                      </a:solidFill>
+                      <a:prstDash val="solid"/>
+                      <a:round/>
+                      <a:headEnd type="none" w="med" len="med"/>
+                      <a:tailEnd type="none" w="med" len="med"/>
+                    </a:lnT>
+                    <a:lnB w="19050" cap="flat" cmpd="sng" algn="ctr">
+                      <a:solidFill>
+                        <a:schemeClr val="accent2"/>
+                      </a:solidFill>
+                      <a:prstDash val="solid"/>
+                      <a:round/>
+                      <a:headEnd type="none" w="med" len="med"/>
+                      <a:tailEnd type="none" w="med" len="med"/>
+                    </a:lnB>
+                    <a:lnTlToBr w="12700" cmpd="sng">
+                      <a:noFill/>
+                      <a:prstDash val="solid"/>
+                    </a:lnTlToBr>
+                    <a:lnBlToTr w="12700" cmpd="sng">
+                      <a:noFill/>
+                      <a:prstDash val="solid"/>
+                    </a:lnBlToTr>
+                    <a:solidFill>
+                      <a:srgbClr val="FFFFFF"/>
+                    </a:solidFill>
+                  </a:tcPr>
+                </a:tc>
+                <a:extLst>
+                  <a:ext uri="{0D108BD9-81ED-4DB2-BD59-A6C34878D82A}">
+                    <a16:rowId xmlns:a16="http://schemas.microsoft.com/office/drawing/2014/main" val="1313577860"/>
+                  </a:ext>
+                </a:extLst>
+              </a:tr>
+            </a:tbl>
+          </a:graphicData>
+        </a:graphic>
+      </p:graphicFrame>
+      <p:graphicFrame>
+        <p:nvGraphicFramePr>
+          <p:cNvPr id="96" name="Table 95"/>
+          <p:cNvGraphicFramePr>
+            <a:graphicFrameLocks noGrp="1"/>
+          </p:cNvGraphicFramePr>
+          <p:nvPr>
+            <p:extLst>
+              <p:ext uri="{D42A27DB-BD31-4B8C-83A1-F6EECF244321}">
+                <p14:modId xmlns:p14="http://schemas.microsoft.com/office/powerpoint/2010/main" val="861811045"/>
+              </p:ext>
+            </p:extLst>
+          </p:nvPr>
+        </p:nvGraphicFramePr>
+        <p:xfrm>
+          <a:off x="1217342" y="3523520"/>
+          <a:ext cx="1074420" cy="1219200"/>
+        </p:xfrm>
+        <a:graphic>
+          <a:graphicData uri="http://schemas.openxmlformats.org/drawingml/2006/table">
+            <a:tbl>
+              <a:tblPr firstRow="1" bandRow="1"/>
+              <a:tblGrid>
+                <a:gridCol w="268605">
+                  <a:extLst>
+                    <a:ext uri="{9D8B030D-6E8A-4147-A177-3AD203B41FA5}">
+                      <a16:colId xmlns:a16="http://schemas.microsoft.com/office/drawing/2014/main" val="4185730726"/>
+                    </a:ext>
+                  </a:extLst>
+                </a:gridCol>
+                <a:gridCol w="268605">
+                  <a:extLst>
+                    <a:ext uri="{9D8B030D-6E8A-4147-A177-3AD203B41FA5}">
+                      <a16:colId xmlns:a16="http://schemas.microsoft.com/office/drawing/2014/main" val="1352304641"/>
+                    </a:ext>
+                  </a:extLst>
+                </a:gridCol>
+                <a:gridCol w="268605">
+                  <a:extLst>
+                    <a:ext uri="{9D8B030D-6E8A-4147-A177-3AD203B41FA5}">
+                      <a16:colId xmlns:a16="http://schemas.microsoft.com/office/drawing/2014/main" val="633533869"/>
+                    </a:ext>
+                  </a:extLst>
+                </a:gridCol>
+                <a:gridCol w="268605">
+                  <a:extLst>
+                    <a:ext uri="{9D8B030D-6E8A-4147-A177-3AD203B41FA5}">
+                      <a16:colId xmlns:a16="http://schemas.microsoft.com/office/drawing/2014/main" val="1474325871"/>
+                    </a:ext>
+                  </a:extLst>
+                </a:gridCol>
+              </a:tblGrid>
+              <a:tr h="250825">
+                <a:tc>
+                  <a:txBody>
+                    <a:bodyPr/>
+                    <a:lstStyle/>
+                    <a:p>
+                      <a:endParaRPr lang="en-US" sz="1400" dirty="0"/>
+                    </a:p>
+                  </a:txBody>
+                  <a:tcPr>
+                    <a:lnL w="19050" cap="flat" cmpd="sng" algn="ctr">
+                      <a:solidFill>
+                        <a:schemeClr val="accent1"/>
+                      </a:solidFill>
+                      <a:prstDash val="solid"/>
+                      <a:round/>
+                      <a:headEnd type="none" w="med" len="med"/>
+                      <a:tailEnd type="none" w="med" len="med"/>
+                    </a:lnL>
+                    <a:lnR w="19050" cap="flat" cmpd="sng" algn="ctr">
+                      <a:solidFill>
+                        <a:schemeClr val="accent1"/>
+                      </a:solidFill>
+                      <a:prstDash val="solid"/>
+                      <a:round/>
+                      <a:headEnd type="none" w="med" len="med"/>
+                      <a:tailEnd type="none" w="med" len="med"/>
+                    </a:lnR>
+                    <a:lnT w="19050" cap="flat" cmpd="sng" algn="ctr">
+                      <a:solidFill>
+                        <a:schemeClr val="accent1"/>
+                      </a:solidFill>
+                      <a:prstDash val="solid"/>
+                      <a:round/>
+                      <a:headEnd type="none" w="med" len="med"/>
+                      <a:tailEnd type="none" w="med" len="med"/>
+                    </a:lnT>
+                    <a:lnB w="19050" cap="flat" cmpd="sng" algn="ctr">
+                      <a:solidFill>
+                        <a:schemeClr val="accent1"/>
+                      </a:solidFill>
+                      <a:prstDash val="solid"/>
+                      <a:round/>
+                      <a:headEnd type="none" w="med" len="med"/>
+                      <a:tailEnd type="none" w="med" len="med"/>
+                    </a:lnB>
+                    <a:lnTlToBr w="12700" cmpd="sng">
+                      <a:noFill/>
+                      <a:prstDash val="solid"/>
+                    </a:lnTlToBr>
+                    <a:lnBlToTr w="12700" cmpd="sng">
+                      <a:noFill/>
+                      <a:prstDash val="solid"/>
+                    </a:lnBlToTr>
+                    <a:solidFill>
+                      <a:schemeClr val="accent1">
+                        <a:lumMod val="20000"/>
+                        <a:lumOff val="80000"/>
+                      </a:schemeClr>
+                    </a:solidFill>
+                  </a:tcPr>
+                </a:tc>
+                <a:tc>
+                  <a:txBody>
+                    <a:bodyPr/>
+                    <a:lstStyle/>
+                    <a:p>
+                      <a:endParaRPr lang="en-US" sz="1400" dirty="0"/>
+                    </a:p>
+                  </a:txBody>
+                  <a:tcPr>
+                    <a:lnL w="19050" cap="flat" cmpd="sng" algn="ctr">
+                      <a:solidFill>
+                        <a:schemeClr val="accent1"/>
+                      </a:solidFill>
+                      <a:prstDash val="solid"/>
+                      <a:round/>
+                      <a:headEnd type="none" w="med" len="med"/>
+                      <a:tailEnd type="none" w="med" len="med"/>
+                    </a:lnL>
+                    <a:lnR w="19050" cap="flat" cmpd="sng" algn="ctr">
+                      <a:solidFill>
+                        <a:schemeClr val="accent1"/>
+                      </a:solidFill>
+                      <a:prstDash val="solid"/>
+                      <a:round/>
+                      <a:headEnd type="none" w="med" len="med"/>
+                      <a:tailEnd type="none" w="med" len="med"/>
+                    </a:lnR>
+                    <a:lnT w="19050" cap="flat" cmpd="sng" algn="ctr">
+                      <a:solidFill>
+                        <a:schemeClr val="accent1"/>
+                      </a:solidFill>
+                      <a:prstDash val="solid"/>
+                      <a:round/>
+                      <a:headEnd type="none" w="med" len="med"/>
+                      <a:tailEnd type="none" w="med" len="med"/>
+                    </a:lnT>
+                    <a:lnB w="19050" cap="flat" cmpd="sng" algn="ctr">
+                      <a:solidFill>
+                        <a:schemeClr val="accent1"/>
+                      </a:solidFill>
+                      <a:prstDash val="solid"/>
+                      <a:round/>
+                      <a:headEnd type="none" w="med" len="med"/>
+                      <a:tailEnd type="none" w="med" len="med"/>
+                    </a:lnB>
+                    <a:lnTlToBr w="12700" cmpd="sng">
+                      <a:noFill/>
+                      <a:prstDash val="solid"/>
+                    </a:lnTlToBr>
+                    <a:lnBlToTr w="12700" cmpd="sng">
+                      <a:noFill/>
+                      <a:prstDash val="solid"/>
+                    </a:lnBlToTr>
+                    <a:solidFill>
+                      <a:schemeClr val="accent1">
+                        <a:lumMod val="20000"/>
+                        <a:lumOff val="80000"/>
+                      </a:schemeClr>
+                    </a:solidFill>
+                  </a:tcPr>
+                </a:tc>
+                <a:tc>
+                  <a:txBody>
+                    <a:bodyPr/>
+                    <a:lstStyle/>
+                    <a:p>
+                      <a:endParaRPr lang="en-US" sz="1400" dirty="0"/>
+                    </a:p>
+                  </a:txBody>
+                  <a:tcPr>
+                    <a:lnL w="19050" cap="flat" cmpd="sng" algn="ctr">
+                      <a:solidFill>
+                        <a:schemeClr val="accent1"/>
+                      </a:solidFill>
+                      <a:prstDash val="solid"/>
+                      <a:round/>
+                      <a:headEnd type="none" w="med" len="med"/>
+                      <a:tailEnd type="none" w="med" len="med"/>
+                    </a:lnL>
+                    <a:lnR w="19050" cap="flat" cmpd="sng" algn="ctr">
+                      <a:solidFill>
+                        <a:schemeClr val="accent1"/>
+                      </a:solidFill>
+                      <a:prstDash val="solid"/>
+                      <a:round/>
+                      <a:headEnd type="none" w="med" len="med"/>
+                      <a:tailEnd type="none" w="med" len="med"/>
+                    </a:lnR>
+                    <a:lnT w="19050" cap="flat" cmpd="sng" algn="ctr">
+                      <a:solidFill>
+                        <a:schemeClr val="accent1"/>
+                      </a:solidFill>
+                      <a:prstDash val="solid"/>
+                      <a:round/>
+                      <a:headEnd type="none" w="med" len="med"/>
+                      <a:tailEnd type="none" w="med" len="med"/>
+                    </a:lnT>
+                    <a:lnB w="19050" cap="flat" cmpd="sng" algn="ctr">
+                      <a:solidFill>
+                        <a:schemeClr val="accent1"/>
+                      </a:solidFill>
+                      <a:prstDash val="solid"/>
+                      <a:round/>
+                      <a:headEnd type="none" w="med" len="med"/>
+                      <a:tailEnd type="none" w="med" len="med"/>
+                    </a:lnB>
+                    <a:lnTlToBr w="12700" cmpd="sng">
+                      <a:noFill/>
+                      <a:prstDash val="solid"/>
+                    </a:lnTlToBr>
+                    <a:lnBlToTr w="12700" cmpd="sng">
+                      <a:noFill/>
+                      <a:prstDash val="solid"/>
+                    </a:lnBlToTr>
+                    <a:solidFill>
+                      <a:schemeClr val="accent1">
+                        <a:lumMod val="20000"/>
+                        <a:lumOff val="80000"/>
+                      </a:schemeClr>
+                    </a:solidFill>
+                  </a:tcPr>
+                </a:tc>
+                <a:tc>
+                  <a:txBody>
+                    <a:bodyPr/>
+                    <a:lstStyle/>
+                    <a:p>
+                      <a:endParaRPr lang="en-US" sz="1400" dirty="0"/>
+                    </a:p>
+                  </a:txBody>
+                  <a:tcPr>
+                    <a:lnL w="19050" cap="flat" cmpd="sng" algn="ctr">
+                      <a:solidFill>
+                        <a:schemeClr val="accent1"/>
+                      </a:solidFill>
+                      <a:prstDash val="solid"/>
+                      <a:round/>
+                      <a:headEnd type="none" w="med" len="med"/>
+                      <a:tailEnd type="none" w="med" len="med"/>
+                    </a:lnL>
+                    <a:lnR w="19050" cap="flat" cmpd="sng" algn="ctr">
+                      <a:solidFill>
+                        <a:schemeClr val="accent1"/>
+                      </a:solidFill>
+                      <a:prstDash val="solid"/>
+                      <a:round/>
+                      <a:headEnd type="none" w="med" len="med"/>
+                      <a:tailEnd type="none" w="med" len="med"/>
+                    </a:lnR>
+                    <a:lnT w="19050" cap="flat" cmpd="sng" algn="ctr">
+                      <a:solidFill>
+                        <a:schemeClr val="accent1"/>
+                      </a:solidFill>
+                      <a:prstDash val="solid"/>
+                      <a:round/>
+                      <a:headEnd type="none" w="med" len="med"/>
+                      <a:tailEnd type="none" w="med" len="med"/>
+                    </a:lnT>
+                    <a:lnB w="19050" cap="flat" cmpd="sng" algn="ctr">
+                      <a:solidFill>
+                        <a:schemeClr val="accent1"/>
+                      </a:solidFill>
+                      <a:prstDash val="solid"/>
+                      <a:round/>
+                      <a:headEnd type="none" w="med" len="med"/>
+                      <a:tailEnd type="none" w="med" len="med"/>
+                    </a:lnB>
+                    <a:lnTlToBr w="12700" cmpd="sng">
+                      <a:noFill/>
+                      <a:prstDash val="solid"/>
+                    </a:lnTlToBr>
+                    <a:lnBlToTr w="12700" cmpd="sng">
+                      <a:noFill/>
+                      <a:prstDash val="solid"/>
+                    </a:lnBlToTr>
+                    <a:solidFill>
+                      <a:schemeClr val="accent1">
+                        <a:lumMod val="20000"/>
+                        <a:lumOff val="80000"/>
+                      </a:schemeClr>
+                    </a:solidFill>
+                  </a:tcPr>
+                </a:tc>
+                <a:extLst>
+                  <a:ext uri="{0D108BD9-81ED-4DB2-BD59-A6C34878D82A}">
+                    <a16:rowId xmlns:a16="http://schemas.microsoft.com/office/drawing/2014/main" val="3244523905"/>
+                  </a:ext>
+                </a:extLst>
+              </a:tr>
+              <a:tr h="250825">
+                <a:tc>
+                  <a:txBody>
+                    <a:bodyPr/>
+                    <a:lstStyle/>
+                    <a:p>
+                      <a:endParaRPr lang="en-US" sz="1400" dirty="0"/>
+                    </a:p>
+                  </a:txBody>
+                  <a:tcPr>
+                    <a:lnL w="19050" cap="flat" cmpd="sng" algn="ctr">
+                      <a:solidFill>
+                        <a:schemeClr val="accent1"/>
+                      </a:solidFill>
+                      <a:prstDash val="solid"/>
+                      <a:round/>
+                      <a:headEnd type="none" w="med" len="med"/>
+                      <a:tailEnd type="none" w="med" len="med"/>
+                    </a:lnL>
+                    <a:lnR w="19050" cap="flat" cmpd="sng" algn="ctr">
+                      <a:solidFill>
+                        <a:schemeClr val="accent1"/>
+                      </a:solidFill>
+                      <a:prstDash val="solid"/>
+                      <a:round/>
+                      <a:headEnd type="none" w="med" len="med"/>
+                      <a:tailEnd type="none" w="med" len="med"/>
+                    </a:lnR>
+                    <a:lnT w="19050" cap="flat" cmpd="sng" algn="ctr">
+                      <a:solidFill>
+                        <a:schemeClr val="accent1"/>
+                      </a:solidFill>
+                      <a:prstDash val="solid"/>
+                      <a:round/>
+                      <a:headEnd type="none" w="med" len="med"/>
+                      <a:tailEnd type="none" w="med" len="med"/>
+                    </a:lnT>
+                    <a:lnB w="19050" cap="flat" cmpd="sng" algn="ctr">
+                      <a:solidFill>
+                        <a:schemeClr val="accent1"/>
+                      </a:solidFill>
+                      <a:prstDash val="solid"/>
+                      <a:round/>
+                      <a:headEnd type="none" w="med" len="med"/>
+                      <a:tailEnd type="none" w="med" len="med"/>
+                    </a:lnB>
+                    <a:lnTlToBr w="12700" cmpd="sng">
+                      <a:noFill/>
+                      <a:prstDash val="solid"/>
+                    </a:lnTlToBr>
+                    <a:lnBlToTr w="12700" cmpd="sng">
+                      <a:noFill/>
+                      <a:prstDash val="solid"/>
+                    </a:lnBlToTr>
+                    <a:solidFill>
+                      <a:schemeClr val="accent1">
+                        <a:lumMod val="20000"/>
+                        <a:lumOff val="80000"/>
+                      </a:schemeClr>
+                    </a:solidFill>
+                  </a:tcPr>
+                </a:tc>
+                <a:tc>
+                  <a:txBody>
+                    <a:bodyPr/>
+                    <a:lstStyle/>
+                    <a:p>
+                      <a:endParaRPr lang="en-US" sz="1400" dirty="0"/>
+                    </a:p>
+                  </a:txBody>
+                  <a:tcPr>
+                    <a:lnL w="19050" cap="flat" cmpd="sng" algn="ctr">
+                      <a:solidFill>
+                        <a:schemeClr val="accent1"/>
+                      </a:solidFill>
+                      <a:prstDash val="solid"/>
+                      <a:round/>
+                      <a:headEnd type="none" w="med" len="med"/>
+                      <a:tailEnd type="none" w="med" len="med"/>
+                    </a:lnL>
+                    <a:lnR w="19050" cap="flat" cmpd="sng" algn="ctr">
+                      <a:solidFill>
+                        <a:schemeClr val="accent1"/>
+                      </a:solidFill>
+                      <a:prstDash val="solid"/>
+                      <a:round/>
+                      <a:headEnd type="none" w="med" len="med"/>
+                      <a:tailEnd type="none" w="med" len="med"/>
+                    </a:lnR>
+                    <a:lnT w="19050" cap="flat" cmpd="sng" algn="ctr">
+                      <a:solidFill>
+                        <a:schemeClr val="accent1"/>
+                      </a:solidFill>
+                      <a:prstDash val="solid"/>
+                      <a:round/>
+                      <a:headEnd type="none" w="med" len="med"/>
+                      <a:tailEnd type="none" w="med" len="med"/>
+                    </a:lnT>
+                    <a:lnB w="19050" cap="flat" cmpd="sng" algn="ctr">
+                      <a:solidFill>
+                        <a:schemeClr val="accent1"/>
+                      </a:solidFill>
+                      <a:prstDash val="solid"/>
+                      <a:round/>
+                      <a:headEnd type="none" w="med" len="med"/>
+                      <a:tailEnd type="none" w="med" len="med"/>
+                    </a:lnB>
+                    <a:lnTlToBr w="12700" cmpd="sng">
+                      <a:noFill/>
+                      <a:prstDash val="solid"/>
+                    </a:lnTlToBr>
+                    <a:lnBlToTr w="12700" cmpd="sng">
+                      <a:noFill/>
+                      <a:prstDash val="solid"/>
+                    </a:lnBlToTr>
+                    <a:solidFill>
+                      <a:schemeClr val="accent1">
+                        <a:lumMod val="20000"/>
+                        <a:lumOff val="80000"/>
+                      </a:schemeClr>
+                    </a:solidFill>
+                  </a:tcPr>
+                </a:tc>
+                <a:tc>
+                  <a:txBody>
+                    <a:bodyPr/>
+                    <a:lstStyle/>
+                    <a:p>
+                      <a:endParaRPr lang="en-US" sz="1400" dirty="0"/>
+                    </a:p>
+                  </a:txBody>
+                  <a:tcPr>
+                    <a:lnL w="19050" cap="flat" cmpd="sng" algn="ctr">
+                      <a:solidFill>
+                        <a:schemeClr val="accent1"/>
+                      </a:solidFill>
+                      <a:prstDash val="solid"/>
+                      <a:round/>
+                      <a:headEnd type="none" w="med" len="med"/>
+                      <a:tailEnd type="none" w="med" len="med"/>
+                    </a:lnL>
+                    <a:lnR w="19050" cap="flat" cmpd="sng" algn="ctr">
+                      <a:solidFill>
+                        <a:schemeClr val="accent1"/>
+                      </a:solidFill>
+                      <a:prstDash val="solid"/>
+                      <a:round/>
+                      <a:headEnd type="none" w="med" len="med"/>
+                      <a:tailEnd type="none" w="med" len="med"/>
+                    </a:lnR>
+                    <a:lnT w="19050" cap="flat" cmpd="sng" algn="ctr">
+                      <a:solidFill>
+                        <a:schemeClr val="accent1"/>
+                      </a:solidFill>
+                      <a:prstDash val="solid"/>
+                      <a:round/>
+                      <a:headEnd type="none" w="med" len="med"/>
+                      <a:tailEnd type="none" w="med" len="med"/>
+                    </a:lnT>
+                    <a:lnB w="19050" cap="flat" cmpd="sng" algn="ctr">
+                      <a:solidFill>
+                        <a:schemeClr val="accent1"/>
+                      </a:solidFill>
+                      <a:prstDash val="solid"/>
+                      <a:round/>
+                      <a:headEnd type="none" w="med" len="med"/>
+                      <a:tailEnd type="none" w="med" len="med"/>
+                    </a:lnB>
+                    <a:lnTlToBr w="12700" cmpd="sng">
+                      <a:noFill/>
+                      <a:prstDash val="solid"/>
+                    </a:lnTlToBr>
+                    <a:lnBlToTr w="12700" cmpd="sng">
+                      <a:noFill/>
+                      <a:prstDash val="solid"/>
+                    </a:lnBlToTr>
+                    <a:solidFill>
+                      <a:schemeClr val="accent1">
+                        <a:lumMod val="20000"/>
+                        <a:lumOff val="80000"/>
+                      </a:schemeClr>
+                    </a:solidFill>
+                  </a:tcPr>
+                </a:tc>
+                <a:tc>
+                  <a:txBody>
+                    <a:bodyPr/>
+                    <a:lstStyle/>
+                    <a:p>
+                      <a:endParaRPr lang="en-US" sz="1400" dirty="0"/>
+                    </a:p>
+                  </a:txBody>
+                  <a:tcPr>
+                    <a:lnL w="19050" cap="flat" cmpd="sng" algn="ctr">
+                      <a:solidFill>
+                        <a:schemeClr val="accent1"/>
+                      </a:solidFill>
+                      <a:prstDash val="solid"/>
+                      <a:round/>
+                      <a:headEnd type="none" w="med" len="med"/>
+                      <a:tailEnd type="none" w="med" len="med"/>
+                    </a:lnL>
+                    <a:lnR w="19050" cap="flat" cmpd="sng" algn="ctr">
+                      <a:solidFill>
+                        <a:schemeClr val="accent1"/>
+                      </a:solidFill>
+                      <a:prstDash val="solid"/>
+                      <a:round/>
+                      <a:headEnd type="none" w="med" len="med"/>
+                      <a:tailEnd type="none" w="med" len="med"/>
+                    </a:lnR>
+                    <a:lnT w="19050" cap="flat" cmpd="sng" algn="ctr">
+                      <a:solidFill>
+                        <a:schemeClr val="accent1"/>
+                      </a:solidFill>
+                      <a:prstDash val="solid"/>
+                      <a:round/>
+                      <a:headEnd type="none" w="med" len="med"/>
+                      <a:tailEnd type="none" w="med" len="med"/>
+                    </a:lnT>
+                    <a:lnB w="19050" cap="flat" cmpd="sng" algn="ctr">
+                      <a:solidFill>
+                        <a:schemeClr val="accent1"/>
+                      </a:solidFill>
+                      <a:prstDash val="solid"/>
+                      <a:round/>
+                      <a:headEnd type="none" w="med" len="med"/>
+                      <a:tailEnd type="none" w="med" len="med"/>
+                    </a:lnB>
+                    <a:lnTlToBr w="12700" cmpd="sng">
+                      <a:noFill/>
+                      <a:prstDash val="solid"/>
+                    </a:lnTlToBr>
+                    <a:lnBlToTr w="12700" cmpd="sng">
+                      <a:noFill/>
+                      <a:prstDash val="solid"/>
+                    </a:lnBlToTr>
+                    <a:solidFill>
+                      <a:schemeClr val="accent1">
+                        <a:lumMod val="20000"/>
+                        <a:lumOff val="80000"/>
+                      </a:schemeClr>
+                    </a:solidFill>
+                  </a:tcPr>
+                </a:tc>
+                <a:extLst>
+                  <a:ext uri="{0D108BD9-81ED-4DB2-BD59-A6C34878D82A}">
+                    <a16:rowId xmlns:a16="http://schemas.microsoft.com/office/drawing/2014/main" val="3678188319"/>
+                  </a:ext>
+                </a:extLst>
+              </a:tr>
+              <a:tr h="250825">
+                <a:tc>
+                  <a:txBody>
+                    <a:bodyPr/>
+                    <a:lstStyle/>
+                    <a:p>
+                      <a:endParaRPr lang="en-US" sz="1400"/>
+                    </a:p>
+                  </a:txBody>
+                  <a:tcPr>
+                    <a:lnL w="19050" cap="flat" cmpd="sng" algn="ctr">
+                      <a:solidFill>
+                        <a:schemeClr val="bg1">
+                          <a:lumMod val="50000"/>
+                        </a:schemeClr>
+                      </a:solidFill>
+                      <a:prstDash val="solid"/>
+                      <a:round/>
+                      <a:headEnd type="none" w="med" len="med"/>
+                      <a:tailEnd type="none" w="med" len="med"/>
+                    </a:lnL>
+                    <a:lnR w="19050" cap="flat" cmpd="sng" algn="ctr">
+                      <a:solidFill>
+                        <a:schemeClr val="bg1">
+                          <a:lumMod val="50000"/>
+                        </a:schemeClr>
+                      </a:solidFill>
+                      <a:prstDash val="solid"/>
+                      <a:round/>
+                      <a:headEnd type="none" w="med" len="med"/>
+                      <a:tailEnd type="none" w="med" len="med"/>
+                    </a:lnR>
+                    <a:lnT w="19050" cap="flat" cmpd="sng" algn="ctr">
+                      <a:solidFill>
+                        <a:schemeClr val="accent1"/>
+                      </a:solidFill>
+                      <a:prstDash val="solid"/>
+                      <a:round/>
+                      <a:headEnd type="none" w="med" len="med"/>
+                      <a:tailEnd type="none" w="med" len="med"/>
+                    </a:lnT>
+                    <a:lnB w="19050" cap="flat" cmpd="sng" algn="ctr">
+                      <a:solidFill>
+                        <a:schemeClr val="bg1">
+                          <a:lumMod val="50000"/>
+                        </a:schemeClr>
+                      </a:solidFill>
+                      <a:prstDash val="solid"/>
+                      <a:round/>
+                      <a:headEnd type="none" w="med" len="med"/>
+                      <a:tailEnd type="none" w="med" len="med"/>
+                    </a:lnB>
+                  </a:tcPr>
+                </a:tc>
+                <a:tc>
+                  <a:txBody>
+                    <a:bodyPr/>
+                    <a:lstStyle/>
+                    <a:p>
+                      <a:endParaRPr lang="en-US" sz="1400" dirty="0"/>
+                    </a:p>
+                  </a:txBody>
+                  <a:tcPr>
+                    <a:lnL w="19050" cap="flat" cmpd="sng" algn="ctr">
+                      <a:solidFill>
+                        <a:schemeClr val="bg1">
+                          <a:lumMod val="50000"/>
+                        </a:schemeClr>
+                      </a:solidFill>
+                      <a:prstDash val="solid"/>
+                      <a:round/>
+                      <a:headEnd type="none" w="med" len="med"/>
+                      <a:tailEnd type="none" w="med" len="med"/>
+                    </a:lnL>
+                    <a:lnR w="19050" cap="flat" cmpd="sng" algn="ctr">
+                      <a:solidFill>
+                        <a:schemeClr val="bg1">
+                          <a:lumMod val="50000"/>
+                        </a:schemeClr>
+                      </a:solidFill>
+                      <a:prstDash val="solid"/>
+                      <a:round/>
+                      <a:headEnd type="none" w="med" len="med"/>
+                      <a:tailEnd type="none" w="med" len="med"/>
+                    </a:lnR>
+                    <a:lnT w="19050" cap="flat" cmpd="sng" algn="ctr">
+                      <a:solidFill>
+                        <a:schemeClr val="accent1"/>
+                      </a:solidFill>
+                      <a:prstDash val="solid"/>
+                      <a:round/>
+                      <a:headEnd type="none" w="med" len="med"/>
+                      <a:tailEnd type="none" w="med" len="med"/>
+                    </a:lnT>
+                    <a:lnB w="19050" cap="flat" cmpd="sng" algn="ctr">
+                      <a:solidFill>
+                        <a:schemeClr val="bg1">
+                          <a:lumMod val="50000"/>
+                        </a:schemeClr>
+                      </a:solidFill>
+                      <a:prstDash val="solid"/>
+                      <a:round/>
+                      <a:headEnd type="none" w="med" len="med"/>
+                      <a:tailEnd type="none" w="med" len="med"/>
+                    </a:lnB>
+                  </a:tcPr>
+                </a:tc>
+                <a:tc>
+                  <a:txBody>
+                    <a:bodyPr/>
+                    <a:lstStyle/>
+                    <a:p>
+                      <a:endParaRPr lang="en-US" sz="1400"/>
+                    </a:p>
+                  </a:txBody>
+                  <a:tcPr>
+                    <a:lnL w="19050" cap="flat" cmpd="sng" algn="ctr">
+                      <a:solidFill>
+                        <a:schemeClr val="bg1">
+                          <a:lumMod val="50000"/>
+                        </a:schemeClr>
+                      </a:solidFill>
+                      <a:prstDash val="solid"/>
+                      <a:round/>
+                      <a:headEnd type="none" w="med" len="med"/>
+                      <a:tailEnd type="none" w="med" len="med"/>
+                    </a:lnL>
+                    <a:lnR w="19050" cap="flat" cmpd="sng" algn="ctr">
+                      <a:solidFill>
+                        <a:schemeClr val="bg1">
+                          <a:lumMod val="50000"/>
+                        </a:schemeClr>
+                      </a:solidFill>
+                      <a:prstDash val="solid"/>
+                      <a:round/>
+                      <a:headEnd type="none" w="med" len="med"/>
+                      <a:tailEnd type="none" w="med" len="med"/>
+                    </a:lnR>
+                    <a:lnT w="19050" cap="flat" cmpd="sng" algn="ctr">
+                      <a:solidFill>
+                        <a:schemeClr val="accent1"/>
+                      </a:solidFill>
+                      <a:prstDash val="solid"/>
+                      <a:round/>
+                      <a:headEnd type="none" w="med" len="med"/>
+                      <a:tailEnd type="none" w="med" len="med"/>
+                    </a:lnT>
+                    <a:lnB w="19050" cap="flat" cmpd="sng" algn="ctr">
+                      <a:solidFill>
+                        <a:schemeClr val="bg1">
+                          <a:lumMod val="50000"/>
+                        </a:schemeClr>
+                      </a:solidFill>
+                      <a:prstDash val="solid"/>
+                      <a:round/>
+                      <a:headEnd type="none" w="med" len="med"/>
+                      <a:tailEnd type="none" w="med" len="med"/>
+                    </a:lnB>
+                  </a:tcPr>
+                </a:tc>
+                <a:tc>
+                  <a:txBody>
+                    <a:bodyPr/>
+                    <a:lstStyle/>
+                    <a:p>
+                      <a:endParaRPr lang="en-US" sz="1400" dirty="0"/>
+                    </a:p>
+                  </a:txBody>
+                  <a:tcPr>
+                    <a:lnL w="19050" cap="flat" cmpd="sng" algn="ctr">
+                      <a:solidFill>
+                        <a:schemeClr val="bg1">
+                          <a:lumMod val="50000"/>
+                        </a:schemeClr>
+                      </a:solidFill>
+                      <a:prstDash val="solid"/>
+                      <a:round/>
+                      <a:headEnd type="none" w="med" len="med"/>
+                      <a:tailEnd type="none" w="med" len="med"/>
+                    </a:lnL>
+                    <a:lnR w="19050" cap="flat" cmpd="sng" algn="ctr">
+                      <a:solidFill>
+                        <a:schemeClr val="bg1">
+                          <a:lumMod val="50000"/>
+                        </a:schemeClr>
+                      </a:solidFill>
+                      <a:prstDash val="solid"/>
+                      <a:round/>
+                      <a:headEnd type="none" w="med" len="med"/>
+                      <a:tailEnd type="none" w="med" len="med"/>
+                    </a:lnR>
+                    <a:lnT w="19050" cap="flat" cmpd="sng" algn="ctr">
+                      <a:solidFill>
+                        <a:schemeClr val="accent1"/>
+                      </a:solidFill>
+                      <a:prstDash val="solid"/>
+                      <a:round/>
+                      <a:headEnd type="none" w="med" len="med"/>
+                      <a:tailEnd type="none" w="med" len="med"/>
+                    </a:lnT>
+                    <a:lnB w="19050" cap="flat" cmpd="sng" algn="ctr">
+                      <a:solidFill>
+                        <a:schemeClr val="bg1">
+                          <a:lumMod val="50000"/>
+                        </a:schemeClr>
+                      </a:solidFill>
+                      <a:prstDash val="solid"/>
+                      <a:round/>
+                      <a:headEnd type="none" w="med" len="med"/>
+                      <a:tailEnd type="none" w="med" len="med"/>
+                    </a:lnB>
+                  </a:tcPr>
+                </a:tc>
+                <a:extLst>
+                  <a:ext uri="{0D108BD9-81ED-4DB2-BD59-A6C34878D82A}">
+                    <a16:rowId xmlns:a16="http://schemas.microsoft.com/office/drawing/2014/main" val="2525101301"/>
+                  </a:ext>
+                </a:extLst>
+              </a:tr>
+              <a:tr h="250825">
+                <a:tc>
+                  <a:txBody>
+                    <a:bodyPr/>
+                    <a:lstStyle/>
+                    <a:p>
+                      <a:endParaRPr lang="en-US" sz="1400"/>
+                    </a:p>
+                  </a:txBody>
+                  <a:tcPr>
+                    <a:lnL w="19050" cap="flat" cmpd="sng" algn="ctr">
+                      <a:solidFill>
+                        <a:schemeClr val="bg1">
+                          <a:lumMod val="50000"/>
+                        </a:schemeClr>
+                      </a:solidFill>
+                      <a:prstDash val="solid"/>
+                      <a:round/>
+                      <a:headEnd type="none" w="med" len="med"/>
+                      <a:tailEnd type="none" w="med" len="med"/>
+                    </a:lnL>
+                    <a:lnR w="19050" cap="flat" cmpd="sng" algn="ctr">
+                      <a:solidFill>
+                        <a:schemeClr val="bg1">
+                          <a:lumMod val="50000"/>
+                        </a:schemeClr>
+                      </a:solidFill>
+                      <a:prstDash val="solid"/>
+                      <a:round/>
+                      <a:headEnd type="none" w="med" len="med"/>
+                      <a:tailEnd type="none" w="med" len="med"/>
+                    </a:lnR>
+                    <a:lnT w="19050" cap="flat" cmpd="sng" algn="ctr">
+                      <a:solidFill>
+                        <a:schemeClr val="bg1">
+                          <a:lumMod val="50000"/>
+                        </a:schemeClr>
+                      </a:solidFill>
+                      <a:prstDash val="solid"/>
+                      <a:round/>
+                      <a:headEnd type="none" w="med" len="med"/>
+                      <a:tailEnd type="none" w="med" len="med"/>
+                    </a:lnT>
+                    <a:lnB w="19050" cap="flat" cmpd="sng" algn="ctr">
+                      <a:solidFill>
+                        <a:schemeClr val="bg1">
+                          <a:lumMod val="50000"/>
+                        </a:schemeClr>
+                      </a:solidFill>
+                      <a:prstDash val="solid"/>
+                      <a:round/>
+                      <a:headEnd type="none" w="med" len="med"/>
+                      <a:tailEnd type="none" w="med" len="med"/>
+                    </a:lnB>
+                  </a:tcPr>
+                </a:tc>
+                <a:tc>
+                  <a:txBody>
+                    <a:bodyPr/>
+                    <a:lstStyle/>
+                    <a:p>
+                      <a:endParaRPr lang="en-US" sz="1400"/>
+                    </a:p>
+                  </a:txBody>
+                  <a:tcPr>
+                    <a:lnL w="19050" cap="flat" cmpd="sng" algn="ctr">
+                      <a:solidFill>
+                        <a:schemeClr val="bg1">
+                          <a:lumMod val="50000"/>
+                        </a:schemeClr>
+                      </a:solidFill>
+                      <a:prstDash val="solid"/>
+                      <a:round/>
+                      <a:headEnd type="none" w="med" len="med"/>
+                      <a:tailEnd type="none" w="med" len="med"/>
+                    </a:lnL>
+                    <a:lnR w="19050" cap="flat" cmpd="sng" algn="ctr">
+                      <a:solidFill>
+                        <a:schemeClr val="bg1">
+                          <a:lumMod val="50000"/>
+                        </a:schemeClr>
+                      </a:solidFill>
+                      <a:prstDash val="solid"/>
+                      <a:round/>
+                      <a:headEnd type="none" w="med" len="med"/>
+                      <a:tailEnd type="none" w="med" len="med"/>
+                    </a:lnR>
+                    <a:lnT w="19050" cap="flat" cmpd="sng" algn="ctr">
+                      <a:solidFill>
+                        <a:schemeClr val="bg1">
+                          <a:lumMod val="50000"/>
+                        </a:schemeClr>
+                      </a:solidFill>
+                      <a:prstDash val="solid"/>
+                      <a:round/>
+                      <a:headEnd type="none" w="med" len="med"/>
+                      <a:tailEnd type="none" w="med" len="med"/>
+                    </a:lnT>
+                    <a:lnB w="19050" cap="flat" cmpd="sng" algn="ctr">
+                      <a:solidFill>
+                        <a:schemeClr val="bg1">
+                          <a:lumMod val="50000"/>
+                        </a:schemeClr>
+                      </a:solidFill>
+                      <a:prstDash val="solid"/>
+                      <a:round/>
+                      <a:headEnd type="none" w="med" len="med"/>
+                      <a:tailEnd type="none" w="med" len="med"/>
+                    </a:lnB>
+                  </a:tcPr>
+                </a:tc>
+                <a:tc>
+                  <a:txBody>
+                    <a:bodyPr/>
+                    <a:lstStyle/>
+                    <a:p>
+                      <a:endParaRPr lang="en-US" sz="1400" dirty="0"/>
+                    </a:p>
+                  </a:txBody>
+                  <a:tcPr>
+                    <a:lnL w="19050" cap="flat" cmpd="sng" algn="ctr">
+                      <a:solidFill>
+                        <a:schemeClr val="bg1">
+                          <a:lumMod val="50000"/>
+                        </a:schemeClr>
+                      </a:solidFill>
+                      <a:prstDash val="solid"/>
+                      <a:round/>
+                      <a:headEnd type="none" w="med" len="med"/>
+                      <a:tailEnd type="none" w="med" len="med"/>
+                    </a:lnL>
+                    <a:lnR w="19050" cap="flat" cmpd="sng" algn="ctr">
+                      <a:solidFill>
+                        <a:schemeClr val="bg1">
+                          <a:lumMod val="50000"/>
+                        </a:schemeClr>
+                      </a:solidFill>
+                      <a:prstDash val="solid"/>
+                      <a:round/>
+                      <a:headEnd type="none" w="med" len="med"/>
+                      <a:tailEnd type="none" w="med" len="med"/>
+                    </a:lnR>
+                    <a:lnT w="19050" cap="flat" cmpd="sng" algn="ctr">
+                      <a:solidFill>
+                        <a:schemeClr val="bg1">
+                          <a:lumMod val="50000"/>
+                        </a:schemeClr>
+                      </a:solidFill>
+                      <a:prstDash val="solid"/>
+                      <a:round/>
+                      <a:headEnd type="none" w="med" len="med"/>
+                      <a:tailEnd type="none" w="med" len="med"/>
+                    </a:lnT>
+                    <a:lnB w="19050" cap="flat" cmpd="sng" algn="ctr">
+                      <a:solidFill>
+                        <a:schemeClr val="bg1">
+                          <a:lumMod val="50000"/>
+                        </a:schemeClr>
+                      </a:solidFill>
+                      <a:prstDash val="solid"/>
+                      <a:round/>
+                      <a:headEnd type="none" w="med" len="med"/>
+                      <a:tailEnd type="none" w="med" len="med"/>
+                    </a:lnB>
+                  </a:tcPr>
+                </a:tc>
+                <a:tc>
+                  <a:txBody>
+                    <a:bodyPr/>
+                    <a:lstStyle/>
+                    <a:p>
+                      <a:endParaRPr lang="en-US" sz="1400" dirty="0"/>
+                    </a:p>
+                  </a:txBody>
+                  <a:tcPr>
+                    <a:lnL w="19050" cap="flat" cmpd="sng" algn="ctr">
+                      <a:solidFill>
+                        <a:schemeClr val="bg1">
+                          <a:lumMod val="50000"/>
+                        </a:schemeClr>
+                      </a:solidFill>
+                      <a:prstDash val="solid"/>
+                      <a:round/>
+                      <a:headEnd type="none" w="med" len="med"/>
+                      <a:tailEnd type="none" w="med" len="med"/>
+                    </a:lnL>
+                    <a:lnR w="19050" cap="flat" cmpd="sng" algn="ctr">
+                      <a:solidFill>
+                        <a:schemeClr val="bg1">
+                          <a:lumMod val="50000"/>
+                        </a:schemeClr>
+                      </a:solidFill>
+                      <a:prstDash val="solid"/>
+                      <a:round/>
+                      <a:headEnd type="none" w="med" len="med"/>
+                      <a:tailEnd type="none" w="med" len="med"/>
+                    </a:lnR>
+                    <a:lnT w="19050" cap="flat" cmpd="sng" algn="ctr">
+                      <a:solidFill>
+                        <a:schemeClr val="bg1">
+                          <a:lumMod val="50000"/>
+                        </a:schemeClr>
+                      </a:solidFill>
+                      <a:prstDash val="solid"/>
+                      <a:round/>
+                      <a:headEnd type="none" w="med" len="med"/>
+                      <a:tailEnd type="none" w="med" len="med"/>
+                    </a:lnT>
+                    <a:lnB w="19050" cap="flat" cmpd="sng" algn="ctr">
+                      <a:solidFill>
+                        <a:schemeClr val="bg1">
+                          <a:lumMod val="50000"/>
+                        </a:schemeClr>
+                      </a:solidFill>
+                      <a:prstDash val="solid"/>
+                      <a:round/>
+                      <a:headEnd type="none" w="med" len="med"/>
+                      <a:tailEnd type="none" w="med" len="med"/>
+                    </a:lnB>
+                  </a:tcPr>
+                </a:tc>
+                <a:extLst>
+                  <a:ext uri="{0D108BD9-81ED-4DB2-BD59-A6C34878D82A}">
+                    <a16:rowId xmlns:a16="http://schemas.microsoft.com/office/drawing/2014/main" val="1313577860"/>
+                  </a:ext>
+                </a:extLst>
+              </a:tr>
+            </a:tbl>
+          </a:graphicData>
+        </a:graphic>
+      </p:graphicFrame>
+      <p:graphicFrame>
+        <p:nvGraphicFramePr>
+          <p:cNvPr id="98" name="Table 97"/>
+          <p:cNvGraphicFramePr>
+            <a:graphicFrameLocks noGrp="1"/>
+          </p:cNvGraphicFramePr>
+          <p:nvPr>
+            <p:extLst>
+              <p:ext uri="{D42A27DB-BD31-4B8C-83A1-F6EECF244321}">
+                <p14:modId xmlns:p14="http://schemas.microsoft.com/office/powerpoint/2010/main" val="3605003401"/>
+              </p:ext>
+            </p:extLst>
+          </p:nvPr>
+        </p:nvGraphicFramePr>
+        <p:xfrm>
+          <a:off x="2811192" y="3788051"/>
+          <a:ext cx="273050" cy="915688"/>
+        </p:xfrm>
+        <a:graphic>
+          <a:graphicData uri="http://schemas.openxmlformats.org/drawingml/2006/table">
+            <a:tbl>
+              <a:tblPr firstRow="1" bandRow="1"/>
+              <a:tblGrid>
+                <a:gridCol w="273050">
+                  <a:extLst>
+                    <a:ext uri="{9D8B030D-6E8A-4147-A177-3AD203B41FA5}">
+                      <a16:colId xmlns:a16="http://schemas.microsoft.com/office/drawing/2014/main" val="4185730726"/>
+                    </a:ext>
+                  </a:extLst>
+                </a:gridCol>
+              </a:tblGrid>
+              <a:tr h="228922">
+                <a:tc>
+                  <a:txBody>
+                    <a:bodyPr/>
+                    <a:lstStyle/>
+                    <a:p>
+                      <a:endParaRPr lang="en-US" sz="800" dirty="0"/>
+                    </a:p>
+                  </a:txBody>
+                  <a:tcPr>
+                    <a:lnL w="19050" cap="flat" cmpd="sng" algn="ctr">
+                      <a:solidFill>
+                        <a:schemeClr val="accent1"/>
+                      </a:solidFill>
+                      <a:prstDash val="solid"/>
+                      <a:round/>
+                      <a:headEnd type="none" w="med" len="med"/>
+                      <a:tailEnd type="none" w="med" len="med"/>
+                    </a:lnL>
+                    <a:lnR w="19050" cap="flat" cmpd="sng" algn="ctr">
+                      <a:solidFill>
+                        <a:schemeClr val="accent1"/>
+                      </a:solidFill>
+                      <a:prstDash val="solid"/>
+                      <a:round/>
+                      <a:headEnd type="none" w="med" len="med"/>
+                      <a:tailEnd type="none" w="med" len="med"/>
+                    </a:lnR>
+                    <a:lnT w="19050" cap="flat" cmpd="sng" algn="ctr">
+                      <a:solidFill>
+                        <a:schemeClr val="accent1"/>
+                      </a:solidFill>
+                      <a:prstDash val="solid"/>
+                      <a:round/>
+                      <a:headEnd type="none" w="med" len="med"/>
+                      <a:tailEnd type="none" w="med" len="med"/>
+                    </a:lnT>
+                    <a:lnB w="19050" cap="flat" cmpd="sng" algn="ctr">
+                      <a:solidFill>
+                        <a:schemeClr val="accent1"/>
+                      </a:solidFill>
+                      <a:prstDash val="solid"/>
+                      <a:round/>
+                      <a:headEnd type="none" w="med" len="med"/>
+                      <a:tailEnd type="none" w="med" len="med"/>
+                    </a:lnB>
+                    <a:lnTlToBr w="12700" cmpd="sng">
+                      <a:noFill/>
+                      <a:prstDash val="solid"/>
+                    </a:lnTlToBr>
+                    <a:lnBlToTr w="12700" cmpd="sng">
+                      <a:noFill/>
+                      <a:prstDash val="solid"/>
+                    </a:lnBlToTr>
+                    <a:solidFill>
+                      <a:srgbClr val="FFFFFF"/>
+                    </a:solidFill>
+                  </a:tcPr>
+                </a:tc>
+                <a:extLst>
+                  <a:ext uri="{0D108BD9-81ED-4DB2-BD59-A6C34878D82A}">
+                    <a16:rowId xmlns:a16="http://schemas.microsoft.com/office/drawing/2014/main" val="3244523905"/>
+                  </a:ext>
+                </a:extLst>
+              </a:tr>
+              <a:tr h="228922">
+                <a:tc>
+                  <a:txBody>
+                    <a:bodyPr/>
+                    <a:lstStyle/>
+                    <a:p>
+                      <a:endParaRPr lang="en-US" sz="800" dirty="0"/>
+                    </a:p>
+                  </a:txBody>
+                  <a:tcPr>
+                    <a:lnL w="19050" cap="flat" cmpd="sng" algn="ctr">
+                      <a:solidFill>
+                        <a:schemeClr val="accent1"/>
+                      </a:solidFill>
+                      <a:prstDash val="solid"/>
+                      <a:round/>
+                      <a:headEnd type="none" w="med" len="med"/>
+                      <a:tailEnd type="none" w="med" len="med"/>
+                    </a:lnL>
+                    <a:lnR w="19050" cap="flat" cmpd="sng" algn="ctr">
+                      <a:solidFill>
+                        <a:schemeClr val="accent1"/>
+                      </a:solidFill>
+                      <a:prstDash val="solid"/>
+                      <a:round/>
+                      <a:headEnd type="none" w="med" len="med"/>
+                      <a:tailEnd type="none" w="med" len="med"/>
+                    </a:lnR>
+                    <a:lnT w="19050" cap="flat" cmpd="sng" algn="ctr">
+                      <a:solidFill>
+                        <a:schemeClr val="accent1"/>
+                      </a:solidFill>
+                      <a:prstDash val="solid"/>
+                      <a:round/>
+                      <a:headEnd type="none" w="med" len="med"/>
+                      <a:tailEnd type="none" w="med" len="med"/>
+                    </a:lnT>
+                    <a:lnB w="19050" cap="flat" cmpd="sng" algn="ctr">
+                      <a:solidFill>
+                        <a:schemeClr val="accent1"/>
+                      </a:solidFill>
+                      <a:prstDash val="solid"/>
+                      <a:round/>
+                      <a:headEnd type="none" w="med" len="med"/>
+                      <a:tailEnd type="none" w="med" len="med"/>
+                    </a:lnB>
+                    <a:lnTlToBr w="12700" cmpd="sng">
+                      <a:noFill/>
+                      <a:prstDash val="solid"/>
+                    </a:lnTlToBr>
+                    <a:lnBlToTr w="12700" cmpd="sng">
+                      <a:noFill/>
+                      <a:prstDash val="solid"/>
+                    </a:lnBlToTr>
+                    <a:solidFill>
+                      <a:schemeClr val="accent1">
+                        <a:lumMod val="20000"/>
+                        <a:lumOff val="80000"/>
+                      </a:schemeClr>
+                    </a:solidFill>
+                  </a:tcPr>
+                </a:tc>
+                <a:extLst>
+                  <a:ext uri="{0D108BD9-81ED-4DB2-BD59-A6C34878D82A}">
+                    <a16:rowId xmlns:a16="http://schemas.microsoft.com/office/drawing/2014/main" val="3678188319"/>
+                  </a:ext>
+                </a:extLst>
+              </a:tr>
+              <a:tr h="228922">
+                <a:tc>
+                  <a:txBody>
+                    <a:bodyPr/>
+                    <a:lstStyle/>
+                    <a:p>
+                      <a:endParaRPr lang="en-US" sz="800" dirty="0"/>
+                    </a:p>
+                  </a:txBody>
+                  <a:tcPr>
+                    <a:lnL w="19050" cap="flat" cmpd="sng" algn="ctr">
+                      <a:solidFill>
+                        <a:schemeClr val="accent1"/>
+                      </a:solidFill>
+                      <a:prstDash val="solid"/>
+                      <a:round/>
+                      <a:headEnd type="none" w="med" len="med"/>
+                      <a:tailEnd type="none" w="med" len="med"/>
+                    </a:lnL>
+                    <a:lnR w="19050" cap="flat" cmpd="sng" algn="ctr">
+                      <a:solidFill>
+                        <a:schemeClr val="accent1"/>
+                      </a:solidFill>
+                      <a:prstDash val="solid"/>
+                      <a:round/>
+                      <a:headEnd type="none" w="med" len="med"/>
+                      <a:tailEnd type="none" w="med" len="med"/>
+                    </a:lnR>
+                    <a:lnT w="19050" cap="flat" cmpd="sng" algn="ctr">
+                      <a:solidFill>
+                        <a:schemeClr val="accent1"/>
+                      </a:solidFill>
+                      <a:prstDash val="solid"/>
+                      <a:round/>
+                      <a:headEnd type="none" w="med" len="med"/>
+                      <a:tailEnd type="none" w="med" len="med"/>
+                    </a:lnT>
+                    <a:lnB w="19050" cap="flat" cmpd="sng" algn="ctr">
+                      <a:solidFill>
+                        <a:schemeClr val="accent1"/>
+                      </a:solidFill>
+                      <a:prstDash val="solid"/>
+                      <a:round/>
+                      <a:headEnd type="none" w="med" len="med"/>
+                      <a:tailEnd type="none" w="med" len="med"/>
+                    </a:lnB>
+                    <a:lnTlToBr w="12700" cmpd="sng">
+                      <a:noFill/>
+                      <a:prstDash val="solid"/>
+                    </a:lnTlToBr>
+                    <a:lnBlToTr w="12700" cmpd="sng">
+                      <a:noFill/>
+                      <a:prstDash val="solid"/>
+                    </a:lnBlToTr>
+                    <a:solidFill>
+                      <a:schemeClr val="bg1"/>
+                    </a:solidFill>
+                  </a:tcPr>
+                </a:tc>
+                <a:extLst>
+                  <a:ext uri="{0D108BD9-81ED-4DB2-BD59-A6C34878D82A}">
+                    <a16:rowId xmlns:a16="http://schemas.microsoft.com/office/drawing/2014/main" val="2525101301"/>
+                  </a:ext>
+                </a:extLst>
+              </a:tr>
+              <a:tr h="228922">
+                <a:tc>
+                  <a:txBody>
+                    <a:bodyPr/>
+                    <a:lstStyle/>
+                    <a:p>
+                      <a:endParaRPr lang="en-US" sz="800" dirty="0"/>
+                    </a:p>
+                  </a:txBody>
+                  <a:tcPr>
+                    <a:lnL w="19050" cap="flat" cmpd="sng" algn="ctr">
+                      <a:solidFill>
+                        <a:schemeClr val="accent1"/>
+                      </a:solidFill>
+                      <a:prstDash val="solid"/>
+                      <a:round/>
+                      <a:headEnd type="none" w="med" len="med"/>
+                      <a:tailEnd type="none" w="med" len="med"/>
+                    </a:lnL>
+                    <a:lnR w="19050" cap="flat" cmpd="sng" algn="ctr">
+                      <a:solidFill>
+                        <a:schemeClr val="accent1"/>
+                      </a:solidFill>
+                      <a:prstDash val="solid"/>
+                      <a:round/>
+                      <a:headEnd type="none" w="med" len="med"/>
+                      <a:tailEnd type="none" w="med" len="med"/>
+                    </a:lnR>
+                    <a:lnT w="19050" cap="flat" cmpd="sng" algn="ctr">
+                      <a:solidFill>
+                        <a:schemeClr val="accent1"/>
+                      </a:solidFill>
+                      <a:prstDash val="solid"/>
+                      <a:round/>
+                      <a:headEnd type="none" w="med" len="med"/>
+                      <a:tailEnd type="none" w="med" len="med"/>
+                    </a:lnT>
+                    <a:lnB w="19050" cap="flat" cmpd="sng" algn="ctr">
+                      <a:solidFill>
+                        <a:schemeClr val="accent1"/>
+                      </a:solidFill>
+                      <a:prstDash val="solid"/>
+                      <a:round/>
+                      <a:headEnd type="none" w="med" len="med"/>
+                      <a:tailEnd type="none" w="med" len="med"/>
+                    </a:lnB>
+                    <a:lnTlToBr w="12700" cmpd="sng">
+                      <a:noFill/>
+                      <a:prstDash val="solid"/>
+                    </a:lnTlToBr>
+                    <a:lnBlToTr w="12700" cmpd="sng">
+                      <a:noFill/>
+                      <a:prstDash val="solid"/>
+                    </a:lnBlToTr>
+                    <a:solidFill>
+                      <a:schemeClr val="bg1"/>
+                    </a:solidFill>
+                  </a:tcPr>
+                </a:tc>
+                <a:extLst>
+                  <a:ext uri="{0D108BD9-81ED-4DB2-BD59-A6C34878D82A}">
+                    <a16:rowId xmlns:a16="http://schemas.microsoft.com/office/drawing/2014/main" val="1313577860"/>
+                  </a:ext>
+                </a:extLst>
+              </a:tr>
+            </a:tbl>
+          </a:graphicData>
+        </a:graphic>
+      </p:graphicFrame>
+      <p:cxnSp>
+        <p:nvCxnSpPr>
+          <p:cNvPr id="99" name="Straight Connector 98"/>
+          <p:cNvCxnSpPr/>
+          <p:nvPr/>
+        </p:nvCxnSpPr>
+        <p:spPr>
+          <a:xfrm>
+            <a:off x="1217342" y="3523525"/>
+            <a:ext cx="1593850" cy="480717"/>
+          </a:xfrm>
+          <a:prstGeom prst="line">
+            <a:avLst/>
+          </a:prstGeom>
+        </p:spPr>
+        <p:style>
+          <a:lnRef idx="3">
+            <a:schemeClr val="accent1"/>
+          </a:lnRef>
+          <a:fillRef idx="0">
+            <a:schemeClr val="accent1"/>
+          </a:fillRef>
+          <a:effectRef idx="2">
+            <a:schemeClr val="accent1"/>
+          </a:effectRef>
+          <a:fontRef idx="minor">
+            <a:schemeClr val="tx1"/>
+          </a:fontRef>
+        </p:style>
+      </p:cxnSp>
+      <p:cxnSp>
+        <p:nvCxnSpPr>
+          <p:cNvPr id="100" name="Straight Connector 99"/>
+          <p:cNvCxnSpPr/>
+          <p:nvPr/>
+        </p:nvCxnSpPr>
+        <p:spPr>
+          <a:xfrm>
+            <a:off x="2291767" y="3523520"/>
+            <a:ext cx="781685" cy="487714"/>
+          </a:xfrm>
+          <a:prstGeom prst="line">
+            <a:avLst/>
+          </a:prstGeom>
+        </p:spPr>
+        <p:style>
+          <a:lnRef idx="3">
+            <a:schemeClr val="accent1"/>
+          </a:lnRef>
+          <a:fillRef idx="0">
+            <a:schemeClr val="accent1"/>
+          </a:fillRef>
+          <a:effectRef idx="2">
+            <a:schemeClr val="accent1"/>
+          </a:effectRef>
+          <a:fontRef idx="minor">
+            <a:schemeClr val="tx1"/>
+          </a:fontRef>
+        </p:style>
+      </p:cxnSp>
+      <p:cxnSp>
+        <p:nvCxnSpPr>
+          <p:cNvPr id="101" name="Straight Connector 100"/>
+          <p:cNvCxnSpPr>
+            <a:endCxn id="98" idx="1"/>
+          </p:cNvCxnSpPr>
+          <p:nvPr/>
+        </p:nvCxnSpPr>
+        <p:spPr>
+          <a:xfrm>
+            <a:off x="1217342" y="4115611"/>
+            <a:ext cx="1593850" cy="130289"/>
+          </a:xfrm>
+          <a:prstGeom prst="line">
+            <a:avLst/>
+          </a:prstGeom>
+        </p:spPr>
+        <p:style>
+          <a:lnRef idx="3">
+            <a:schemeClr val="accent1"/>
+          </a:lnRef>
+          <a:fillRef idx="0">
+            <a:schemeClr val="accent1"/>
+          </a:fillRef>
+          <a:effectRef idx="2">
+            <a:schemeClr val="accent1"/>
+          </a:effectRef>
+          <a:fontRef idx="minor">
+            <a:schemeClr val="tx1"/>
+          </a:fontRef>
+        </p:style>
+      </p:cxnSp>
+      <p:cxnSp>
+        <p:nvCxnSpPr>
+          <p:cNvPr id="102" name="Straight Connector 101"/>
+          <p:cNvCxnSpPr>
+            <a:stCxn id="96" idx="3"/>
+            <a:endCxn id="98" idx="3"/>
+          </p:cNvCxnSpPr>
+          <p:nvPr/>
+        </p:nvCxnSpPr>
+        <p:spPr>
+          <a:xfrm>
+            <a:off x="2291762" y="4133120"/>
+            <a:ext cx="792480" cy="112775"/>
+          </a:xfrm>
+          <a:prstGeom prst="line">
+            <a:avLst/>
+          </a:prstGeom>
+        </p:spPr>
+        <p:style>
+          <a:lnRef idx="3">
+            <a:schemeClr val="accent1"/>
+          </a:lnRef>
+          <a:fillRef idx="0">
+            <a:schemeClr val="accent1"/>
+          </a:fillRef>
+          <a:effectRef idx="2">
+            <a:schemeClr val="accent1"/>
+          </a:effectRef>
+          <a:fontRef idx="minor">
+            <a:schemeClr val="tx1"/>
+          </a:fontRef>
+        </p:style>
+      </p:cxnSp>
+      <p:graphicFrame>
+        <p:nvGraphicFramePr>
+          <p:cNvPr id="103" name="Table 102"/>
+          <p:cNvGraphicFramePr>
+            <a:graphicFrameLocks noGrp="1"/>
+          </p:cNvGraphicFramePr>
+          <p:nvPr>
+            <p:extLst>
+              <p:ext uri="{D42A27DB-BD31-4B8C-83A1-F6EECF244321}">
+                <p14:modId xmlns:p14="http://schemas.microsoft.com/office/powerpoint/2010/main" val="2470017598"/>
+              </p:ext>
+            </p:extLst>
+          </p:nvPr>
+        </p:nvGraphicFramePr>
+        <p:xfrm>
+          <a:off x="4246930" y="3604152"/>
+          <a:ext cx="273050" cy="1144610"/>
+        </p:xfrm>
+        <a:graphic>
+          <a:graphicData uri="http://schemas.openxmlformats.org/drawingml/2006/table">
+            <a:tbl>
+              <a:tblPr firstRow="1" bandRow="1"/>
+              <a:tblGrid>
+                <a:gridCol w="273050">
+                  <a:extLst>
+                    <a:ext uri="{9D8B030D-6E8A-4147-A177-3AD203B41FA5}">
+                      <a16:colId xmlns:a16="http://schemas.microsoft.com/office/drawing/2014/main" val="4185730726"/>
+                    </a:ext>
+                  </a:extLst>
+                </a:gridCol>
+              </a:tblGrid>
+              <a:tr h="228922">
+                <a:tc>
+                  <a:txBody>
+                    <a:bodyPr/>
+                    <a:lstStyle/>
+                    <a:p>
+                      <a:endParaRPr lang="en-US" sz="800" dirty="0"/>
+                    </a:p>
+                  </a:txBody>
+                  <a:tcPr>
+                    <a:lnL w="19050" cap="flat" cmpd="sng" algn="ctr">
+                      <a:solidFill>
+                        <a:schemeClr val="accent1"/>
+                      </a:solidFill>
+                      <a:prstDash val="solid"/>
+                      <a:round/>
+                      <a:headEnd type="none" w="med" len="med"/>
+                      <a:tailEnd type="none" w="med" len="med"/>
+                    </a:lnL>
+                    <a:lnR w="19050" cap="flat" cmpd="sng" algn="ctr">
+                      <a:solidFill>
+                        <a:schemeClr val="accent1"/>
+                      </a:solidFill>
+                      <a:prstDash val="solid"/>
+                      <a:round/>
+                      <a:headEnd type="none" w="med" len="med"/>
+                      <a:tailEnd type="none" w="med" len="med"/>
+                    </a:lnR>
+                    <a:lnT w="19050" cap="flat" cmpd="sng" algn="ctr">
+                      <a:solidFill>
+                        <a:schemeClr val="accent1"/>
+                      </a:solidFill>
+                      <a:prstDash val="solid"/>
+                      <a:round/>
+                      <a:headEnd type="none" w="med" len="med"/>
+                      <a:tailEnd type="none" w="med" len="med"/>
+                    </a:lnT>
+                    <a:lnB w="19050" cap="flat" cmpd="sng" algn="ctr">
+                      <a:solidFill>
+                        <a:schemeClr val="accent1"/>
+                      </a:solidFill>
+                      <a:prstDash val="solid"/>
+                      <a:round/>
+                      <a:headEnd type="none" w="med" len="med"/>
+                      <a:tailEnd type="none" w="med" len="med"/>
+                    </a:lnB>
+                    <a:lnTlToBr w="12700" cmpd="sng">
+                      <a:noFill/>
+                      <a:prstDash val="solid"/>
+                    </a:lnTlToBr>
+                    <a:lnBlToTr w="12700" cmpd="sng">
+                      <a:noFill/>
+                      <a:prstDash val="solid"/>
+                    </a:lnBlToTr>
+                    <a:solidFill>
+                      <a:schemeClr val="accent1">
+                        <a:lumMod val="20000"/>
+                        <a:lumOff val="80000"/>
+                      </a:schemeClr>
+                    </a:solidFill>
+                  </a:tcPr>
+                </a:tc>
+                <a:extLst>
+                  <a:ext uri="{0D108BD9-81ED-4DB2-BD59-A6C34878D82A}">
+                    <a16:rowId xmlns:a16="http://schemas.microsoft.com/office/drawing/2014/main" val="3678188319"/>
+                  </a:ext>
+                </a:extLst>
+              </a:tr>
+              <a:tr h="228922">
+                <a:tc>
+                  <a:txBody>
+                    <a:bodyPr/>
+                    <a:lstStyle/>
+                    <a:p>
+                      <a:endParaRPr lang="en-US" sz="800" dirty="0"/>
+                    </a:p>
+                  </a:txBody>
+                  <a:tcPr>
+                    <a:lnL w="19050" cap="flat" cmpd="sng" algn="ctr">
+                      <a:solidFill>
+                        <a:schemeClr val="bg1">
+                          <a:lumMod val="50000"/>
+                        </a:schemeClr>
+                      </a:solidFill>
+                      <a:prstDash val="solid"/>
+                      <a:round/>
+                      <a:headEnd type="none" w="med" len="med"/>
+                      <a:tailEnd type="none" w="med" len="med"/>
+                    </a:lnL>
+                    <a:lnR w="19050" cap="flat" cmpd="sng" algn="ctr">
+                      <a:solidFill>
+                        <a:schemeClr val="bg1">
+                          <a:lumMod val="50000"/>
+                        </a:schemeClr>
+                      </a:solidFill>
+                      <a:prstDash val="solid"/>
+                      <a:round/>
+                      <a:headEnd type="none" w="med" len="med"/>
+                      <a:tailEnd type="none" w="med" len="med"/>
+                    </a:lnR>
+                    <a:lnT w="19050" cap="flat" cmpd="sng" algn="ctr">
+                      <a:solidFill>
+                        <a:schemeClr val="accent1"/>
+                      </a:solidFill>
+                      <a:prstDash val="solid"/>
+                      <a:round/>
+                      <a:headEnd type="none" w="med" len="med"/>
+                      <a:tailEnd type="none" w="med" len="med"/>
+                    </a:lnT>
+                    <a:lnB w="19050" cap="flat" cmpd="sng" algn="ctr">
+                      <a:solidFill>
+                        <a:schemeClr val="accent2"/>
+                      </a:solidFill>
+                      <a:prstDash val="solid"/>
+                      <a:round/>
+                      <a:headEnd type="none" w="med" len="med"/>
+                      <a:tailEnd type="none" w="med" len="med"/>
+                    </a:lnB>
+                    <a:solidFill>
+                      <a:schemeClr val="bg1"/>
+                    </a:solidFill>
+                  </a:tcPr>
+                </a:tc>
+                <a:extLst>
+                  <a:ext uri="{0D108BD9-81ED-4DB2-BD59-A6C34878D82A}">
+                    <a16:rowId xmlns:a16="http://schemas.microsoft.com/office/drawing/2014/main" val="2525101301"/>
+                  </a:ext>
+                </a:extLst>
+              </a:tr>
+              <a:tr h="228922">
+                <a:tc>
+                  <a:txBody>
+                    <a:bodyPr/>
+                    <a:lstStyle/>
+                    <a:p>
+                      <a:endParaRPr lang="en-US" sz="800" dirty="0"/>
+                    </a:p>
+                  </a:txBody>
+                  <a:tcPr>
+                    <a:lnL w="19050" cap="flat" cmpd="sng" algn="ctr">
+                      <a:solidFill>
+                        <a:schemeClr val="accent2"/>
+                      </a:solidFill>
+                      <a:prstDash val="solid"/>
+                      <a:round/>
+                      <a:headEnd type="none" w="med" len="med"/>
+                      <a:tailEnd type="none" w="med" len="med"/>
+                    </a:lnL>
+                    <a:lnR w="19050" cap="flat" cmpd="sng" algn="ctr">
+                      <a:solidFill>
+                        <a:schemeClr val="accent2"/>
+                      </a:solidFill>
+                      <a:prstDash val="solid"/>
+                      <a:round/>
+                      <a:headEnd type="none" w="med" len="med"/>
+                      <a:tailEnd type="none" w="med" len="med"/>
+                    </a:lnR>
+                    <a:lnT w="19050" cap="flat" cmpd="sng" algn="ctr">
+                      <a:solidFill>
+                        <a:schemeClr val="accent2"/>
+                      </a:solidFill>
+                      <a:prstDash val="solid"/>
+                      <a:round/>
+                      <a:headEnd type="none" w="med" len="med"/>
+                      <a:tailEnd type="none" w="med" len="med"/>
+                    </a:lnT>
+                    <a:lnB w="19050" cap="flat" cmpd="sng" algn="ctr">
+                      <a:solidFill>
+                        <a:schemeClr val="accent2"/>
+                      </a:solidFill>
+                      <a:prstDash val="solid"/>
+                      <a:round/>
+                      <a:headEnd type="none" w="med" len="med"/>
+                      <a:tailEnd type="none" w="med" len="med"/>
+                    </a:lnB>
+                    <a:lnTlToBr w="12700" cmpd="sng">
+                      <a:noFill/>
+                      <a:prstDash val="solid"/>
+                    </a:lnTlToBr>
+                    <a:lnBlToTr w="12700" cmpd="sng">
+                      <a:noFill/>
+                      <a:prstDash val="solid"/>
+                    </a:lnBlToTr>
+                    <a:solidFill>
+                      <a:schemeClr val="accent2">
+                        <a:lumMod val="40000"/>
+                        <a:lumOff val="60000"/>
+                      </a:schemeClr>
+                    </a:solidFill>
+                  </a:tcPr>
+                </a:tc>
+                <a:extLst>
+                  <a:ext uri="{0D108BD9-81ED-4DB2-BD59-A6C34878D82A}">
+                    <a16:rowId xmlns:a16="http://schemas.microsoft.com/office/drawing/2014/main" val="1313577860"/>
+                  </a:ext>
+                </a:extLst>
+              </a:tr>
+              <a:tr h="228922">
+                <a:tc>
+                  <a:txBody>
+                    <a:bodyPr/>
+                    <a:lstStyle/>
+                    <a:p>
+                      <a:endParaRPr lang="en-US" sz="800" dirty="0"/>
+                    </a:p>
+                  </a:txBody>
+                  <a:tcPr>
+                    <a:lnL w="19050" cap="flat" cmpd="sng" algn="ctr">
+                      <a:solidFill>
+                        <a:schemeClr val="bg1">
+                          <a:lumMod val="50000"/>
+                        </a:schemeClr>
+                      </a:solidFill>
+                      <a:prstDash val="solid"/>
+                      <a:round/>
+                      <a:headEnd type="none" w="med" len="med"/>
+                      <a:tailEnd type="none" w="med" len="med"/>
+                    </a:lnL>
+                    <a:lnR w="19050" cap="flat" cmpd="sng" algn="ctr">
+                      <a:solidFill>
+                        <a:schemeClr val="bg1">
+                          <a:lumMod val="50000"/>
+                        </a:schemeClr>
+                      </a:solidFill>
+                      <a:prstDash val="solid"/>
+                      <a:round/>
+                      <a:headEnd type="none" w="med" len="med"/>
+                      <a:tailEnd type="none" w="med" len="med"/>
+                    </a:lnR>
+                    <a:lnT w="19050" cap="flat" cmpd="sng" algn="ctr">
+                      <a:solidFill>
+                        <a:schemeClr val="accent2"/>
+                      </a:solidFill>
+                      <a:prstDash val="solid"/>
+                      <a:round/>
+                      <a:headEnd type="none" w="med" len="med"/>
+                      <a:tailEnd type="none" w="med" len="med"/>
+                    </a:lnT>
+                    <a:lnB w="19050" cap="flat" cmpd="sng" algn="ctr">
+                      <a:solidFill>
+                        <a:schemeClr val="accent6"/>
+                      </a:solidFill>
+                      <a:prstDash val="solid"/>
+                      <a:round/>
+                      <a:headEnd type="none" w="med" len="med"/>
+                      <a:tailEnd type="none" w="med" len="med"/>
+                    </a:lnB>
+                    <a:solidFill>
+                      <a:schemeClr val="bg1"/>
+                    </a:solidFill>
+                  </a:tcPr>
+                </a:tc>
+                <a:extLst>
+                  <a:ext uri="{0D108BD9-81ED-4DB2-BD59-A6C34878D82A}">
+                    <a16:rowId xmlns:a16="http://schemas.microsoft.com/office/drawing/2014/main" val="279552576"/>
+                  </a:ext>
+                </a:extLst>
+              </a:tr>
+              <a:tr h="228922">
+                <a:tc>
+                  <a:txBody>
+                    <a:bodyPr/>
+                    <a:lstStyle/>
+                    <a:p>
+                      <a:endParaRPr lang="en-US" sz="800" dirty="0"/>
+                    </a:p>
+                  </a:txBody>
+                  <a:tcPr>
+                    <a:lnL w="19050" cap="flat" cmpd="sng" algn="ctr">
+                      <a:solidFill>
+                        <a:schemeClr val="accent6"/>
+                      </a:solidFill>
+                      <a:prstDash val="solid"/>
+                      <a:round/>
+                      <a:headEnd type="none" w="med" len="med"/>
+                      <a:tailEnd type="none" w="med" len="med"/>
+                    </a:lnL>
+                    <a:lnR w="19050" cap="flat" cmpd="sng" algn="ctr">
+                      <a:solidFill>
+                        <a:schemeClr val="accent6"/>
+                      </a:solidFill>
+                      <a:prstDash val="solid"/>
+                      <a:round/>
+                      <a:headEnd type="none" w="med" len="med"/>
+                      <a:tailEnd type="none" w="med" len="med"/>
+                    </a:lnR>
+                    <a:lnT w="19050" cap="flat" cmpd="sng" algn="ctr">
+                      <a:solidFill>
+                        <a:schemeClr val="accent6"/>
+                      </a:solidFill>
+                      <a:prstDash val="solid"/>
+                      <a:round/>
+                      <a:headEnd type="none" w="med" len="med"/>
+                      <a:tailEnd type="none" w="med" len="med"/>
+                    </a:lnT>
+                    <a:lnB w="19050" cap="flat" cmpd="sng" algn="ctr">
+                      <a:solidFill>
+                        <a:schemeClr val="accent6"/>
+                      </a:solidFill>
+                      <a:prstDash val="solid"/>
+                      <a:round/>
+                      <a:headEnd type="none" w="med" len="med"/>
+                      <a:tailEnd type="none" w="med" len="med"/>
+                    </a:lnB>
+                    <a:lnTlToBr w="12700" cmpd="sng">
+                      <a:noFill/>
+                      <a:prstDash val="solid"/>
+                    </a:lnTlToBr>
+                    <a:lnBlToTr w="12700" cmpd="sng">
+                      <a:noFill/>
+                      <a:prstDash val="solid"/>
+                    </a:lnBlToTr>
+                    <a:solidFill>
+                      <a:schemeClr val="accent6">
+                        <a:lumMod val="20000"/>
+                        <a:lumOff val="80000"/>
+                      </a:schemeClr>
+                    </a:solidFill>
+                  </a:tcPr>
+                </a:tc>
+                <a:extLst>
+                  <a:ext uri="{0D108BD9-81ED-4DB2-BD59-A6C34878D82A}">
+                    <a16:rowId xmlns:a16="http://schemas.microsoft.com/office/drawing/2014/main" val="1531947066"/>
+                  </a:ext>
+                </a:extLst>
+              </a:tr>
+            </a:tbl>
+          </a:graphicData>
+        </a:graphic>
+      </p:graphicFrame>
+      <p:cxnSp>
+        <p:nvCxnSpPr>
+          <p:cNvPr id="104" name="Straight Connector 103"/>
+          <p:cNvCxnSpPr/>
+          <p:nvPr/>
+        </p:nvCxnSpPr>
+        <p:spPr>
+          <a:xfrm flipV="1">
+            <a:off x="3084242" y="3611451"/>
+            <a:ext cx="1171482" cy="175739"/>
+          </a:xfrm>
+          <a:prstGeom prst="line">
+            <a:avLst/>
+          </a:prstGeom>
+        </p:spPr>
+        <p:style>
+          <a:lnRef idx="3">
+            <a:schemeClr val="accent1"/>
+          </a:lnRef>
+          <a:fillRef idx="0">
+            <a:schemeClr val="accent1"/>
+          </a:fillRef>
+          <a:effectRef idx="2">
+            <a:schemeClr val="accent1"/>
+          </a:effectRef>
+          <a:fontRef idx="minor">
+            <a:schemeClr val="tx1"/>
+          </a:fontRef>
+        </p:style>
+      </p:cxnSp>
+      <p:cxnSp>
+        <p:nvCxnSpPr>
+          <p:cNvPr id="105" name="Straight Connector 104"/>
+          <p:cNvCxnSpPr/>
+          <p:nvPr/>
+        </p:nvCxnSpPr>
+        <p:spPr>
+          <a:xfrm flipV="1">
+            <a:off x="3084242" y="3831288"/>
+            <a:ext cx="1162688" cy="872451"/>
+          </a:xfrm>
+          <a:prstGeom prst="line">
+            <a:avLst/>
+          </a:prstGeom>
+        </p:spPr>
+        <p:style>
+          <a:lnRef idx="3">
+            <a:schemeClr val="accent1"/>
+          </a:lnRef>
+          <a:fillRef idx="0">
+            <a:schemeClr val="accent1"/>
+          </a:fillRef>
+          <a:effectRef idx="2">
+            <a:schemeClr val="accent1"/>
+          </a:effectRef>
+          <a:fontRef idx="minor">
+            <a:schemeClr val="tx1"/>
+          </a:fontRef>
+        </p:style>
+      </p:cxnSp>
+      <p:cxnSp>
+        <p:nvCxnSpPr>
+          <p:cNvPr id="106" name="Straight Connector 105"/>
+          <p:cNvCxnSpPr/>
+          <p:nvPr/>
+        </p:nvCxnSpPr>
+        <p:spPr>
+          <a:xfrm>
+            <a:off x="3190922" y="3688890"/>
+            <a:ext cx="1056008" cy="360617"/>
+          </a:xfrm>
+          <a:prstGeom prst="line">
+            <a:avLst/>
+          </a:prstGeom>
+          <a:ln w="9525" cap="flat" cmpd="sng" algn="ctr">
+            <a:solidFill>
+              <a:schemeClr val="accent2"/>
+            </a:solidFill>
+            <a:prstDash val="dash"/>
+            <a:round/>
+            <a:headEnd type="none" w="med" len="med"/>
+            <a:tailEnd type="none" w="med" len="med"/>
+          </a:ln>
+        </p:spPr>
+        <p:style>
+          <a:lnRef idx="0">
+            <a:scrgbClr r="0" g="0" b="0"/>
+          </a:lnRef>
+          <a:fillRef idx="0">
+            <a:scrgbClr r="0" g="0" b="0"/>
+          </a:fillRef>
+          <a:effectRef idx="0">
+            <a:scrgbClr r="0" g="0" b="0"/>
+          </a:effectRef>
+          <a:fontRef idx="minor">
+            <a:schemeClr val="tx1"/>
+          </a:fontRef>
+        </p:style>
+      </p:cxnSp>
+      <p:cxnSp>
+        <p:nvCxnSpPr>
+          <p:cNvPr id="107" name="Straight Connector 106"/>
+          <p:cNvCxnSpPr/>
+          <p:nvPr/>
+        </p:nvCxnSpPr>
+        <p:spPr>
+          <a:xfrm flipV="1">
+            <a:off x="3190922" y="4303831"/>
+            <a:ext cx="1064802" cy="238502"/>
+          </a:xfrm>
+          <a:prstGeom prst="line">
+            <a:avLst/>
+          </a:prstGeom>
+          <a:ln w="9525" cap="flat" cmpd="sng" algn="ctr">
+            <a:solidFill>
+              <a:schemeClr val="accent2"/>
+            </a:solidFill>
+            <a:prstDash val="dash"/>
+            <a:round/>
+            <a:headEnd type="none" w="med" len="med"/>
+            <a:tailEnd type="none" w="med" len="med"/>
+          </a:ln>
+        </p:spPr>
+        <p:style>
+          <a:lnRef idx="0">
+            <a:scrgbClr r="0" g="0" b="0"/>
+          </a:lnRef>
+          <a:fillRef idx="0">
+            <a:scrgbClr r="0" g="0" b="0"/>
+          </a:fillRef>
+          <a:effectRef idx="0">
+            <a:scrgbClr r="0" g="0" b="0"/>
+          </a:effectRef>
+          <a:fontRef idx="minor">
+            <a:schemeClr val="tx1"/>
+          </a:fontRef>
+        </p:style>
+      </p:cxnSp>
+      <p:cxnSp>
+        <p:nvCxnSpPr>
+          <p:cNvPr id="108" name="Straight Connector 107"/>
+          <p:cNvCxnSpPr/>
+          <p:nvPr/>
+        </p:nvCxnSpPr>
+        <p:spPr>
+          <a:xfrm>
+            <a:off x="3297602" y="3523518"/>
+            <a:ext cx="947332" cy="991332"/>
+          </a:xfrm>
+          <a:prstGeom prst="line">
+            <a:avLst/>
+          </a:prstGeom>
+          <a:ln w="9525" cap="flat" cmpd="sng" algn="ctr">
+            <a:solidFill>
+              <a:schemeClr val="accent6"/>
+            </a:solidFill>
+            <a:prstDash val="dash"/>
+            <a:round/>
+            <a:headEnd type="none" w="med" len="med"/>
+            <a:tailEnd type="none" w="med" len="med"/>
+          </a:ln>
+        </p:spPr>
+        <p:style>
+          <a:lnRef idx="0">
+            <a:scrgbClr r="0" g="0" b="0"/>
+          </a:lnRef>
+          <a:fillRef idx="0">
+            <a:scrgbClr r="0" g="0" b="0"/>
+          </a:fillRef>
+          <a:effectRef idx="0">
+            <a:scrgbClr r="0" g="0" b="0"/>
+          </a:effectRef>
+          <a:fontRef idx="minor">
+            <a:schemeClr val="tx1"/>
+          </a:fontRef>
+        </p:style>
+      </p:cxnSp>
+      <p:cxnSp>
+        <p:nvCxnSpPr>
+          <p:cNvPr id="109" name="Straight Connector 108"/>
+          <p:cNvCxnSpPr/>
+          <p:nvPr/>
+        </p:nvCxnSpPr>
+        <p:spPr>
+          <a:xfrm>
+            <a:off x="3297602" y="4376959"/>
+            <a:ext cx="947332" cy="365761"/>
+          </a:xfrm>
+          <a:prstGeom prst="line">
+            <a:avLst/>
+          </a:prstGeom>
+          <a:ln w="9525" cap="flat" cmpd="sng" algn="ctr">
+            <a:solidFill>
+              <a:schemeClr val="accent6"/>
+            </a:solidFill>
+            <a:prstDash val="dash"/>
+            <a:round/>
+            <a:headEnd type="none" w="med" len="med"/>
+            <a:tailEnd type="none" w="med" len="med"/>
+          </a:ln>
+        </p:spPr>
+        <p:style>
+          <a:lnRef idx="0">
+            <a:scrgbClr r="0" g="0" b="0"/>
+          </a:lnRef>
+          <a:fillRef idx="0">
+            <a:scrgbClr r="0" g="0" b="0"/>
+          </a:fillRef>
+          <a:effectRef idx="0">
+            <a:scrgbClr r="0" g="0" b="0"/>
+          </a:effectRef>
+          <a:fontRef idx="minor">
+            <a:schemeClr val="tx1"/>
+          </a:fontRef>
+        </p:style>
+      </p:cxnSp>
+      <p:graphicFrame>
+        <p:nvGraphicFramePr>
+          <p:cNvPr id="131" name="Table 130"/>
+          <p:cNvGraphicFramePr>
+            <a:graphicFrameLocks noGrp="1"/>
+          </p:cNvGraphicFramePr>
+          <p:nvPr>
+            <p:extLst>
+              <p:ext uri="{D42A27DB-BD31-4B8C-83A1-F6EECF244321}">
+                <p14:modId xmlns:p14="http://schemas.microsoft.com/office/powerpoint/2010/main" val="3988296293"/>
+              </p:ext>
+            </p:extLst>
+          </p:nvPr>
+        </p:nvGraphicFramePr>
+        <p:xfrm>
+          <a:off x="5405626" y="2416602"/>
+          <a:ext cx="273050" cy="2289220"/>
+        </p:xfrm>
+        <a:graphic>
+          <a:graphicData uri="http://schemas.openxmlformats.org/drawingml/2006/table">
+            <a:tbl>
+              <a:tblPr firstRow="1" bandRow="1">
+                <a:tableStyleId>{5940675A-B579-460E-94D1-54222C63F5DA}</a:tableStyleId>
+              </a:tblPr>
+              <a:tblGrid>
+                <a:gridCol w="273050">
+                  <a:extLst>
+                    <a:ext uri="{9D8B030D-6E8A-4147-A177-3AD203B41FA5}">
+                      <a16:colId xmlns:a16="http://schemas.microsoft.com/office/drawing/2014/main" val="4185730726"/>
+                    </a:ext>
+                  </a:extLst>
+                </a:gridCol>
+              </a:tblGrid>
+              <a:tr h="228922">
+                <a:tc>
+                  <a:txBody>
+                    <a:bodyPr/>
+                    <a:lstStyle/>
+                    <a:p>
+                      <a:endParaRPr lang="en-US" sz="800" dirty="0"/>
+                    </a:p>
+                  </a:txBody>
+                  <a:tcPr>
+                    <a:lnL w="19050" cap="flat" cmpd="sng" algn="ctr">
+                      <a:solidFill>
+                        <a:schemeClr val="bg1">
+                          <a:lumMod val="75000"/>
+                        </a:schemeClr>
+                      </a:solidFill>
+                      <a:prstDash val="solid"/>
+                      <a:round/>
+                      <a:headEnd type="none" w="med" len="med"/>
+                      <a:tailEnd type="none" w="med" len="med"/>
+                    </a:lnL>
+                    <a:lnR w="19050" cap="flat" cmpd="sng" algn="ctr">
+                      <a:solidFill>
+                        <a:schemeClr val="bg1">
+                          <a:lumMod val="75000"/>
+                        </a:schemeClr>
+                      </a:solidFill>
+                      <a:prstDash val="solid"/>
+                      <a:round/>
+                      <a:headEnd type="none" w="med" len="med"/>
+                      <a:tailEnd type="none" w="med" len="med"/>
+                    </a:lnR>
+                    <a:lnT w="19050" cap="flat" cmpd="sng" algn="ctr">
+                      <a:solidFill>
+                        <a:schemeClr val="bg1">
+                          <a:lumMod val="75000"/>
+                        </a:schemeClr>
+                      </a:solidFill>
+                      <a:prstDash val="solid"/>
+                      <a:round/>
+                      <a:headEnd type="none" w="med" len="med"/>
+                      <a:tailEnd type="none" w="med" len="med"/>
+                    </a:lnT>
+                    <a:lnB w="19050" cap="flat" cmpd="sng" algn="ctr">
+                      <a:solidFill>
+                        <a:schemeClr val="bg1">
+                          <a:lumMod val="75000"/>
+                        </a:schemeClr>
+                      </a:solidFill>
+                      <a:prstDash val="solid"/>
+                      <a:round/>
+                      <a:headEnd type="none" w="med" len="med"/>
+                      <a:tailEnd type="none" w="med" len="med"/>
+                    </a:lnB>
+                    <a:lnTlToBr w="12700" cmpd="sng">
+                      <a:noFill/>
+                      <a:prstDash val="solid"/>
+                    </a:lnTlToBr>
+                    <a:lnBlToTr w="12700" cmpd="sng">
+                      <a:noFill/>
+                      <a:prstDash val="solid"/>
+                    </a:lnBlToTr>
+                    <a:solidFill>
+                      <a:schemeClr val="bg1">
+                        <a:lumMod val="85000"/>
+                      </a:schemeClr>
+                    </a:solidFill>
+                  </a:tcPr>
+                </a:tc>
+                <a:extLst>
+                  <a:ext uri="{0D108BD9-81ED-4DB2-BD59-A6C34878D82A}">
+                    <a16:rowId xmlns:a16="http://schemas.microsoft.com/office/drawing/2014/main" val="3678188319"/>
+                  </a:ext>
+                </a:extLst>
+              </a:tr>
+              <a:tr h="228922">
+                <a:tc>
+                  <a:txBody>
+                    <a:bodyPr/>
+                    <a:lstStyle/>
+                    <a:p>
+                      <a:endParaRPr lang="en-US" sz="800" dirty="0"/>
+                    </a:p>
+                  </a:txBody>
+                  <a:tcPr>
+                    <a:lnL w="19050" cap="flat" cmpd="sng" algn="ctr">
+                      <a:solidFill>
+                        <a:schemeClr val="bg1">
+                          <a:lumMod val="75000"/>
+                        </a:schemeClr>
+                      </a:solidFill>
+                      <a:prstDash val="solid"/>
+                      <a:round/>
+                      <a:headEnd type="none" w="med" len="med"/>
+                      <a:tailEnd type="none" w="med" len="med"/>
+                    </a:lnL>
+                    <a:lnR w="19050" cap="flat" cmpd="sng" algn="ctr">
+                      <a:solidFill>
+                        <a:schemeClr val="bg1">
+                          <a:lumMod val="75000"/>
+                        </a:schemeClr>
+                      </a:solidFill>
+                      <a:prstDash val="solid"/>
+                      <a:round/>
+                      <a:headEnd type="none" w="med" len="med"/>
+                      <a:tailEnd type="none" w="med" len="med"/>
+                    </a:lnR>
+                    <a:lnT w="19050" cap="flat" cmpd="sng" algn="ctr">
+                      <a:solidFill>
+                        <a:schemeClr val="bg1">
+                          <a:lumMod val="75000"/>
+                        </a:schemeClr>
+                      </a:solidFill>
+                      <a:prstDash val="solid"/>
+                      <a:round/>
+                      <a:headEnd type="none" w="med" len="med"/>
+                      <a:tailEnd type="none" w="med" len="med"/>
+                    </a:lnT>
+                    <a:lnB w="19050" cap="flat" cmpd="sng" algn="ctr">
+                      <a:solidFill>
+                        <a:schemeClr val="bg1">
+                          <a:lumMod val="75000"/>
+                        </a:schemeClr>
+                      </a:solidFill>
+                      <a:prstDash val="solid"/>
+                      <a:round/>
+                      <a:headEnd type="none" w="med" len="med"/>
+                      <a:tailEnd type="none" w="med" len="med"/>
+                    </a:lnB>
+                    <a:lnTlToBr w="12700" cmpd="sng">
+                      <a:noFill/>
+                      <a:prstDash val="solid"/>
+                    </a:lnTlToBr>
+                    <a:lnBlToTr w="12700" cmpd="sng">
+                      <a:noFill/>
+                      <a:prstDash val="solid"/>
+                    </a:lnBlToTr>
+                    <a:solidFill>
+                      <a:schemeClr val="bg1">
+                        <a:lumMod val="85000"/>
+                      </a:schemeClr>
+                    </a:solidFill>
+                  </a:tcPr>
+                </a:tc>
+                <a:extLst>
+                  <a:ext uri="{0D108BD9-81ED-4DB2-BD59-A6C34878D82A}">
+                    <a16:rowId xmlns:a16="http://schemas.microsoft.com/office/drawing/2014/main" val="2525101301"/>
+                  </a:ext>
+                </a:extLst>
+              </a:tr>
+              <a:tr h="228922">
+                <a:tc>
+                  <a:txBody>
+                    <a:bodyPr/>
+                    <a:lstStyle/>
+                    <a:p>
+                      <a:endParaRPr lang="en-US" sz="800" dirty="0"/>
+                    </a:p>
+                  </a:txBody>
+                  <a:tcPr>
+                    <a:lnL w="19050" cap="flat" cmpd="sng" algn="ctr">
+                      <a:solidFill>
+                        <a:schemeClr val="bg1">
+                          <a:lumMod val="75000"/>
+                        </a:schemeClr>
+                      </a:solidFill>
+                      <a:prstDash val="solid"/>
+                      <a:round/>
+                      <a:headEnd type="none" w="med" len="med"/>
+                      <a:tailEnd type="none" w="med" len="med"/>
+                    </a:lnL>
+                    <a:lnR w="19050" cap="flat" cmpd="sng" algn="ctr">
+                      <a:solidFill>
+                        <a:schemeClr val="bg1">
+                          <a:lumMod val="75000"/>
+                        </a:schemeClr>
+                      </a:solidFill>
+                      <a:prstDash val="solid"/>
+                      <a:round/>
+                      <a:headEnd type="none" w="med" len="med"/>
+                      <a:tailEnd type="none" w="med" len="med"/>
+                    </a:lnR>
+                    <a:lnT w="19050" cap="flat" cmpd="sng" algn="ctr">
+                      <a:solidFill>
+                        <a:schemeClr val="bg1">
+                          <a:lumMod val="75000"/>
+                        </a:schemeClr>
+                      </a:solidFill>
+                      <a:prstDash val="solid"/>
+                      <a:round/>
+                      <a:headEnd type="none" w="med" len="med"/>
+                      <a:tailEnd type="none" w="med" len="med"/>
+                    </a:lnT>
+                    <a:lnB w="19050" cap="flat" cmpd="sng" algn="ctr">
+                      <a:solidFill>
+                        <a:schemeClr val="bg1">
+                          <a:lumMod val="75000"/>
+                        </a:schemeClr>
+                      </a:solidFill>
+                      <a:prstDash val="solid"/>
+                      <a:round/>
+                      <a:headEnd type="none" w="med" len="med"/>
+                      <a:tailEnd type="none" w="med" len="med"/>
+                    </a:lnB>
+                    <a:lnTlToBr w="12700" cmpd="sng">
+                      <a:noFill/>
+                      <a:prstDash val="solid"/>
+                    </a:lnTlToBr>
+                    <a:lnBlToTr w="12700" cmpd="sng">
+                      <a:noFill/>
+                      <a:prstDash val="solid"/>
+                    </a:lnBlToTr>
+                    <a:solidFill>
+                      <a:schemeClr val="bg1">
+                        <a:lumMod val="85000"/>
+                      </a:schemeClr>
+                    </a:solidFill>
+                  </a:tcPr>
+                </a:tc>
+                <a:extLst>
+                  <a:ext uri="{0D108BD9-81ED-4DB2-BD59-A6C34878D82A}">
+                    <a16:rowId xmlns:a16="http://schemas.microsoft.com/office/drawing/2014/main" val="1313577860"/>
+                  </a:ext>
+                </a:extLst>
+              </a:tr>
+              <a:tr h="228922">
+                <a:tc>
+                  <a:txBody>
+                    <a:bodyPr/>
+                    <a:lstStyle/>
+                    <a:p>
+                      <a:endParaRPr lang="en-US" sz="800" dirty="0"/>
+                    </a:p>
+                  </a:txBody>
+                  <a:tcPr>
+                    <a:lnL w="19050" cap="flat" cmpd="sng" algn="ctr">
+                      <a:solidFill>
+                        <a:schemeClr val="bg1">
+                          <a:lumMod val="75000"/>
+                        </a:schemeClr>
+                      </a:solidFill>
+                      <a:prstDash val="solid"/>
+                      <a:round/>
+                      <a:headEnd type="none" w="med" len="med"/>
+                      <a:tailEnd type="none" w="med" len="med"/>
+                    </a:lnL>
+                    <a:lnR w="19050" cap="flat" cmpd="sng" algn="ctr">
+                      <a:solidFill>
+                        <a:schemeClr val="bg1">
+                          <a:lumMod val="75000"/>
+                        </a:schemeClr>
+                      </a:solidFill>
+                      <a:prstDash val="solid"/>
+                      <a:round/>
+                      <a:headEnd type="none" w="med" len="med"/>
+                      <a:tailEnd type="none" w="med" len="med"/>
+                    </a:lnR>
+                    <a:lnT w="19050" cap="flat" cmpd="sng" algn="ctr">
+                      <a:solidFill>
+                        <a:schemeClr val="bg1">
+                          <a:lumMod val="75000"/>
+                        </a:schemeClr>
+                      </a:solidFill>
+                      <a:prstDash val="solid"/>
+                      <a:round/>
+                      <a:headEnd type="none" w="med" len="med"/>
+                      <a:tailEnd type="none" w="med" len="med"/>
+                    </a:lnT>
+                    <a:lnB w="19050" cap="flat" cmpd="sng" algn="ctr">
+                      <a:solidFill>
+                        <a:schemeClr val="bg1">
+                          <a:lumMod val="75000"/>
+                        </a:schemeClr>
+                      </a:solidFill>
+                      <a:prstDash val="solid"/>
+                      <a:round/>
+                      <a:headEnd type="none" w="med" len="med"/>
+                      <a:tailEnd type="none" w="med" len="med"/>
+                    </a:lnB>
+                    <a:lnTlToBr w="12700" cmpd="sng">
+                      <a:noFill/>
+                      <a:prstDash val="solid"/>
+                    </a:lnTlToBr>
+                    <a:lnBlToTr w="12700" cmpd="sng">
+                      <a:noFill/>
+                      <a:prstDash val="solid"/>
+                    </a:lnBlToTr>
+                    <a:solidFill>
+                      <a:schemeClr val="bg1">
+                        <a:lumMod val="85000"/>
+                      </a:schemeClr>
+                    </a:solidFill>
+                  </a:tcPr>
+                </a:tc>
+                <a:extLst>
+                  <a:ext uri="{0D108BD9-81ED-4DB2-BD59-A6C34878D82A}">
+                    <a16:rowId xmlns:a16="http://schemas.microsoft.com/office/drawing/2014/main" val="279552576"/>
+                  </a:ext>
+                </a:extLst>
+              </a:tr>
+              <a:tr h="228922">
+                <a:tc>
+                  <a:txBody>
+                    <a:bodyPr/>
+                    <a:lstStyle/>
+                    <a:p>
+                      <a:endParaRPr lang="en-US" sz="800" dirty="0"/>
+                    </a:p>
+                  </a:txBody>
+                  <a:tcPr>
+                    <a:lnL w="19050" cap="flat" cmpd="sng" algn="ctr">
+                      <a:solidFill>
+                        <a:schemeClr val="bg1">
+                          <a:lumMod val="75000"/>
+                        </a:schemeClr>
+                      </a:solidFill>
+                      <a:prstDash val="solid"/>
+                      <a:round/>
+                      <a:headEnd type="none" w="med" len="med"/>
+                      <a:tailEnd type="none" w="med" len="med"/>
+                    </a:lnL>
+                    <a:lnR w="19050" cap="flat" cmpd="sng" algn="ctr">
+                      <a:solidFill>
+                        <a:schemeClr val="bg1">
+                          <a:lumMod val="75000"/>
+                        </a:schemeClr>
+                      </a:solidFill>
+                      <a:prstDash val="solid"/>
+                      <a:round/>
+                      <a:headEnd type="none" w="med" len="med"/>
+                      <a:tailEnd type="none" w="med" len="med"/>
+                    </a:lnR>
+                    <a:lnT w="19050" cap="flat" cmpd="sng" algn="ctr">
+                      <a:solidFill>
+                        <a:schemeClr val="bg1">
+                          <a:lumMod val="75000"/>
+                        </a:schemeClr>
+                      </a:solidFill>
+                      <a:prstDash val="solid"/>
+                      <a:round/>
+                      <a:headEnd type="none" w="med" len="med"/>
+                      <a:tailEnd type="none" w="med" len="med"/>
+                    </a:lnT>
+                    <a:lnB w="19050" cap="flat" cmpd="sng" algn="ctr">
+                      <a:solidFill>
+                        <a:schemeClr val="bg1">
+                          <a:lumMod val="75000"/>
+                        </a:schemeClr>
+                      </a:solidFill>
+                      <a:prstDash val="solid"/>
+                      <a:round/>
+                      <a:headEnd type="none" w="med" len="med"/>
+                      <a:tailEnd type="none" w="med" len="med"/>
+                    </a:lnB>
+                    <a:lnTlToBr w="12700" cmpd="sng">
+                      <a:noFill/>
+                      <a:prstDash val="solid"/>
+                    </a:lnTlToBr>
+                    <a:lnBlToTr w="12700" cmpd="sng">
+                      <a:noFill/>
+                      <a:prstDash val="solid"/>
+                    </a:lnBlToTr>
+                    <a:solidFill>
+                      <a:schemeClr val="bg1">
+                        <a:lumMod val="85000"/>
+                      </a:schemeClr>
+                    </a:solidFill>
+                  </a:tcPr>
+                </a:tc>
+                <a:extLst>
+                  <a:ext uri="{0D108BD9-81ED-4DB2-BD59-A6C34878D82A}">
+                    <a16:rowId xmlns:a16="http://schemas.microsoft.com/office/drawing/2014/main" val="1531947066"/>
+                  </a:ext>
+                </a:extLst>
+              </a:tr>
+              <a:tr h="228922">
+                <a:tc>
+                  <a:txBody>
+                    <a:bodyPr/>
+                    <a:lstStyle/>
+                    <a:p>
+                      <a:endParaRPr lang="en-US" sz="800" dirty="0"/>
+                    </a:p>
+                  </a:txBody>
+                  <a:tcPr>
+                    <a:lnL w="19050" cap="flat" cmpd="sng" algn="ctr">
+                      <a:solidFill>
+                        <a:srgbClr val="7030A0"/>
+                      </a:solidFill>
+                      <a:prstDash val="solid"/>
+                      <a:round/>
+                      <a:headEnd type="none" w="med" len="med"/>
+                      <a:tailEnd type="none" w="med" len="med"/>
+                    </a:lnL>
+                    <a:lnR w="19050" cap="flat" cmpd="sng" algn="ctr">
+                      <a:solidFill>
+                        <a:srgbClr val="7030A0"/>
+                      </a:solidFill>
+                      <a:prstDash val="solid"/>
+                      <a:round/>
+                      <a:headEnd type="none" w="med" len="med"/>
+                      <a:tailEnd type="none" w="med" len="med"/>
+                    </a:lnR>
+                    <a:lnT w="19050" cap="flat" cmpd="sng" algn="ctr">
+                      <a:solidFill>
+                        <a:schemeClr val="bg1">
+                          <a:lumMod val="75000"/>
+                        </a:schemeClr>
+                      </a:solidFill>
+                      <a:prstDash val="solid"/>
+                      <a:round/>
+                      <a:headEnd type="none" w="med" len="med"/>
+                      <a:tailEnd type="none" w="med" len="med"/>
+                    </a:lnT>
+                    <a:lnB w="19050" cap="flat" cmpd="sng" algn="ctr">
+                      <a:solidFill>
+                        <a:srgbClr val="7030A0"/>
+                      </a:solidFill>
+                      <a:prstDash val="solid"/>
+                      <a:round/>
+                      <a:headEnd type="none" w="med" len="med"/>
+                      <a:tailEnd type="none" w="med" len="med"/>
+                    </a:lnB>
+                    <a:solidFill>
+                      <a:srgbClr val="FFCCFF"/>
+                    </a:solidFill>
+                  </a:tcPr>
+                </a:tc>
+                <a:extLst>
+                  <a:ext uri="{0D108BD9-81ED-4DB2-BD59-A6C34878D82A}">
+                    <a16:rowId xmlns:a16="http://schemas.microsoft.com/office/drawing/2014/main" val="1637261236"/>
+                  </a:ext>
+                </a:extLst>
+              </a:tr>
+              <a:tr h="228922">
+                <a:tc>
+                  <a:txBody>
+                    <a:bodyPr/>
+                    <a:lstStyle/>
+                    <a:p>
+                      <a:endParaRPr lang="en-US" sz="800" dirty="0"/>
+                    </a:p>
+                  </a:txBody>
+                  <a:tcPr>
+                    <a:lnL w="19050" cap="flat" cmpd="sng" algn="ctr">
+                      <a:solidFill>
+                        <a:srgbClr val="7030A0"/>
+                      </a:solidFill>
+                      <a:prstDash val="solid"/>
+                      <a:round/>
+                      <a:headEnd type="none" w="med" len="med"/>
+                      <a:tailEnd type="none" w="med" len="med"/>
+                    </a:lnL>
+                    <a:lnR w="19050" cap="flat" cmpd="sng" algn="ctr">
+                      <a:solidFill>
+                        <a:srgbClr val="7030A0"/>
+                      </a:solidFill>
+                      <a:prstDash val="solid"/>
+                      <a:round/>
+                      <a:headEnd type="none" w="med" len="med"/>
+                      <a:tailEnd type="none" w="med" len="med"/>
+                    </a:lnR>
+                    <a:lnT w="19050" cap="flat" cmpd="sng" algn="ctr">
+                      <a:solidFill>
+                        <a:srgbClr val="7030A0"/>
+                      </a:solidFill>
+                      <a:prstDash val="solid"/>
+                      <a:round/>
+                      <a:headEnd type="none" w="med" len="med"/>
+                      <a:tailEnd type="none" w="med" len="med"/>
+                    </a:lnT>
+                    <a:lnB w="19050" cap="flat" cmpd="sng" algn="ctr">
+                      <a:solidFill>
+                        <a:srgbClr val="7030A0"/>
+                      </a:solidFill>
+                      <a:prstDash val="solid"/>
+                      <a:round/>
+                      <a:headEnd type="none" w="med" len="med"/>
+                      <a:tailEnd type="none" w="med" len="med"/>
+                    </a:lnB>
+                    <a:solidFill>
+                      <a:srgbClr val="FFCCFF"/>
+                    </a:solidFill>
+                  </a:tcPr>
+                </a:tc>
+                <a:extLst>
+                  <a:ext uri="{0D108BD9-81ED-4DB2-BD59-A6C34878D82A}">
+                    <a16:rowId xmlns:a16="http://schemas.microsoft.com/office/drawing/2014/main" val="4054187074"/>
+                  </a:ext>
+                </a:extLst>
+              </a:tr>
+              <a:tr h="228922">
+                <a:tc>
+                  <a:txBody>
+                    <a:bodyPr/>
+                    <a:lstStyle/>
+                    <a:p>
+                      <a:endParaRPr lang="en-US" sz="800" dirty="0"/>
+                    </a:p>
+                  </a:txBody>
+                  <a:tcPr>
+                    <a:lnL w="19050" cap="flat" cmpd="sng" algn="ctr">
+                      <a:solidFill>
+                        <a:srgbClr val="7030A0"/>
+                      </a:solidFill>
+                      <a:prstDash val="solid"/>
+                      <a:round/>
+                      <a:headEnd type="none" w="med" len="med"/>
+                      <a:tailEnd type="none" w="med" len="med"/>
+                    </a:lnL>
+                    <a:lnR w="19050" cap="flat" cmpd="sng" algn="ctr">
+                      <a:solidFill>
+                        <a:srgbClr val="7030A0"/>
+                      </a:solidFill>
+                      <a:prstDash val="solid"/>
+                      <a:round/>
+                      <a:headEnd type="none" w="med" len="med"/>
+                      <a:tailEnd type="none" w="med" len="med"/>
+                    </a:lnR>
+                    <a:lnT w="19050" cap="flat" cmpd="sng" algn="ctr">
+                      <a:solidFill>
+                        <a:srgbClr val="7030A0"/>
+                      </a:solidFill>
+                      <a:prstDash val="solid"/>
+                      <a:round/>
+                      <a:headEnd type="none" w="med" len="med"/>
+                      <a:tailEnd type="none" w="med" len="med"/>
+                    </a:lnT>
+                    <a:lnB w="19050" cap="flat" cmpd="sng" algn="ctr">
+                      <a:solidFill>
+                        <a:srgbClr val="7030A0"/>
+                      </a:solidFill>
+                      <a:prstDash val="solid"/>
+                      <a:round/>
+                      <a:headEnd type="none" w="med" len="med"/>
+                      <a:tailEnd type="none" w="med" len="med"/>
+                    </a:lnB>
+                    <a:solidFill>
+                      <a:srgbClr val="FFCCFF"/>
+                    </a:solidFill>
+                  </a:tcPr>
+                </a:tc>
+                <a:extLst>
+                  <a:ext uri="{0D108BD9-81ED-4DB2-BD59-A6C34878D82A}">
+                    <a16:rowId xmlns:a16="http://schemas.microsoft.com/office/drawing/2014/main" val="3277664137"/>
+                  </a:ext>
+                </a:extLst>
+              </a:tr>
+              <a:tr h="228922">
+                <a:tc>
+                  <a:txBody>
+                    <a:bodyPr/>
+                    <a:lstStyle/>
+                    <a:p>
+                      <a:endParaRPr lang="en-US" sz="800" dirty="0"/>
+                    </a:p>
+                  </a:txBody>
+                  <a:tcPr>
+                    <a:lnL w="19050" cap="flat" cmpd="sng" algn="ctr">
+                      <a:solidFill>
+                        <a:srgbClr val="7030A0"/>
+                      </a:solidFill>
+                      <a:prstDash val="solid"/>
+                      <a:round/>
+                      <a:headEnd type="none" w="med" len="med"/>
+                      <a:tailEnd type="none" w="med" len="med"/>
+                    </a:lnL>
+                    <a:lnR w="19050" cap="flat" cmpd="sng" algn="ctr">
+                      <a:solidFill>
+                        <a:srgbClr val="7030A0"/>
+                      </a:solidFill>
+                      <a:prstDash val="solid"/>
+                      <a:round/>
+                      <a:headEnd type="none" w="med" len="med"/>
+                      <a:tailEnd type="none" w="med" len="med"/>
+                    </a:lnR>
+                    <a:lnT w="19050" cap="flat" cmpd="sng" algn="ctr">
+                      <a:solidFill>
+                        <a:srgbClr val="7030A0"/>
+                      </a:solidFill>
+                      <a:prstDash val="solid"/>
+                      <a:round/>
+                      <a:headEnd type="none" w="med" len="med"/>
+                      <a:tailEnd type="none" w="med" len="med"/>
+                    </a:lnT>
+                    <a:lnB w="19050" cap="flat" cmpd="sng" algn="ctr">
+                      <a:solidFill>
+                        <a:srgbClr val="7030A0"/>
+                      </a:solidFill>
+                      <a:prstDash val="solid"/>
+                      <a:round/>
+                      <a:headEnd type="none" w="med" len="med"/>
+                      <a:tailEnd type="none" w="med" len="med"/>
+                    </a:lnB>
+                    <a:solidFill>
+                      <a:srgbClr val="FFCCFF"/>
+                    </a:solidFill>
+                  </a:tcPr>
+                </a:tc>
+                <a:extLst>
+                  <a:ext uri="{0D108BD9-81ED-4DB2-BD59-A6C34878D82A}">
+                    <a16:rowId xmlns:a16="http://schemas.microsoft.com/office/drawing/2014/main" val="311770614"/>
+                  </a:ext>
+                </a:extLst>
+              </a:tr>
+              <a:tr h="228922">
+                <a:tc>
+                  <a:txBody>
+                    <a:bodyPr/>
+                    <a:lstStyle/>
+                    <a:p>
+                      <a:endParaRPr lang="en-US" sz="800" dirty="0"/>
+                    </a:p>
+                  </a:txBody>
+                  <a:tcPr>
+                    <a:lnL w="19050" cap="flat" cmpd="sng" algn="ctr">
+                      <a:solidFill>
+                        <a:srgbClr val="7030A0"/>
+                      </a:solidFill>
+                      <a:prstDash val="solid"/>
+                      <a:round/>
+                      <a:headEnd type="none" w="med" len="med"/>
+                      <a:tailEnd type="none" w="med" len="med"/>
+                    </a:lnL>
+                    <a:lnR w="19050" cap="flat" cmpd="sng" algn="ctr">
+                      <a:solidFill>
+                        <a:srgbClr val="7030A0"/>
+                      </a:solidFill>
+                      <a:prstDash val="solid"/>
+                      <a:round/>
+                      <a:headEnd type="none" w="med" len="med"/>
+                      <a:tailEnd type="none" w="med" len="med"/>
+                    </a:lnR>
+                    <a:lnT w="19050" cap="flat" cmpd="sng" algn="ctr">
+                      <a:solidFill>
+                        <a:srgbClr val="7030A0"/>
+                      </a:solidFill>
+                      <a:prstDash val="solid"/>
+                      <a:round/>
+                      <a:headEnd type="none" w="med" len="med"/>
+                      <a:tailEnd type="none" w="med" len="med"/>
+                    </a:lnT>
+                    <a:lnB w="19050" cap="flat" cmpd="sng" algn="ctr">
+                      <a:solidFill>
+                        <a:srgbClr val="7030A0"/>
+                      </a:solidFill>
+                      <a:prstDash val="solid"/>
+                      <a:round/>
+                      <a:headEnd type="none" w="med" len="med"/>
+                      <a:tailEnd type="none" w="med" len="med"/>
+                    </a:lnB>
+                    <a:solidFill>
+                      <a:srgbClr val="FFCCFF"/>
+                    </a:solidFill>
+                  </a:tcPr>
+                </a:tc>
+                <a:extLst>
+                  <a:ext uri="{0D108BD9-81ED-4DB2-BD59-A6C34878D82A}">
+                    <a16:rowId xmlns:a16="http://schemas.microsoft.com/office/drawing/2014/main" val="2404861581"/>
+                  </a:ext>
+                </a:extLst>
+              </a:tr>
+            </a:tbl>
+          </a:graphicData>
+        </a:graphic>
+      </p:graphicFrame>
+      <p:cxnSp>
+        <p:nvCxnSpPr>
+          <p:cNvPr id="146" name="Straight Connector 145"/>
+          <p:cNvCxnSpPr/>
+          <p:nvPr/>
+        </p:nvCxnSpPr>
+        <p:spPr>
+          <a:xfrm>
+            <a:off x="4517984" y="2240167"/>
+            <a:ext cx="887642" cy="170624"/>
+          </a:xfrm>
+          <a:prstGeom prst="line">
+            <a:avLst/>
+          </a:prstGeom>
+          <a:ln>
+            <a:headEnd type="none" w="med" len="med"/>
+            <a:tailEnd type="none" w="med" len="med"/>
+          </a:ln>
+        </p:spPr>
+        <p:style>
+          <a:lnRef idx="2">
+            <a:schemeClr val="accent3"/>
+          </a:lnRef>
+          <a:fillRef idx="0">
+            <a:schemeClr val="accent3"/>
+          </a:fillRef>
+          <a:effectRef idx="1">
+            <a:schemeClr val="accent3"/>
+          </a:effectRef>
+          <a:fontRef idx="minor">
+            <a:schemeClr val="tx1"/>
+          </a:fontRef>
+        </p:style>
+      </p:cxnSp>
+      <p:sp>
+        <p:nvSpPr>
+          <p:cNvPr id="209" name="TextBox 208"/>
+          <p:cNvSpPr txBox="1"/>
+          <p:nvPr/>
+        </p:nvSpPr>
+        <p:spPr>
+          <a:xfrm>
+            <a:off x="1100802" y="1734333"/>
+            <a:ext cx="1653334" cy="338554"/>
+          </a:xfrm>
+          <a:prstGeom prst="rect">
+            <a:avLst/>
+          </a:prstGeom>
+          <a:noFill/>
+        </p:spPr>
+        <p:txBody>
+          <a:bodyPr wrap="square" rtlCol="0">
+            <a:spAutoFit/>
+          </a:bodyPr>
+          <a:lstStyle/>
+          <a:p>
+            <a:r>
+              <a:rPr lang="en-US" sz="1600" dirty="0">
+                <a:solidFill>
+                  <a:schemeClr val="bg1">
+                    <a:lumMod val="50000"/>
+                  </a:schemeClr>
+                </a:solidFill>
+              </a:rPr>
+              <a:t>Sequence</a:t>
+            </a:r>
+            <a:r>
+              <a:rPr lang="en-US" sz="1600" dirty="0" smtClean="0"/>
+              <a:t> </a:t>
+            </a:r>
+            <a:endParaRPr lang="en-US" sz="1600" dirty="0"/>
+          </a:p>
+        </p:txBody>
+      </p:sp>
+      <p:sp>
+        <p:nvSpPr>
+          <p:cNvPr id="211" name="TextBox 210"/>
+          <p:cNvSpPr txBox="1"/>
+          <p:nvPr/>
+        </p:nvSpPr>
+        <p:spPr>
+          <a:xfrm>
+            <a:off x="2582163" y="1631059"/>
+            <a:ext cx="1653334" cy="584775"/>
+          </a:xfrm>
+          <a:prstGeom prst="rect">
+            <a:avLst/>
+          </a:prstGeom>
+          <a:noFill/>
+        </p:spPr>
+        <p:txBody>
+          <a:bodyPr wrap="square" rtlCol="0">
+            <a:spAutoFit/>
+          </a:bodyPr>
+          <a:lstStyle/>
+          <a:p>
+            <a:r>
+              <a:rPr lang="en-US" sz="1600" dirty="0" smtClean="0">
+                <a:solidFill>
+                  <a:schemeClr val="bg1">
+                    <a:lumMod val="50000"/>
+                  </a:schemeClr>
+                </a:solidFill>
+              </a:rPr>
+              <a:t>Convolution feature maps</a:t>
+            </a:r>
+            <a:r>
+              <a:rPr lang="en-US" sz="1600" dirty="0" smtClean="0"/>
+              <a:t> </a:t>
+            </a:r>
+            <a:endParaRPr lang="en-US" sz="1600" dirty="0"/>
+          </a:p>
+        </p:txBody>
+      </p:sp>
+      <p:sp>
+        <p:nvSpPr>
+          <p:cNvPr id="212" name="TextBox 211"/>
+          <p:cNvSpPr txBox="1"/>
+          <p:nvPr/>
+        </p:nvSpPr>
+        <p:spPr>
+          <a:xfrm>
+            <a:off x="4063524" y="1740636"/>
+            <a:ext cx="864758" cy="338554"/>
+          </a:xfrm>
+          <a:prstGeom prst="rect">
+            <a:avLst/>
+          </a:prstGeom>
+          <a:noFill/>
+        </p:spPr>
+        <p:txBody>
+          <a:bodyPr wrap="square" rtlCol="0">
+            <a:spAutoFit/>
+          </a:bodyPr>
+          <a:lstStyle/>
+          <a:p>
+            <a:r>
+              <a:rPr lang="en-US" sz="1600" dirty="0">
+                <a:solidFill>
+                  <a:schemeClr val="bg1">
+                    <a:lumMod val="50000"/>
+                  </a:schemeClr>
+                </a:solidFill>
+              </a:rPr>
+              <a:t>Pooling</a:t>
+            </a:r>
+          </a:p>
+        </p:txBody>
+      </p:sp>
+      <p:sp>
+        <p:nvSpPr>
+          <p:cNvPr id="214" name="TextBox 213"/>
+          <p:cNvSpPr txBox="1"/>
+          <p:nvPr/>
+        </p:nvSpPr>
+        <p:spPr>
+          <a:xfrm>
+            <a:off x="5003656" y="1599985"/>
+            <a:ext cx="1486320" cy="584775"/>
+          </a:xfrm>
+          <a:prstGeom prst="rect">
+            <a:avLst/>
+          </a:prstGeom>
+          <a:noFill/>
+        </p:spPr>
+        <p:txBody>
+          <a:bodyPr wrap="square" rtlCol="0">
+            <a:spAutoFit/>
+          </a:bodyPr>
+          <a:lstStyle/>
+          <a:p>
+            <a:r>
+              <a:rPr lang="en-US" sz="1600" dirty="0" smtClean="0">
+                <a:solidFill>
+                  <a:schemeClr val="bg1">
+                    <a:lumMod val="50000"/>
+                  </a:schemeClr>
+                </a:solidFill>
+              </a:rPr>
+              <a:t>Features representation</a:t>
+            </a:r>
+            <a:endParaRPr lang="en-US" sz="1600" dirty="0"/>
+          </a:p>
+        </p:txBody>
+      </p:sp>
+      <p:sp>
+        <p:nvSpPr>
+          <p:cNvPr id="215" name="TextBox 214"/>
+          <p:cNvSpPr txBox="1"/>
+          <p:nvPr/>
+        </p:nvSpPr>
+        <p:spPr>
+          <a:xfrm>
+            <a:off x="6652780" y="1754169"/>
+            <a:ext cx="922111" cy="338554"/>
+          </a:xfrm>
+          <a:prstGeom prst="rect">
+            <a:avLst/>
+          </a:prstGeom>
+          <a:noFill/>
+        </p:spPr>
+        <p:txBody>
+          <a:bodyPr wrap="square" rtlCol="0">
+            <a:spAutoFit/>
+          </a:bodyPr>
+          <a:lstStyle/>
+          <a:p>
+            <a:pPr algn="ctr"/>
+            <a:r>
+              <a:rPr lang="en-US" sz="1600" dirty="0" smtClean="0">
+                <a:solidFill>
+                  <a:schemeClr val="bg1">
+                    <a:lumMod val="50000"/>
+                  </a:schemeClr>
+                </a:solidFill>
+              </a:rPr>
+              <a:t>Output</a:t>
+            </a:r>
+            <a:endParaRPr lang="en-US" sz="1600" dirty="0"/>
+          </a:p>
+        </p:txBody>
+      </p:sp>
+      <p:graphicFrame>
+        <p:nvGraphicFramePr>
+          <p:cNvPr id="116" name="Table 115"/>
+          <p:cNvGraphicFramePr>
+            <a:graphicFrameLocks noGrp="1"/>
+          </p:cNvGraphicFramePr>
+          <p:nvPr>
+            <p:extLst>
+              <p:ext uri="{D42A27DB-BD31-4B8C-83A1-F6EECF244321}">
+                <p14:modId xmlns:p14="http://schemas.microsoft.com/office/powerpoint/2010/main" val="545180394"/>
+              </p:ext>
+            </p:extLst>
+          </p:nvPr>
+        </p:nvGraphicFramePr>
+        <p:xfrm>
+          <a:off x="6977311" y="3375230"/>
+          <a:ext cx="273050" cy="228922"/>
+        </p:xfrm>
+        <a:graphic>
+          <a:graphicData uri="http://schemas.openxmlformats.org/drawingml/2006/table">
+            <a:tbl>
+              <a:tblPr firstRow="1" bandRow="1">
+                <a:tableStyleId>{5940675A-B579-460E-94D1-54222C63F5DA}</a:tableStyleId>
+              </a:tblPr>
+              <a:tblGrid>
+                <a:gridCol w="273050">
+                  <a:extLst>
+                    <a:ext uri="{9D8B030D-6E8A-4147-A177-3AD203B41FA5}">
+                      <a16:colId xmlns:a16="http://schemas.microsoft.com/office/drawing/2014/main" val="4185730726"/>
+                    </a:ext>
+                  </a:extLst>
+                </a:gridCol>
+              </a:tblGrid>
+              <a:tr h="228922">
+                <a:tc>
+                  <a:txBody>
+                    <a:bodyPr/>
+                    <a:lstStyle/>
+                    <a:p>
+                      <a:endParaRPr lang="en-US" sz="800" dirty="0"/>
+                    </a:p>
+                  </a:txBody>
+                  <a:tcPr>
+                    <a:lnL w="12700" cap="flat" cmpd="sng" algn="ctr">
+                      <a:solidFill>
+                        <a:schemeClr val="accent5"/>
+                      </a:solidFill>
+                      <a:prstDash val="solid"/>
+                      <a:round/>
+                      <a:headEnd type="none" w="med" len="med"/>
+                      <a:tailEnd type="none" w="med" len="med"/>
+                    </a:lnL>
+                    <a:lnR w="12700" cap="flat" cmpd="sng" algn="ctr">
+                      <a:solidFill>
+                        <a:schemeClr val="accent5"/>
+                      </a:solidFill>
+                      <a:prstDash val="solid"/>
+                      <a:round/>
+                      <a:headEnd type="none" w="med" len="med"/>
+                      <a:tailEnd type="none" w="med" len="med"/>
+                    </a:lnR>
+                    <a:lnT w="12700" cap="flat" cmpd="sng" algn="ctr">
+                      <a:solidFill>
+                        <a:schemeClr val="accent5"/>
+                      </a:solidFill>
+                      <a:prstDash val="solid"/>
+                      <a:round/>
+                      <a:headEnd type="none" w="med" len="med"/>
+                      <a:tailEnd type="none" w="med" len="med"/>
+                    </a:lnT>
+                    <a:lnB w="12700" cap="flat" cmpd="sng" algn="ctr">
+                      <a:solidFill>
+                        <a:schemeClr val="accent5"/>
+                      </a:solidFill>
+                      <a:prstDash val="solid"/>
+                      <a:round/>
+                      <a:headEnd type="none" w="med" len="med"/>
+                      <a:tailEnd type="none" w="med" len="med"/>
+                    </a:lnB>
+                    <a:solidFill>
+                      <a:schemeClr val="accent5">
+                        <a:lumMod val="20000"/>
+                        <a:lumOff val="80000"/>
+                      </a:schemeClr>
+                    </a:solidFill>
+                  </a:tcPr>
+                </a:tc>
+                <a:extLst>
+                  <a:ext uri="{0D108BD9-81ED-4DB2-BD59-A6C34878D82A}">
+                    <a16:rowId xmlns:a16="http://schemas.microsoft.com/office/drawing/2014/main" val="3678188319"/>
+                  </a:ext>
+                </a:extLst>
+              </a:tr>
+            </a:tbl>
+          </a:graphicData>
+        </a:graphic>
+      </p:graphicFrame>
+      <p:cxnSp>
+        <p:nvCxnSpPr>
+          <p:cNvPr id="117" name="Straight Connector 116"/>
+          <p:cNvCxnSpPr>
+            <a:endCxn id="131" idx="1"/>
+          </p:cNvCxnSpPr>
+          <p:nvPr/>
+        </p:nvCxnSpPr>
+        <p:spPr>
+          <a:xfrm>
+            <a:off x="4519402" y="3382019"/>
+            <a:ext cx="886224" cy="179193"/>
+          </a:xfrm>
+          <a:prstGeom prst="line">
+            <a:avLst/>
+          </a:prstGeom>
+          <a:ln>
+            <a:headEnd type="none" w="med" len="med"/>
+            <a:tailEnd type="none" w="med" len="med"/>
+          </a:ln>
+        </p:spPr>
+        <p:style>
+          <a:lnRef idx="2">
+            <a:schemeClr val="accent3"/>
+          </a:lnRef>
+          <a:fillRef idx="0">
+            <a:schemeClr val="accent3"/>
+          </a:fillRef>
+          <a:effectRef idx="1">
+            <a:schemeClr val="accent3"/>
+          </a:effectRef>
+          <a:fontRef idx="minor">
+            <a:schemeClr val="tx1"/>
+          </a:fontRef>
+        </p:style>
+      </p:cxnSp>
+      <p:cxnSp>
+        <p:nvCxnSpPr>
+          <p:cNvPr id="132" name="Straight Connector 131"/>
+          <p:cNvCxnSpPr>
+            <a:endCxn id="131" idx="1"/>
+          </p:cNvCxnSpPr>
+          <p:nvPr/>
+        </p:nvCxnSpPr>
+        <p:spPr>
+          <a:xfrm flipV="1">
+            <a:off x="4517984" y="3561212"/>
+            <a:ext cx="887642" cy="42940"/>
+          </a:xfrm>
+          <a:prstGeom prst="line">
+            <a:avLst/>
+          </a:prstGeom>
+          <a:ln>
+            <a:headEnd type="none" w="med" len="med"/>
+            <a:tailEnd type="none" w="med" len="med"/>
+          </a:ln>
+        </p:spPr>
+        <p:style>
+          <a:lnRef idx="2">
+            <a:schemeClr val="accent3"/>
+          </a:lnRef>
+          <a:fillRef idx="0">
+            <a:schemeClr val="accent3"/>
+          </a:fillRef>
+          <a:effectRef idx="1">
+            <a:schemeClr val="accent3"/>
+          </a:effectRef>
+          <a:fontRef idx="minor">
+            <a:schemeClr val="tx1"/>
+          </a:fontRef>
+        </p:style>
+      </p:cxnSp>
+      <p:cxnSp>
+        <p:nvCxnSpPr>
+          <p:cNvPr id="136" name="Straight Connector 135"/>
+          <p:cNvCxnSpPr/>
+          <p:nvPr/>
+        </p:nvCxnSpPr>
+        <p:spPr>
+          <a:xfrm flipV="1">
+            <a:off x="4517984" y="4703739"/>
+            <a:ext cx="887642" cy="38981"/>
+          </a:xfrm>
+          <a:prstGeom prst="line">
+            <a:avLst/>
+          </a:prstGeom>
+          <a:ln>
+            <a:headEnd type="none" w="med" len="med"/>
+            <a:tailEnd type="none" w="med" len="med"/>
+          </a:ln>
+        </p:spPr>
+        <p:style>
+          <a:lnRef idx="2">
+            <a:schemeClr val="accent3"/>
+          </a:lnRef>
+          <a:fillRef idx="0">
+            <a:schemeClr val="accent3"/>
+          </a:fillRef>
+          <a:effectRef idx="1">
+            <a:schemeClr val="accent3"/>
+          </a:effectRef>
+          <a:fontRef idx="minor">
+            <a:schemeClr val="tx1"/>
+          </a:fontRef>
+        </p:style>
+      </p:cxnSp>
+      <p:cxnSp>
+        <p:nvCxnSpPr>
+          <p:cNvPr id="45" name="Straight Connector 44"/>
+          <p:cNvCxnSpPr/>
+          <p:nvPr/>
+        </p:nvCxnSpPr>
+        <p:spPr>
+          <a:xfrm>
+            <a:off x="5676680" y="2410791"/>
+            <a:ext cx="1300631" cy="964439"/>
+          </a:xfrm>
+          <a:prstGeom prst="line">
+            <a:avLst/>
+          </a:prstGeom>
+          <a:ln w="9525" cap="flat" cmpd="sng" algn="ctr">
+            <a:solidFill>
+              <a:schemeClr val="accent1"/>
+            </a:solidFill>
+            <a:prstDash val="dash"/>
+            <a:round/>
+            <a:headEnd type="none" w="med" len="med"/>
+            <a:tailEnd type="none" w="med" len="med"/>
+          </a:ln>
+        </p:spPr>
+        <p:style>
+          <a:lnRef idx="0">
+            <a:scrgbClr r="0" g="0" b="0"/>
+          </a:lnRef>
+          <a:fillRef idx="0">
+            <a:scrgbClr r="0" g="0" b="0"/>
+          </a:fillRef>
+          <a:effectRef idx="0">
+            <a:scrgbClr r="0" g="0" b="0"/>
+          </a:effectRef>
+          <a:fontRef idx="minor">
+            <a:schemeClr val="tx1"/>
+          </a:fontRef>
+        </p:style>
+      </p:cxnSp>
+      <p:cxnSp>
+        <p:nvCxnSpPr>
+          <p:cNvPr id="143" name="Straight Connector 142"/>
+          <p:cNvCxnSpPr/>
+          <p:nvPr/>
+        </p:nvCxnSpPr>
+        <p:spPr>
+          <a:xfrm flipV="1">
+            <a:off x="5676680" y="3601261"/>
+            <a:ext cx="1300631" cy="1102478"/>
+          </a:xfrm>
+          <a:prstGeom prst="line">
+            <a:avLst/>
+          </a:prstGeom>
+          <a:ln w="9525" cap="flat" cmpd="sng" algn="ctr">
+            <a:solidFill>
+              <a:schemeClr val="accent1"/>
+            </a:solidFill>
+            <a:prstDash val="dash"/>
+            <a:round/>
+            <a:headEnd type="none" w="med" len="med"/>
+            <a:tailEnd type="none" w="med" len="med"/>
+          </a:ln>
+        </p:spPr>
+        <p:style>
+          <a:lnRef idx="0">
+            <a:scrgbClr r="0" g="0" b="0"/>
+          </a:lnRef>
+          <a:fillRef idx="0">
+            <a:scrgbClr r="0" g="0" b="0"/>
+          </a:fillRef>
+          <a:effectRef idx="0">
+            <a:scrgbClr r="0" g="0" b="0"/>
+          </a:effectRef>
+          <a:fontRef idx="minor">
+            <a:schemeClr val="tx1"/>
+          </a:fontRef>
+        </p:style>
+      </p:cxnSp>
+    </p:spTree>
+    <p:extLst>
+      <p:ext uri="{BB962C8B-B14F-4D97-AF65-F5344CB8AC3E}">
+        <p14:creationId xmlns:p14="http://schemas.microsoft.com/office/powerpoint/2010/main" val="1055966134"/>
       </p:ext>
     </p:extLst>
   </p:cSld>

--- a/Draft/ICSE'18/BugPatchingRanking.pptx
+++ b/Draft/ICSE'18/BugPatchingRanking.pptx
@@ -23043,8 +23043,8 @@
         </p:nvCxnSpPr>
         <p:spPr>
           <a:xfrm flipV="1">
-            <a:off x="3190922" y="4303831"/>
-            <a:ext cx="1064802" cy="238502"/>
+            <a:off x="3190922" y="4277199"/>
+            <a:ext cx="1064802" cy="265134"/>
           </a:xfrm>
           <a:prstGeom prst="line">
             <a:avLst/>
@@ -23161,13 +23161,13 @@
           <p:nvPr>
             <p:extLst>
               <p:ext uri="{D42A27DB-BD31-4B8C-83A1-F6EECF244321}">
-                <p14:modId xmlns:p14="http://schemas.microsoft.com/office/powerpoint/2010/main" val="3988296293"/>
+                <p14:modId xmlns:p14="http://schemas.microsoft.com/office/powerpoint/2010/main" val="3878154429"/>
               </p:ext>
             </p:extLst>
           </p:nvPr>
         </p:nvGraphicFramePr>
         <p:xfrm>
-          <a:off x="5405626" y="2416602"/>
+          <a:off x="5394258" y="2330448"/>
           <a:ext cx="273050" cy="2289220"/>
         </p:xfrm>
         <a:graphic>
@@ -23860,7 +23860,7 @@
         <p:spPr>
           <a:xfrm>
             <a:off x="4517984" y="2240167"/>
-            <a:ext cx="887642" cy="170624"/>
+            <a:ext cx="874278" cy="84239"/>
           </a:xfrm>
           <a:prstGeom prst="line">
             <a:avLst/>
@@ -24082,7 +24082,7 @@
           <p:nvPr>
             <p:extLst>
               <p:ext uri="{D42A27DB-BD31-4B8C-83A1-F6EECF244321}">
-                <p14:modId xmlns:p14="http://schemas.microsoft.com/office/powerpoint/2010/main" val="545180394"/>
+                <p14:modId xmlns:p14="http://schemas.microsoft.com/office/powerpoint/2010/main" val="2305382779"/>
               </p:ext>
             </p:extLst>
           </p:nvPr>
@@ -24154,8 +24154,8 @@
                     </a:lnB>
                     <a:solidFill>
                       <a:schemeClr val="accent5">
-                        <a:lumMod val="20000"/>
-                        <a:lumOff val="80000"/>
+                        <a:lumMod val="60000"/>
+                        <a:lumOff val="40000"/>
                       </a:schemeClr>
                     </a:solidFill>
                   </a:tcPr>
@@ -24180,8 +24180,8 @@
         </p:nvCxnSpPr>
         <p:spPr>
           <a:xfrm>
-            <a:off x="4519402" y="3382019"/>
-            <a:ext cx="886224" cy="179193"/>
+            <a:off x="4519980" y="3375230"/>
+            <a:ext cx="874278" cy="99828"/>
           </a:xfrm>
           <a:prstGeom prst="line">
             <a:avLst/>
@@ -24216,8 +24216,8 @@
         </p:nvCxnSpPr>
         <p:spPr>
           <a:xfrm flipV="1">
-            <a:off x="4517984" y="3561212"/>
-            <a:ext cx="887642" cy="42940"/>
+            <a:off x="4517984" y="3475058"/>
+            <a:ext cx="876274" cy="136393"/>
           </a:xfrm>
           <a:prstGeom prst="line">
             <a:avLst/>
@@ -24250,8 +24250,8 @@
         </p:nvCxnSpPr>
         <p:spPr>
           <a:xfrm flipV="1">
-            <a:off x="4517984" y="4703739"/>
-            <a:ext cx="887642" cy="38981"/>
+            <a:off x="4519980" y="4619668"/>
+            <a:ext cx="881654" cy="135136"/>
           </a:xfrm>
           <a:prstGeom prst="line">
             <a:avLst/>
@@ -24284,8 +24284,8 @@
         </p:nvCxnSpPr>
         <p:spPr>
           <a:xfrm>
-            <a:off x="5676680" y="2410791"/>
-            <a:ext cx="1300631" cy="964439"/>
+            <a:off x="5667308" y="2343794"/>
+            <a:ext cx="1310003" cy="1031436"/>
           </a:xfrm>
           <a:prstGeom prst="line">
             <a:avLst/>
@@ -24323,8 +24323,8 @@
         </p:nvCxnSpPr>
         <p:spPr>
           <a:xfrm flipV="1">
-            <a:off x="5676680" y="3601261"/>
-            <a:ext cx="1300631" cy="1102478"/>
+            <a:off x="5689466" y="3601261"/>
+            <a:ext cx="1287845" cy="1018407"/>
           </a:xfrm>
           <a:prstGeom prst="line">
             <a:avLst/>

--- a/Draft/ICSE'18/BugPatchingRanking.pptx
+++ b/Draft/ICSE'18/BugPatchingRanking.pptx
@@ -19866,13 +19866,13 @@
           </a:prstGeom>
         </p:spPr>
         <p:style>
-          <a:lnRef idx="3">
+          <a:lnRef idx="1">
             <a:schemeClr val="accent1"/>
           </a:lnRef>
           <a:fillRef idx="0">
             <a:schemeClr val="accent1"/>
           </a:fillRef>
-          <a:effectRef idx="2">
+          <a:effectRef idx="0">
             <a:schemeClr val="accent1"/>
           </a:effectRef>
           <a:fontRef idx="minor">
@@ -19896,13 +19896,13 @@
           </a:prstGeom>
         </p:spPr>
         <p:style>
-          <a:lnRef idx="3">
+          <a:lnRef idx="1">
             <a:schemeClr val="accent1"/>
           </a:lnRef>
           <a:fillRef idx="0">
             <a:schemeClr val="accent1"/>
           </a:fillRef>
-          <a:effectRef idx="2">
+          <a:effectRef idx="0">
             <a:schemeClr val="accent1"/>
           </a:effectRef>
           <a:fontRef idx="minor">
@@ -19928,13 +19928,13 @@
           </a:prstGeom>
         </p:spPr>
         <p:style>
-          <a:lnRef idx="3">
+          <a:lnRef idx="1">
             <a:schemeClr val="accent1"/>
           </a:lnRef>
           <a:fillRef idx="0">
             <a:schemeClr val="accent1"/>
           </a:fillRef>
-          <a:effectRef idx="2">
+          <a:effectRef idx="0">
             <a:schemeClr val="accent1"/>
           </a:effectRef>
           <a:fontRef idx="minor">
@@ -19961,13 +19961,13 @@
           </a:prstGeom>
         </p:spPr>
         <p:style>
-          <a:lnRef idx="3">
+          <a:lnRef idx="1">
             <a:schemeClr val="accent1"/>
           </a:lnRef>
           <a:fillRef idx="0">
             <a:schemeClr val="accent1"/>
           </a:fillRef>
-          <a:effectRef idx="2">
+          <a:effectRef idx="0">
             <a:schemeClr val="accent1"/>
           </a:effectRef>
           <a:fontRef idx="minor">
@@ -20352,13 +20352,13 @@
           </a:prstGeom>
         </p:spPr>
         <p:style>
-          <a:lnRef idx="3">
+          <a:lnRef idx="1">
             <a:schemeClr val="accent1"/>
           </a:lnRef>
           <a:fillRef idx="0">
             <a:schemeClr val="accent1"/>
           </a:fillRef>
-          <a:effectRef idx="2">
+          <a:effectRef idx="0">
             <a:schemeClr val="accent1"/>
           </a:effectRef>
           <a:fontRef idx="minor">
@@ -20382,13 +20382,13 @@
           </a:prstGeom>
         </p:spPr>
         <p:style>
-          <a:lnRef idx="3">
+          <a:lnRef idx="1">
             <a:schemeClr val="accent1"/>
           </a:lnRef>
           <a:fillRef idx="0">
             <a:schemeClr val="accent1"/>
           </a:fillRef>
-          <a:effectRef idx="2">
+          <a:effectRef idx="0">
             <a:schemeClr val="accent1"/>
           </a:effectRef>
           <a:fontRef idx="minor">
@@ -22466,13 +22466,13 @@
           </a:prstGeom>
         </p:spPr>
         <p:style>
-          <a:lnRef idx="3">
+          <a:lnRef idx="1">
             <a:schemeClr val="accent1"/>
           </a:lnRef>
           <a:fillRef idx="0">
             <a:schemeClr val="accent1"/>
           </a:fillRef>
-          <a:effectRef idx="2">
+          <a:effectRef idx="0">
             <a:schemeClr val="accent1"/>
           </a:effectRef>
           <a:fontRef idx="minor">
@@ -22496,13 +22496,13 @@
           </a:prstGeom>
         </p:spPr>
         <p:style>
-          <a:lnRef idx="3">
+          <a:lnRef idx="1">
             <a:schemeClr val="accent1"/>
           </a:lnRef>
           <a:fillRef idx="0">
             <a:schemeClr val="accent1"/>
           </a:fillRef>
-          <a:effectRef idx="2">
+          <a:effectRef idx="0">
             <a:schemeClr val="accent1"/>
           </a:effectRef>
           <a:fontRef idx="minor">
@@ -22528,13 +22528,13 @@
           </a:prstGeom>
         </p:spPr>
         <p:style>
-          <a:lnRef idx="3">
+          <a:lnRef idx="1">
             <a:schemeClr val="accent1"/>
           </a:lnRef>
           <a:fillRef idx="0">
             <a:schemeClr val="accent1"/>
           </a:fillRef>
-          <a:effectRef idx="2">
+          <a:effectRef idx="0">
             <a:schemeClr val="accent1"/>
           </a:effectRef>
           <a:fontRef idx="minor">
@@ -22561,13 +22561,13 @@
           </a:prstGeom>
         </p:spPr>
         <p:style>
-          <a:lnRef idx="3">
+          <a:lnRef idx="1">
             <a:schemeClr val="accent1"/>
           </a:lnRef>
           <a:fillRef idx="0">
             <a:schemeClr val="accent1"/>
           </a:fillRef>
-          <a:effectRef idx="2">
+          <a:effectRef idx="0">
             <a:schemeClr val="accent1"/>
           </a:effectRef>
           <a:fontRef idx="minor">
@@ -22952,13 +22952,13 @@
           </a:prstGeom>
         </p:spPr>
         <p:style>
-          <a:lnRef idx="3">
+          <a:lnRef idx="1">
             <a:schemeClr val="accent1"/>
           </a:lnRef>
           <a:fillRef idx="0">
             <a:schemeClr val="accent1"/>
           </a:fillRef>
-          <a:effectRef idx="2">
+          <a:effectRef idx="0">
             <a:schemeClr val="accent1"/>
           </a:effectRef>
           <a:fontRef idx="minor">
@@ -22982,13 +22982,13 @@
           </a:prstGeom>
         </p:spPr>
         <p:style>
-          <a:lnRef idx="3">
+          <a:lnRef idx="1">
             <a:schemeClr val="accent1"/>
           </a:lnRef>
           <a:fillRef idx="0">
             <a:schemeClr val="accent1"/>
           </a:fillRef>
-          <a:effectRef idx="2">
+          <a:effectRef idx="0">
             <a:schemeClr val="accent1"/>
           </a:effectRef>
           <a:fontRef idx="minor">
@@ -23871,13 +23871,13 @@
           </a:ln>
         </p:spPr>
         <p:style>
-          <a:lnRef idx="2">
+          <a:lnRef idx="1">
             <a:schemeClr val="accent3"/>
           </a:lnRef>
           <a:fillRef idx="0">
             <a:schemeClr val="accent3"/>
           </a:fillRef>
-          <a:effectRef idx="1">
+          <a:effectRef idx="0">
             <a:schemeClr val="accent3"/>
           </a:effectRef>
           <a:fontRef idx="minor">
@@ -24044,7 +24044,7 @@
         </p:nvSpPr>
         <p:spPr>
           <a:xfrm>
-            <a:off x="6652780" y="1754169"/>
+            <a:off x="7668780" y="1720662"/>
             <a:ext cx="922111" cy="338554"/>
           </a:xfrm>
           <a:prstGeom prst="rect">
@@ -24082,13 +24082,13 @@
           <p:nvPr>
             <p:extLst>
               <p:ext uri="{D42A27DB-BD31-4B8C-83A1-F6EECF244321}">
-                <p14:modId xmlns:p14="http://schemas.microsoft.com/office/powerpoint/2010/main" val="2305382779"/>
+                <p14:modId xmlns:p14="http://schemas.microsoft.com/office/powerpoint/2010/main" val="3941347150"/>
               </p:ext>
             </p:extLst>
           </p:nvPr>
         </p:nvGraphicFramePr>
         <p:xfrm>
-          <a:off x="6977311" y="3375230"/>
+          <a:off x="7993311" y="3382529"/>
           <a:ext cx="273050" cy="228922"/>
         </p:xfrm>
         <a:graphic>
@@ -24192,13 +24192,13 @@
           </a:ln>
         </p:spPr>
         <p:style>
-          <a:lnRef idx="2">
+          <a:lnRef idx="1">
             <a:schemeClr val="accent3"/>
           </a:lnRef>
           <a:fillRef idx="0">
             <a:schemeClr val="accent3"/>
           </a:fillRef>
-          <a:effectRef idx="1">
+          <a:effectRef idx="0">
             <a:schemeClr val="accent3"/>
           </a:effectRef>
           <a:fontRef idx="minor">
@@ -24228,13 +24228,13 @@
           </a:ln>
         </p:spPr>
         <p:style>
-          <a:lnRef idx="2">
+          <a:lnRef idx="1">
             <a:schemeClr val="accent3"/>
           </a:lnRef>
           <a:fillRef idx="0">
             <a:schemeClr val="accent3"/>
           </a:fillRef>
-          <a:effectRef idx="1">
+          <a:effectRef idx="0">
             <a:schemeClr val="accent3"/>
           </a:effectRef>
           <a:fontRef idx="minor">
@@ -24262,13 +24262,13 @@
           </a:ln>
         </p:spPr>
         <p:style>
-          <a:lnRef idx="2">
+          <a:lnRef idx="1">
             <a:schemeClr val="accent3"/>
           </a:lnRef>
           <a:fillRef idx="0">
             <a:schemeClr val="accent3"/>
           </a:fillRef>
-          <a:effectRef idx="1">
+          <a:effectRef idx="0">
             <a:schemeClr val="accent3"/>
           </a:effectRef>
           <a:fontRef idx="minor">
@@ -24284,31 +24284,26 @@
         </p:nvCxnSpPr>
         <p:spPr>
           <a:xfrm>
-            <a:off x="5667308" y="2343794"/>
-            <a:ext cx="1310003" cy="1031436"/>
+            <a:off x="5678676" y="2324406"/>
+            <a:ext cx="1285849" cy="692808"/>
           </a:xfrm>
           <a:prstGeom prst="line">
             <a:avLst/>
           </a:prstGeom>
-          <a:ln w="9525" cap="flat" cmpd="sng" algn="ctr">
-            <a:solidFill>
-              <a:schemeClr val="accent1"/>
-            </a:solidFill>
-            <a:prstDash val="dash"/>
-            <a:round/>
+          <a:ln>
             <a:headEnd type="none" w="med" len="med"/>
             <a:tailEnd type="none" w="med" len="med"/>
           </a:ln>
         </p:spPr>
         <p:style>
-          <a:lnRef idx="0">
-            <a:scrgbClr r="0" g="0" b="0"/>
+          <a:lnRef idx="1">
+            <a:schemeClr val="accent2"/>
           </a:lnRef>
           <a:fillRef idx="0">
-            <a:scrgbClr r="0" g="0" b="0"/>
+            <a:schemeClr val="accent2"/>
           </a:fillRef>
           <a:effectRef idx="0">
-            <a:scrgbClr r="0" g="0" b="0"/>
+            <a:schemeClr val="accent2"/>
           </a:effectRef>
           <a:fontRef idx="minor">
             <a:schemeClr val="tx1"/>
@@ -24323,31 +24318,408 @@
         </p:nvCxnSpPr>
         <p:spPr>
           <a:xfrm flipV="1">
-            <a:off x="5689466" y="3601261"/>
-            <a:ext cx="1287845" cy="1018407"/>
+            <a:off x="5689466" y="3932902"/>
+            <a:ext cx="1275059" cy="686768"/>
           </a:xfrm>
           <a:prstGeom prst="line">
             <a:avLst/>
           </a:prstGeom>
-          <a:ln w="9525" cap="flat" cmpd="sng" algn="ctr">
-            <a:solidFill>
-              <a:schemeClr val="accent1"/>
-            </a:solidFill>
-            <a:prstDash val="dash"/>
-            <a:round/>
+          <a:ln>
             <a:headEnd type="none" w="med" len="med"/>
             <a:tailEnd type="none" w="med" len="med"/>
           </a:ln>
         </p:spPr>
         <p:style>
-          <a:lnRef idx="0">
-            <a:scrgbClr r="0" g="0" b="0"/>
+          <a:lnRef idx="1">
+            <a:schemeClr val="accent2"/>
           </a:lnRef>
           <a:fillRef idx="0">
-            <a:scrgbClr r="0" g="0" b="0"/>
+            <a:schemeClr val="accent2"/>
           </a:fillRef>
           <a:effectRef idx="0">
-            <a:scrgbClr r="0" g="0" b="0"/>
+            <a:schemeClr val="accent2"/>
+          </a:effectRef>
+          <a:fontRef idx="minor">
+            <a:schemeClr val="tx1"/>
+          </a:fontRef>
+        </p:style>
+      </p:cxnSp>
+      <p:graphicFrame>
+        <p:nvGraphicFramePr>
+          <p:cNvPr id="47" name="Table 46"/>
+          <p:cNvGraphicFramePr>
+            <a:graphicFrameLocks noGrp="1"/>
+          </p:cNvGraphicFramePr>
+          <p:nvPr>
+            <p:extLst>
+              <p:ext uri="{D42A27DB-BD31-4B8C-83A1-F6EECF244321}">
+                <p14:modId xmlns:p14="http://schemas.microsoft.com/office/powerpoint/2010/main" val="3558374516"/>
+              </p:ext>
+            </p:extLst>
+          </p:nvPr>
+        </p:nvGraphicFramePr>
+        <p:xfrm>
+          <a:off x="6964525" y="3017214"/>
+          <a:ext cx="273050" cy="915688"/>
+        </p:xfrm>
+        <a:graphic>
+          <a:graphicData uri="http://schemas.openxmlformats.org/drawingml/2006/table">
+            <a:tbl>
+              <a:tblPr firstRow="1" bandRow="1">
+                <a:tableStyleId>{5940675A-B579-460E-94D1-54222C63F5DA}</a:tableStyleId>
+              </a:tblPr>
+              <a:tblGrid>
+                <a:gridCol w="273050">
+                  <a:extLst>
+                    <a:ext uri="{9D8B030D-6E8A-4147-A177-3AD203B41FA5}">
+                      <a16:colId xmlns:a16="http://schemas.microsoft.com/office/drawing/2014/main" val="4185730726"/>
+                    </a:ext>
+                  </a:extLst>
+                </a:gridCol>
+              </a:tblGrid>
+              <a:tr h="228922">
+                <a:tc>
+                  <a:txBody>
+                    <a:bodyPr/>
+                    <a:lstStyle/>
+                    <a:p>
+                      <a:endParaRPr lang="en-US" sz="800" dirty="0"/>
+                    </a:p>
+                  </a:txBody>
+                  <a:tcPr>
+                    <a:lnL w="12700" cap="flat" cmpd="sng" algn="ctr">
+                      <a:solidFill>
+                        <a:schemeClr val="accent2"/>
+                      </a:solidFill>
+                      <a:prstDash val="solid"/>
+                      <a:round/>
+                      <a:headEnd type="none" w="med" len="med"/>
+                      <a:tailEnd type="none" w="med" len="med"/>
+                    </a:lnL>
+                    <a:lnR w="12700" cap="flat" cmpd="sng" algn="ctr">
+                      <a:solidFill>
+                        <a:schemeClr val="accent2"/>
+                      </a:solidFill>
+                      <a:prstDash val="solid"/>
+                      <a:round/>
+                      <a:headEnd type="none" w="med" len="med"/>
+                      <a:tailEnd type="none" w="med" len="med"/>
+                    </a:lnR>
+                    <a:lnT w="12700" cap="flat" cmpd="sng" algn="ctr">
+                      <a:solidFill>
+                        <a:schemeClr val="accent2"/>
+                      </a:solidFill>
+                      <a:prstDash val="solid"/>
+                      <a:round/>
+                      <a:headEnd type="none" w="med" len="med"/>
+                      <a:tailEnd type="none" w="med" len="med"/>
+                    </a:lnT>
+                    <a:lnB w="12700" cap="flat" cmpd="sng" algn="ctr">
+                      <a:solidFill>
+                        <a:schemeClr val="accent2"/>
+                      </a:solidFill>
+                      <a:prstDash val="solid"/>
+                      <a:round/>
+                      <a:headEnd type="none" w="med" len="med"/>
+                      <a:tailEnd type="none" w="med" len="med"/>
+                    </a:lnB>
+                    <a:solidFill>
+                      <a:schemeClr val="accent2">
+                        <a:lumMod val="40000"/>
+                        <a:lumOff val="60000"/>
+                      </a:schemeClr>
+                    </a:solidFill>
+                  </a:tcPr>
+                </a:tc>
+                <a:extLst>
+                  <a:ext uri="{0D108BD9-81ED-4DB2-BD59-A6C34878D82A}">
+                    <a16:rowId xmlns:a16="http://schemas.microsoft.com/office/drawing/2014/main" val="4054187074"/>
+                  </a:ext>
+                </a:extLst>
+              </a:tr>
+              <a:tr h="228922">
+                <a:tc>
+                  <a:txBody>
+                    <a:bodyPr/>
+                    <a:lstStyle/>
+                    <a:p>
+                      <a:endParaRPr lang="en-US" sz="800" dirty="0"/>
+                    </a:p>
+                  </a:txBody>
+                  <a:tcPr>
+                    <a:lnL w="12700" cap="flat" cmpd="sng" algn="ctr">
+                      <a:solidFill>
+                        <a:schemeClr val="accent2"/>
+                      </a:solidFill>
+                      <a:prstDash val="solid"/>
+                      <a:round/>
+                      <a:headEnd type="none" w="med" len="med"/>
+                      <a:tailEnd type="none" w="med" len="med"/>
+                    </a:lnL>
+                    <a:lnR w="12700" cap="flat" cmpd="sng" algn="ctr">
+                      <a:solidFill>
+                        <a:schemeClr val="accent2"/>
+                      </a:solidFill>
+                      <a:prstDash val="solid"/>
+                      <a:round/>
+                      <a:headEnd type="none" w="med" len="med"/>
+                      <a:tailEnd type="none" w="med" len="med"/>
+                    </a:lnR>
+                    <a:lnT w="12700" cap="flat" cmpd="sng" algn="ctr">
+                      <a:solidFill>
+                        <a:schemeClr val="accent2"/>
+                      </a:solidFill>
+                      <a:prstDash val="solid"/>
+                      <a:round/>
+                      <a:headEnd type="none" w="med" len="med"/>
+                      <a:tailEnd type="none" w="med" len="med"/>
+                    </a:lnT>
+                    <a:lnB w="12700" cap="flat" cmpd="sng" algn="ctr">
+                      <a:solidFill>
+                        <a:schemeClr val="accent2"/>
+                      </a:solidFill>
+                      <a:prstDash val="solid"/>
+                      <a:round/>
+                      <a:headEnd type="none" w="med" len="med"/>
+                      <a:tailEnd type="none" w="med" len="med"/>
+                    </a:lnB>
+                    <a:solidFill>
+                      <a:schemeClr val="accent2">
+                        <a:lumMod val="40000"/>
+                        <a:lumOff val="60000"/>
+                      </a:schemeClr>
+                    </a:solidFill>
+                  </a:tcPr>
+                </a:tc>
+                <a:extLst>
+                  <a:ext uri="{0D108BD9-81ED-4DB2-BD59-A6C34878D82A}">
+                    <a16:rowId xmlns:a16="http://schemas.microsoft.com/office/drawing/2014/main" val="3277664137"/>
+                  </a:ext>
+                </a:extLst>
+              </a:tr>
+              <a:tr h="228922">
+                <a:tc>
+                  <a:txBody>
+                    <a:bodyPr/>
+                    <a:lstStyle/>
+                    <a:p>
+                      <a:endParaRPr lang="en-US" sz="800" dirty="0"/>
+                    </a:p>
+                  </a:txBody>
+                  <a:tcPr>
+                    <a:lnL w="12700" cap="flat" cmpd="sng" algn="ctr">
+                      <a:solidFill>
+                        <a:schemeClr val="accent2"/>
+                      </a:solidFill>
+                      <a:prstDash val="solid"/>
+                      <a:round/>
+                      <a:headEnd type="none" w="med" len="med"/>
+                      <a:tailEnd type="none" w="med" len="med"/>
+                    </a:lnL>
+                    <a:lnR w="12700" cap="flat" cmpd="sng" algn="ctr">
+                      <a:solidFill>
+                        <a:schemeClr val="accent2"/>
+                      </a:solidFill>
+                      <a:prstDash val="solid"/>
+                      <a:round/>
+                      <a:headEnd type="none" w="med" len="med"/>
+                      <a:tailEnd type="none" w="med" len="med"/>
+                    </a:lnR>
+                    <a:lnT w="12700" cap="flat" cmpd="sng" algn="ctr">
+                      <a:solidFill>
+                        <a:schemeClr val="accent2"/>
+                      </a:solidFill>
+                      <a:prstDash val="solid"/>
+                      <a:round/>
+                      <a:headEnd type="none" w="med" len="med"/>
+                      <a:tailEnd type="none" w="med" len="med"/>
+                    </a:lnT>
+                    <a:lnB w="12700" cap="flat" cmpd="sng" algn="ctr">
+                      <a:solidFill>
+                        <a:schemeClr val="accent2"/>
+                      </a:solidFill>
+                      <a:prstDash val="solid"/>
+                      <a:round/>
+                      <a:headEnd type="none" w="med" len="med"/>
+                      <a:tailEnd type="none" w="med" len="med"/>
+                    </a:lnB>
+                    <a:solidFill>
+                      <a:schemeClr val="accent2">
+                        <a:lumMod val="40000"/>
+                        <a:lumOff val="60000"/>
+                      </a:schemeClr>
+                    </a:solidFill>
+                  </a:tcPr>
+                </a:tc>
+                <a:extLst>
+                  <a:ext uri="{0D108BD9-81ED-4DB2-BD59-A6C34878D82A}">
+                    <a16:rowId xmlns:a16="http://schemas.microsoft.com/office/drawing/2014/main" val="311770614"/>
+                  </a:ext>
+                </a:extLst>
+              </a:tr>
+              <a:tr h="228922">
+                <a:tc>
+                  <a:txBody>
+                    <a:bodyPr/>
+                    <a:lstStyle/>
+                    <a:p>
+                      <a:endParaRPr lang="en-US" sz="800" dirty="0"/>
+                    </a:p>
+                  </a:txBody>
+                  <a:tcPr>
+                    <a:lnL w="12700" cap="flat" cmpd="sng" algn="ctr">
+                      <a:solidFill>
+                        <a:schemeClr val="accent2"/>
+                      </a:solidFill>
+                      <a:prstDash val="solid"/>
+                      <a:round/>
+                      <a:headEnd type="none" w="med" len="med"/>
+                      <a:tailEnd type="none" w="med" len="med"/>
+                    </a:lnL>
+                    <a:lnR w="12700" cap="flat" cmpd="sng" algn="ctr">
+                      <a:solidFill>
+                        <a:schemeClr val="accent2"/>
+                      </a:solidFill>
+                      <a:prstDash val="solid"/>
+                      <a:round/>
+                      <a:headEnd type="none" w="med" len="med"/>
+                      <a:tailEnd type="none" w="med" len="med"/>
+                    </a:lnR>
+                    <a:lnT w="12700" cap="flat" cmpd="sng" algn="ctr">
+                      <a:solidFill>
+                        <a:schemeClr val="accent2"/>
+                      </a:solidFill>
+                      <a:prstDash val="solid"/>
+                      <a:round/>
+                      <a:headEnd type="none" w="med" len="med"/>
+                      <a:tailEnd type="none" w="med" len="med"/>
+                    </a:lnT>
+                    <a:lnB w="12700" cap="flat" cmpd="sng" algn="ctr">
+                      <a:solidFill>
+                        <a:schemeClr val="accent2"/>
+                      </a:solidFill>
+                      <a:prstDash val="solid"/>
+                      <a:round/>
+                      <a:headEnd type="none" w="med" len="med"/>
+                      <a:tailEnd type="none" w="med" len="med"/>
+                    </a:lnB>
+                    <a:solidFill>
+                      <a:schemeClr val="accent2">
+                        <a:lumMod val="40000"/>
+                        <a:lumOff val="60000"/>
+                      </a:schemeClr>
+                    </a:solidFill>
+                  </a:tcPr>
+                </a:tc>
+                <a:extLst>
+                  <a:ext uri="{0D108BD9-81ED-4DB2-BD59-A6C34878D82A}">
+                    <a16:rowId xmlns:a16="http://schemas.microsoft.com/office/drawing/2014/main" val="2404861581"/>
+                  </a:ext>
+                </a:extLst>
+              </a:tr>
+            </a:tbl>
+          </a:graphicData>
+        </a:graphic>
+      </p:graphicFrame>
+      <p:sp>
+        <p:nvSpPr>
+          <p:cNvPr id="54" name="TextBox 53"/>
+          <p:cNvSpPr txBox="1"/>
+          <p:nvPr/>
+        </p:nvSpPr>
+        <p:spPr>
+          <a:xfrm>
+            <a:off x="6652780" y="1720662"/>
+            <a:ext cx="922111" cy="338554"/>
+          </a:xfrm>
+          <a:prstGeom prst="rect">
+            <a:avLst/>
+          </a:prstGeom>
+          <a:noFill/>
+        </p:spPr>
+        <p:txBody>
+          <a:bodyPr wrap="square" rtlCol="0">
+            <a:spAutoFit/>
+          </a:bodyPr>
+          <a:lstStyle/>
+          <a:p>
+            <a:pPr algn="ctr"/>
+            <a:r>
+              <a:rPr lang="en-US" sz="1600" dirty="0" smtClean="0">
+                <a:solidFill>
+                  <a:schemeClr val="bg1">
+                    <a:lumMod val="50000"/>
+                  </a:schemeClr>
+                </a:solidFill>
+              </a:rPr>
+              <a:t>Hidden</a:t>
+            </a:r>
+            <a:endParaRPr lang="en-US" sz="1600" dirty="0"/>
+          </a:p>
+        </p:txBody>
+      </p:sp>
+      <p:cxnSp>
+        <p:nvCxnSpPr>
+          <p:cNvPr id="57" name="Straight Connector 56"/>
+          <p:cNvCxnSpPr/>
+          <p:nvPr/>
+        </p:nvCxnSpPr>
+        <p:spPr>
+          <a:xfrm>
+            <a:off x="7237575" y="3014194"/>
+            <a:ext cx="755736" cy="368335"/>
+          </a:xfrm>
+          <a:prstGeom prst="line">
+            <a:avLst/>
+          </a:prstGeom>
+          <a:ln>
+            <a:headEnd type="none" w="med" len="med"/>
+            <a:tailEnd type="none" w="med" len="med"/>
+          </a:ln>
+        </p:spPr>
+        <p:style>
+          <a:lnRef idx="1">
+            <a:schemeClr val="accent5"/>
+          </a:lnRef>
+          <a:fillRef idx="0">
+            <a:schemeClr val="accent5"/>
+          </a:fillRef>
+          <a:effectRef idx="0">
+            <a:schemeClr val="accent5"/>
+          </a:effectRef>
+          <a:fontRef idx="minor">
+            <a:schemeClr val="tx1"/>
+          </a:fontRef>
+        </p:style>
+      </p:cxnSp>
+      <p:cxnSp>
+        <p:nvCxnSpPr>
+          <p:cNvPr id="60" name="Straight Connector 59"/>
+          <p:cNvCxnSpPr/>
+          <p:nvPr/>
+        </p:nvCxnSpPr>
+        <p:spPr>
+          <a:xfrm flipV="1">
+            <a:off x="7237575" y="3611451"/>
+            <a:ext cx="755736" cy="321452"/>
+          </a:xfrm>
+          <a:prstGeom prst="line">
+            <a:avLst/>
+          </a:prstGeom>
+          <a:ln>
+            <a:headEnd type="none" w="med" len="med"/>
+            <a:tailEnd type="none" w="med" len="med"/>
+          </a:ln>
+        </p:spPr>
+        <p:style>
+          <a:lnRef idx="1">
+            <a:schemeClr val="accent5"/>
+          </a:lnRef>
+          <a:fillRef idx="0">
+            <a:schemeClr val="accent5"/>
+          </a:fillRef>
+          <a:effectRef idx="0">
+            <a:schemeClr val="accent5"/>
           </a:effectRef>
           <a:fontRef idx="minor">
             <a:schemeClr val="tx1"/>

--- a/Draft/ICSE'18/BugPatchingRanking.pptx
+++ b/Draft/ICSE'18/BugPatchingRanking.pptx
@@ -24284,8 +24284,8 @@
         </p:nvCxnSpPr>
         <p:spPr>
           <a:xfrm>
-            <a:off x="5678676" y="2324406"/>
-            <a:ext cx="1285849" cy="692808"/>
+            <a:off x="5663316" y="2324406"/>
+            <a:ext cx="1301209" cy="692808"/>
           </a:xfrm>
           <a:prstGeom prst="line">
             <a:avLst/>
@@ -24318,8 +24318,8 @@
         </p:nvCxnSpPr>
         <p:spPr>
           <a:xfrm flipV="1">
-            <a:off x="5689466" y="3932902"/>
-            <a:ext cx="1275059" cy="686768"/>
+            <a:off x="5667308" y="3932902"/>
+            <a:ext cx="1297217" cy="686766"/>
           </a:xfrm>
           <a:prstGeom prst="line">
             <a:avLst/>

--- a/Draft/ICSE'18/BugPatchingRanking.pptx
+++ b/Draft/ICSE'18/BugPatchingRanking.pptx
@@ -5,11 +5,12 @@
     <p:sldMasterId id="2147483768" r:id="rId1"/>
   </p:sldMasterIdLst>
   <p:notesMasterIdLst>
-    <p:notesMasterId r:id="rId4"/>
+    <p:notesMasterId r:id="rId5"/>
   </p:notesMasterIdLst>
   <p:sldIdLst>
     <p:sldId id="256" r:id="rId2"/>
     <p:sldId id="257" r:id="rId3"/>
+    <p:sldId id="258" r:id="rId4"/>
   </p:sldIdLst>
   <p:sldSz cx="9906000" cy="6858000" type="A4"/>
   <p:notesSz cx="9144000" cy="6858000"/>
@@ -635,6 +636,95 @@
     <p:extLst>
       <p:ext uri="{BB962C8B-B14F-4D97-AF65-F5344CB8AC3E}">
         <p14:creationId xmlns:p14="http://schemas.microsoft.com/office/powerpoint/2010/main" val="3973942605"/>
+      </p:ext>
+    </p:extLst>
+  </p:cSld>
+  <p:clrMapOvr>
+    <a:masterClrMapping/>
+  </p:clrMapOvr>
+</p:notes>
+</file>
+
+<file path=ppt/notesSlides/notesSlide3.xml><?xml version="1.0" encoding="utf-8"?>
+<p:notes xmlns:a="http://schemas.openxmlformats.org/drawingml/2006/main" xmlns:r="http://schemas.openxmlformats.org/officeDocument/2006/relationships" xmlns:p="http://schemas.openxmlformats.org/presentationml/2006/main">
+  <p:cSld>
+    <p:spTree>
+      <p:nvGrpSpPr>
+        <p:cNvPr id="1" name=""/>
+        <p:cNvGrpSpPr/>
+        <p:nvPr/>
+      </p:nvGrpSpPr>
+      <p:grpSpPr>
+        <a:xfrm>
+          <a:off x="0" y="0"/>
+          <a:ext cx="0" cy="0"/>
+          <a:chOff x="0" y="0"/>
+          <a:chExt cx="0" cy="0"/>
+        </a:xfrm>
+      </p:grpSpPr>
+      <p:sp>
+        <p:nvSpPr>
+          <p:cNvPr id="2" name="Slide Image Placeholder 1"/>
+          <p:cNvSpPr>
+            <a:spLocks noGrp="1" noRot="1" noChangeAspect="1"/>
+          </p:cNvSpPr>
+          <p:nvPr>
+            <p:ph type="sldImg"/>
+          </p:nvPr>
+        </p:nvSpPr>
+        <p:spPr>
+          <a:xfrm>
+            <a:off x="2900363" y="857250"/>
+            <a:ext cx="3343275" cy="2314575"/>
+          </a:xfrm>
+        </p:spPr>
+      </p:sp>
+      <p:sp>
+        <p:nvSpPr>
+          <p:cNvPr id="3" name="Notes Placeholder 2"/>
+          <p:cNvSpPr>
+            <a:spLocks noGrp="1"/>
+          </p:cNvSpPr>
+          <p:nvPr>
+            <p:ph type="body" idx="1"/>
+          </p:nvPr>
+        </p:nvSpPr>
+        <p:spPr/>
+        <p:txBody>
+          <a:bodyPr/>
+          <a:lstStyle/>
+          <a:p>
+            <a:endParaRPr lang="en-US" dirty="0"/>
+          </a:p>
+        </p:txBody>
+      </p:sp>
+      <p:sp>
+        <p:nvSpPr>
+          <p:cNvPr id="4" name="Slide Number Placeholder 3"/>
+          <p:cNvSpPr>
+            <a:spLocks noGrp="1"/>
+          </p:cNvSpPr>
+          <p:nvPr>
+            <p:ph type="sldNum" sz="quarter" idx="10"/>
+          </p:nvPr>
+        </p:nvSpPr>
+        <p:spPr/>
+        <p:txBody>
+          <a:bodyPr/>
+          <a:lstStyle/>
+          <a:p>
+            <a:fld id="{52459B2D-D9E4-4346-8284-1F426F1E6C10}" type="slidenum">
+              <a:rPr lang="en-US" smtClean="0"/>
+              <a:t>3</a:t>
+            </a:fld>
+            <a:endParaRPr lang="en-US"/>
+          </a:p>
+        </p:txBody>
+      </p:sp>
+    </p:spTree>
+    <p:extLst>
+      <p:ext uri="{BB962C8B-B14F-4D97-AF65-F5344CB8AC3E}">
+        <p14:creationId xmlns:p14="http://schemas.microsoft.com/office/powerpoint/2010/main" val="3716938829"/>
       </p:ext>
     </p:extLst>
   </p:cSld>
@@ -24739,6 +24829,7146 @@
 </p:sld>
 </file>
 
+<file path=ppt/slides/slide3.xml><?xml version="1.0" encoding="utf-8"?>
+<p:sld xmlns:a="http://schemas.openxmlformats.org/drawingml/2006/main" xmlns:r="http://schemas.openxmlformats.org/officeDocument/2006/relationships" xmlns:p="http://schemas.openxmlformats.org/presentationml/2006/main">
+  <p:cSld>
+    <p:spTree>
+      <p:nvGrpSpPr>
+        <p:cNvPr id="1" name=""/>
+        <p:cNvGrpSpPr/>
+        <p:nvPr/>
+      </p:nvGrpSpPr>
+      <p:grpSpPr>
+        <a:xfrm>
+          <a:off x="0" y="0"/>
+          <a:ext cx="0" cy="0"/>
+          <a:chOff x="0" y="0"/>
+          <a:chExt cx="0" cy="0"/>
+        </a:xfrm>
+      </p:grpSpPr>
+      <p:graphicFrame>
+        <p:nvGraphicFramePr>
+          <p:cNvPr id="28" name="Table 27"/>
+          <p:cNvGraphicFramePr>
+            <a:graphicFrameLocks noGrp="1"/>
+          </p:cNvGraphicFramePr>
+          <p:nvPr>
+            <p:extLst/>
+          </p:nvPr>
+        </p:nvGraphicFramePr>
+        <p:xfrm>
+          <a:off x="3024552" y="2245420"/>
+          <a:ext cx="273050" cy="853440"/>
+        </p:xfrm>
+        <a:graphic>
+          <a:graphicData uri="http://schemas.openxmlformats.org/drawingml/2006/table">
+            <a:tbl>
+              <a:tblPr firstRow="1" bandRow="1"/>
+              <a:tblGrid>
+                <a:gridCol w="273050">
+                  <a:extLst>
+                    <a:ext uri="{9D8B030D-6E8A-4147-A177-3AD203B41FA5}">
+                      <a16:colId xmlns:a16="http://schemas.microsoft.com/office/drawing/2014/main" val="4185730726"/>
+                    </a:ext>
+                  </a:extLst>
+                </a:gridCol>
+              </a:tblGrid>
+              <a:tr h="206380">
+                <a:tc>
+                  <a:txBody>
+                    <a:bodyPr/>
+                    <a:lstStyle/>
+                    <a:p>
+                      <a:endParaRPr lang="en-US" sz="800" dirty="0"/>
+                    </a:p>
+                  </a:txBody>
+                  <a:tcPr>
+                    <a:lnL w="19050" cap="flat" cmpd="sng" algn="ctr">
+                      <a:solidFill>
+                        <a:schemeClr val="accent6"/>
+                      </a:solidFill>
+                      <a:prstDash val="solid"/>
+                      <a:round/>
+                      <a:headEnd type="none" w="med" len="med"/>
+                      <a:tailEnd type="none" w="med" len="med"/>
+                    </a:lnL>
+                    <a:lnR w="19050" cap="flat" cmpd="sng" algn="ctr">
+                      <a:solidFill>
+                        <a:schemeClr val="accent6"/>
+                      </a:solidFill>
+                      <a:prstDash val="solid"/>
+                      <a:round/>
+                      <a:headEnd type="none" w="med" len="med"/>
+                      <a:tailEnd type="none" w="med" len="med"/>
+                    </a:lnR>
+                    <a:lnT w="19050" cap="flat" cmpd="sng" algn="ctr">
+                      <a:solidFill>
+                        <a:schemeClr val="accent6"/>
+                      </a:solidFill>
+                      <a:prstDash val="solid"/>
+                      <a:round/>
+                      <a:headEnd type="none" w="med" len="med"/>
+                      <a:tailEnd type="none" w="med" len="med"/>
+                    </a:lnT>
+                    <a:lnB w="19050" cap="flat" cmpd="sng" algn="ctr">
+                      <a:solidFill>
+                        <a:schemeClr val="accent6"/>
+                      </a:solidFill>
+                      <a:prstDash val="solid"/>
+                      <a:round/>
+                      <a:headEnd type="none" w="med" len="med"/>
+                      <a:tailEnd type="none" w="med" len="med"/>
+                    </a:lnB>
+                    <a:lnTlToBr w="12700" cmpd="sng">
+                      <a:noFill/>
+                      <a:prstDash val="solid"/>
+                    </a:lnTlToBr>
+                    <a:lnBlToTr w="12700" cmpd="sng">
+                      <a:noFill/>
+                      <a:prstDash val="solid"/>
+                    </a:lnBlToTr>
+                    <a:solidFill>
+                      <a:schemeClr val="accent6">
+                        <a:lumMod val="20000"/>
+                        <a:lumOff val="80000"/>
+                      </a:schemeClr>
+                    </a:solidFill>
+                  </a:tcPr>
+                </a:tc>
+                <a:extLst>
+                  <a:ext uri="{0D108BD9-81ED-4DB2-BD59-A6C34878D82A}">
+                    <a16:rowId xmlns:a16="http://schemas.microsoft.com/office/drawing/2014/main" val="3244523905"/>
+                  </a:ext>
+                </a:extLst>
+              </a:tr>
+              <a:tr h="206380">
+                <a:tc>
+                  <a:txBody>
+                    <a:bodyPr/>
+                    <a:lstStyle/>
+                    <a:p>
+                      <a:endParaRPr lang="en-US" sz="800" dirty="0"/>
+                    </a:p>
+                  </a:txBody>
+                  <a:tcPr>
+                    <a:lnL w="19050" cap="flat" cmpd="sng" algn="ctr">
+                      <a:solidFill>
+                        <a:schemeClr val="accent6"/>
+                      </a:solidFill>
+                      <a:prstDash val="solid"/>
+                      <a:round/>
+                      <a:headEnd type="none" w="med" len="med"/>
+                      <a:tailEnd type="none" w="med" len="med"/>
+                    </a:lnL>
+                    <a:lnR w="19050" cap="flat" cmpd="sng" algn="ctr">
+                      <a:solidFill>
+                        <a:schemeClr val="accent6"/>
+                      </a:solidFill>
+                      <a:prstDash val="solid"/>
+                      <a:round/>
+                      <a:headEnd type="none" w="med" len="med"/>
+                      <a:tailEnd type="none" w="med" len="med"/>
+                    </a:lnR>
+                    <a:lnT w="19050" cap="flat" cmpd="sng" algn="ctr">
+                      <a:solidFill>
+                        <a:schemeClr val="accent6"/>
+                      </a:solidFill>
+                      <a:prstDash val="solid"/>
+                      <a:round/>
+                      <a:headEnd type="none" w="med" len="med"/>
+                      <a:tailEnd type="none" w="med" len="med"/>
+                    </a:lnT>
+                    <a:lnB w="19050" cap="flat" cmpd="sng" algn="ctr">
+                      <a:solidFill>
+                        <a:schemeClr val="accent6"/>
+                      </a:solidFill>
+                      <a:prstDash val="solid"/>
+                      <a:round/>
+                      <a:headEnd type="none" w="med" len="med"/>
+                      <a:tailEnd type="none" w="med" len="med"/>
+                    </a:lnB>
+                    <a:lnTlToBr w="12700" cmpd="sng">
+                      <a:noFill/>
+                      <a:prstDash val="solid"/>
+                    </a:lnTlToBr>
+                    <a:lnBlToTr w="12700" cmpd="sng">
+                      <a:noFill/>
+                      <a:prstDash val="solid"/>
+                    </a:lnBlToTr>
+                    <a:solidFill>
+                      <a:schemeClr val="bg1"/>
+                    </a:solidFill>
+                  </a:tcPr>
+                </a:tc>
+                <a:extLst>
+                  <a:ext uri="{0D108BD9-81ED-4DB2-BD59-A6C34878D82A}">
+                    <a16:rowId xmlns:a16="http://schemas.microsoft.com/office/drawing/2014/main" val="3678188319"/>
+                  </a:ext>
+                </a:extLst>
+              </a:tr>
+              <a:tr h="206380">
+                <a:tc>
+                  <a:txBody>
+                    <a:bodyPr/>
+                    <a:lstStyle/>
+                    <a:p>
+                      <a:endParaRPr lang="en-US" sz="800" dirty="0"/>
+                    </a:p>
+                  </a:txBody>
+                  <a:tcPr>
+                    <a:lnL w="19050" cap="flat" cmpd="sng" algn="ctr">
+                      <a:solidFill>
+                        <a:schemeClr val="accent6"/>
+                      </a:solidFill>
+                      <a:prstDash val="solid"/>
+                      <a:round/>
+                      <a:headEnd type="none" w="med" len="med"/>
+                      <a:tailEnd type="none" w="med" len="med"/>
+                    </a:lnL>
+                    <a:lnR w="19050" cap="flat" cmpd="sng" algn="ctr">
+                      <a:solidFill>
+                        <a:schemeClr val="accent6"/>
+                      </a:solidFill>
+                      <a:prstDash val="solid"/>
+                      <a:round/>
+                      <a:headEnd type="none" w="med" len="med"/>
+                      <a:tailEnd type="none" w="med" len="med"/>
+                    </a:lnR>
+                    <a:lnT w="19050" cap="flat" cmpd="sng" algn="ctr">
+                      <a:solidFill>
+                        <a:schemeClr val="accent6"/>
+                      </a:solidFill>
+                      <a:prstDash val="solid"/>
+                      <a:round/>
+                      <a:headEnd type="none" w="med" len="med"/>
+                      <a:tailEnd type="none" w="med" len="med"/>
+                    </a:lnT>
+                    <a:lnB w="19050" cap="flat" cmpd="sng" algn="ctr">
+                      <a:solidFill>
+                        <a:schemeClr val="accent6"/>
+                      </a:solidFill>
+                      <a:prstDash val="solid"/>
+                      <a:round/>
+                      <a:headEnd type="none" w="med" len="med"/>
+                      <a:tailEnd type="none" w="med" len="med"/>
+                    </a:lnB>
+                    <a:lnTlToBr w="12700" cmpd="sng">
+                      <a:noFill/>
+                      <a:prstDash val="solid"/>
+                    </a:lnTlToBr>
+                    <a:lnBlToTr w="12700" cmpd="sng">
+                      <a:noFill/>
+                      <a:prstDash val="solid"/>
+                    </a:lnBlToTr>
+                    <a:solidFill>
+                      <a:schemeClr val="bg1"/>
+                    </a:solidFill>
+                  </a:tcPr>
+                </a:tc>
+                <a:extLst>
+                  <a:ext uri="{0D108BD9-81ED-4DB2-BD59-A6C34878D82A}">
+                    <a16:rowId xmlns:a16="http://schemas.microsoft.com/office/drawing/2014/main" val="2525101301"/>
+                  </a:ext>
+                </a:extLst>
+              </a:tr>
+              <a:tr h="206380">
+                <a:tc>
+                  <a:txBody>
+                    <a:bodyPr/>
+                    <a:lstStyle/>
+                    <a:p>
+                      <a:endParaRPr lang="en-US" sz="800" dirty="0"/>
+                    </a:p>
+                  </a:txBody>
+                  <a:tcPr>
+                    <a:lnL w="19050" cap="flat" cmpd="sng" algn="ctr">
+                      <a:solidFill>
+                        <a:schemeClr val="accent6"/>
+                      </a:solidFill>
+                      <a:prstDash val="solid"/>
+                      <a:round/>
+                      <a:headEnd type="none" w="med" len="med"/>
+                      <a:tailEnd type="none" w="med" len="med"/>
+                    </a:lnL>
+                    <a:lnR w="19050" cap="flat" cmpd="sng" algn="ctr">
+                      <a:solidFill>
+                        <a:schemeClr val="accent6"/>
+                      </a:solidFill>
+                      <a:prstDash val="solid"/>
+                      <a:round/>
+                      <a:headEnd type="none" w="med" len="med"/>
+                      <a:tailEnd type="none" w="med" len="med"/>
+                    </a:lnR>
+                    <a:lnT w="19050" cap="flat" cmpd="sng" algn="ctr">
+                      <a:solidFill>
+                        <a:schemeClr val="accent6"/>
+                      </a:solidFill>
+                      <a:prstDash val="solid"/>
+                      <a:round/>
+                      <a:headEnd type="none" w="med" len="med"/>
+                      <a:tailEnd type="none" w="med" len="med"/>
+                    </a:lnT>
+                    <a:lnB w="19050" cap="flat" cmpd="sng" algn="ctr">
+                      <a:solidFill>
+                        <a:schemeClr val="accent6"/>
+                      </a:solidFill>
+                      <a:prstDash val="solid"/>
+                      <a:round/>
+                      <a:headEnd type="none" w="med" len="med"/>
+                      <a:tailEnd type="none" w="med" len="med"/>
+                    </a:lnB>
+                    <a:lnTlToBr w="12700" cmpd="sng">
+                      <a:noFill/>
+                      <a:prstDash val="solid"/>
+                    </a:lnTlToBr>
+                    <a:lnBlToTr w="12700" cmpd="sng">
+                      <a:noFill/>
+                      <a:prstDash val="solid"/>
+                    </a:lnBlToTr>
+                    <a:solidFill>
+                      <a:schemeClr val="bg1"/>
+                    </a:solidFill>
+                  </a:tcPr>
+                </a:tc>
+                <a:extLst>
+                  <a:ext uri="{0D108BD9-81ED-4DB2-BD59-A6C34878D82A}">
+                    <a16:rowId xmlns:a16="http://schemas.microsoft.com/office/drawing/2014/main" val="1313577860"/>
+                  </a:ext>
+                </a:extLst>
+              </a:tr>
+            </a:tbl>
+          </a:graphicData>
+        </a:graphic>
+      </p:graphicFrame>
+      <p:graphicFrame>
+        <p:nvGraphicFramePr>
+          <p:cNvPr id="27" name="Table 26"/>
+          <p:cNvGraphicFramePr>
+            <a:graphicFrameLocks noGrp="1"/>
+          </p:cNvGraphicFramePr>
+          <p:nvPr>
+            <p:extLst/>
+          </p:nvPr>
+        </p:nvGraphicFramePr>
+        <p:xfrm>
+          <a:off x="2917872" y="2410792"/>
+          <a:ext cx="273050" cy="853440"/>
+        </p:xfrm>
+        <a:graphic>
+          <a:graphicData uri="http://schemas.openxmlformats.org/drawingml/2006/table">
+            <a:tbl>
+              <a:tblPr firstRow="1" bandRow="1"/>
+              <a:tblGrid>
+                <a:gridCol w="273050">
+                  <a:extLst>
+                    <a:ext uri="{9D8B030D-6E8A-4147-A177-3AD203B41FA5}">
+                      <a16:colId xmlns:a16="http://schemas.microsoft.com/office/drawing/2014/main" val="4185730726"/>
+                    </a:ext>
+                  </a:extLst>
+                </a:gridCol>
+              </a:tblGrid>
+              <a:tr h="206380">
+                <a:tc>
+                  <a:txBody>
+                    <a:bodyPr/>
+                    <a:lstStyle/>
+                    <a:p>
+                      <a:endParaRPr lang="en-US" sz="800" dirty="0"/>
+                    </a:p>
+                  </a:txBody>
+                  <a:tcPr>
+                    <a:lnL w="19050" cap="flat" cmpd="sng" algn="ctr">
+                      <a:solidFill>
+                        <a:schemeClr val="accent2"/>
+                      </a:solidFill>
+                      <a:prstDash val="solid"/>
+                      <a:round/>
+                      <a:headEnd type="none" w="med" len="med"/>
+                      <a:tailEnd type="none" w="med" len="med"/>
+                    </a:lnL>
+                    <a:lnR w="19050" cap="flat" cmpd="sng" algn="ctr">
+                      <a:solidFill>
+                        <a:schemeClr val="accent2"/>
+                      </a:solidFill>
+                      <a:prstDash val="solid"/>
+                      <a:round/>
+                      <a:headEnd type="none" w="med" len="med"/>
+                      <a:tailEnd type="none" w="med" len="med"/>
+                    </a:lnR>
+                    <a:lnT w="19050" cap="flat" cmpd="sng" algn="ctr">
+                      <a:solidFill>
+                        <a:schemeClr val="accent2"/>
+                      </a:solidFill>
+                      <a:prstDash val="solid"/>
+                      <a:round/>
+                      <a:headEnd type="none" w="med" len="med"/>
+                      <a:tailEnd type="none" w="med" len="med"/>
+                    </a:lnT>
+                    <a:lnB w="19050" cap="flat" cmpd="sng" algn="ctr">
+                      <a:solidFill>
+                        <a:schemeClr val="accent2"/>
+                      </a:solidFill>
+                      <a:prstDash val="solid"/>
+                      <a:round/>
+                      <a:headEnd type="none" w="med" len="med"/>
+                      <a:tailEnd type="none" w="med" len="med"/>
+                    </a:lnB>
+                    <a:lnTlToBr w="12700" cmpd="sng">
+                      <a:noFill/>
+                      <a:prstDash val="solid"/>
+                    </a:lnTlToBr>
+                    <a:lnBlToTr w="12700" cmpd="sng">
+                      <a:noFill/>
+                      <a:prstDash val="solid"/>
+                    </a:lnBlToTr>
+                    <a:solidFill>
+                      <a:schemeClr val="bg1"/>
+                    </a:solidFill>
+                  </a:tcPr>
+                </a:tc>
+                <a:extLst>
+                  <a:ext uri="{0D108BD9-81ED-4DB2-BD59-A6C34878D82A}">
+                    <a16:rowId xmlns:a16="http://schemas.microsoft.com/office/drawing/2014/main" val="3244523905"/>
+                  </a:ext>
+                </a:extLst>
+              </a:tr>
+              <a:tr h="206380">
+                <a:tc>
+                  <a:txBody>
+                    <a:bodyPr/>
+                    <a:lstStyle/>
+                    <a:p>
+                      <a:endParaRPr lang="en-US" sz="800" dirty="0"/>
+                    </a:p>
+                  </a:txBody>
+                  <a:tcPr>
+                    <a:lnL w="19050" cap="flat" cmpd="sng" algn="ctr">
+                      <a:solidFill>
+                        <a:schemeClr val="accent2"/>
+                      </a:solidFill>
+                      <a:prstDash val="solid"/>
+                      <a:round/>
+                      <a:headEnd type="none" w="med" len="med"/>
+                      <a:tailEnd type="none" w="med" len="med"/>
+                    </a:lnL>
+                    <a:lnR w="19050" cap="flat" cmpd="sng" algn="ctr">
+                      <a:solidFill>
+                        <a:schemeClr val="accent2"/>
+                      </a:solidFill>
+                      <a:prstDash val="solid"/>
+                      <a:round/>
+                      <a:headEnd type="none" w="med" len="med"/>
+                      <a:tailEnd type="none" w="med" len="med"/>
+                    </a:lnR>
+                    <a:lnT w="19050" cap="flat" cmpd="sng" algn="ctr">
+                      <a:solidFill>
+                        <a:schemeClr val="accent2"/>
+                      </a:solidFill>
+                      <a:prstDash val="solid"/>
+                      <a:round/>
+                      <a:headEnd type="none" w="med" len="med"/>
+                      <a:tailEnd type="none" w="med" len="med"/>
+                    </a:lnT>
+                    <a:lnB w="19050" cap="flat" cmpd="sng" algn="ctr">
+                      <a:solidFill>
+                        <a:schemeClr val="accent2"/>
+                      </a:solidFill>
+                      <a:prstDash val="solid"/>
+                      <a:round/>
+                      <a:headEnd type="none" w="med" len="med"/>
+                      <a:tailEnd type="none" w="med" len="med"/>
+                    </a:lnB>
+                    <a:lnTlToBr w="12700" cmpd="sng">
+                      <a:noFill/>
+                      <a:prstDash val="solid"/>
+                    </a:lnTlToBr>
+                    <a:lnBlToTr w="12700" cmpd="sng">
+                      <a:noFill/>
+                      <a:prstDash val="solid"/>
+                    </a:lnBlToTr>
+                    <a:solidFill>
+                      <a:schemeClr val="bg1"/>
+                    </a:solidFill>
+                  </a:tcPr>
+                </a:tc>
+                <a:extLst>
+                  <a:ext uri="{0D108BD9-81ED-4DB2-BD59-A6C34878D82A}">
+                    <a16:rowId xmlns:a16="http://schemas.microsoft.com/office/drawing/2014/main" val="3678188319"/>
+                  </a:ext>
+                </a:extLst>
+              </a:tr>
+              <a:tr h="206380">
+                <a:tc>
+                  <a:txBody>
+                    <a:bodyPr/>
+                    <a:lstStyle/>
+                    <a:p>
+                      <a:endParaRPr lang="en-US" sz="800" dirty="0"/>
+                    </a:p>
+                  </a:txBody>
+                  <a:tcPr>
+                    <a:lnL w="19050" cap="flat" cmpd="sng" algn="ctr">
+                      <a:solidFill>
+                        <a:schemeClr val="accent2"/>
+                      </a:solidFill>
+                      <a:prstDash val="solid"/>
+                      <a:round/>
+                      <a:headEnd type="none" w="med" len="med"/>
+                      <a:tailEnd type="none" w="med" len="med"/>
+                    </a:lnL>
+                    <a:lnR w="19050" cap="flat" cmpd="sng" algn="ctr">
+                      <a:solidFill>
+                        <a:schemeClr val="accent2"/>
+                      </a:solidFill>
+                      <a:prstDash val="solid"/>
+                      <a:round/>
+                      <a:headEnd type="none" w="med" len="med"/>
+                      <a:tailEnd type="none" w="med" len="med"/>
+                    </a:lnR>
+                    <a:lnT w="19050" cap="flat" cmpd="sng" algn="ctr">
+                      <a:solidFill>
+                        <a:schemeClr val="accent2"/>
+                      </a:solidFill>
+                      <a:prstDash val="solid"/>
+                      <a:round/>
+                      <a:headEnd type="none" w="med" len="med"/>
+                      <a:tailEnd type="none" w="med" len="med"/>
+                    </a:lnT>
+                    <a:lnB w="19050" cap="flat" cmpd="sng" algn="ctr">
+                      <a:solidFill>
+                        <a:schemeClr val="accent2"/>
+                      </a:solidFill>
+                      <a:prstDash val="solid"/>
+                      <a:round/>
+                      <a:headEnd type="none" w="med" len="med"/>
+                      <a:tailEnd type="none" w="med" len="med"/>
+                    </a:lnB>
+                    <a:lnTlToBr w="12700" cmpd="sng">
+                      <a:noFill/>
+                      <a:prstDash val="solid"/>
+                    </a:lnTlToBr>
+                    <a:lnBlToTr w="12700" cmpd="sng">
+                      <a:noFill/>
+                      <a:prstDash val="solid"/>
+                    </a:lnBlToTr>
+                    <a:solidFill>
+                      <a:schemeClr val="accent2">
+                        <a:lumMod val="40000"/>
+                        <a:lumOff val="60000"/>
+                      </a:schemeClr>
+                    </a:solidFill>
+                  </a:tcPr>
+                </a:tc>
+                <a:extLst>
+                  <a:ext uri="{0D108BD9-81ED-4DB2-BD59-A6C34878D82A}">
+                    <a16:rowId xmlns:a16="http://schemas.microsoft.com/office/drawing/2014/main" val="2525101301"/>
+                  </a:ext>
+                </a:extLst>
+              </a:tr>
+              <a:tr h="206380">
+                <a:tc>
+                  <a:txBody>
+                    <a:bodyPr/>
+                    <a:lstStyle/>
+                    <a:p>
+                      <a:endParaRPr lang="en-US" sz="800" dirty="0"/>
+                    </a:p>
+                  </a:txBody>
+                  <a:tcPr>
+                    <a:lnL w="19050" cap="flat" cmpd="sng" algn="ctr">
+                      <a:solidFill>
+                        <a:schemeClr val="accent2"/>
+                      </a:solidFill>
+                      <a:prstDash val="solid"/>
+                      <a:round/>
+                      <a:headEnd type="none" w="med" len="med"/>
+                      <a:tailEnd type="none" w="med" len="med"/>
+                    </a:lnL>
+                    <a:lnR w="19050" cap="flat" cmpd="sng" algn="ctr">
+                      <a:solidFill>
+                        <a:schemeClr val="accent2"/>
+                      </a:solidFill>
+                      <a:prstDash val="solid"/>
+                      <a:round/>
+                      <a:headEnd type="none" w="med" len="med"/>
+                      <a:tailEnd type="none" w="med" len="med"/>
+                    </a:lnR>
+                    <a:lnT w="19050" cap="flat" cmpd="sng" algn="ctr">
+                      <a:solidFill>
+                        <a:schemeClr val="accent2"/>
+                      </a:solidFill>
+                      <a:prstDash val="solid"/>
+                      <a:round/>
+                      <a:headEnd type="none" w="med" len="med"/>
+                      <a:tailEnd type="none" w="med" len="med"/>
+                    </a:lnT>
+                    <a:lnB w="19050" cap="flat" cmpd="sng" algn="ctr">
+                      <a:solidFill>
+                        <a:schemeClr val="accent2"/>
+                      </a:solidFill>
+                      <a:prstDash val="solid"/>
+                      <a:round/>
+                      <a:headEnd type="none" w="med" len="med"/>
+                      <a:tailEnd type="none" w="med" len="med"/>
+                    </a:lnB>
+                    <a:lnTlToBr w="12700" cmpd="sng">
+                      <a:noFill/>
+                      <a:prstDash val="solid"/>
+                    </a:lnTlToBr>
+                    <a:lnBlToTr w="12700" cmpd="sng">
+                      <a:noFill/>
+                      <a:prstDash val="solid"/>
+                    </a:lnBlToTr>
+                    <a:solidFill>
+                      <a:srgbClr val="FFFFFF"/>
+                    </a:solidFill>
+                  </a:tcPr>
+                </a:tc>
+                <a:extLst>
+                  <a:ext uri="{0D108BD9-81ED-4DB2-BD59-A6C34878D82A}">
+                    <a16:rowId xmlns:a16="http://schemas.microsoft.com/office/drawing/2014/main" val="1313577860"/>
+                  </a:ext>
+                </a:extLst>
+              </a:tr>
+            </a:tbl>
+          </a:graphicData>
+        </a:graphic>
+      </p:graphicFrame>
+      <p:graphicFrame>
+        <p:nvGraphicFramePr>
+          <p:cNvPr id="11" name="Table 10"/>
+          <p:cNvGraphicFramePr>
+            <a:graphicFrameLocks noGrp="1"/>
+          </p:cNvGraphicFramePr>
+          <p:nvPr>
+            <p:extLst/>
+          </p:nvPr>
+        </p:nvGraphicFramePr>
+        <p:xfrm>
+          <a:off x="1217342" y="2245421"/>
+          <a:ext cx="1074420" cy="1219200"/>
+        </p:xfrm>
+        <a:graphic>
+          <a:graphicData uri="http://schemas.openxmlformats.org/drawingml/2006/table">
+            <a:tbl>
+              <a:tblPr firstRow="1" bandRow="1"/>
+              <a:tblGrid>
+                <a:gridCol w="268605">
+                  <a:extLst>
+                    <a:ext uri="{9D8B030D-6E8A-4147-A177-3AD203B41FA5}">
+                      <a16:colId xmlns:a16="http://schemas.microsoft.com/office/drawing/2014/main" val="4185730726"/>
+                    </a:ext>
+                  </a:extLst>
+                </a:gridCol>
+                <a:gridCol w="268605">
+                  <a:extLst>
+                    <a:ext uri="{9D8B030D-6E8A-4147-A177-3AD203B41FA5}">
+                      <a16:colId xmlns:a16="http://schemas.microsoft.com/office/drawing/2014/main" val="1352304641"/>
+                    </a:ext>
+                  </a:extLst>
+                </a:gridCol>
+                <a:gridCol w="268605">
+                  <a:extLst>
+                    <a:ext uri="{9D8B030D-6E8A-4147-A177-3AD203B41FA5}">
+                      <a16:colId xmlns:a16="http://schemas.microsoft.com/office/drawing/2014/main" val="633533869"/>
+                    </a:ext>
+                  </a:extLst>
+                </a:gridCol>
+                <a:gridCol w="268605">
+                  <a:extLst>
+                    <a:ext uri="{9D8B030D-6E8A-4147-A177-3AD203B41FA5}">
+                      <a16:colId xmlns:a16="http://schemas.microsoft.com/office/drawing/2014/main" val="1474325871"/>
+                    </a:ext>
+                  </a:extLst>
+                </a:gridCol>
+              </a:tblGrid>
+              <a:tr h="250825">
+                <a:tc>
+                  <a:txBody>
+                    <a:bodyPr/>
+                    <a:lstStyle/>
+                    <a:p>
+                      <a:endParaRPr lang="en-US" sz="1400" dirty="0"/>
+                    </a:p>
+                  </a:txBody>
+                  <a:tcPr>
+                    <a:lnL w="19050" cap="flat" cmpd="sng" algn="ctr">
+                      <a:solidFill>
+                        <a:schemeClr val="accent1"/>
+                      </a:solidFill>
+                      <a:prstDash val="solid"/>
+                      <a:round/>
+                      <a:headEnd type="none" w="med" len="med"/>
+                      <a:tailEnd type="none" w="med" len="med"/>
+                    </a:lnL>
+                    <a:lnR w="19050" cap="flat" cmpd="sng" algn="ctr">
+                      <a:solidFill>
+                        <a:schemeClr val="accent1"/>
+                      </a:solidFill>
+                      <a:prstDash val="solid"/>
+                      <a:round/>
+                      <a:headEnd type="none" w="med" len="med"/>
+                      <a:tailEnd type="none" w="med" len="med"/>
+                    </a:lnR>
+                    <a:lnT w="19050" cap="flat" cmpd="sng" algn="ctr">
+                      <a:solidFill>
+                        <a:schemeClr val="accent1"/>
+                      </a:solidFill>
+                      <a:prstDash val="solid"/>
+                      <a:round/>
+                      <a:headEnd type="none" w="med" len="med"/>
+                      <a:tailEnd type="none" w="med" len="med"/>
+                    </a:lnT>
+                    <a:lnB w="19050" cap="flat" cmpd="sng" algn="ctr">
+                      <a:solidFill>
+                        <a:schemeClr val="accent1"/>
+                      </a:solidFill>
+                      <a:prstDash val="solid"/>
+                      <a:round/>
+                      <a:headEnd type="none" w="med" len="med"/>
+                      <a:tailEnd type="none" w="med" len="med"/>
+                    </a:lnB>
+                    <a:lnTlToBr w="12700" cmpd="sng">
+                      <a:noFill/>
+                      <a:prstDash val="solid"/>
+                    </a:lnTlToBr>
+                    <a:lnBlToTr w="12700" cmpd="sng">
+                      <a:noFill/>
+                      <a:prstDash val="solid"/>
+                    </a:lnBlToTr>
+                    <a:solidFill>
+                      <a:schemeClr val="accent1">
+                        <a:lumMod val="20000"/>
+                        <a:lumOff val="80000"/>
+                      </a:schemeClr>
+                    </a:solidFill>
+                  </a:tcPr>
+                </a:tc>
+                <a:tc>
+                  <a:txBody>
+                    <a:bodyPr/>
+                    <a:lstStyle/>
+                    <a:p>
+                      <a:endParaRPr lang="en-US" sz="1400" dirty="0"/>
+                    </a:p>
+                  </a:txBody>
+                  <a:tcPr>
+                    <a:lnL w="19050" cap="flat" cmpd="sng" algn="ctr">
+                      <a:solidFill>
+                        <a:schemeClr val="accent1"/>
+                      </a:solidFill>
+                      <a:prstDash val="solid"/>
+                      <a:round/>
+                      <a:headEnd type="none" w="med" len="med"/>
+                      <a:tailEnd type="none" w="med" len="med"/>
+                    </a:lnL>
+                    <a:lnR w="19050" cap="flat" cmpd="sng" algn="ctr">
+                      <a:solidFill>
+                        <a:schemeClr val="accent1"/>
+                      </a:solidFill>
+                      <a:prstDash val="solid"/>
+                      <a:round/>
+                      <a:headEnd type="none" w="med" len="med"/>
+                      <a:tailEnd type="none" w="med" len="med"/>
+                    </a:lnR>
+                    <a:lnT w="19050" cap="flat" cmpd="sng" algn="ctr">
+                      <a:solidFill>
+                        <a:schemeClr val="accent1"/>
+                      </a:solidFill>
+                      <a:prstDash val="solid"/>
+                      <a:round/>
+                      <a:headEnd type="none" w="med" len="med"/>
+                      <a:tailEnd type="none" w="med" len="med"/>
+                    </a:lnT>
+                    <a:lnB w="19050" cap="flat" cmpd="sng" algn="ctr">
+                      <a:solidFill>
+                        <a:schemeClr val="accent1"/>
+                      </a:solidFill>
+                      <a:prstDash val="solid"/>
+                      <a:round/>
+                      <a:headEnd type="none" w="med" len="med"/>
+                      <a:tailEnd type="none" w="med" len="med"/>
+                    </a:lnB>
+                    <a:lnTlToBr w="12700" cmpd="sng">
+                      <a:noFill/>
+                      <a:prstDash val="solid"/>
+                    </a:lnTlToBr>
+                    <a:lnBlToTr w="12700" cmpd="sng">
+                      <a:noFill/>
+                      <a:prstDash val="solid"/>
+                    </a:lnBlToTr>
+                    <a:solidFill>
+                      <a:schemeClr val="accent1">
+                        <a:lumMod val="20000"/>
+                        <a:lumOff val="80000"/>
+                      </a:schemeClr>
+                    </a:solidFill>
+                  </a:tcPr>
+                </a:tc>
+                <a:tc>
+                  <a:txBody>
+                    <a:bodyPr/>
+                    <a:lstStyle/>
+                    <a:p>
+                      <a:endParaRPr lang="en-US" sz="1400" dirty="0"/>
+                    </a:p>
+                  </a:txBody>
+                  <a:tcPr>
+                    <a:lnL w="19050" cap="flat" cmpd="sng" algn="ctr">
+                      <a:solidFill>
+                        <a:schemeClr val="accent1"/>
+                      </a:solidFill>
+                      <a:prstDash val="solid"/>
+                      <a:round/>
+                      <a:headEnd type="none" w="med" len="med"/>
+                      <a:tailEnd type="none" w="med" len="med"/>
+                    </a:lnL>
+                    <a:lnR w="19050" cap="flat" cmpd="sng" algn="ctr">
+                      <a:solidFill>
+                        <a:schemeClr val="accent1"/>
+                      </a:solidFill>
+                      <a:prstDash val="solid"/>
+                      <a:round/>
+                      <a:headEnd type="none" w="med" len="med"/>
+                      <a:tailEnd type="none" w="med" len="med"/>
+                    </a:lnR>
+                    <a:lnT w="19050" cap="flat" cmpd="sng" algn="ctr">
+                      <a:solidFill>
+                        <a:schemeClr val="accent1"/>
+                      </a:solidFill>
+                      <a:prstDash val="solid"/>
+                      <a:round/>
+                      <a:headEnd type="none" w="med" len="med"/>
+                      <a:tailEnd type="none" w="med" len="med"/>
+                    </a:lnT>
+                    <a:lnB w="19050" cap="flat" cmpd="sng" algn="ctr">
+                      <a:solidFill>
+                        <a:schemeClr val="accent1"/>
+                      </a:solidFill>
+                      <a:prstDash val="solid"/>
+                      <a:round/>
+                      <a:headEnd type="none" w="med" len="med"/>
+                      <a:tailEnd type="none" w="med" len="med"/>
+                    </a:lnB>
+                    <a:lnTlToBr w="12700" cmpd="sng">
+                      <a:noFill/>
+                      <a:prstDash val="solid"/>
+                    </a:lnTlToBr>
+                    <a:lnBlToTr w="12700" cmpd="sng">
+                      <a:noFill/>
+                      <a:prstDash val="solid"/>
+                    </a:lnBlToTr>
+                    <a:solidFill>
+                      <a:schemeClr val="accent1">
+                        <a:lumMod val="20000"/>
+                        <a:lumOff val="80000"/>
+                      </a:schemeClr>
+                    </a:solidFill>
+                  </a:tcPr>
+                </a:tc>
+                <a:tc>
+                  <a:txBody>
+                    <a:bodyPr/>
+                    <a:lstStyle/>
+                    <a:p>
+                      <a:endParaRPr lang="en-US" sz="1400" dirty="0"/>
+                    </a:p>
+                  </a:txBody>
+                  <a:tcPr>
+                    <a:lnL w="19050" cap="flat" cmpd="sng" algn="ctr">
+                      <a:solidFill>
+                        <a:schemeClr val="accent1"/>
+                      </a:solidFill>
+                      <a:prstDash val="solid"/>
+                      <a:round/>
+                      <a:headEnd type="none" w="med" len="med"/>
+                      <a:tailEnd type="none" w="med" len="med"/>
+                    </a:lnL>
+                    <a:lnR w="19050" cap="flat" cmpd="sng" algn="ctr">
+                      <a:solidFill>
+                        <a:schemeClr val="accent1"/>
+                      </a:solidFill>
+                      <a:prstDash val="solid"/>
+                      <a:round/>
+                      <a:headEnd type="none" w="med" len="med"/>
+                      <a:tailEnd type="none" w="med" len="med"/>
+                    </a:lnR>
+                    <a:lnT w="19050" cap="flat" cmpd="sng" algn="ctr">
+                      <a:solidFill>
+                        <a:schemeClr val="accent1"/>
+                      </a:solidFill>
+                      <a:prstDash val="solid"/>
+                      <a:round/>
+                      <a:headEnd type="none" w="med" len="med"/>
+                      <a:tailEnd type="none" w="med" len="med"/>
+                    </a:lnT>
+                    <a:lnB w="19050" cap="flat" cmpd="sng" algn="ctr">
+                      <a:solidFill>
+                        <a:schemeClr val="accent1"/>
+                      </a:solidFill>
+                      <a:prstDash val="solid"/>
+                      <a:round/>
+                      <a:headEnd type="none" w="med" len="med"/>
+                      <a:tailEnd type="none" w="med" len="med"/>
+                    </a:lnB>
+                    <a:lnTlToBr w="12700" cmpd="sng">
+                      <a:noFill/>
+                      <a:prstDash val="solid"/>
+                    </a:lnTlToBr>
+                    <a:lnBlToTr w="12700" cmpd="sng">
+                      <a:noFill/>
+                      <a:prstDash val="solid"/>
+                    </a:lnBlToTr>
+                    <a:solidFill>
+                      <a:schemeClr val="accent1">
+                        <a:lumMod val="20000"/>
+                        <a:lumOff val="80000"/>
+                      </a:schemeClr>
+                    </a:solidFill>
+                  </a:tcPr>
+                </a:tc>
+                <a:extLst>
+                  <a:ext uri="{0D108BD9-81ED-4DB2-BD59-A6C34878D82A}">
+                    <a16:rowId xmlns:a16="http://schemas.microsoft.com/office/drawing/2014/main" val="3244523905"/>
+                  </a:ext>
+                </a:extLst>
+              </a:tr>
+              <a:tr h="250825">
+                <a:tc>
+                  <a:txBody>
+                    <a:bodyPr/>
+                    <a:lstStyle/>
+                    <a:p>
+                      <a:endParaRPr lang="en-US" sz="1400" dirty="0"/>
+                    </a:p>
+                  </a:txBody>
+                  <a:tcPr>
+                    <a:lnL w="19050" cap="flat" cmpd="sng" algn="ctr">
+                      <a:solidFill>
+                        <a:schemeClr val="accent1"/>
+                      </a:solidFill>
+                      <a:prstDash val="solid"/>
+                      <a:round/>
+                      <a:headEnd type="none" w="med" len="med"/>
+                      <a:tailEnd type="none" w="med" len="med"/>
+                    </a:lnL>
+                    <a:lnR w="19050" cap="flat" cmpd="sng" algn="ctr">
+                      <a:solidFill>
+                        <a:schemeClr val="accent1"/>
+                      </a:solidFill>
+                      <a:prstDash val="solid"/>
+                      <a:round/>
+                      <a:headEnd type="none" w="med" len="med"/>
+                      <a:tailEnd type="none" w="med" len="med"/>
+                    </a:lnR>
+                    <a:lnT w="19050" cap="flat" cmpd="sng" algn="ctr">
+                      <a:solidFill>
+                        <a:schemeClr val="accent1"/>
+                      </a:solidFill>
+                      <a:prstDash val="solid"/>
+                      <a:round/>
+                      <a:headEnd type="none" w="med" len="med"/>
+                      <a:tailEnd type="none" w="med" len="med"/>
+                    </a:lnT>
+                    <a:lnB w="19050" cap="flat" cmpd="sng" algn="ctr">
+                      <a:solidFill>
+                        <a:schemeClr val="accent1"/>
+                      </a:solidFill>
+                      <a:prstDash val="solid"/>
+                      <a:round/>
+                      <a:headEnd type="none" w="med" len="med"/>
+                      <a:tailEnd type="none" w="med" len="med"/>
+                    </a:lnB>
+                    <a:lnTlToBr w="12700" cmpd="sng">
+                      <a:noFill/>
+                      <a:prstDash val="solid"/>
+                    </a:lnTlToBr>
+                    <a:lnBlToTr w="12700" cmpd="sng">
+                      <a:noFill/>
+                      <a:prstDash val="solid"/>
+                    </a:lnBlToTr>
+                    <a:solidFill>
+                      <a:schemeClr val="accent1">
+                        <a:lumMod val="20000"/>
+                        <a:lumOff val="80000"/>
+                      </a:schemeClr>
+                    </a:solidFill>
+                  </a:tcPr>
+                </a:tc>
+                <a:tc>
+                  <a:txBody>
+                    <a:bodyPr/>
+                    <a:lstStyle/>
+                    <a:p>
+                      <a:endParaRPr lang="en-US" sz="1400" dirty="0"/>
+                    </a:p>
+                  </a:txBody>
+                  <a:tcPr>
+                    <a:lnL w="19050" cap="flat" cmpd="sng" algn="ctr">
+                      <a:solidFill>
+                        <a:schemeClr val="accent1"/>
+                      </a:solidFill>
+                      <a:prstDash val="solid"/>
+                      <a:round/>
+                      <a:headEnd type="none" w="med" len="med"/>
+                      <a:tailEnd type="none" w="med" len="med"/>
+                    </a:lnL>
+                    <a:lnR w="19050" cap="flat" cmpd="sng" algn="ctr">
+                      <a:solidFill>
+                        <a:schemeClr val="accent1"/>
+                      </a:solidFill>
+                      <a:prstDash val="solid"/>
+                      <a:round/>
+                      <a:headEnd type="none" w="med" len="med"/>
+                      <a:tailEnd type="none" w="med" len="med"/>
+                    </a:lnR>
+                    <a:lnT w="19050" cap="flat" cmpd="sng" algn="ctr">
+                      <a:solidFill>
+                        <a:schemeClr val="accent1"/>
+                      </a:solidFill>
+                      <a:prstDash val="solid"/>
+                      <a:round/>
+                      <a:headEnd type="none" w="med" len="med"/>
+                      <a:tailEnd type="none" w="med" len="med"/>
+                    </a:lnT>
+                    <a:lnB w="19050" cap="flat" cmpd="sng" algn="ctr">
+                      <a:solidFill>
+                        <a:schemeClr val="accent1"/>
+                      </a:solidFill>
+                      <a:prstDash val="solid"/>
+                      <a:round/>
+                      <a:headEnd type="none" w="med" len="med"/>
+                      <a:tailEnd type="none" w="med" len="med"/>
+                    </a:lnB>
+                    <a:lnTlToBr w="12700" cmpd="sng">
+                      <a:noFill/>
+                      <a:prstDash val="solid"/>
+                    </a:lnTlToBr>
+                    <a:lnBlToTr w="12700" cmpd="sng">
+                      <a:noFill/>
+                      <a:prstDash val="solid"/>
+                    </a:lnBlToTr>
+                    <a:solidFill>
+                      <a:schemeClr val="accent1">
+                        <a:lumMod val="20000"/>
+                        <a:lumOff val="80000"/>
+                      </a:schemeClr>
+                    </a:solidFill>
+                  </a:tcPr>
+                </a:tc>
+                <a:tc>
+                  <a:txBody>
+                    <a:bodyPr/>
+                    <a:lstStyle/>
+                    <a:p>
+                      <a:endParaRPr lang="en-US" sz="1400" dirty="0"/>
+                    </a:p>
+                  </a:txBody>
+                  <a:tcPr>
+                    <a:lnL w="19050" cap="flat" cmpd="sng" algn="ctr">
+                      <a:solidFill>
+                        <a:schemeClr val="accent1"/>
+                      </a:solidFill>
+                      <a:prstDash val="solid"/>
+                      <a:round/>
+                      <a:headEnd type="none" w="med" len="med"/>
+                      <a:tailEnd type="none" w="med" len="med"/>
+                    </a:lnL>
+                    <a:lnR w="19050" cap="flat" cmpd="sng" algn="ctr">
+                      <a:solidFill>
+                        <a:schemeClr val="accent1"/>
+                      </a:solidFill>
+                      <a:prstDash val="solid"/>
+                      <a:round/>
+                      <a:headEnd type="none" w="med" len="med"/>
+                      <a:tailEnd type="none" w="med" len="med"/>
+                    </a:lnR>
+                    <a:lnT w="19050" cap="flat" cmpd="sng" algn="ctr">
+                      <a:solidFill>
+                        <a:schemeClr val="accent1"/>
+                      </a:solidFill>
+                      <a:prstDash val="solid"/>
+                      <a:round/>
+                      <a:headEnd type="none" w="med" len="med"/>
+                      <a:tailEnd type="none" w="med" len="med"/>
+                    </a:lnT>
+                    <a:lnB w="19050" cap="flat" cmpd="sng" algn="ctr">
+                      <a:solidFill>
+                        <a:schemeClr val="accent1"/>
+                      </a:solidFill>
+                      <a:prstDash val="solid"/>
+                      <a:round/>
+                      <a:headEnd type="none" w="med" len="med"/>
+                      <a:tailEnd type="none" w="med" len="med"/>
+                    </a:lnB>
+                    <a:lnTlToBr w="12700" cmpd="sng">
+                      <a:noFill/>
+                      <a:prstDash val="solid"/>
+                    </a:lnTlToBr>
+                    <a:lnBlToTr w="12700" cmpd="sng">
+                      <a:noFill/>
+                      <a:prstDash val="solid"/>
+                    </a:lnBlToTr>
+                    <a:solidFill>
+                      <a:schemeClr val="accent1">
+                        <a:lumMod val="20000"/>
+                        <a:lumOff val="80000"/>
+                      </a:schemeClr>
+                    </a:solidFill>
+                  </a:tcPr>
+                </a:tc>
+                <a:tc>
+                  <a:txBody>
+                    <a:bodyPr/>
+                    <a:lstStyle/>
+                    <a:p>
+                      <a:endParaRPr lang="en-US" sz="1400" dirty="0"/>
+                    </a:p>
+                  </a:txBody>
+                  <a:tcPr>
+                    <a:lnL w="19050" cap="flat" cmpd="sng" algn="ctr">
+                      <a:solidFill>
+                        <a:schemeClr val="accent1"/>
+                      </a:solidFill>
+                      <a:prstDash val="solid"/>
+                      <a:round/>
+                      <a:headEnd type="none" w="med" len="med"/>
+                      <a:tailEnd type="none" w="med" len="med"/>
+                    </a:lnL>
+                    <a:lnR w="19050" cap="flat" cmpd="sng" algn="ctr">
+                      <a:solidFill>
+                        <a:schemeClr val="accent1"/>
+                      </a:solidFill>
+                      <a:prstDash val="solid"/>
+                      <a:round/>
+                      <a:headEnd type="none" w="med" len="med"/>
+                      <a:tailEnd type="none" w="med" len="med"/>
+                    </a:lnR>
+                    <a:lnT w="19050" cap="flat" cmpd="sng" algn="ctr">
+                      <a:solidFill>
+                        <a:schemeClr val="accent1"/>
+                      </a:solidFill>
+                      <a:prstDash val="solid"/>
+                      <a:round/>
+                      <a:headEnd type="none" w="med" len="med"/>
+                      <a:tailEnd type="none" w="med" len="med"/>
+                    </a:lnT>
+                    <a:lnB w="19050" cap="flat" cmpd="sng" algn="ctr">
+                      <a:solidFill>
+                        <a:schemeClr val="accent1"/>
+                      </a:solidFill>
+                      <a:prstDash val="solid"/>
+                      <a:round/>
+                      <a:headEnd type="none" w="med" len="med"/>
+                      <a:tailEnd type="none" w="med" len="med"/>
+                    </a:lnB>
+                    <a:lnTlToBr w="12700" cmpd="sng">
+                      <a:noFill/>
+                      <a:prstDash val="solid"/>
+                    </a:lnTlToBr>
+                    <a:lnBlToTr w="12700" cmpd="sng">
+                      <a:noFill/>
+                      <a:prstDash val="solid"/>
+                    </a:lnBlToTr>
+                    <a:solidFill>
+                      <a:schemeClr val="accent1">
+                        <a:lumMod val="20000"/>
+                        <a:lumOff val="80000"/>
+                      </a:schemeClr>
+                    </a:solidFill>
+                  </a:tcPr>
+                </a:tc>
+                <a:extLst>
+                  <a:ext uri="{0D108BD9-81ED-4DB2-BD59-A6C34878D82A}">
+                    <a16:rowId xmlns:a16="http://schemas.microsoft.com/office/drawing/2014/main" val="3678188319"/>
+                  </a:ext>
+                </a:extLst>
+              </a:tr>
+              <a:tr h="250825">
+                <a:tc>
+                  <a:txBody>
+                    <a:bodyPr/>
+                    <a:lstStyle/>
+                    <a:p>
+                      <a:endParaRPr lang="en-US" sz="1400"/>
+                    </a:p>
+                  </a:txBody>
+                  <a:tcPr>
+                    <a:lnL w="19050" cap="flat" cmpd="sng" algn="ctr">
+                      <a:solidFill>
+                        <a:schemeClr val="bg1">
+                          <a:lumMod val="50000"/>
+                        </a:schemeClr>
+                      </a:solidFill>
+                      <a:prstDash val="solid"/>
+                      <a:round/>
+                      <a:headEnd type="none" w="med" len="med"/>
+                      <a:tailEnd type="none" w="med" len="med"/>
+                    </a:lnL>
+                    <a:lnR w="19050" cap="flat" cmpd="sng" algn="ctr">
+                      <a:solidFill>
+                        <a:schemeClr val="bg1">
+                          <a:lumMod val="50000"/>
+                        </a:schemeClr>
+                      </a:solidFill>
+                      <a:prstDash val="solid"/>
+                      <a:round/>
+                      <a:headEnd type="none" w="med" len="med"/>
+                      <a:tailEnd type="none" w="med" len="med"/>
+                    </a:lnR>
+                    <a:lnT w="19050" cap="flat" cmpd="sng" algn="ctr">
+                      <a:solidFill>
+                        <a:schemeClr val="accent1"/>
+                      </a:solidFill>
+                      <a:prstDash val="solid"/>
+                      <a:round/>
+                      <a:headEnd type="none" w="med" len="med"/>
+                      <a:tailEnd type="none" w="med" len="med"/>
+                    </a:lnT>
+                    <a:lnB w="19050" cap="flat" cmpd="sng" algn="ctr">
+                      <a:solidFill>
+                        <a:schemeClr val="bg1">
+                          <a:lumMod val="50000"/>
+                        </a:schemeClr>
+                      </a:solidFill>
+                      <a:prstDash val="solid"/>
+                      <a:round/>
+                      <a:headEnd type="none" w="med" len="med"/>
+                      <a:tailEnd type="none" w="med" len="med"/>
+                    </a:lnB>
+                  </a:tcPr>
+                </a:tc>
+                <a:tc>
+                  <a:txBody>
+                    <a:bodyPr/>
+                    <a:lstStyle/>
+                    <a:p>
+                      <a:endParaRPr lang="en-US" sz="1400" dirty="0"/>
+                    </a:p>
+                  </a:txBody>
+                  <a:tcPr>
+                    <a:lnL w="19050" cap="flat" cmpd="sng" algn="ctr">
+                      <a:solidFill>
+                        <a:schemeClr val="bg1">
+                          <a:lumMod val="50000"/>
+                        </a:schemeClr>
+                      </a:solidFill>
+                      <a:prstDash val="solid"/>
+                      <a:round/>
+                      <a:headEnd type="none" w="med" len="med"/>
+                      <a:tailEnd type="none" w="med" len="med"/>
+                    </a:lnL>
+                    <a:lnR w="19050" cap="flat" cmpd="sng" algn="ctr">
+                      <a:solidFill>
+                        <a:schemeClr val="bg1">
+                          <a:lumMod val="50000"/>
+                        </a:schemeClr>
+                      </a:solidFill>
+                      <a:prstDash val="solid"/>
+                      <a:round/>
+                      <a:headEnd type="none" w="med" len="med"/>
+                      <a:tailEnd type="none" w="med" len="med"/>
+                    </a:lnR>
+                    <a:lnT w="19050" cap="flat" cmpd="sng" algn="ctr">
+                      <a:solidFill>
+                        <a:schemeClr val="accent1"/>
+                      </a:solidFill>
+                      <a:prstDash val="solid"/>
+                      <a:round/>
+                      <a:headEnd type="none" w="med" len="med"/>
+                      <a:tailEnd type="none" w="med" len="med"/>
+                    </a:lnT>
+                    <a:lnB w="19050" cap="flat" cmpd="sng" algn="ctr">
+                      <a:solidFill>
+                        <a:schemeClr val="bg1">
+                          <a:lumMod val="50000"/>
+                        </a:schemeClr>
+                      </a:solidFill>
+                      <a:prstDash val="solid"/>
+                      <a:round/>
+                      <a:headEnd type="none" w="med" len="med"/>
+                      <a:tailEnd type="none" w="med" len="med"/>
+                    </a:lnB>
+                  </a:tcPr>
+                </a:tc>
+                <a:tc>
+                  <a:txBody>
+                    <a:bodyPr/>
+                    <a:lstStyle/>
+                    <a:p>
+                      <a:endParaRPr lang="en-US" sz="1400"/>
+                    </a:p>
+                  </a:txBody>
+                  <a:tcPr>
+                    <a:lnL w="19050" cap="flat" cmpd="sng" algn="ctr">
+                      <a:solidFill>
+                        <a:schemeClr val="bg1">
+                          <a:lumMod val="50000"/>
+                        </a:schemeClr>
+                      </a:solidFill>
+                      <a:prstDash val="solid"/>
+                      <a:round/>
+                      <a:headEnd type="none" w="med" len="med"/>
+                      <a:tailEnd type="none" w="med" len="med"/>
+                    </a:lnL>
+                    <a:lnR w="19050" cap="flat" cmpd="sng" algn="ctr">
+                      <a:solidFill>
+                        <a:schemeClr val="bg1">
+                          <a:lumMod val="50000"/>
+                        </a:schemeClr>
+                      </a:solidFill>
+                      <a:prstDash val="solid"/>
+                      <a:round/>
+                      <a:headEnd type="none" w="med" len="med"/>
+                      <a:tailEnd type="none" w="med" len="med"/>
+                    </a:lnR>
+                    <a:lnT w="19050" cap="flat" cmpd="sng" algn="ctr">
+                      <a:solidFill>
+                        <a:schemeClr val="accent1"/>
+                      </a:solidFill>
+                      <a:prstDash val="solid"/>
+                      <a:round/>
+                      <a:headEnd type="none" w="med" len="med"/>
+                      <a:tailEnd type="none" w="med" len="med"/>
+                    </a:lnT>
+                    <a:lnB w="19050" cap="flat" cmpd="sng" algn="ctr">
+                      <a:solidFill>
+                        <a:schemeClr val="bg1">
+                          <a:lumMod val="50000"/>
+                        </a:schemeClr>
+                      </a:solidFill>
+                      <a:prstDash val="solid"/>
+                      <a:round/>
+                      <a:headEnd type="none" w="med" len="med"/>
+                      <a:tailEnd type="none" w="med" len="med"/>
+                    </a:lnB>
+                  </a:tcPr>
+                </a:tc>
+                <a:tc>
+                  <a:txBody>
+                    <a:bodyPr/>
+                    <a:lstStyle/>
+                    <a:p>
+                      <a:endParaRPr lang="en-US" sz="1400" dirty="0"/>
+                    </a:p>
+                  </a:txBody>
+                  <a:tcPr>
+                    <a:lnL w="19050" cap="flat" cmpd="sng" algn="ctr">
+                      <a:solidFill>
+                        <a:schemeClr val="bg1">
+                          <a:lumMod val="50000"/>
+                        </a:schemeClr>
+                      </a:solidFill>
+                      <a:prstDash val="solid"/>
+                      <a:round/>
+                      <a:headEnd type="none" w="med" len="med"/>
+                      <a:tailEnd type="none" w="med" len="med"/>
+                    </a:lnL>
+                    <a:lnR w="19050" cap="flat" cmpd="sng" algn="ctr">
+                      <a:solidFill>
+                        <a:schemeClr val="bg1">
+                          <a:lumMod val="50000"/>
+                        </a:schemeClr>
+                      </a:solidFill>
+                      <a:prstDash val="solid"/>
+                      <a:round/>
+                      <a:headEnd type="none" w="med" len="med"/>
+                      <a:tailEnd type="none" w="med" len="med"/>
+                    </a:lnR>
+                    <a:lnT w="19050" cap="flat" cmpd="sng" algn="ctr">
+                      <a:solidFill>
+                        <a:schemeClr val="accent1"/>
+                      </a:solidFill>
+                      <a:prstDash val="solid"/>
+                      <a:round/>
+                      <a:headEnd type="none" w="med" len="med"/>
+                      <a:tailEnd type="none" w="med" len="med"/>
+                    </a:lnT>
+                    <a:lnB w="19050" cap="flat" cmpd="sng" algn="ctr">
+                      <a:solidFill>
+                        <a:schemeClr val="bg1">
+                          <a:lumMod val="50000"/>
+                        </a:schemeClr>
+                      </a:solidFill>
+                      <a:prstDash val="solid"/>
+                      <a:round/>
+                      <a:headEnd type="none" w="med" len="med"/>
+                      <a:tailEnd type="none" w="med" len="med"/>
+                    </a:lnB>
+                  </a:tcPr>
+                </a:tc>
+                <a:extLst>
+                  <a:ext uri="{0D108BD9-81ED-4DB2-BD59-A6C34878D82A}">
+                    <a16:rowId xmlns:a16="http://schemas.microsoft.com/office/drawing/2014/main" val="2525101301"/>
+                  </a:ext>
+                </a:extLst>
+              </a:tr>
+              <a:tr h="250825">
+                <a:tc>
+                  <a:txBody>
+                    <a:bodyPr/>
+                    <a:lstStyle/>
+                    <a:p>
+                      <a:endParaRPr lang="en-US" sz="1400"/>
+                    </a:p>
+                  </a:txBody>
+                  <a:tcPr>
+                    <a:lnL w="19050" cap="flat" cmpd="sng" algn="ctr">
+                      <a:solidFill>
+                        <a:schemeClr val="bg1">
+                          <a:lumMod val="50000"/>
+                        </a:schemeClr>
+                      </a:solidFill>
+                      <a:prstDash val="solid"/>
+                      <a:round/>
+                      <a:headEnd type="none" w="med" len="med"/>
+                      <a:tailEnd type="none" w="med" len="med"/>
+                    </a:lnL>
+                    <a:lnR w="19050" cap="flat" cmpd="sng" algn="ctr">
+                      <a:solidFill>
+                        <a:schemeClr val="bg1">
+                          <a:lumMod val="50000"/>
+                        </a:schemeClr>
+                      </a:solidFill>
+                      <a:prstDash val="solid"/>
+                      <a:round/>
+                      <a:headEnd type="none" w="med" len="med"/>
+                      <a:tailEnd type="none" w="med" len="med"/>
+                    </a:lnR>
+                    <a:lnT w="19050" cap="flat" cmpd="sng" algn="ctr">
+                      <a:solidFill>
+                        <a:schemeClr val="bg1">
+                          <a:lumMod val="50000"/>
+                        </a:schemeClr>
+                      </a:solidFill>
+                      <a:prstDash val="solid"/>
+                      <a:round/>
+                      <a:headEnd type="none" w="med" len="med"/>
+                      <a:tailEnd type="none" w="med" len="med"/>
+                    </a:lnT>
+                    <a:lnB w="19050" cap="flat" cmpd="sng" algn="ctr">
+                      <a:solidFill>
+                        <a:schemeClr val="bg1">
+                          <a:lumMod val="50000"/>
+                        </a:schemeClr>
+                      </a:solidFill>
+                      <a:prstDash val="solid"/>
+                      <a:round/>
+                      <a:headEnd type="none" w="med" len="med"/>
+                      <a:tailEnd type="none" w="med" len="med"/>
+                    </a:lnB>
+                  </a:tcPr>
+                </a:tc>
+                <a:tc>
+                  <a:txBody>
+                    <a:bodyPr/>
+                    <a:lstStyle/>
+                    <a:p>
+                      <a:endParaRPr lang="en-US" sz="1400"/>
+                    </a:p>
+                  </a:txBody>
+                  <a:tcPr>
+                    <a:lnL w="19050" cap="flat" cmpd="sng" algn="ctr">
+                      <a:solidFill>
+                        <a:schemeClr val="bg1">
+                          <a:lumMod val="50000"/>
+                        </a:schemeClr>
+                      </a:solidFill>
+                      <a:prstDash val="solid"/>
+                      <a:round/>
+                      <a:headEnd type="none" w="med" len="med"/>
+                      <a:tailEnd type="none" w="med" len="med"/>
+                    </a:lnL>
+                    <a:lnR w="19050" cap="flat" cmpd="sng" algn="ctr">
+                      <a:solidFill>
+                        <a:schemeClr val="bg1">
+                          <a:lumMod val="50000"/>
+                        </a:schemeClr>
+                      </a:solidFill>
+                      <a:prstDash val="solid"/>
+                      <a:round/>
+                      <a:headEnd type="none" w="med" len="med"/>
+                      <a:tailEnd type="none" w="med" len="med"/>
+                    </a:lnR>
+                    <a:lnT w="19050" cap="flat" cmpd="sng" algn="ctr">
+                      <a:solidFill>
+                        <a:schemeClr val="bg1">
+                          <a:lumMod val="50000"/>
+                        </a:schemeClr>
+                      </a:solidFill>
+                      <a:prstDash val="solid"/>
+                      <a:round/>
+                      <a:headEnd type="none" w="med" len="med"/>
+                      <a:tailEnd type="none" w="med" len="med"/>
+                    </a:lnT>
+                    <a:lnB w="19050" cap="flat" cmpd="sng" algn="ctr">
+                      <a:solidFill>
+                        <a:schemeClr val="bg1">
+                          <a:lumMod val="50000"/>
+                        </a:schemeClr>
+                      </a:solidFill>
+                      <a:prstDash val="solid"/>
+                      <a:round/>
+                      <a:headEnd type="none" w="med" len="med"/>
+                      <a:tailEnd type="none" w="med" len="med"/>
+                    </a:lnB>
+                  </a:tcPr>
+                </a:tc>
+                <a:tc>
+                  <a:txBody>
+                    <a:bodyPr/>
+                    <a:lstStyle/>
+                    <a:p>
+                      <a:endParaRPr lang="en-US" sz="1400" dirty="0"/>
+                    </a:p>
+                  </a:txBody>
+                  <a:tcPr>
+                    <a:lnL w="19050" cap="flat" cmpd="sng" algn="ctr">
+                      <a:solidFill>
+                        <a:schemeClr val="bg1">
+                          <a:lumMod val="50000"/>
+                        </a:schemeClr>
+                      </a:solidFill>
+                      <a:prstDash val="solid"/>
+                      <a:round/>
+                      <a:headEnd type="none" w="med" len="med"/>
+                      <a:tailEnd type="none" w="med" len="med"/>
+                    </a:lnL>
+                    <a:lnR w="19050" cap="flat" cmpd="sng" algn="ctr">
+                      <a:solidFill>
+                        <a:schemeClr val="bg1">
+                          <a:lumMod val="50000"/>
+                        </a:schemeClr>
+                      </a:solidFill>
+                      <a:prstDash val="solid"/>
+                      <a:round/>
+                      <a:headEnd type="none" w="med" len="med"/>
+                      <a:tailEnd type="none" w="med" len="med"/>
+                    </a:lnR>
+                    <a:lnT w="19050" cap="flat" cmpd="sng" algn="ctr">
+                      <a:solidFill>
+                        <a:schemeClr val="bg1">
+                          <a:lumMod val="50000"/>
+                        </a:schemeClr>
+                      </a:solidFill>
+                      <a:prstDash val="solid"/>
+                      <a:round/>
+                      <a:headEnd type="none" w="med" len="med"/>
+                      <a:tailEnd type="none" w="med" len="med"/>
+                    </a:lnT>
+                    <a:lnB w="19050" cap="flat" cmpd="sng" algn="ctr">
+                      <a:solidFill>
+                        <a:schemeClr val="bg1">
+                          <a:lumMod val="50000"/>
+                        </a:schemeClr>
+                      </a:solidFill>
+                      <a:prstDash val="solid"/>
+                      <a:round/>
+                      <a:headEnd type="none" w="med" len="med"/>
+                      <a:tailEnd type="none" w="med" len="med"/>
+                    </a:lnB>
+                  </a:tcPr>
+                </a:tc>
+                <a:tc>
+                  <a:txBody>
+                    <a:bodyPr/>
+                    <a:lstStyle/>
+                    <a:p>
+                      <a:endParaRPr lang="en-US" sz="1400" dirty="0"/>
+                    </a:p>
+                  </a:txBody>
+                  <a:tcPr>
+                    <a:lnL w="19050" cap="flat" cmpd="sng" algn="ctr">
+                      <a:solidFill>
+                        <a:schemeClr val="bg1">
+                          <a:lumMod val="50000"/>
+                        </a:schemeClr>
+                      </a:solidFill>
+                      <a:prstDash val="solid"/>
+                      <a:round/>
+                      <a:headEnd type="none" w="med" len="med"/>
+                      <a:tailEnd type="none" w="med" len="med"/>
+                    </a:lnL>
+                    <a:lnR w="19050" cap="flat" cmpd="sng" algn="ctr">
+                      <a:solidFill>
+                        <a:schemeClr val="bg1">
+                          <a:lumMod val="50000"/>
+                        </a:schemeClr>
+                      </a:solidFill>
+                      <a:prstDash val="solid"/>
+                      <a:round/>
+                      <a:headEnd type="none" w="med" len="med"/>
+                      <a:tailEnd type="none" w="med" len="med"/>
+                    </a:lnR>
+                    <a:lnT w="19050" cap="flat" cmpd="sng" algn="ctr">
+                      <a:solidFill>
+                        <a:schemeClr val="bg1">
+                          <a:lumMod val="50000"/>
+                        </a:schemeClr>
+                      </a:solidFill>
+                      <a:prstDash val="solid"/>
+                      <a:round/>
+                      <a:headEnd type="none" w="med" len="med"/>
+                      <a:tailEnd type="none" w="med" len="med"/>
+                    </a:lnT>
+                    <a:lnB w="19050" cap="flat" cmpd="sng" algn="ctr">
+                      <a:solidFill>
+                        <a:schemeClr val="bg1">
+                          <a:lumMod val="50000"/>
+                        </a:schemeClr>
+                      </a:solidFill>
+                      <a:prstDash val="solid"/>
+                      <a:round/>
+                      <a:headEnd type="none" w="med" len="med"/>
+                      <a:tailEnd type="none" w="med" len="med"/>
+                    </a:lnB>
+                  </a:tcPr>
+                </a:tc>
+                <a:extLst>
+                  <a:ext uri="{0D108BD9-81ED-4DB2-BD59-A6C34878D82A}">
+                    <a16:rowId xmlns:a16="http://schemas.microsoft.com/office/drawing/2014/main" val="1313577860"/>
+                  </a:ext>
+                </a:extLst>
+              </a:tr>
+            </a:tbl>
+          </a:graphicData>
+        </a:graphic>
+      </p:graphicFrame>
+      <p:sp>
+        <p:nvSpPr>
+          <p:cNvPr id="16" name="TextBox 15"/>
+          <p:cNvSpPr txBox="1"/>
+          <p:nvPr/>
+        </p:nvSpPr>
+        <p:spPr>
+          <a:xfrm>
+            <a:off x="788447" y="2518459"/>
+            <a:ext cx="492443" cy="588027"/>
+          </a:xfrm>
+          <a:prstGeom prst="rect">
+            <a:avLst/>
+          </a:prstGeom>
+          <a:noFill/>
+        </p:spPr>
+        <p:txBody>
+          <a:bodyPr vert="vert270" wrap="square" rtlCol="0">
+            <a:spAutoFit/>
+          </a:bodyPr>
+          <a:lstStyle/>
+          <a:p>
+            <a:r>
+              <a:rPr lang="en-US" sz="2000" dirty="0">
+                <a:solidFill>
+                  <a:schemeClr val="bg1">
+                    <a:lumMod val="50000"/>
+                  </a:schemeClr>
+                </a:solidFill>
+              </a:rPr>
+              <a:t>Text</a:t>
+            </a:r>
+          </a:p>
+        </p:txBody>
+      </p:sp>
+      <p:sp>
+        <p:nvSpPr>
+          <p:cNvPr id="17" name="TextBox 16"/>
+          <p:cNvSpPr txBox="1"/>
+          <p:nvPr/>
+        </p:nvSpPr>
+        <p:spPr>
+          <a:xfrm>
+            <a:off x="788447" y="3670992"/>
+            <a:ext cx="492443" cy="738513"/>
+          </a:xfrm>
+          <a:prstGeom prst="rect">
+            <a:avLst/>
+          </a:prstGeom>
+          <a:noFill/>
+        </p:spPr>
+        <p:txBody>
+          <a:bodyPr vert="vert270" wrap="square" rtlCol="0">
+            <a:spAutoFit/>
+          </a:bodyPr>
+          <a:lstStyle/>
+          <a:p>
+            <a:r>
+              <a:rPr lang="en-US" sz="2000" dirty="0">
+                <a:solidFill>
+                  <a:schemeClr val="bg1">
+                    <a:lumMod val="50000"/>
+                  </a:schemeClr>
+                </a:solidFill>
+              </a:rPr>
+              <a:t>Code</a:t>
+            </a:r>
+          </a:p>
+        </p:txBody>
+      </p:sp>
+      <p:graphicFrame>
+        <p:nvGraphicFramePr>
+          <p:cNvPr id="25" name="Table 24"/>
+          <p:cNvGraphicFramePr>
+            <a:graphicFrameLocks noGrp="1"/>
+          </p:cNvGraphicFramePr>
+          <p:nvPr>
+            <p:extLst/>
+          </p:nvPr>
+        </p:nvGraphicFramePr>
+        <p:xfrm>
+          <a:off x="2811192" y="2509952"/>
+          <a:ext cx="273050" cy="915688"/>
+        </p:xfrm>
+        <a:graphic>
+          <a:graphicData uri="http://schemas.openxmlformats.org/drawingml/2006/table">
+            <a:tbl>
+              <a:tblPr firstRow="1" bandRow="1"/>
+              <a:tblGrid>
+                <a:gridCol w="273050">
+                  <a:extLst>
+                    <a:ext uri="{9D8B030D-6E8A-4147-A177-3AD203B41FA5}">
+                      <a16:colId xmlns:a16="http://schemas.microsoft.com/office/drawing/2014/main" val="4185730726"/>
+                    </a:ext>
+                  </a:extLst>
+                </a:gridCol>
+              </a:tblGrid>
+              <a:tr h="228922">
+                <a:tc>
+                  <a:txBody>
+                    <a:bodyPr/>
+                    <a:lstStyle/>
+                    <a:p>
+                      <a:endParaRPr lang="en-US" sz="800" dirty="0"/>
+                    </a:p>
+                  </a:txBody>
+                  <a:tcPr>
+                    <a:lnL w="19050" cap="flat" cmpd="sng" algn="ctr">
+                      <a:solidFill>
+                        <a:schemeClr val="accent1"/>
+                      </a:solidFill>
+                      <a:prstDash val="solid"/>
+                      <a:round/>
+                      <a:headEnd type="none" w="med" len="med"/>
+                      <a:tailEnd type="none" w="med" len="med"/>
+                    </a:lnL>
+                    <a:lnR w="19050" cap="flat" cmpd="sng" algn="ctr">
+                      <a:solidFill>
+                        <a:schemeClr val="accent1"/>
+                      </a:solidFill>
+                      <a:prstDash val="solid"/>
+                      <a:round/>
+                      <a:headEnd type="none" w="med" len="med"/>
+                      <a:tailEnd type="none" w="med" len="med"/>
+                    </a:lnR>
+                    <a:lnT w="19050" cap="flat" cmpd="sng" algn="ctr">
+                      <a:solidFill>
+                        <a:schemeClr val="accent1"/>
+                      </a:solidFill>
+                      <a:prstDash val="solid"/>
+                      <a:round/>
+                      <a:headEnd type="none" w="med" len="med"/>
+                      <a:tailEnd type="none" w="med" len="med"/>
+                    </a:lnT>
+                    <a:lnB w="19050" cap="flat" cmpd="sng" algn="ctr">
+                      <a:solidFill>
+                        <a:schemeClr val="accent1"/>
+                      </a:solidFill>
+                      <a:prstDash val="solid"/>
+                      <a:round/>
+                      <a:headEnd type="none" w="med" len="med"/>
+                      <a:tailEnd type="none" w="med" len="med"/>
+                    </a:lnB>
+                    <a:lnTlToBr w="12700" cmpd="sng">
+                      <a:noFill/>
+                      <a:prstDash val="solid"/>
+                    </a:lnTlToBr>
+                    <a:lnBlToTr w="12700" cmpd="sng">
+                      <a:noFill/>
+                      <a:prstDash val="solid"/>
+                    </a:lnBlToTr>
+                    <a:solidFill>
+                      <a:srgbClr val="FFFFFF"/>
+                    </a:solidFill>
+                  </a:tcPr>
+                </a:tc>
+                <a:extLst>
+                  <a:ext uri="{0D108BD9-81ED-4DB2-BD59-A6C34878D82A}">
+                    <a16:rowId xmlns:a16="http://schemas.microsoft.com/office/drawing/2014/main" val="3244523905"/>
+                  </a:ext>
+                </a:extLst>
+              </a:tr>
+              <a:tr h="228922">
+                <a:tc>
+                  <a:txBody>
+                    <a:bodyPr/>
+                    <a:lstStyle/>
+                    <a:p>
+                      <a:endParaRPr lang="en-US" sz="800" dirty="0"/>
+                    </a:p>
+                  </a:txBody>
+                  <a:tcPr>
+                    <a:lnL w="19050" cap="flat" cmpd="sng" algn="ctr">
+                      <a:solidFill>
+                        <a:schemeClr val="accent1"/>
+                      </a:solidFill>
+                      <a:prstDash val="solid"/>
+                      <a:round/>
+                      <a:headEnd type="none" w="med" len="med"/>
+                      <a:tailEnd type="none" w="med" len="med"/>
+                    </a:lnL>
+                    <a:lnR w="19050" cap="flat" cmpd="sng" algn="ctr">
+                      <a:solidFill>
+                        <a:schemeClr val="accent1"/>
+                      </a:solidFill>
+                      <a:prstDash val="solid"/>
+                      <a:round/>
+                      <a:headEnd type="none" w="med" len="med"/>
+                      <a:tailEnd type="none" w="med" len="med"/>
+                    </a:lnR>
+                    <a:lnT w="19050" cap="flat" cmpd="sng" algn="ctr">
+                      <a:solidFill>
+                        <a:schemeClr val="accent1"/>
+                      </a:solidFill>
+                      <a:prstDash val="solid"/>
+                      <a:round/>
+                      <a:headEnd type="none" w="med" len="med"/>
+                      <a:tailEnd type="none" w="med" len="med"/>
+                    </a:lnT>
+                    <a:lnB w="19050" cap="flat" cmpd="sng" algn="ctr">
+                      <a:solidFill>
+                        <a:schemeClr val="accent1"/>
+                      </a:solidFill>
+                      <a:prstDash val="solid"/>
+                      <a:round/>
+                      <a:headEnd type="none" w="med" len="med"/>
+                      <a:tailEnd type="none" w="med" len="med"/>
+                    </a:lnB>
+                    <a:lnTlToBr w="12700" cmpd="sng">
+                      <a:noFill/>
+                      <a:prstDash val="solid"/>
+                    </a:lnTlToBr>
+                    <a:lnBlToTr w="12700" cmpd="sng">
+                      <a:noFill/>
+                      <a:prstDash val="solid"/>
+                    </a:lnBlToTr>
+                    <a:solidFill>
+                      <a:schemeClr val="accent1">
+                        <a:lumMod val="20000"/>
+                        <a:lumOff val="80000"/>
+                      </a:schemeClr>
+                    </a:solidFill>
+                  </a:tcPr>
+                </a:tc>
+                <a:extLst>
+                  <a:ext uri="{0D108BD9-81ED-4DB2-BD59-A6C34878D82A}">
+                    <a16:rowId xmlns:a16="http://schemas.microsoft.com/office/drawing/2014/main" val="3678188319"/>
+                  </a:ext>
+                </a:extLst>
+              </a:tr>
+              <a:tr h="228922">
+                <a:tc>
+                  <a:txBody>
+                    <a:bodyPr/>
+                    <a:lstStyle/>
+                    <a:p>
+                      <a:endParaRPr lang="en-US" sz="800" dirty="0"/>
+                    </a:p>
+                  </a:txBody>
+                  <a:tcPr>
+                    <a:lnL w="19050" cap="flat" cmpd="sng" algn="ctr">
+                      <a:solidFill>
+                        <a:schemeClr val="accent1"/>
+                      </a:solidFill>
+                      <a:prstDash val="solid"/>
+                      <a:round/>
+                      <a:headEnd type="none" w="med" len="med"/>
+                      <a:tailEnd type="none" w="med" len="med"/>
+                    </a:lnL>
+                    <a:lnR w="19050" cap="flat" cmpd="sng" algn="ctr">
+                      <a:solidFill>
+                        <a:schemeClr val="accent1"/>
+                      </a:solidFill>
+                      <a:prstDash val="solid"/>
+                      <a:round/>
+                      <a:headEnd type="none" w="med" len="med"/>
+                      <a:tailEnd type="none" w="med" len="med"/>
+                    </a:lnR>
+                    <a:lnT w="19050" cap="flat" cmpd="sng" algn="ctr">
+                      <a:solidFill>
+                        <a:schemeClr val="accent1"/>
+                      </a:solidFill>
+                      <a:prstDash val="solid"/>
+                      <a:round/>
+                      <a:headEnd type="none" w="med" len="med"/>
+                      <a:tailEnd type="none" w="med" len="med"/>
+                    </a:lnT>
+                    <a:lnB w="19050" cap="flat" cmpd="sng" algn="ctr">
+                      <a:solidFill>
+                        <a:schemeClr val="accent1"/>
+                      </a:solidFill>
+                      <a:prstDash val="solid"/>
+                      <a:round/>
+                      <a:headEnd type="none" w="med" len="med"/>
+                      <a:tailEnd type="none" w="med" len="med"/>
+                    </a:lnB>
+                    <a:lnTlToBr w="12700" cmpd="sng">
+                      <a:noFill/>
+                      <a:prstDash val="solid"/>
+                    </a:lnTlToBr>
+                    <a:lnBlToTr w="12700" cmpd="sng">
+                      <a:noFill/>
+                      <a:prstDash val="solid"/>
+                    </a:lnBlToTr>
+                    <a:solidFill>
+                      <a:schemeClr val="bg1"/>
+                    </a:solidFill>
+                  </a:tcPr>
+                </a:tc>
+                <a:extLst>
+                  <a:ext uri="{0D108BD9-81ED-4DB2-BD59-A6C34878D82A}">
+                    <a16:rowId xmlns:a16="http://schemas.microsoft.com/office/drawing/2014/main" val="2525101301"/>
+                  </a:ext>
+                </a:extLst>
+              </a:tr>
+              <a:tr h="228922">
+                <a:tc>
+                  <a:txBody>
+                    <a:bodyPr/>
+                    <a:lstStyle/>
+                    <a:p>
+                      <a:endParaRPr lang="en-US" sz="800" dirty="0"/>
+                    </a:p>
+                  </a:txBody>
+                  <a:tcPr>
+                    <a:lnL w="19050" cap="flat" cmpd="sng" algn="ctr">
+                      <a:solidFill>
+                        <a:schemeClr val="accent1"/>
+                      </a:solidFill>
+                      <a:prstDash val="solid"/>
+                      <a:round/>
+                      <a:headEnd type="none" w="med" len="med"/>
+                      <a:tailEnd type="none" w="med" len="med"/>
+                    </a:lnL>
+                    <a:lnR w="19050" cap="flat" cmpd="sng" algn="ctr">
+                      <a:solidFill>
+                        <a:schemeClr val="accent1"/>
+                      </a:solidFill>
+                      <a:prstDash val="solid"/>
+                      <a:round/>
+                      <a:headEnd type="none" w="med" len="med"/>
+                      <a:tailEnd type="none" w="med" len="med"/>
+                    </a:lnR>
+                    <a:lnT w="19050" cap="flat" cmpd="sng" algn="ctr">
+                      <a:solidFill>
+                        <a:schemeClr val="accent1"/>
+                      </a:solidFill>
+                      <a:prstDash val="solid"/>
+                      <a:round/>
+                      <a:headEnd type="none" w="med" len="med"/>
+                      <a:tailEnd type="none" w="med" len="med"/>
+                    </a:lnT>
+                    <a:lnB w="19050" cap="flat" cmpd="sng" algn="ctr">
+                      <a:solidFill>
+                        <a:schemeClr val="accent1"/>
+                      </a:solidFill>
+                      <a:prstDash val="solid"/>
+                      <a:round/>
+                      <a:headEnd type="none" w="med" len="med"/>
+                      <a:tailEnd type="none" w="med" len="med"/>
+                    </a:lnB>
+                    <a:lnTlToBr w="12700" cmpd="sng">
+                      <a:noFill/>
+                      <a:prstDash val="solid"/>
+                    </a:lnTlToBr>
+                    <a:lnBlToTr w="12700" cmpd="sng">
+                      <a:noFill/>
+                      <a:prstDash val="solid"/>
+                    </a:lnBlToTr>
+                    <a:solidFill>
+                      <a:schemeClr val="bg1"/>
+                    </a:solidFill>
+                  </a:tcPr>
+                </a:tc>
+                <a:extLst>
+                  <a:ext uri="{0D108BD9-81ED-4DB2-BD59-A6C34878D82A}">
+                    <a16:rowId xmlns:a16="http://schemas.microsoft.com/office/drawing/2014/main" val="1313577860"/>
+                  </a:ext>
+                </a:extLst>
+              </a:tr>
+            </a:tbl>
+          </a:graphicData>
+        </a:graphic>
+      </p:graphicFrame>
+      <p:cxnSp>
+        <p:nvCxnSpPr>
+          <p:cNvPr id="33" name="Straight Connector 32"/>
+          <p:cNvCxnSpPr/>
+          <p:nvPr/>
+        </p:nvCxnSpPr>
+        <p:spPr>
+          <a:xfrm>
+            <a:off x="1217342" y="2245426"/>
+            <a:ext cx="1593850" cy="480717"/>
+          </a:xfrm>
+          <a:prstGeom prst="line">
+            <a:avLst/>
+          </a:prstGeom>
+        </p:spPr>
+        <p:style>
+          <a:lnRef idx="1">
+            <a:schemeClr val="accent1"/>
+          </a:lnRef>
+          <a:fillRef idx="0">
+            <a:schemeClr val="accent1"/>
+          </a:fillRef>
+          <a:effectRef idx="0">
+            <a:schemeClr val="accent1"/>
+          </a:effectRef>
+          <a:fontRef idx="minor">
+            <a:schemeClr val="tx1"/>
+          </a:fontRef>
+        </p:style>
+      </p:cxnSp>
+      <p:cxnSp>
+        <p:nvCxnSpPr>
+          <p:cNvPr id="36" name="Straight Connector 35"/>
+          <p:cNvCxnSpPr/>
+          <p:nvPr/>
+        </p:nvCxnSpPr>
+        <p:spPr>
+          <a:xfrm>
+            <a:off x="2291767" y="2245421"/>
+            <a:ext cx="781685" cy="487714"/>
+          </a:xfrm>
+          <a:prstGeom prst="line">
+            <a:avLst/>
+          </a:prstGeom>
+        </p:spPr>
+        <p:style>
+          <a:lnRef idx="1">
+            <a:schemeClr val="accent1"/>
+          </a:lnRef>
+          <a:fillRef idx="0">
+            <a:schemeClr val="accent1"/>
+          </a:fillRef>
+          <a:effectRef idx="0">
+            <a:schemeClr val="accent1"/>
+          </a:effectRef>
+          <a:fontRef idx="minor">
+            <a:schemeClr val="tx1"/>
+          </a:fontRef>
+        </p:style>
+      </p:cxnSp>
+      <p:cxnSp>
+        <p:nvCxnSpPr>
+          <p:cNvPr id="43" name="Straight Connector 42"/>
+          <p:cNvCxnSpPr>
+            <a:endCxn id="25" idx="1"/>
+          </p:cNvCxnSpPr>
+          <p:nvPr/>
+        </p:nvCxnSpPr>
+        <p:spPr>
+          <a:xfrm>
+            <a:off x="1217342" y="2837512"/>
+            <a:ext cx="1593850" cy="130289"/>
+          </a:xfrm>
+          <a:prstGeom prst="line">
+            <a:avLst/>
+          </a:prstGeom>
+        </p:spPr>
+        <p:style>
+          <a:lnRef idx="1">
+            <a:schemeClr val="accent1"/>
+          </a:lnRef>
+          <a:fillRef idx="0">
+            <a:schemeClr val="accent1"/>
+          </a:fillRef>
+          <a:effectRef idx="0">
+            <a:schemeClr val="accent1"/>
+          </a:effectRef>
+          <a:fontRef idx="minor">
+            <a:schemeClr val="tx1"/>
+          </a:fontRef>
+        </p:style>
+      </p:cxnSp>
+      <p:cxnSp>
+        <p:nvCxnSpPr>
+          <p:cNvPr id="46" name="Straight Connector 45"/>
+          <p:cNvCxnSpPr>
+            <a:stCxn id="11" idx="3"/>
+            <a:endCxn id="25" idx="3"/>
+          </p:cNvCxnSpPr>
+          <p:nvPr/>
+        </p:nvCxnSpPr>
+        <p:spPr>
+          <a:xfrm>
+            <a:off x="2291762" y="2855021"/>
+            <a:ext cx="792480" cy="112775"/>
+          </a:xfrm>
+          <a:prstGeom prst="line">
+            <a:avLst/>
+          </a:prstGeom>
+        </p:spPr>
+        <p:style>
+          <a:lnRef idx="1">
+            <a:schemeClr val="accent1"/>
+          </a:lnRef>
+          <a:fillRef idx="0">
+            <a:schemeClr val="accent1"/>
+          </a:fillRef>
+          <a:effectRef idx="0">
+            <a:schemeClr val="accent1"/>
+          </a:effectRef>
+          <a:fontRef idx="minor">
+            <a:schemeClr val="tx1"/>
+          </a:fontRef>
+        </p:style>
+      </p:cxnSp>
+      <p:graphicFrame>
+        <p:nvGraphicFramePr>
+          <p:cNvPr id="61" name="Table 60"/>
+          <p:cNvGraphicFramePr>
+            <a:graphicFrameLocks noGrp="1"/>
+          </p:cNvGraphicFramePr>
+          <p:nvPr>
+            <p:extLst/>
+          </p:nvPr>
+        </p:nvGraphicFramePr>
+        <p:xfrm>
+          <a:off x="4244934" y="2240167"/>
+          <a:ext cx="273050" cy="1144610"/>
+        </p:xfrm>
+        <a:graphic>
+          <a:graphicData uri="http://schemas.openxmlformats.org/drawingml/2006/table">
+            <a:tbl>
+              <a:tblPr firstRow="1" bandRow="1"/>
+              <a:tblGrid>
+                <a:gridCol w="273050">
+                  <a:extLst>
+                    <a:ext uri="{9D8B030D-6E8A-4147-A177-3AD203B41FA5}">
+                      <a16:colId xmlns:a16="http://schemas.microsoft.com/office/drawing/2014/main" val="4185730726"/>
+                    </a:ext>
+                  </a:extLst>
+                </a:gridCol>
+              </a:tblGrid>
+              <a:tr h="228922">
+                <a:tc>
+                  <a:txBody>
+                    <a:bodyPr/>
+                    <a:lstStyle/>
+                    <a:p>
+                      <a:endParaRPr lang="en-US" sz="800" dirty="0"/>
+                    </a:p>
+                  </a:txBody>
+                  <a:tcPr>
+                    <a:lnL w="19050" cap="flat" cmpd="sng" algn="ctr">
+                      <a:solidFill>
+                        <a:schemeClr val="accent1"/>
+                      </a:solidFill>
+                      <a:prstDash val="solid"/>
+                      <a:round/>
+                      <a:headEnd type="none" w="med" len="med"/>
+                      <a:tailEnd type="none" w="med" len="med"/>
+                    </a:lnL>
+                    <a:lnR w="19050" cap="flat" cmpd="sng" algn="ctr">
+                      <a:solidFill>
+                        <a:schemeClr val="accent1"/>
+                      </a:solidFill>
+                      <a:prstDash val="solid"/>
+                      <a:round/>
+                      <a:headEnd type="none" w="med" len="med"/>
+                      <a:tailEnd type="none" w="med" len="med"/>
+                    </a:lnR>
+                    <a:lnT w="19050" cap="flat" cmpd="sng" algn="ctr">
+                      <a:solidFill>
+                        <a:schemeClr val="accent1"/>
+                      </a:solidFill>
+                      <a:prstDash val="solid"/>
+                      <a:round/>
+                      <a:headEnd type="none" w="med" len="med"/>
+                      <a:tailEnd type="none" w="med" len="med"/>
+                    </a:lnT>
+                    <a:lnB w="19050" cap="flat" cmpd="sng" algn="ctr">
+                      <a:solidFill>
+                        <a:schemeClr val="accent1"/>
+                      </a:solidFill>
+                      <a:prstDash val="solid"/>
+                      <a:round/>
+                      <a:headEnd type="none" w="med" len="med"/>
+                      <a:tailEnd type="none" w="med" len="med"/>
+                    </a:lnB>
+                    <a:lnTlToBr w="12700" cmpd="sng">
+                      <a:noFill/>
+                      <a:prstDash val="solid"/>
+                    </a:lnTlToBr>
+                    <a:lnBlToTr w="12700" cmpd="sng">
+                      <a:noFill/>
+                      <a:prstDash val="solid"/>
+                    </a:lnBlToTr>
+                    <a:solidFill>
+                      <a:schemeClr val="accent1">
+                        <a:lumMod val="20000"/>
+                        <a:lumOff val="80000"/>
+                      </a:schemeClr>
+                    </a:solidFill>
+                  </a:tcPr>
+                </a:tc>
+                <a:extLst>
+                  <a:ext uri="{0D108BD9-81ED-4DB2-BD59-A6C34878D82A}">
+                    <a16:rowId xmlns:a16="http://schemas.microsoft.com/office/drawing/2014/main" val="3678188319"/>
+                  </a:ext>
+                </a:extLst>
+              </a:tr>
+              <a:tr h="228922">
+                <a:tc>
+                  <a:txBody>
+                    <a:bodyPr/>
+                    <a:lstStyle/>
+                    <a:p>
+                      <a:endParaRPr lang="en-US" sz="800" dirty="0"/>
+                    </a:p>
+                  </a:txBody>
+                  <a:tcPr>
+                    <a:lnL w="19050" cap="flat" cmpd="sng" algn="ctr">
+                      <a:solidFill>
+                        <a:schemeClr val="bg1">
+                          <a:lumMod val="50000"/>
+                        </a:schemeClr>
+                      </a:solidFill>
+                      <a:prstDash val="solid"/>
+                      <a:round/>
+                      <a:headEnd type="none" w="med" len="med"/>
+                      <a:tailEnd type="none" w="med" len="med"/>
+                    </a:lnL>
+                    <a:lnR w="19050" cap="flat" cmpd="sng" algn="ctr">
+                      <a:solidFill>
+                        <a:schemeClr val="bg1">
+                          <a:lumMod val="50000"/>
+                        </a:schemeClr>
+                      </a:solidFill>
+                      <a:prstDash val="solid"/>
+                      <a:round/>
+                      <a:headEnd type="none" w="med" len="med"/>
+                      <a:tailEnd type="none" w="med" len="med"/>
+                    </a:lnR>
+                    <a:lnT w="19050" cap="flat" cmpd="sng" algn="ctr">
+                      <a:solidFill>
+                        <a:schemeClr val="accent1"/>
+                      </a:solidFill>
+                      <a:prstDash val="solid"/>
+                      <a:round/>
+                      <a:headEnd type="none" w="med" len="med"/>
+                      <a:tailEnd type="none" w="med" len="med"/>
+                    </a:lnT>
+                    <a:lnB w="19050" cap="flat" cmpd="sng" algn="ctr">
+                      <a:solidFill>
+                        <a:schemeClr val="accent2"/>
+                      </a:solidFill>
+                      <a:prstDash val="solid"/>
+                      <a:round/>
+                      <a:headEnd type="none" w="med" len="med"/>
+                      <a:tailEnd type="none" w="med" len="med"/>
+                    </a:lnB>
+                    <a:solidFill>
+                      <a:schemeClr val="bg1"/>
+                    </a:solidFill>
+                  </a:tcPr>
+                </a:tc>
+                <a:extLst>
+                  <a:ext uri="{0D108BD9-81ED-4DB2-BD59-A6C34878D82A}">
+                    <a16:rowId xmlns:a16="http://schemas.microsoft.com/office/drawing/2014/main" val="2525101301"/>
+                  </a:ext>
+                </a:extLst>
+              </a:tr>
+              <a:tr h="228922">
+                <a:tc>
+                  <a:txBody>
+                    <a:bodyPr/>
+                    <a:lstStyle/>
+                    <a:p>
+                      <a:endParaRPr lang="en-US" sz="800" dirty="0"/>
+                    </a:p>
+                  </a:txBody>
+                  <a:tcPr>
+                    <a:lnL w="19050" cap="flat" cmpd="sng" algn="ctr">
+                      <a:solidFill>
+                        <a:schemeClr val="accent2"/>
+                      </a:solidFill>
+                      <a:prstDash val="solid"/>
+                      <a:round/>
+                      <a:headEnd type="none" w="med" len="med"/>
+                      <a:tailEnd type="none" w="med" len="med"/>
+                    </a:lnL>
+                    <a:lnR w="19050" cap="flat" cmpd="sng" algn="ctr">
+                      <a:solidFill>
+                        <a:schemeClr val="accent2"/>
+                      </a:solidFill>
+                      <a:prstDash val="solid"/>
+                      <a:round/>
+                      <a:headEnd type="none" w="med" len="med"/>
+                      <a:tailEnd type="none" w="med" len="med"/>
+                    </a:lnR>
+                    <a:lnT w="19050" cap="flat" cmpd="sng" algn="ctr">
+                      <a:solidFill>
+                        <a:schemeClr val="accent2"/>
+                      </a:solidFill>
+                      <a:prstDash val="solid"/>
+                      <a:round/>
+                      <a:headEnd type="none" w="med" len="med"/>
+                      <a:tailEnd type="none" w="med" len="med"/>
+                    </a:lnT>
+                    <a:lnB w="19050" cap="flat" cmpd="sng" algn="ctr">
+                      <a:solidFill>
+                        <a:schemeClr val="accent2"/>
+                      </a:solidFill>
+                      <a:prstDash val="solid"/>
+                      <a:round/>
+                      <a:headEnd type="none" w="med" len="med"/>
+                      <a:tailEnd type="none" w="med" len="med"/>
+                    </a:lnB>
+                    <a:lnTlToBr w="12700" cmpd="sng">
+                      <a:noFill/>
+                      <a:prstDash val="solid"/>
+                    </a:lnTlToBr>
+                    <a:lnBlToTr w="12700" cmpd="sng">
+                      <a:noFill/>
+                      <a:prstDash val="solid"/>
+                    </a:lnBlToTr>
+                    <a:solidFill>
+                      <a:schemeClr val="accent2">
+                        <a:lumMod val="40000"/>
+                        <a:lumOff val="60000"/>
+                      </a:schemeClr>
+                    </a:solidFill>
+                  </a:tcPr>
+                </a:tc>
+                <a:extLst>
+                  <a:ext uri="{0D108BD9-81ED-4DB2-BD59-A6C34878D82A}">
+                    <a16:rowId xmlns:a16="http://schemas.microsoft.com/office/drawing/2014/main" val="1313577860"/>
+                  </a:ext>
+                </a:extLst>
+              </a:tr>
+              <a:tr h="228922">
+                <a:tc>
+                  <a:txBody>
+                    <a:bodyPr/>
+                    <a:lstStyle/>
+                    <a:p>
+                      <a:endParaRPr lang="en-US" sz="800" dirty="0"/>
+                    </a:p>
+                  </a:txBody>
+                  <a:tcPr>
+                    <a:lnL w="19050" cap="flat" cmpd="sng" algn="ctr">
+                      <a:solidFill>
+                        <a:schemeClr val="bg1">
+                          <a:lumMod val="50000"/>
+                        </a:schemeClr>
+                      </a:solidFill>
+                      <a:prstDash val="solid"/>
+                      <a:round/>
+                      <a:headEnd type="none" w="med" len="med"/>
+                      <a:tailEnd type="none" w="med" len="med"/>
+                    </a:lnL>
+                    <a:lnR w="19050" cap="flat" cmpd="sng" algn="ctr">
+                      <a:solidFill>
+                        <a:schemeClr val="bg1">
+                          <a:lumMod val="50000"/>
+                        </a:schemeClr>
+                      </a:solidFill>
+                      <a:prstDash val="solid"/>
+                      <a:round/>
+                      <a:headEnd type="none" w="med" len="med"/>
+                      <a:tailEnd type="none" w="med" len="med"/>
+                    </a:lnR>
+                    <a:lnT w="19050" cap="flat" cmpd="sng" algn="ctr">
+                      <a:solidFill>
+                        <a:schemeClr val="accent2"/>
+                      </a:solidFill>
+                      <a:prstDash val="solid"/>
+                      <a:round/>
+                      <a:headEnd type="none" w="med" len="med"/>
+                      <a:tailEnd type="none" w="med" len="med"/>
+                    </a:lnT>
+                    <a:lnB w="19050" cap="flat" cmpd="sng" algn="ctr">
+                      <a:solidFill>
+                        <a:schemeClr val="accent6"/>
+                      </a:solidFill>
+                      <a:prstDash val="solid"/>
+                      <a:round/>
+                      <a:headEnd type="none" w="med" len="med"/>
+                      <a:tailEnd type="none" w="med" len="med"/>
+                    </a:lnB>
+                    <a:solidFill>
+                      <a:schemeClr val="bg1"/>
+                    </a:solidFill>
+                  </a:tcPr>
+                </a:tc>
+                <a:extLst>
+                  <a:ext uri="{0D108BD9-81ED-4DB2-BD59-A6C34878D82A}">
+                    <a16:rowId xmlns:a16="http://schemas.microsoft.com/office/drawing/2014/main" val="279552576"/>
+                  </a:ext>
+                </a:extLst>
+              </a:tr>
+              <a:tr h="228922">
+                <a:tc>
+                  <a:txBody>
+                    <a:bodyPr/>
+                    <a:lstStyle/>
+                    <a:p>
+                      <a:endParaRPr lang="en-US" sz="800" dirty="0"/>
+                    </a:p>
+                  </a:txBody>
+                  <a:tcPr>
+                    <a:lnL w="19050" cap="flat" cmpd="sng" algn="ctr">
+                      <a:solidFill>
+                        <a:schemeClr val="accent6"/>
+                      </a:solidFill>
+                      <a:prstDash val="solid"/>
+                      <a:round/>
+                      <a:headEnd type="none" w="med" len="med"/>
+                      <a:tailEnd type="none" w="med" len="med"/>
+                    </a:lnL>
+                    <a:lnR w="19050" cap="flat" cmpd="sng" algn="ctr">
+                      <a:solidFill>
+                        <a:schemeClr val="accent6"/>
+                      </a:solidFill>
+                      <a:prstDash val="solid"/>
+                      <a:round/>
+                      <a:headEnd type="none" w="med" len="med"/>
+                      <a:tailEnd type="none" w="med" len="med"/>
+                    </a:lnR>
+                    <a:lnT w="19050" cap="flat" cmpd="sng" algn="ctr">
+                      <a:solidFill>
+                        <a:schemeClr val="accent6"/>
+                      </a:solidFill>
+                      <a:prstDash val="solid"/>
+                      <a:round/>
+                      <a:headEnd type="none" w="med" len="med"/>
+                      <a:tailEnd type="none" w="med" len="med"/>
+                    </a:lnT>
+                    <a:lnB w="19050" cap="flat" cmpd="sng" algn="ctr">
+                      <a:solidFill>
+                        <a:schemeClr val="accent6"/>
+                      </a:solidFill>
+                      <a:prstDash val="solid"/>
+                      <a:round/>
+                      <a:headEnd type="none" w="med" len="med"/>
+                      <a:tailEnd type="none" w="med" len="med"/>
+                    </a:lnB>
+                    <a:lnTlToBr w="12700" cmpd="sng">
+                      <a:noFill/>
+                      <a:prstDash val="solid"/>
+                    </a:lnTlToBr>
+                    <a:lnBlToTr w="12700" cmpd="sng">
+                      <a:noFill/>
+                      <a:prstDash val="solid"/>
+                    </a:lnBlToTr>
+                    <a:solidFill>
+                      <a:schemeClr val="accent6">
+                        <a:lumMod val="20000"/>
+                        <a:lumOff val="80000"/>
+                      </a:schemeClr>
+                    </a:solidFill>
+                  </a:tcPr>
+                </a:tc>
+                <a:extLst>
+                  <a:ext uri="{0D108BD9-81ED-4DB2-BD59-A6C34878D82A}">
+                    <a16:rowId xmlns:a16="http://schemas.microsoft.com/office/drawing/2014/main" val="1531947066"/>
+                  </a:ext>
+                </a:extLst>
+              </a:tr>
+            </a:tbl>
+          </a:graphicData>
+        </a:graphic>
+      </p:graphicFrame>
+      <p:cxnSp>
+        <p:nvCxnSpPr>
+          <p:cNvPr id="63" name="Straight Connector 62"/>
+          <p:cNvCxnSpPr/>
+          <p:nvPr/>
+        </p:nvCxnSpPr>
+        <p:spPr>
+          <a:xfrm flipV="1">
+            <a:off x="3084242" y="2244380"/>
+            <a:ext cx="1162688" cy="264711"/>
+          </a:xfrm>
+          <a:prstGeom prst="line">
+            <a:avLst/>
+          </a:prstGeom>
+        </p:spPr>
+        <p:style>
+          <a:lnRef idx="1">
+            <a:schemeClr val="accent1"/>
+          </a:lnRef>
+          <a:fillRef idx="0">
+            <a:schemeClr val="accent1"/>
+          </a:fillRef>
+          <a:effectRef idx="0">
+            <a:schemeClr val="accent1"/>
+          </a:effectRef>
+          <a:fontRef idx="minor">
+            <a:schemeClr val="tx1"/>
+          </a:fontRef>
+        </p:style>
+      </p:cxnSp>
+      <p:cxnSp>
+        <p:nvCxnSpPr>
+          <p:cNvPr id="65" name="Straight Connector 64"/>
+          <p:cNvCxnSpPr/>
+          <p:nvPr/>
+        </p:nvCxnSpPr>
+        <p:spPr>
+          <a:xfrm flipV="1">
+            <a:off x="3084242" y="2480360"/>
+            <a:ext cx="1162688" cy="945280"/>
+          </a:xfrm>
+          <a:prstGeom prst="line">
+            <a:avLst/>
+          </a:prstGeom>
+        </p:spPr>
+        <p:style>
+          <a:lnRef idx="1">
+            <a:schemeClr val="accent1"/>
+          </a:lnRef>
+          <a:fillRef idx="0">
+            <a:schemeClr val="accent1"/>
+          </a:fillRef>
+          <a:effectRef idx="0">
+            <a:schemeClr val="accent1"/>
+          </a:effectRef>
+          <a:fontRef idx="minor">
+            <a:schemeClr val="tx1"/>
+          </a:fontRef>
+        </p:style>
+      </p:cxnSp>
+      <p:cxnSp>
+        <p:nvCxnSpPr>
+          <p:cNvPr id="68" name="Straight Connector 67"/>
+          <p:cNvCxnSpPr/>
+          <p:nvPr/>
+        </p:nvCxnSpPr>
+        <p:spPr>
+          <a:xfrm>
+            <a:off x="3190922" y="2410791"/>
+            <a:ext cx="1064802" cy="282526"/>
+          </a:xfrm>
+          <a:prstGeom prst="line">
+            <a:avLst/>
+          </a:prstGeom>
+          <a:ln w="9525" cap="flat" cmpd="sng" algn="ctr">
+            <a:solidFill>
+              <a:schemeClr val="accent2"/>
+            </a:solidFill>
+            <a:prstDash val="dash"/>
+            <a:round/>
+            <a:headEnd type="none" w="med" len="med"/>
+            <a:tailEnd type="none" w="med" len="med"/>
+          </a:ln>
+        </p:spPr>
+        <p:style>
+          <a:lnRef idx="0">
+            <a:scrgbClr r="0" g="0" b="0"/>
+          </a:lnRef>
+          <a:fillRef idx="0">
+            <a:scrgbClr r="0" g="0" b="0"/>
+          </a:fillRef>
+          <a:effectRef idx="0">
+            <a:scrgbClr r="0" g="0" b="0"/>
+          </a:effectRef>
+          <a:fontRef idx="minor">
+            <a:schemeClr val="tx1"/>
+          </a:fontRef>
+        </p:style>
+      </p:cxnSp>
+      <p:cxnSp>
+        <p:nvCxnSpPr>
+          <p:cNvPr id="73" name="Straight Connector 72"/>
+          <p:cNvCxnSpPr/>
+          <p:nvPr/>
+        </p:nvCxnSpPr>
+        <p:spPr>
+          <a:xfrm flipV="1">
+            <a:off x="3190922" y="2927777"/>
+            <a:ext cx="1056008" cy="336457"/>
+          </a:xfrm>
+          <a:prstGeom prst="line">
+            <a:avLst/>
+          </a:prstGeom>
+          <a:ln w="9525" cap="flat" cmpd="sng" algn="ctr">
+            <a:solidFill>
+              <a:schemeClr val="accent2"/>
+            </a:solidFill>
+            <a:prstDash val="dash"/>
+            <a:round/>
+            <a:headEnd type="none" w="med" len="med"/>
+            <a:tailEnd type="none" w="med" len="med"/>
+          </a:ln>
+        </p:spPr>
+        <p:style>
+          <a:lnRef idx="0">
+            <a:scrgbClr r="0" g="0" b="0"/>
+          </a:lnRef>
+          <a:fillRef idx="0">
+            <a:scrgbClr r="0" g="0" b="0"/>
+          </a:fillRef>
+          <a:effectRef idx="0">
+            <a:scrgbClr r="0" g="0" b="0"/>
+          </a:effectRef>
+          <a:fontRef idx="minor">
+            <a:schemeClr val="tx1"/>
+          </a:fontRef>
+        </p:style>
+      </p:cxnSp>
+      <p:cxnSp>
+        <p:nvCxnSpPr>
+          <p:cNvPr id="83" name="Straight Connector 82"/>
+          <p:cNvCxnSpPr/>
+          <p:nvPr/>
+        </p:nvCxnSpPr>
+        <p:spPr>
+          <a:xfrm>
+            <a:off x="3297602" y="2245419"/>
+            <a:ext cx="958122" cy="918964"/>
+          </a:xfrm>
+          <a:prstGeom prst="line">
+            <a:avLst/>
+          </a:prstGeom>
+          <a:ln w="9525" cap="flat" cmpd="sng" algn="ctr">
+            <a:solidFill>
+              <a:schemeClr val="accent6"/>
+            </a:solidFill>
+            <a:prstDash val="dash"/>
+            <a:round/>
+            <a:headEnd type="none" w="med" len="med"/>
+            <a:tailEnd type="none" w="med" len="med"/>
+          </a:ln>
+        </p:spPr>
+        <p:style>
+          <a:lnRef idx="0">
+            <a:scrgbClr r="0" g="0" b="0"/>
+          </a:lnRef>
+          <a:fillRef idx="0">
+            <a:scrgbClr r="0" g="0" b="0"/>
+          </a:fillRef>
+          <a:effectRef idx="0">
+            <a:scrgbClr r="0" g="0" b="0"/>
+          </a:effectRef>
+          <a:fontRef idx="minor">
+            <a:schemeClr val="tx1"/>
+          </a:fontRef>
+        </p:style>
+      </p:cxnSp>
+      <p:cxnSp>
+        <p:nvCxnSpPr>
+          <p:cNvPr id="86" name="Straight Connector 85"/>
+          <p:cNvCxnSpPr/>
+          <p:nvPr/>
+        </p:nvCxnSpPr>
+        <p:spPr>
+          <a:xfrm>
+            <a:off x="3297602" y="3098860"/>
+            <a:ext cx="947332" cy="284898"/>
+          </a:xfrm>
+          <a:prstGeom prst="line">
+            <a:avLst/>
+          </a:prstGeom>
+          <a:ln w="9525" cap="flat" cmpd="sng" algn="ctr">
+            <a:solidFill>
+              <a:schemeClr val="accent6"/>
+            </a:solidFill>
+            <a:prstDash val="dash"/>
+            <a:round/>
+            <a:headEnd type="none" w="med" len="med"/>
+            <a:tailEnd type="none" w="med" len="med"/>
+          </a:ln>
+        </p:spPr>
+        <p:style>
+          <a:lnRef idx="0">
+            <a:scrgbClr r="0" g="0" b="0"/>
+          </a:lnRef>
+          <a:fillRef idx="0">
+            <a:scrgbClr r="0" g="0" b="0"/>
+          </a:fillRef>
+          <a:effectRef idx="0">
+            <a:scrgbClr r="0" g="0" b="0"/>
+          </a:effectRef>
+          <a:fontRef idx="minor">
+            <a:schemeClr val="tx1"/>
+          </a:fontRef>
+        </p:style>
+      </p:cxnSp>
+      <p:graphicFrame>
+        <p:nvGraphicFramePr>
+          <p:cNvPr id="94" name="Table 93"/>
+          <p:cNvGraphicFramePr>
+            <a:graphicFrameLocks noGrp="1"/>
+          </p:cNvGraphicFramePr>
+          <p:nvPr>
+            <p:extLst/>
+          </p:nvPr>
+        </p:nvGraphicFramePr>
+        <p:xfrm>
+          <a:off x="3024552" y="3523519"/>
+          <a:ext cx="273050" cy="853440"/>
+        </p:xfrm>
+        <a:graphic>
+          <a:graphicData uri="http://schemas.openxmlformats.org/drawingml/2006/table">
+            <a:tbl>
+              <a:tblPr firstRow="1" bandRow="1"/>
+              <a:tblGrid>
+                <a:gridCol w="273050">
+                  <a:extLst>
+                    <a:ext uri="{9D8B030D-6E8A-4147-A177-3AD203B41FA5}">
+                      <a16:colId xmlns:a16="http://schemas.microsoft.com/office/drawing/2014/main" val="4185730726"/>
+                    </a:ext>
+                  </a:extLst>
+                </a:gridCol>
+              </a:tblGrid>
+              <a:tr h="206380">
+                <a:tc>
+                  <a:txBody>
+                    <a:bodyPr/>
+                    <a:lstStyle/>
+                    <a:p>
+                      <a:endParaRPr lang="en-US" sz="800" dirty="0"/>
+                    </a:p>
+                  </a:txBody>
+                  <a:tcPr>
+                    <a:lnL w="19050" cap="flat" cmpd="sng" algn="ctr">
+                      <a:solidFill>
+                        <a:schemeClr val="accent6"/>
+                      </a:solidFill>
+                      <a:prstDash val="solid"/>
+                      <a:round/>
+                      <a:headEnd type="none" w="med" len="med"/>
+                      <a:tailEnd type="none" w="med" len="med"/>
+                    </a:lnL>
+                    <a:lnR w="19050" cap="flat" cmpd="sng" algn="ctr">
+                      <a:solidFill>
+                        <a:schemeClr val="accent6"/>
+                      </a:solidFill>
+                      <a:prstDash val="solid"/>
+                      <a:round/>
+                      <a:headEnd type="none" w="med" len="med"/>
+                      <a:tailEnd type="none" w="med" len="med"/>
+                    </a:lnR>
+                    <a:lnT w="19050" cap="flat" cmpd="sng" algn="ctr">
+                      <a:solidFill>
+                        <a:schemeClr val="accent6"/>
+                      </a:solidFill>
+                      <a:prstDash val="solid"/>
+                      <a:round/>
+                      <a:headEnd type="none" w="med" len="med"/>
+                      <a:tailEnd type="none" w="med" len="med"/>
+                    </a:lnT>
+                    <a:lnB w="19050" cap="flat" cmpd="sng" algn="ctr">
+                      <a:solidFill>
+                        <a:schemeClr val="accent6"/>
+                      </a:solidFill>
+                      <a:prstDash val="solid"/>
+                      <a:round/>
+                      <a:headEnd type="none" w="med" len="med"/>
+                      <a:tailEnd type="none" w="med" len="med"/>
+                    </a:lnB>
+                    <a:lnTlToBr w="12700" cmpd="sng">
+                      <a:noFill/>
+                      <a:prstDash val="solid"/>
+                    </a:lnTlToBr>
+                    <a:lnBlToTr w="12700" cmpd="sng">
+                      <a:noFill/>
+                      <a:prstDash val="solid"/>
+                    </a:lnBlToTr>
+                    <a:solidFill>
+                      <a:schemeClr val="accent6">
+                        <a:lumMod val="20000"/>
+                        <a:lumOff val="80000"/>
+                      </a:schemeClr>
+                    </a:solidFill>
+                  </a:tcPr>
+                </a:tc>
+                <a:extLst>
+                  <a:ext uri="{0D108BD9-81ED-4DB2-BD59-A6C34878D82A}">
+                    <a16:rowId xmlns:a16="http://schemas.microsoft.com/office/drawing/2014/main" val="3244523905"/>
+                  </a:ext>
+                </a:extLst>
+              </a:tr>
+              <a:tr h="206380">
+                <a:tc>
+                  <a:txBody>
+                    <a:bodyPr/>
+                    <a:lstStyle/>
+                    <a:p>
+                      <a:endParaRPr lang="en-US" sz="800" dirty="0"/>
+                    </a:p>
+                  </a:txBody>
+                  <a:tcPr>
+                    <a:lnL w="19050" cap="flat" cmpd="sng" algn="ctr">
+                      <a:solidFill>
+                        <a:schemeClr val="accent6"/>
+                      </a:solidFill>
+                      <a:prstDash val="solid"/>
+                      <a:round/>
+                      <a:headEnd type="none" w="med" len="med"/>
+                      <a:tailEnd type="none" w="med" len="med"/>
+                    </a:lnL>
+                    <a:lnR w="19050" cap="flat" cmpd="sng" algn="ctr">
+                      <a:solidFill>
+                        <a:schemeClr val="accent6"/>
+                      </a:solidFill>
+                      <a:prstDash val="solid"/>
+                      <a:round/>
+                      <a:headEnd type="none" w="med" len="med"/>
+                      <a:tailEnd type="none" w="med" len="med"/>
+                    </a:lnR>
+                    <a:lnT w="19050" cap="flat" cmpd="sng" algn="ctr">
+                      <a:solidFill>
+                        <a:schemeClr val="accent6"/>
+                      </a:solidFill>
+                      <a:prstDash val="solid"/>
+                      <a:round/>
+                      <a:headEnd type="none" w="med" len="med"/>
+                      <a:tailEnd type="none" w="med" len="med"/>
+                    </a:lnT>
+                    <a:lnB w="19050" cap="flat" cmpd="sng" algn="ctr">
+                      <a:solidFill>
+                        <a:schemeClr val="accent6"/>
+                      </a:solidFill>
+                      <a:prstDash val="solid"/>
+                      <a:round/>
+                      <a:headEnd type="none" w="med" len="med"/>
+                      <a:tailEnd type="none" w="med" len="med"/>
+                    </a:lnB>
+                    <a:lnTlToBr w="12700" cmpd="sng">
+                      <a:noFill/>
+                      <a:prstDash val="solid"/>
+                    </a:lnTlToBr>
+                    <a:lnBlToTr w="12700" cmpd="sng">
+                      <a:noFill/>
+                      <a:prstDash val="solid"/>
+                    </a:lnBlToTr>
+                    <a:solidFill>
+                      <a:schemeClr val="bg1"/>
+                    </a:solidFill>
+                  </a:tcPr>
+                </a:tc>
+                <a:extLst>
+                  <a:ext uri="{0D108BD9-81ED-4DB2-BD59-A6C34878D82A}">
+                    <a16:rowId xmlns:a16="http://schemas.microsoft.com/office/drawing/2014/main" val="3678188319"/>
+                  </a:ext>
+                </a:extLst>
+              </a:tr>
+              <a:tr h="206380">
+                <a:tc>
+                  <a:txBody>
+                    <a:bodyPr/>
+                    <a:lstStyle/>
+                    <a:p>
+                      <a:endParaRPr lang="en-US" sz="800" dirty="0"/>
+                    </a:p>
+                  </a:txBody>
+                  <a:tcPr>
+                    <a:lnL w="19050" cap="flat" cmpd="sng" algn="ctr">
+                      <a:solidFill>
+                        <a:schemeClr val="accent6"/>
+                      </a:solidFill>
+                      <a:prstDash val="solid"/>
+                      <a:round/>
+                      <a:headEnd type="none" w="med" len="med"/>
+                      <a:tailEnd type="none" w="med" len="med"/>
+                    </a:lnL>
+                    <a:lnR w="19050" cap="flat" cmpd="sng" algn="ctr">
+                      <a:solidFill>
+                        <a:schemeClr val="accent6"/>
+                      </a:solidFill>
+                      <a:prstDash val="solid"/>
+                      <a:round/>
+                      <a:headEnd type="none" w="med" len="med"/>
+                      <a:tailEnd type="none" w="med" len="med"/>
+                    </a:lnR>
+                    <a:lnT w="19050" cap="flat" cmpd="sng" algn="ctr">
+                      <a:solidFill>
+                        <a:schemeClr val="accent6"/>
+                      </a:solidFill>
+                      <a:prstDash val="solid"/>
+                      <a:round/>
+                      <a:headEnd type="none" w="med" len="med"/>
+                      <a:tailEnd type="none" w="med" len="med"/>
+                    </a:lnT>
+                    <a:lnB w="19050" cap="flat" cmpd="sng" algn="ctr">
+                      <a:solidFill>
+                        <a:schemeClr val="accent6"/>
+                      </a:solidFill>
+                      <a:prstDash val="solid"/>
+                      <a:round/>
+                      <a:headEnd type="none" w="med" len="med"/>
+                      <a:tailEnd type="none" w="med" len="med"/>
+                    </a:lnB>
+                    <a:lnTlToBr w="12700" cmpd="sng">
+                      <a:noFill/>
+                      <a:prstDash val="solid"/>
+                    </a:lnTlToBr>
+                    <a:lnBlToTr w="12700" cmpd="sng">
+                      <a:noFill/>
+                      <a:prstDash val="solid"/>
+                    </a:lnBlToTr>
+                    <a:solidFill>
+                      <a:schemeClr val="bg1"/>
+                    </a:solidFill>
+                  </a:tcPr>
+                </a:tc>
+                <a:extLst>
+                  <a:ext uri="{0D108BD9-81ED-4DB2-BD59-A6C34878D82A}">
+                    <a16:rowId xmlns:a16="http://schemas.microsoft.com/office/drawing/2014/main" val="2525101301"/>
+                  </a:ext>
+                </a:extLst>
+              </a:tr>
+              <a:tr h="206380">
+                <a:tc>
+                  <a:txBody>
+                    <a:bodyPr/>
+                    <a:lstStyle/>
+                    <a:p>
+                      <a:endParaRPr lang="en-US" sz="800" dirty="0"/>
+                    </a:p>
+                  </a:txBody>
+                  <a:tcPr>
+                    <a:lnL w="19050" cap="flat" cmpd="sng" algn="ctr">
+                      <a:solidFill>
+                        <a:schemeClr val="accent6"/>
+                      </a:solidFill>
+                      <a:prstDash val="solid"/>
+                      <a:round/>
+                      <a:headEnd type="none" w="med" len="med"/>
+                      <a:tailEnd type="none" w="med" len="med"/>
+                    </a:lnL>
+                    <a:lnR w="19050" cap="flat" cmpd="sng" algn="ctr">
+                      <a:solidFill>
+                        <a:schemeClr val="accent6"/>
+                      </a:solidFill>
+                      <a:prstDash val="solid"/>
+                      <a:round/>
+                      <a:headEnd type="none" w="med" len="med"/>
+                      <a:tailEnd type="none" w="med" len="med"/>
+                    </a:lnR>
+                    <a:lnT w="19050" cap="flat" cmpd="sng" algn="ctr">
+                      <a:solidFill>
+                        <a:schemeClr val="accent6"/>
+                      </a:solidFill>
+                      <a:prstDash val="solid"/>
+                      <a:round/>
+                      <a:headEnd type="none" w="med" len="med"/>
+                      <a:tailEnd type="none" w="med" len="med"/>
+                    </a:lnT>
+                    <a:lnB w="19050" cap="flat" cmpd="sng" algn="ctr">
+                      <a:solidFill>
+                        <a:schemeClr val="accent6"/>
+                      </a:solidFill>
+                      <a:prstDash val="solid"/>
+                      <a:round/>
+                      <a:headEnd type="none" w="med" len="med"/>
+                      <a:tailEnd type="none" w="med" len="med"/>
+                    </a:lnB>
+                    <a:lnTlToBr w="12700" cmpd="sng">
+                      <a:noFill/>
+                      <a:prstDash val="solid"/>
+                    </a:lnTlToBr>
+                    <a:lnBlToTr w="12700" cmpd="sng">
+                      <a:noFill/>
+                      <a:prstDash val="solid"/>
+                    </a:lnBlToTr>
+                    <a:solidFill>
+                      <a:schemeClr val="bg1"/>
+                    </a:solidFill>
+                  </a:tcPr>
+                </a:tc>
+                <a:extLst>
+                  <a:ext uri="{0D108BD9-81ED-4DB2-BD59-A6C34878D82A}">
+                    <a16:rowId xmlns:a16="http://schemas.microsoft.com/office/drawing/2014/main" val="1313577860"/>
+                  </a:ext>
+                </a:extLst>
+              </a:tr>
+            </a:tbl>
+          </a:graphicData>
+        </a:graphic>
+      </p:graphicFrame>
+      <p:graphicFrame>
+        <p:nvGraphicFramePr>
+          <p:cNvPr id="95" name="Table 94"/>
+          <p:cNvGraphicFramePr>
+            <a:graphicFrameLocks noGrp="1"/>
+          </p:cNvGraphicFramePr>
+          <p:nvPr>
+            <p:extLst/>
+          </p:nvPr>
+        </p:nvGraphicFramePr>
+        <p:xfrm>
+          <a:off x="2917872" y="3688891"/>
+          <a:ext cx="273050" cy="853440"/>
+        </p:xfrm>
+        <a:graphic>
+          <a:graphicData uri="http://schemas.openxmlformats.org/drawingml/2006/table">
+            <a:tbl>
+              <a:tblPr firstRow="1" bandRow="1"/>
+              <a:tblGrid>
+                <a:gridCol w="273050">
+                  <a:extLst>
+                    <a:ext uri="{9D8B030D-6E8A-4147-A177-3AD203B41FA5}">
+                      <a16:colId xmlns:a16="http://schemas.microsoft.com/office/drawing/2014/main" val="4185730726"/>
+                    </a:ext>
+                  </a:extLst>
+                </a:gridCol>
+              </a:tblGrid>
+              <a:tr h="206380">
+                <a:tc>
+                  <a:txBody>
+                    <a:bodyPr/>
+                    <a:lstStyle/>
+                    <a:p>
+                      <a:endParaRPr lang="en-US" sz="800" dirty="0"/>
+                    </a:p>
+                  </a:txBody>
+                  <a:tcPr>
+                    <a:lnL w="19050" cap="flat" cmpd="sng" algn="ctr">
+                      <a:solidFill>
+                        <a:schemeClr val="accent2"/>
+                      </a:solidFill>
+                      <a:prstDash val="solid"/>
+                      <a:round/>
+                      <a:headEnd type="none" w="med" len="med"/>
+                      <a:tailEnd type="none" w="med" len="med"/>
+                    </a:lnL>
+                    <a:lnR w="19050" cap="flat" cmpd="sng" algn="ctr">
+                      <a:solidFill>
+                        <a:schemeClr val="accent2"/>
+                      </a:solidFill>
+                      <a:prstDash val="solid"/>
+                      <a:round/>
+                      <a:headEnd type="none" w="med" len="med"/>
+                      <a:tailEnd type="none" w="med" len="med"/>
+                    </a:lnR>
+                    <a:lnT w="19050" cap="flat" cmpd="sng" algn="ctr">
+                      <a:solidFill>
+                        <a:schemeClr val="accent2"/>
+                      </a:solidFill>
+                      <a:prstDash val="solid"/>
+                      <a:round/>
+                      <a:headEnd type="none" w="med" len="med"/>
+                      <a:tailEnd type="none" w="med" len="med"/>
+                    </a:lnT>
+                    <a:lnB w="19050" cap="flat" cmpd="sng" algn="ctr">
+                      <a:solidFill>
+                        <a:schemeClr val="accent2"/>
+                      </a:solidFill>
+                      <a:prstDash val="solid"/>
+                      <a:round/>
+                      <a:headEnd type="none" w="med" len="med"/>
+                      <a:tailEnd type="none" w="med" len="med"/>
+                    </a:lnB>
+                    <a:lnTlToBr w="12700" cmpd="sng">
+                      <a:noFill/>
+                      <a:prstDash val="solid"/>
+                    </a:lnTlToBr>
+                    <a:lnBlToTr w="12700" cmpd="sng">
+                      <a:noFill/>
+                      <a:prstDash val="solid"/>
+                    </a:lnBlToTr>
+                    <a:solidFill>
+                      <a:schemeClr val="bg1"/>
+                    </a:solidFill>
+                  </a:tcPr>
+                </a:tc>
+                <a:extLst>
+                  <a:ext uri="{0D108BD9-81ED-4DB2-BD59-A6C34878D82A}">
+                    <a16:rowId xmlns:a16="http://schemas.microsoft.com/office/drawing/2014/main" val="3244523905"/>
+                  </a:ext>
+                </a:extLst>
+              </a:tr>
+              <a:tr h="206380">
+                <a:tc>
+                  <a:txBody>
+                    <a:bodyPr/>
+                    <a:lstStyle/>
+                    <a:p>
+                      <a:endParaRPr lang="en-US" sz="800" dirty="0"/>
+                    </a:p>
+                  </a:txBody>
+                  <a:tcPr>
+                    <a:lnL w="19050" cap="flat" cmpd="sng" algn="ctr">
+                      <a:solidFill>
+                        <a:schemeClr val="accent2"/>
+                      </a:solidFill>
+                      <a:prstDash val="solid"/>
+                      <a:round/>
+                      <a:headEnd type="none" w="med" len="med"/>
+                      <a:tailEnd type="none" w="med" len="med"/>
+                    </a:lnL>
+                    <a:lnR w="19050" cap="flat" cmpd="sng" algn="ctr">
+                      <a:solidFill>
+                        <a:schemeClr val="accent2"/>
+                      </a:solidFill>
+                      <a:prstDash val="solid"/>
+                      <a:round/>
+                      <a:headEnd type="none" w="med" len="med"/>
+                      <a:tailEnd type="none" w="med" len="med"/>
+                    </a:lnR>
+                    <a:lnT w="19050" cap="flat" cmpd="sng" algn="ctr">
+                      <a:solidFill>
+                        <a:schemeClr val="accent2"/>
+                      </a:solidFill>
+                      <a:prstDash val="solid"/>
+                      <a:round/>
+                      <a:headEnd type="none" w="med" len="med"/>
+                      <a:tailEnd type="none" w="med" len="med"/>
+                    </a:lnT>
+                    <a:lnB w="19050" cap="flat" cmpd="sng" algn="ctr">
+                      <a:solidFill>
+                        <a:schemeClr val="accent2"/>
+                      </a:solidFill>
+                      <a:prstDash val="solid"/>
+                      <a:round/>
+                      <a:headEnd type="none" w="med" len="med"/>
+                      <a:tailEnd type="none" w="med" len="med"/>
+                    </a:lnB>
+                    <a:lnTlToBr w="12700" cmpd="sng">
+                      <a:noFill/>
+                      <a:prstDash val="solid"/>
+                    </a:lnTlToBr>
+                    <a:lnBlToTr w="12700" cmpd="sng">
+                      <a:noFill/>
+                      <a:prstDash val="solid"/>
+                    </a:lnBlToTr>
+                    <a:solidFill>
+                      <a:schemeClr val="bg1"/>
+                    </a:solidFill>
+                  </a:tcPr>
+                </a:tc>
+                <a:extLst>
+                  <a:ext uri="{0D108BD9-81ED-4DB2-BD59-A6C34878D82A}">
+                    <a16:rowId xmlns:a16="http://schemas.microsoft.com/office/drawing/2014/main" val="3678188319"/>
+                  </a:ext>
+                </a:extLst>
+              </a:tr>
+              <a:tr h="206380">
+                <a:tc>
+                  <a:txBody>
+                    <a:bodyPr/>
+                    <a:lstStyle/>
+                    <a:p>
+                      <a:endParaRPr lang="en-US" sz="800" dirty="0"/>
+                    </a:p>
+                  </a:txBody>
+                  <a:tcPr>
+                    <a:lnL w="19050" cap="flat" cmpd="sng" algn="ctr">
+                      <a:solidFill>
+                        <a:schemeClr val="accent2"/>
+                      </a:solidFill>
+                      <a:prstDash val="solid"/>
+                      <a:round/>
+                      <a:headEnd type="none" w="med" len="med"/>
+                      <a:tailEnd type="none" w="med" len="med"/>
+                    </a:lnL>
+                    <a:lnR w="19050" cap="flat" cmpd="sng" algn="ctr">
+                      <a:solidFill>
+                        <a:schemeClr val="accent2"/>
+                      </a:solidFill>
+                      <a:prstDash val="solid"/>
+                      <a:round/>
+                      <a:headEnd type="none" w="med" len="med"/>
+                      <a:tailEnd type="none" w="med" len="med"/>
+                    </a:lnR>
+                    <a:lnT w="19050" cap="flat" cmpd="sng" algn="ctr">
+                      <a:solidFill>
+                        <a:schemeClr val="accent2"/>
+                      </a:solidFill>
+                      <a:prstDash val="solid"/>
+                      <a:round/>
+                      <a:headEnd type="none" w="med" len="med"/>
+                      <a:tailEnd type="none" w="med" len="med"/>
+                    </a:lnT>
+                    <a:lnB w="19050" cap="flat" cmpd="sng" algn="ctr">
+                      <a:solidFill>
+                        <a:schemeClr val="accent2"/>
+                      </a:solidFill>
+                      <a:prstDash val="solid"/>
+                      <a:round/>
+                      <a:headEnd type="none" w="med" len="med"/>
+                      <a:tailEnd type="none" w="med" len="med"/>
+                    </a:lnB>
+                    <a:lnTlToBr w="12700" cmpd="sng">
+                      <a:noFill/>
+                      <a:prstDash val="solid"/>
+                    </a:lnTlToBr>
+                    <a:lnBlToTr w="12700" cmpd="sng">
+                      <a:noFill/>
+                      <a:prstDash val="solid"/>
+                    </a:lnBlToTr>
+                    <a:solidFill>
+                      <a:schemeClr val="accent2">
+                        <a:lumMod val="40000"/>
+                        <a:lumOff val="60000"/>
+                      </a:schemeClr>
+                    </a:solidFill>
+                  </a:tcPr>
+                </a:tc>
+                <a:extLst>
+                  <a:ext uri="{0D108BD9-81ED-4DB2-BD59-A6C34878D82A}">
+                    <a16:rowId xmlns:a16="http://schemas.microsoft.com/office/drawing/2014/main" val="2525101301"/>
+                  </a:ext>
+                </a:extLst>
+              </a:tr>
+              <a:tr h="206380">
+                <a:tc>
+                  <a:txBody>
+                    <a:bodyPr/>
+                    <a:lstStyle/>
+                    <a:p>
+                      <a:endParaRPr lang="en-US" sz="800" dirty="0"/>
+                    </a:p>
+                  </a:txBody>
+                  <a:tcPr>
+                    <a:lnL w="19050" cap="flat" cmpd="sng" algn="ctr">
+                      <a:solidFill>
+                        <a:schemeClr val="accent2"/>
+                      </a:solidFill>
+                      <a:prstDash val="solid"/>
+                      <a:round/>
+                      <a:headEnd type="none" w="med" len="med"/>
+                      <a:tailEnd type="none" w="med" len="med"/>
+                    </a:lnL>
+                    <a:lnR w="19050" cap="flat" cmpd="sng" algn="ctr">
+                      <a:solidFill>
+                        <a:schemeClr val="accent2"/>
+                      </a:solidFill>
+                      <a:prstDash val="solid"/>
+                      <a:round/>
+                      <a:headEnd type="none" w="med" len="med"/>
+                      <a:tailEnd type="none" w="med" len="med"/>
+                    </a:lnR>
+                    <a:lnT w="19050" cap="flat" cmpd="sng" algn="ctr">
+                      <a:solidFill>
+                        <a:schemeClr val="accent2"/>
+                      </a:solidFill>
+                      <a:prstDash val="solid"/>
+                      <a:round/>
+                      <a:headEnd type="none" w="med" len="med"/>
+                      <a:tailEnd type="none" w="med" len="med"/>
+                    </a:lnT>
+                    <a:lnB w="19050" cap="flat" cmpd="sng" algn="ctr">
+                      <a:solidFill>
+                        <a:schemeClr val="accent2"/>
+                      </a:solidFill>
+                      <a:prstDash val="solid"/>
+                      <a:round/>
+                      <a:headEnd type="none" w="med" len="med"/>
+                      <a:tailEnd type="none" w="med" len="med"/>
+                    </a:lnB>
+                    <a:lnTlToBr w="12700" cmpd="sng">
+                      <a:noFill/>
+                      <a:prstDash val="solid"/>
+                    </a:lnTlToBr>
+                    <a:lnBlToTr w="12700" cmpd="sng">
+                      <a:noFill/>
+                      <a:prstDash val="solid"/>
+                    </a:lnBlToTr>
+                    <a:solidFill>
+                      <a:srgbClr val="FFFFFF"/>
+                    </a:solidFill>
+                  </a:tcPr>
+                </a:tc>
+                <a:extLst>
+                  <a:ext uri="{0D108BD9-81ED-4DB2-BD59-A6C34878D82A}">
+                    <a16:rowId xmlns:a16="http://schemas.microsoft.com/office/drawing/2014/main" val="1313577860"/>
+                  </a:ext>
+                </a:extLst>
+              </a:tr>
+            </a:tbl>
+          </a:graphicData>
+        </a:graphic>
+      </p:graphicFrame>
+      <p:graphicFrame>
+        <p:nvGraphicFramePr>
+          <p:cNvPr id="96" name="Table 95"/>
+          <p:cNvGraphicFramePr>
+            <a:graphicFrameLocks noGrp="1"/>
+          </p:cNvGraphicFramePr>
+          <p:nvPr>
+            <p:extLst/>
+          </p:nvPr>
+        </p:nvGraphicFramePr>
+        <p:xfrm>
+          <a:off x="1217342" y="3523520"/>
+          <a:ext cx="1074420" cy="1219200"/>
+        </p:xfrm>
+        <a:graphic>
+          <a:graphicData uri="http://schemas.openxmlformats.org/drawingml/2006/table">
+            <a:tbl>
+              <a:tblPr firstRow="1" bandRow="1"/>
+              <a:tblGrid>
+                <a:gridCol w="268605">
+                  <a:extLst>
+                    <a:ext uri="{9D8B030D-6E8A-4147-A177-3AD203B41FA5}">
+                      <a16:colId xmlns:a16="http://schemas.microsoft.com/office/drawing/2014/main" val="4185730726"/>
+                    </a:ext>
+                  </a:extLst>
+                </a:gridCol>
+                <a:gridCol w="268605">
+                  <a:extLst>
+                    <a:ext uri="{9D8B030D-6E8A-4147-A177-3AD203B41FA5}">
+                      <a16:colId xmlns:a16="http://schemas.microsoft.com/office/drawing/2014/main" val="1352304641"/>
+                    </a:ext>
+                  </a:extLst>
+                </a:gridCol>
+                <a:gridCol w="268605">
+                  <a:extLst>
+                    <a:ext uri="{9D8B030D-6E8A-4147-A177-3AD203B41FA5}">
+                      <a16:colId xmlns:a16="http://schemas.microsoft.com/office/drawing/2014/main" val="633533869"/>
+                    </a:ext>
+                  </a:extLst>
+                </a:gridCol>
+                <a:gridCol w="268605">
+                  <a:extLst>
+                    <a:ext uri="{9D8B030D-6E8A-4147-A177-3AD203B41FA5}">
+                      <a16:colId xmlns:a16="http://schemas.microsoft.com/office/drawing/2014/main" val="1474325871"/>
+                    </a:ext>
+                  </a:extLst>
+                </a:gridCol>
+              </a:tblGrid>
+              <a:tr h="250825">
+                <a:tc>
+                  <a:txBody>
+                    <a:bodyPr/>
+                    <a:lstStyle/>
+                    <a:p>
+                      <a:endParaRPr lang="en-US" sz="1400" dirty="0"/>
+                    </a:p>
+                  </a:txBody>
+                  <a:tcPr>
+                    <a:lnL w="19050" cap="flat" cmpd="sng" algn="ctr">
+                      <a:solidFill>
+                        <a:schemeClr val="accent1"/>
+                      </a:solidFill>
+                      <a:prstDash val="solid"/>
+                      <a:round/>
+                      <a:headEnd type="none" w="med" len="med"/>
+                      <a:tailEnd type="none" w="med" len="med"/>
+                    </a:lnL>
+                    <a:lnR w="19050" cap="flat" cmpd="sng" algn="ctr">
+                      <a:solidFill>
+                        <a:schemeClr val="accent1"/>
+                      </a:solidFill>
+                      <a:prstDash val="solid"/>
+                      <a:round/>
+                      <a:headEnd type="none" w="med" len="med"/>
+                      <a:tailEnd type="none" w="med" len="med"/>
+                    </a:lnR>
+                    <a:lnT w="19050" cap="flat" cmpd="sng" algn="ctr">
+                      <a:solidFill>
+                        <a:schemeClr val="accent1"/>
+                      </a:solidFill>
+                      <a:prstDash val="solid"/>
+                      <a:round/>
+                      <a:headEnd type="none" w="med" len="med"/>
+                      <a:tailEnd type="none" w="med" len="med"/>
+                    </a:lnT>
+                    <a:lnB w="19050" cap="flat" cmpd="sng" algn="ctr">
+                      <a:solidFill>
+                        <a:schemeClr val="accent1"/>
+                      </a:solidFill>
+                      <a:prstDash val="solid"/>
+                      <a:round/>
+                      <a:headEnd type="none" w="med" len="med"/>
+                      <a:tailEnd type="none" w="med" len="med"/>
+                    </a:lnB>
+                    <a:lnTlToBr w="12700" cmpd="sng">
+                      <a:noFill/>
+                      <a:prstDash val="solid"/>
+                    </a:lnTlToBr>
+                    <a:lnBlToTr w="12700" cmpd="sng">
+                      <a:noFill/>
+                      <a:prstDash val="solid"/>
+                    </a:lnBlToTr>
+                    <a:solidFill>
+                      <a:schemeClr val="accent1">
+                        <a:lumMod val="20000"/>
+                        <a:lumOff val="80000"/>
+                      </a:schemeClr>
+                    </a:solidFill>
+                  </a:tcPr>
+                </a:tc>
+                <a:tc>
+                  <a:txBody>
+                    <a:bodyPr/>
+                    <a:lstStyle/>
+                    <a:p>
+                      <a:endParaRPr lang="en-US" sz="1400" dirty="0"/>
+                    </a:p>
+                  </a:txBody>
+                  <a:tcPr>
+                    <a:lnL w="19050" cap="flat" cmpd="sng" algn="ctr">
+                      <a:solidFill>
+                        <a:schemeClr val="accent1"/>
+                      </a:solidFill>
+                      <a:prstDash val="solid"/>
+                      <a:round/>
+                      <a:headEnd type="none" w="med" len="med"/>
+                      <a:tailEnd type="none" w="med" len="med"/>
+                    </a:lnL>
+                    <a:lnR w="19050" cap="flat" cmpd="sng" algn="ctr">
+                      <a:solidFill>
+                        <a:schemeClr val="accent1"/>
+                      </a:solidFill>
+                      <a:prstDash val="solid"/>
+                      <a:round/>
+                      <a:headEnd type="none" w="med" len="med"/>
+                      <a:tailEnd type="none" w="med" len="med"/>
+                    </a:lnR>
+                    <a:lnT w="19050" cap="flat" cmpd="sng" algn="ctr">
+                      <a:solidFill>
+                        <a:schemeClr val="accent1"/>
+                      </a:solidFill>
+                      <a:prstDash val="solid"/>
+                      <a:round/>
+                      <a:headEnd type="none" w="med" len="med"/>
+                      <a:tailEnd type="none" w="med" len="med"/>
+                    </a:lnT>
+                    <a:lnB w="19050" cap="flat" cmpd="sng" algn="ctr">
+                      <a:solidFill>
+                        <a:schemeClr val="accent1"/>
+                      </a:solidFill>
+                      <a:prstDash val="solid"/>
+                      <a:round/>
+                      <a:headEnd type="none" w="med" len="med"/>
+                      <a:tailEnd type="none" w="med" len="med"/>
+                    </a:lnB>
+                    <a:lnTlToBr w="12700" cmpd="sng">
+                      <a:noFill/>
+                      <a:prstDash val="solid"/>
+                    </a:lnTlToBr>
+                    <a:lnBlToTr w="12700" cmpd="sng">
+                      <a:noFill/>
+                      <a:prstDash val="solid"/>
+                    </a:lnBlToTr>
+                    <a:solidFill>
+                      <a:schemeClr val="accent1">
+                        <a:lumMod val="20000"/>
+                        <a:lumOff val="80000"/>
+                      </a:schemeClr>
+                    </a:solidFill>
+                  </a:tcPr>
+                </a:tc>
+                <a:tc>
+                  <a:txBody>
+                    <a:bodyPr/>
+                    <a:lstStyle/>
+                    <a:p>
+                      <a:endParaRPr lang="en-US" sz="1400" dirty="0"/>
+                    </a:p>
+                  </a:txBody>
+                  <a:tcPr>
+                    <a:lnL w="19050" cap="flat" cmpd="sng" algn="ctr">
+                      <a:solidFill>
+                        <a:schemeClr val="accent1"/>
+                      </a:solidFill>
+                      <a:prstDash val="solid"/>
+                      <a:round/>
+                      <a:headEnd type="none" w="med" len="med"/>
+                      <a:tailEnd type="none" w="med" len="med"/>
+                    </a:lnL>
+                    <a:lnR w="19050" cap="flat" cmpd="sng" algn="ctr">
+                      <a:solidFill>
+                        <a:schemeClr val="accent1"/>
+                      </a:solidFill>
+                      <a:prstDash val="solid"/>
+                      <a:round/>
+                      <a:headEnd type="none" w="med" len="med"/>
+                      <a:tailEnd type="none" w="med" len="med"/>
+                    </a:lnR>
+                    <a:lnT w="19050" cap="flat" cmpd="sng" algn="ctr">
+                      <a:solidFill>
+                        <a:schemeClr val="accent1"/>
+                      </a:solidFill>
+                      <a:prstDash val="solid"/>
+                      <a:round/>
+                      <a:headEnd type="none" w="med" len="med"/>
+                      <a:tailEnd type="none" w="med" len="med"/>
+                    </a:lnT>
+                    <a:lnB w="19050" cap="flat" cmpd="sng" algn="ctr">
+                      <a:solidFill>
+                        <a:schemeClr val="accent1"/>
+                      </a:solidFill>
+                      <a:prstDash val="solid"/>
+                      <a:round/>
+                      <a:headEnd type="none" w="med" len="med"/>
+                      <a:tailEnd type="none" w="med" len="med"/>
+                    </a:lnB>
+                    <a:lnTlToBr w="12700" cmpd="sng">
+                      <a:noFill/>
+                      <a:prstDash val="solid"/>
+                    </a:lnTlToBr>
+                    <a:lnBlToTr w="12700" cmpd="sng">
+                      <a:noFill/>
+                      <a:prstDash val="solid"/>
+                    </a:lnBlToTr>
+                    <a:solidFill>
+                      <a:schemeClr val="accent1">
+                        <a:lumMod val="20000"/>
+                        <a:lumOff val="80000"/>
+                      </a:schemeClr>
+                    </a:solidFill>
+                  </a:tcPr>
+                </a:tc>
+                <a:tc>
+                  <a:txBody>
+                    <a:bodyPr/>
+                    <a:lstStyle/>
+                    <a:p>
+                      <a:endParaRPr lang="en-US" sz="1400" dirty="0"/>
+                    </a:p>
+                  </a:txBody>
+                  <a:tcPr>
+                    <a:lnL w="19050" cap="flat" cmpd="sng" algn="ctr">
+                      <a:solidFill>
+                        <a:schemeClr val="accent1"/>
+                      </a:solidFill>
+                      <a:prstDash val="solid"/>
+                      <a:round/>
+                      <a:headEnd type="none" w="med" len="med"/>
+                      <a:tailEnd type="none" w="med" len="med"/>
+                    </a:lnL>
+                    <a:lnR w="19050" cap="flat" cmpd="sng" algn="ctr">
+                      <a:solidFill>
+                        <a:schemeClr val="accent1"/>
+                      </a:solidFill>
+                      <a:prstDash val="solid"/>
+                      <a:round/>
+                      <a:headEnd type="none" w="med" len="med"/>
+                      <a:tailEnd type="none" w="med" len="med"/>
+                    </a:lnR>
+                    <a:lnT w="19050" cap="flat" cmpd="sng" algn="ctr">
+                      <a:solidFill>
+                        <a:schemeClr val="accent1"/>
+                      </a:solidFill>
+                      <a:prstDash val="solid"/>
+                      <a:round/>
+                      <a:headEnd type="none" w="med" len="med"/>
+                      <a:tailEnd type="none" w="med" len="med"/>
+                    </a:lnT>
+                    <a:lnB w="19050" cap="flat" cmpd="sng" algn="ctr">
+                      <a:solidFill>
+                        <a:schemeClr val="accent1"/>
+                      </a:solidFill>
+                      <a:prstDash val="solid"/>
+                      <a:round/>
+                      <a:headEnd type="none" w="med" len="med"/>
+                      <a:tailEnd type="none" w="med" len="med"/>
+                    </a:lnB>
+                    <a:lnTlToBr w="12700" cmpd="sng">
+                      <a:noFill/>
+                      <a:prstDash val="solid"/>
+                    </a:lnTlToBr>
+                    <a:lnBlToTr w="12700" cmpd="sng">
+                      <a:noFill/>
+                      <a:prstDash val="solid"/>
+                    </a:lnBlToTr>
+                    <a:solidFill>
+                      <a:schemeClr val="accent1">
+                        <a:lumMod val="20000"/>
+                        <a:lumOff val="80000"/>
+                      </a:schemeClr>
+                    </a:solidFill>
+                  </a:tcPr>
+                </a:tc>
+                <a:extLst>
+                  <a:ext uri="{0D108BD9-81ED-4DB2-BD59-A6C34878D82A}">
+                    <a16:rowId xmlns:a16="http://schemas.microsoft.com/office/drawing/2014/main" val="3244523905"/>
+                  </a:ext>
+                </a:extLst>
+              </a:tr>
+              <a:tr h="250825">
+                <a:tc>
+                  <a:txBody>
+                    <a:bodyPr/>
+                    <a:lstStyle/>
+                    <a:p>
+                      <a:endParaRPr lang="en-US" sz="1400" dirty="0"/>
+                    </a:p>
+                  </a:txBody>
+                  <a:tcPr>
+                    <a:lnL w="19050" cap="flat" cmpd="sng" algn="ctr">
+                      <a:solidFill>
+                        <a:schemeClr val="accent1"/>
+                      </a:solidFill>
+                      <a:prstDash val="solid"/>
+                      <a:round/>
+                      <a:headEnd type="none" w="med" len="med"/>
+                      <a:tailEnd type="none" w="med" len="med"/>
+                    </a:lnL>
+                    <a:lnR w="19050" cap="flat" cmpd="sng" algn="ctr">
+                      <a:solidFill>
+                        <a:schemeClr val="accent1"/>
+                      </a:solidFill>
+                      <a:prstDash val="solid"/>
+                      <a:round/>
+                      <a:headEnd type="none" w="med" len="med"/>
+                      <a:tailEnd type="none" w="med" len="med"/>
+                    </a:lnR>
+                    <a:lnT w="19050" cap="flat" cmpd="sng" algn="ctr">
+                      <a:solidFill>
+                        <a:schemeClr val="accent1"/>
+                      </a:solidFill>
+                      <a:prstDash val="solid"/>
+                      <a:round/>
+                      <a:headEnd type="none" w="med" len="med"/>
+                      <a:tailEnd type="none" w="med" len="med"/>
+                    </a:lnT>
+                    <a:lnB w="19050" cap="flat" cmpd="sng" algn="ctr">
+                      <a:solidFill>
+                        <a:schemeClr val="accent1"/>
+                      </a:solidFill>
+                      <a:prstDash val="solid"/>
+                      <a:round/>
+                      <a:headEnd type="none" w="med" len="med"/>
+                      <a:tailEnd type="none" w="med" len="med"/>
+                    </a:lnB>
+                    <a:lnTlToBr w="12700" cmpd="sng">
+                      <a:noFill/>
+                      <a:prstDash val="solid"/>
+                    </a:lnTlToBr>
+                    <a:lnBlToTr w="12700" cmpd="sng">
+                      <a:noFill/>
+                      <a:prstDash val="solid"/>
+                    </a:lnBlToTr>
+                    <a:solidFill>
+                      <a:schemeClr val="accent1">
+                        <a:lumMod val="20000"/>
+                        <a:lumOff val="80000"/>
+                      </a:schemeClr>
+                    </a:solidFill>
+                  </a:tcPr>
+                </a:tc>
+                <a:tc>
+                  <a:txBody>
+                    <a:bodyPr/>
+                    <a:lstStyle/>
+                    <a:p>
+                      <a:endParaRPr lang="en-US" sz="1400" dirty="0"/>
+                    </a:p>
+                  </a:txBody>
+                  <a:tcPr>
+                    <a:lnL w="19050" cap="flat" cmpd="sng" algn="ctr">
+                      <a:solidFill>
+                        <a:schemeClr val="accent1"/>
+                      </a:solidFill>
+                      <a:prstDash val="solid"/>
+                      <a:round/>
+                      <a:headEnd type="none" w="med" len="med"/>
+                      <a:tailEnd type="none" w="med" len="med"/>
+                    </a:lnL>
+                    <a:lnR w="19050" cap="flat" cmpd="sng" algn="ctr">
+                      <a:solidFill>
+                        <a:schemeClr val="accent1"/>
+                      </a:solidFill>
+                      <a:prstDash val="solid"/>
+                      <a:round/>
+                      <a:headEnd type="none" w="med" len="med"/>
+                      <a:tailEnd type="none" w="med" len="med"/>
+                    </a:lnR>
+                    <a:lnT w="19050" cap="flat" cmpd="sng" algn="ctr">
+                      <a:solidFill>
+                        <a:schemeClr val="accent1"/>
+                      </a:solidFill>
+                      <a:prstDash val="solid"/>
+                      <a:round/>
+                      <a:headEnd type="none" w="med" len="med"/>
+                      <a:tailEnd type="none" w="med" len="med"/>
+                    </a:lnT>
+                    <a:lnB w="19050" cap="flat" cmpd="sng" algn="ctr">
+                      <a:solidFill>
+                        <a:schemeClr val="accent1"/>
+                      </a:solidFill>
+                      <a:prstDash val="solid"/>
+                      <a:round/>
+                      <a:headEnd type="none" w="med" len="med"/>
+                      <a:tailEnd type="none" w="med" len="med"/>
+                    </a:lnB>
+                    <a:lnTlToBr w="12700" cmpd="sng">
+                      <a:noFill/>
+                      <a:prstDash val="solid"/>
+                    </a:lnTlToBr>
+                    <a:lnBlToTr w="12700" cmpd="sng">
+                      <a:noFill/>
+                      <a:prstDash val="solid"/>
+                    </a:lnBlToTr>
+                    <a:solidFill>
+                      <a:schemeClr val="accent1">
+                        <a:lumMod val="20000"/>
+                        <a:lumOff val="80000"/>
+                      </a:schemeClr>
+                    </a:solidFill>
+                  </a:tcPr>
+                </a:tc>
+                <a:tc>
+                  <a:txBody>
+                    <a:bodyPr/>
+                    <a:lstStyle/>
+                    <a:p>
+                      <a:endParaRPr lang="en-US" sz="1400" dirty="0"/>
+                    </a:p>
+                  </a:txBody>
+                  <a:tcPr>
+                    <a:lnL w="19050" cap="flat" cmpd="sng" algn="ctr">
+                      <a:solidFill>
+                        <a:schemeClr val="accent1"/>
+                      </a:solidFill>
+                      <a:prstDash val="solid"/>
+                      <a:round/>
+                      <a:headEnd type="none" w="med" len="med"/>
+                      <a:tailEnd type="none" w="med" len="med"/>
+                    </a:lnL>
+                    <a:lnR w="19050" cap="flat" cmpd="sng" algn="ctr">
+                      <a:solidFill>
+                        <a:schemeClr val="accent1"/>
+                      </a:solidFill>
+                      <a:prstDash val="solid"/>
+                      <a:round/>
+                      <a:headEnd type="none" w="med" len="med"/>
+                      <a:tailEnd type="none" w="med" len="med"/>
+                    </a:lnR>
+                    <a:lnT w="19050" cap="flat" cmpd="sng" algn="ctr">
+                      <a:solidFill>
+                        <a:schemeClr val="accent1"/>
+                      </a:solidFill>
+                      <a:prstDash val="solid"/>
+                      <a:round/>
+                      <a:headEnd type="none" w="med" len="med"/>
+                      <a:tailEnd type="none" w="med" len="med"/>
+                    </a:lnT>
+                    <a:lnB w="19050" cap="flat" cmpd="sng" algn="ctr">
+                      <a:solidFill>
+                        <a:schemeClr val="accent1"/>
+                      </a:solidFill>
+                      <a:prstDash val="solid"/>
+                      <a:round/>
+                      <a:headEnd type="none" w="med" len="med"/>
+                      <a:tailEnd type="none" w="med" len="med"/>
+                    </a:lnB>
+                    <a:lnTlToBr w="12700" cmpd="sng">
+                      <a:noFill/>
+                      <a:prstDash val="solid"/>
+                    </a:lnTlToBr>
+                    <a:lnBlToTr w="12700" cmpd="sng">
+                      <a:noFill/>
+                      <a:prstDash val="solid"/>
+                    </a:lnBlToTr>
+                    <a:solidFill>
+                      <a:schemeClr val="accent1">
+                        <a:lumMod val="20000"/>
+                        <a:lumOff val="80000"/>
+                      </a:schemeClr>
+                    </a:solidFill>
+                  </a:tcPr>
+                </a:tc>
+                <a:tc>
+                  <a:txBody>
+                    <a:bodyPr/>
+                    <a:lstStyle/>
+                    <a:p>
+                      <a:endParaRPr lang="en-US" sz="1400" dirty="0"/>
+                    </a:p>
+                  </a:txBody>
+                  <a:tcPr>
+                    <a:lnL w="19050" cap="flat" cmpd="sng" algn="ctr">
+                      <a:solidFill>
+                        <a:schemeClr val="accent1"/>
+                      </a:solidFill>
+                      <a:prstDash val="solid"/>
+                      <a:round/>
+                      <a:headEnd type="none" w="med" len="med"/>
+                      <a:tailEnd type="none" w="med" len="med"/>
+                    </a:lnL>
+                    <a:lnR w="19050" cap="flat" cmpd="sng" algn="ctr">
+                      <a:solidFill>
+                        <a:schemeClr val="accent1"/>
+                      </a:solidFill>
+                      <a:prstDash val="solid"/>
+                      <a:round/>
+                      <a:headEnd type="none" w="med" len="med"/>
+                      <a:tailEnd type="none" w="med" len="med"/>
+                    </a:lnR>
+                    <a:lnT w="19050" cap="flat" cmpd="sng" algn="ctr">
+                      <a:solidFill>
+                        <a:schemeClr val="accent1"/>
+                      </a:solidFill>
+                      <a:prstDash val="solid"/>
+                      <a:round/>
+                      <a:headEnd type="none" w="med" len="med"/>
+                      <a:tailEnd type="none" w="med" len="med"/>
+                    </a:lnT>
+                    <a:lnB w="19050" cap="flat" cmpd="sng" algn="ctr">
+                      <a:solidFill>
+                        <a:schemeClr val="accent1"/>
+                      </a:solidFill>
+                      <a:prstDash val="solid"/>
+                      <a:round/>
+                      <a:headEnd type="none" w="med" len="med"/>
+                      <a:tailEnd type="none" w="med" len="med"/>
+                    </a:lnB>
+                    <a:lnTlToBr w="12700" cmpd="sng">
+                      <a:noFill/>
+                      <a:prstDash val="solid"/>
+                    </a:lnTlToBr>
+                    <a:lnBlToTr w="12700" cmpd="sng">
+                      <a:noFill/>
+                      <a:prstDash val="solid"/>
+                    </a:lnBlToTr>
+                    <a:solidFill>
+                      <a:schemeClr val="accent1">
+                        <a:lumMod val="20000"/>
+                        <a:lumOff val="80000"/>
+                      </a:schemeClr>
+                    </a:solidFill>
+                  </a:tcPr>
+                </a:tc>
+                <a:extLst>
+                  <a:ext uri="{0D108BD9-81ED-4DB2-BD59-A6C34878D82A}">
+                    <a16:rowId xmlns:a16="http://schemas.microsoft.com/office/drawing/2014/main" val="3678188319"/>
+                  </a:ext>
+                </a:extLst>
+              </a:tr>
+              <a:tr h="250825">
+                <a:tc>
+                  <a:txBody>
+                    <a:bodyPr/>
+                    <a:lstStyle/>
+                    <a:p>
+                      <a:endParaRPr lang="en-US" sz="1400"/>
+                    </a:p>
+                  </a:txBody>
+                  <a:tcPr>
+                    <a:lnL w="19050" cap="flat" cmpd="sng" algn="ctr">
+                      <a:solidFill>
+                        <a:schemeClr val="bg1">
+                          <a:lumMod val="50000"/>
+                        </a:schemeClr>
+                      </a:solidFill>
+                      <a:prstDash val="solid"/>
+                      <a:round/>
+                      <a:headEnd type="none" w="med" len="med"/>
+                      <a:tailEnd type="none" w="med" len="med"/>
+                    </a:lnL>
+                    <a:lnR w="19050" cap="flat" cmpd="sng" algn="ctr">
+                      <a:solidFill>
+                        <a:schemeClr val="bg1">
+                          <a:lumMod val="50000"/>
+                        </a:schemeClr>
+                      </a:solidFill>
+                      <a:prstDash val="solid"/>
+                      <a:round/>
+                      <a:headEnd type="none" w="med" len="med"/>
+                      <a:tailEnd type="none" w="med" len="med"/>
+                    </a:lnR>
+                    <a:lnT w="19050" cap="flat" cmpd="sng" algn="ctr">
+                      <a:solidFill>
+                        <a:schemeClr val="accent1"/>
+                      </a:solidFill>
+                      <a:prstDash val="solid"/>
+                      <a:round/>
+                      <a:headEnd type="none" w="med" len="med"/>
+                      <a:tailEnd type="none" w="med" len="med"/>
+                    </a:lnT>
+                    <a:lnB w="19050" cap="flat" cmpd="sng" algn="ctr">
+                      <a:solidFill>
+                        <a:schemeClr val="bg1">
+                          <a:lumMod val="50000"/>
+                        </a:schemeClr>
+                      </a:solidFill>
+                      <a:prstDash val="solid"/>
+                      <a:round/>
+                      <a:headEnd type="none" w="med" len="med"/>
+                      <a:tailEnd type="none" w="med" len="med"/>
+                    </a:lnB>
+                  </a:tcPr>
+                </a:tc>
+                <a:tc>
+                  <a:txBody>
+                    <a:bodyPr/>
+                    <a:lstStyle/>
+                    <a:p>
+                      <a:endParaRPr lang="en-US" sz="1400" dirty="0"/>
+                    </a:p>
+                  </a:txBody>
+                  <a:tcPr>
+                    <a:lnL w="19050" cap="flat" cmpd="sng" algn="ctr">
+                      <a:solidFill>
+                        <a:schemeClr val="bg1">
+                          <a:lumMod val="50000"/>
+                        </a:schemeClr>
+                      </a:solidFill>
+                      <a:prstDash val="solid"/>
+                      <a:round/>
+                      <a:headEnd type="none" w="med" len="med"/>
+                      <a:tailEnd type="none" w="med" len="med"/>
+                    </a:lnL>
+                    <a:lnR w="19050" cap="flat" cmpd="sng" algn="ctr">
+                      <a:solidFill>
+                        <a:schemeClr val="bg1">
+                          <a:lumMod val="50000"/>
+                        </a:schemeClr>
+                      </a:solidFill>
+                      <a:prstDash val="solid"/>
+                      <a:round/>
+                      <a:headEnd type="none" w="med" len="med"/>
+                      <a:tailEnd type="none" w="med" len="med"/>
+                    </a:lnR>
+                    <a:lnT w="19050" cap="flat" cmpd="sng" algn="ctr">
+                      <a:solidFill>
+                        <a:schemeClr val="accent1"/>
+                      </a:solidFill>
+                      <a:prstDash val="solid"/>
+                      <a:round/>
+                      <a:headEnd type="none" w="med" len="med"/>
+                      <a:tailEnd type="none" w="med" len="med"/>
+                    </a:lnT>
+                    <a:lnB w="19050" cap="flat" cmpd="sng" algn="ctr">
+                      <a:solidFill>
+                        <a:schemeClr val="bg1">
+                          <a:lumMod val="50000"/>
+                        </a:schemeClr>
+                      </a:solidFill>
+                      <a:prstDash val="solid"/>
+                      <a:round/>
+                      <a:headEnd type="none" w="med" len="med"/>
+                      <a:tailEnd type="none" w="med" len="med"/>
+                    </a:lnB>
+                  </a:tcPr>
+                </a:tc>
+                <a:tc>
+                  <a:txBody>
+                    <a:bodyPr/>
+                    <a:lstStyle/>
+                    <a:p>
+                      <a:endParaRPr lang="en-US" sz="1400"/>
+                    </a:p>
+                  </a:txBody>
+                  <a:tcPr>
+                    <a:lnL w="19050" cap="flat" cmpd="sng" algn="ctr">
+                      <a:solidFill>
+                        <a:schemeClr val="bg1">
+                          <a:lumMod val="50000"/>
+                        </a:schemeClr>
+                      </a:solidFill>
+                      <a:prstDash val="solid"/>
+                      <a:round/>
+                      <a:headEnd type="none" w="med" len="med"/>
+                      <a:tailEnd type="none" w="med" len="med"/>
+                    </a:lnL>
+                    <a:lnR w="19050" cap="flat" cmpd="sng" algn="ctr">
+                      <a:solidFill>
+                        <a:schemeClr val="bg1">
+                          <a:lumMod val="50000"/>
+                        </a:schemeClr>
+                      </a:solidFill>
+                      <a:prstDash val="solid"/>
+                      <a:round/>
+                      <a:headEnd type="none" w="med" len="med"/>
+                      <a:tailEnd type="none" w="med" len="med"/>
+                    </a:lnR>
+                    <a:lnT w="19050" cap="flat" cmpd="sng" algn="ctr">
+                      <a:solidFill>
+                        <a:schemeClr val="accent1"/>
+                      </a:solidFill>
+                      <a:prstDash val="solid"/>
+                      <a:round/>
+                      <a:headEnd type="none" w="med" len="med"/>
+                      <a:tailEnd type="none" w="med" len="med"/>
+                    </a:lnT>
+                    <a:lnB w="19050" cap="flat" cmpd="sng" algn="ctr">
+                      <a:solidFill>
+                        <a:schemeClr val="bg1">
+                          <a:lumMod val="50000"/>
+                        </a:schemeClr>
+                      </a:solidFill>
+                      <a:prstDash val="solid"/>
+                      <a:round/>
+                      <a:headEnd type="none" w="med" len="med"/>
+                      <a:tailEnd type="none" w="med" len="med"/>
+                    </a:lnB>
+                  </a:tcPr>
+                </a:tc>
+                <a:tc>
+                  <a:txBody>
+                    <a:bodyPr/>
+                    <a:lstStyle/>
+                    <a:p>
+                      <a:endParaRPr lang="en-US" sz="1400" dirty="0"/>
+                    </a:p>
+                  </a:txBody>
+                  <a:tcPr>
+                    <a:lnL w="19050" cap="flat" cmpd="sng" algn="ctr">
+                      <a:solidFill>
+                        <a:schemeClr val="bg1">
+                          <a:lumMod val="50000"/>
+                        </a:schemeClr>
+                      </a:solidFill>
+                      <a:prstDash val="solid"/>
+                      <a:round/>
+                      <a:headEnd type="none" w="med" len="med"/>
+                      <a:tailEnd type="none" w="med" len="med"/>
+                    </a:lnL>
+                    <a:lnR w="19050" cap="flat" cmpd="sng" algn="ctr">
+                      <a:solidFill>
+                        <a:schemeClr val="bg1">
+                          <a:lumMod val="50000"/>
+                        </a:schemeClr>
+                      </a:solidFill>
+                      <a:prstDash val="solid"/>
+                      <a:round/>
+                      <a:headEnd type="none" w="med" len="med"/>
+                      <a:tailEnd type="none" w="med" len="med"/>
+                    </a:lnR>
+                    <a:lnT w="19050" cap="flat" cmpd="sng" algn="ctr">
+                      <a:solidFill>
+                        <a:schemeClr val="accent1"/>
+                      </a:solidFill>
+                      <a:prstDash val="solid"/>
+                      <a:round/>
+                      <a:headEnd type="none" w="med" len="med"/>
+                      <a:tailEnd type="none" w="med" len="med"/>
+                    </a:lnT>
+                    <a:lnB w="19050" cap="flat" cmpd="sng" algn="ctr">
+                      <a:solidFill>
+                        <a:schemeClr val="bg1">
+                          <a:lumMod val="50000"/>
+                        </a:schemeClr>
+                      </a:solidFill>
+                      <a:prstDash val="solid"/>
+                      <a:round/>
+                      <a:headEnd type="none" w="med" len="med"/>
+                      <a:tailEnd type="none" w="med" len="med"/>
+                    </a:lnB>
+                  </a:tcPr>
+                </a:tc>
+                <a:extLst>
+                  <a:ext uri="{0D108BD9-81ED-4DB2-BD59-A6C34878D82A}">
+                    <a16:rowId xmlns:a16="http://schemas.microsoft.com/office/drawing/2014/main" val="2525101301"/>
+                  </a:ext>
+                </a:extLst>
+              </a:tr>
+              <a:tr h="250825">
+                <a:tc>
+                  <a:txBody>
+                    <a:bodyPr/>
+                    <a:lstStyle/>
+                    <a:p>
+                      <a:endParaRPr lang="en-US" sz="1400"/>
+                    </a:p>
+                  </a:txBody>
+                  <a:tcPr>
+                    <a:lnL w="19050" cap="flat" cmpd="sng" algn="ctr">
+                      <a:solidFill>
+                        <a:schemeClr val="bg1">
+                          <a:lumMod val="50000"/>
+                        </a:schemeClr>
+                      </a:solidFill>
+                      <a:prstDash val="solid"/>
+                      <a:round/>
+                      <a:headEnd type="none" w="med" len="med"/>
+                      <a:tailEnd type="none" w="med" len="med"/>
+                    </a:lnL>
+                    <a:lnR w="19050" cap="flat" cmpd="sng" algn="ctr">
+                      <a:solidFill>
+                        <a:schemeClr val="bg1">
+                          <a:lumMod val="50000"/>
+                        </a:schemeClr>
+                      </a:solidFill>
+                      <a:prstDash val="solid"/>
+                      <a:round/>
+                      <a:headEnd type="none" w="med" len="med"/>
+                      <a:tailEnd type="none" w="med" len="med"/>
+                    </a:lnR>
+                    <a:lnT w="19050" cap="flat" cmpd="sng" algn="ctr">
+                      <a:solidFill>
+                        <a:schemeClr val="bg1">
+                          <a:lumMod val="50000"/>
+                        </a:schemeClr>
+                      </a:solidFill>
+                      <a:prstDash val="solid"/>
+                      <a:round/>
+                      <a:headEnd type="none" w="med" len="med"/>
+                      <a:tailEnd type="none" w="med" len="med"/>
+                    </a:lnT>
+                    <a:lnB w="19050" cap="flat" cmpd="sng" algn="ctr">
+                      <a:solidFill>
+                        <a:schemeClr val="bg1">
+                          <a:lumMod val="50000"/>
+                        </a:schemeClr>
+                      </a:solidFill>
+                      <a:prstDash val="solid"/>
+                      <a:round/>
+                      <a:headEnd type="none" w="med" len="med"/>
+                      <a:tailEnd type="none" w="med" len="med"/>
+                    </a:lnB>
+                  </a:tcPr>
+                </a:tc>
+                <a:tc>
+                  <a:txBody>
+                    <a:bodyPr/>
+                    <a:lstStyle/>
+                    <a:p>
+                      <a:endParaRPr lang="en-US" sz="1400"/>
+                    </a:p>
+                  </a:txBody>
+                  <a:tcPr>
+                    <a:lnL w="19050" cap="flat" cmpd="sng" algn="ctr">
+                      <a:solidFill>
+                        <a:schemeClr val="bg1">
+                          <a:lumMod val="50000"/>
+                        </a:schemeClr>
+                      </a:solidFill>
+                      <a:prstDash val="solid"/>
+                      <a:round/>
+                      <a:headEnd type="none" w="med" len="med"/>
+                      <a:tailEnd type="none" w="med" len="med"/>
+                    </a:lnL>
+                    <a:lnR w="19050" cap="flat" cmpd="sng" algn="ctr">
+                      <a:solidFill>
+                        <a:schemeClr val="bg1">
+                          <a:lumMod val="50000"/>
+                        </a:schemeClr>
+                      </a:solidFill>
+                      <a:prstDash val="solid"/>
+                      <a:round/>
+                      <a:headEnd type="none" w="med" len="med"/>
+                      <a:tailEnd type="none" w="med" len="med"/>
+                    </a:lnR>
+                    <a:lnT w="19050" cap="flat" cmpd="sng" algn="ctr">
+                      <a:solidFill>
+                        <a:schemeClr val="bg1">
+                          <a:lumMod val="50000"/>
+                        </a:schemeClr>
+                      </a:solidFill>
+                      <a:prstDash val="solid"/>
+                      <a:round/>
+                      <a:headEnd type="none" w="med" len="med"/>
+                      <a:tailEnd type="none" w="med" len="med"/>
+                    </a:lnT>
+                    <a:lnB w="19050" cap="flat" cmpd="sng" algn="ctr">
+                      <a:solidFill>
+                        <a:schemeClr val="bg1">
+                          <a:lumMod val="50000"/>
+                        </a:schemeClr>
+                      </a:solidFill>
+                      <a:prstDash val="solid"/>
+                      <a:round/>
+                      <a:headEnd type="none" w="med" len="med"/>
+                      <a:tailEnd type="none" w="med" len="med"/>
+                    </a:lnB>
+                  </a:tcPr>
+                </a:tc>
+                <a:tc>
+                  <a:txBody>
+                    <a:bodyPr/>
+                    <a:lstStyle/>
+                    <a:p>
+                      <a:endParaRPr lang="en-US" sz="1400" dirty="0"/>
+                    </a:p>
+                  </a:txBody>
+                  <a:tcPr>
+                    <a:lnL w="19050" cap="flat" cmpd="sng" algn="ctr">
+                      <a:solidFill>
+                        <a:schemeClr val="bg1">
+                          <a:lumMod val="50000"/>
+                        </a:schemeClr>
+                      </a:solidFill>
+                      <a:prstDash val="solid"/>
+                      <a:round/>
+                      <a:headEnd type="none" w="med" len="med"/>
+                      <a:tailEnd type="none" w="med" len="med"/>
+                    </a:lnL>
+                    <a:lnR w="19050" cap="flat" cmpd="sng" algn="ctr">
+                      <a:solidFill>
+                        <a:schemeClr val="bg1">
+                          <a:lumMod val="50000"/>
+                        </a:schemeClr>
+                      </a:solidFill>
+                      <a:prstDash val="solid"/>
+                      <a:round/>
+                      <a:headEnd type="none" w="med" len="med"/>
+                      <a:tailEnd type="none" w="med" len="med"/>
+                    </a:lnR>
+                    <a:lnT w="19050" cap="flat" cmpd="sng" algn="ctr">
+                      <a:solidFill>
+                        <a:schemeClr val="bg1">
+                          <a:lumMod val="50000"/>
+                        </a:schemeClr>
+                      </a:solidFill>
+                      <a:prstDash val="solid"/>
+                      <a:round/>
+                      <a:headEnd type="none" w="med" len="med"/>
+                      <a:tailEnd type="none" w="med" len="med"/>
+                    </a:lnT>
+                    <a:lnB w="19050" cap="flat" cmpd="sng" algn="ctr">
+                      <a:solidFill>
+                        <a:schemeClr val="bg1">
+                          <a:lumMod val="50000"/>
+                        </a:schemeClr>
+                      </a:solidFill>
+                      <a:prstDash val="solid"/>
+                      <a:round/>
+                      <a:headEnd type="none" w="med" len="med"/>
+                      <a:tailEnd type="none" w="med" len="med"/>
+                    </a:lnB>
+                  </a:tcPr>
+                </a:tc>
+                <a:tc>
+                  <a:txBody>
+                    <a:bodyPr/>
+                    <a:lstStyle/>
+                    <a:p>
+                      <a:endParaRPr lang="en-US" sz="1400" dirty="0"/>
+                    </a:p>
+                  </a:txBody>
+                  <a:tcPr>
+                    <a:lnL w="19050" cap="flat" cmpd="sng" algn="ctr">
+                      <a:solidFill>
+                        <a:schemeClr val="bg1">
+                          <a:lumMod val="50000"/>
+                        </a:schemeClr>
+                      </a:solidFill>
+                      <a:prstDash val="solid"/>
+                      <a:round/>
+                      <a:headEnd type="none" w="med" len="med"/>
+                      <a:tailEnd type="none" w="med" len="med"/>
+                    </a:lnL>
+                    <a:lnR w="19050" cap="flat" cmpd="sng" algn="ctr">
+                      <a:solidFill>
+                        <a:schemeClr val="bg1">
+                          <a:lumMod val="50000"/>
+                        </a:schemeClr>
+                      </a:solidFill>
+                      <a:prstDash val="solid"/>
+                      <a:round/>
+                      <a:headEnd type="none" w="med" len="med"/>
+                      <a:tailEnd type="none" w="med" len="med"/>
+                    </a:lnR>
+                    <a:lnT w="19050" cap="flat" cmpd="sng" algn="ctr">
+                      <a:solidFill>
+                        <a:schemeClr val="bg1">
+                          <a:lumMod val="50000"/>
+                        </a:schemeClr>
+                      </a:solidFill>
+                      <a:prstDash val="solid"/>
+                      <a:round/>
+                      <a:headEnd type="none" w="med" len="med"/>
+                      <a:tailEnd type="none" w="med" len="med"/>
+                    </a:lnT>
+                    <a:lnB w="19050" cap="flat" cmpd="sng" algn="ctr">
+                      <a:solidFill>
+                        <a:schemeClr val="bg1">
+                          <a:lumMod val="50000"/>
+                        </a:schemeClr>
+                      </a:solidFill>
+                      <a:prstDash val="solid"/>
+                      <a:round/>
+                      <a:headEnd type="none" w="med" len="med"/>
+                      <a:tailEnd type="none" w="med" len="med"/>
+                    </a:lnB>
+                  </a:tcPr>
+                </a:tc>
+                <a:extLst>
+                  <a:ext uri="{0D108BD9-81ED-4DB2-BD59-A6C34878D82A}">
+                    <a16:rowId xmlns:a16="http://schemas.microsoft.com/office/drawing/2014/main" val="1313577860"/>
+                  </a:ext>
+                </a:extLst>
+              </a:tr>
+            </a:tbl>
+          </a:graphicData>
+        </a:graphic>
+      </p:graphicFrame>
+      <p:graphicFrame>
+        <p:nvGraphicFramePr>
+          <p:cNvPr id="98" name="Table 97"/>
+          <p:cNvGraphicFramePr>
+            <a:graphicFrameLocks noGrp="1"/>
+          </p:cNvGraphicFramePr>
+          <p:nvPr>
+            <p:extLst/>
+          </p:nvPr>
+        </p:nvGraphicFramePr>
+        <p:xfrm>
+          <a:off x="2811192" y="3788051"/>
+          <a:ext cx="273050" cy="915688"/>
+        </p:xfrm>
+        <a:graphic>
+          <a:graphicData uri="http://schemas.openxmlformats.org/drawingml/2006/table">
+            <a:tbl>
+              <a:tblPr firstRow="1" bandRow="1"/>
+              <a:tblGrid>
+                <a:gridCol w="273050">
+                  <a:extLst>
+                    <a:ext uri="{9D8B030D-6E8A-4147-A177-3AD203B41FA5}">
+                      <a16:colId xmlns:a16="http://schemas.microsoft.com/office/drawing/2014/main" val="4185730726"/>
+                    </a:ext>
+                  </a:extLst>
+                </a:gridCol>
+              </a:tblGrid>
+              <a:tr h="228922">
+                <a:tc>
+                  <a:txBody>
+                    <a:bodyPr/>
+                    <a:lstStyle/>
+                    <a:p>
+                      <a:endParaRPr lang="en-US" sz="800" dirty="0"/>
+                    </a:p>
+                  </a:txBody>
+                  <a:tcPr>
+                    <a:lnL w="19050" cap="flat" cmpd="sng" algn="ctr">
+                      <a:solidFill>
+                        <a:schemeClr val="accent1"/>
+                      </a:solidFill>
+                      <a:prstDash val="solid"/>
+                      <a:round/>
+                      <a:headEnd type="none" w="med" len="med"/>
+                      <a:tailEnd type="none" w="med" len="med"/>
+                    </a:lnL>
+                    <a:lnR w="19050" cap="flat" cmpd="sng" algn="ctr">
+                      <a:solidFill>
+                        <a:schemeClr val="accent1"/>
+                      </a:solidFill>
+                      <a:prstDash val="solid"/>
+                      <a:round/>
+                      <a:headEnd type="none" w="med" len="med"/>
+                      <a:tailEnd type="none" w="med" len="med"/>
+                    </a:lnR>
+                    <a:lnT w="19050" cap="flat" cmpd="sng" algn="ctr">
+                      <a:solidFill>
+                        <a:schemeClr val="accent1"/>
+                      </a:solidFill>
+                      <a:prstDash val="solid"/>
+                      <a:round/>
+                      <a:headEnd type="none" w="med" len="med"/>
+                      <a:tailEnd type="none" w="med" len="med"/>
+                    </a:lnT>
+                    <a:lnB w="19050" cap="flat" cmpd="sng" algn="ctr">
+                      <a:solidFill>
+                        <a:schemeClr val="accent1"/>
+                      </a:solidFill>
+                      <a:prstDash val="solid"/>
+                      <a:round/>
+                      <a:headEnd type="none" w="med" len="med"/>
+                      <a:tailEnd type="none" w="med" len="med"/>
+                    </a:lnB>
+                    <a:lnTlToBr w="12700" cmpd="sng">
+                      <a:noFill/>
+                      <a:prstDash val="solid"/>
+                    </a:lnTlToBr>
+                    <a:lnBlToTr w="12700" cmpd="sng">
+                      <a:noFill/>
+                      <a:prstDash val="solid"/>
+                    </a:lnBlToTr>
+                    <a:solidFill>
+                      <a:srgbClr val="FFFFFF"/>
+                    </a:solidFill>
+                  </a:tcPr>
+                </a:tc>
+                <a:extLst>
+                  <a:ext uri="{0D108BD9-81ED-4DB2-BD59-A6C34878D82A}">
+                    <a16:rowId xmlns:a16="http://schemas.microsoft.com/office/drawing/2014/main" val="3244523905"/>
+                  </a:ext>
+                </a:extLst>
+              </a:tr>
+              <a:tr h="228922">
+                <a:tc>
+                  <a:txBody>
+                    <a:bodyPr/>
+                    <a:lstStyle/>
+                    <a:p>
+                      <a:endParaRPr lang="en-US" sz="800" dirty="0"/>
+                    </a:p>
+                  </a:txBody>
+                  <a:tcPr>
+                    <a:lnL w="19050" cap="flat" cmpd="sng" algn="ctr">
+                      <a:solidFill>
+                        <a:schemeClr val="accent1"/>
+                      </a:solidFill>
+                      <a:prstDash val="solid"/>
+                      <a:round/>
+                      <a:headEnd type="none" w="med" len="med"/>
+                      <a:tailEnd type="none" w="med" len="med"/>
+                    </a:lnL>
+                    <a:lnR w="19050" cap="flat" cmpd="sng" algn="ctr">
+                      <a:solidFill>
+                        <a:schemeClr val="accent1"/>
+                      </a:solidFill>
+                      <a:prstDash val="solid"/>
+                      <a:round/>
+                      <a:headEnd type="none" w="med" len="med"/>
+                      <a:tailEnd type="none" w="med" len="med"/>
+                    </a:lnR>
+                    <a:lnT w="19050" cap="flat" cmpd="sng" algn="ctr">
+                      <a:solidFill>
+                        <a:schemeClr val="accent1"/>
+                      </a:solidFill>
+                      <a:prstDash val="solid"/>
+                      <a:round/>
+                      <a:headEnd type="none" w="med" len="med"/>
+                      <a:tailEnd type="none" w="med" len="med"/>
+                    </a:lnT>
+                    <a:lnB w="19050" cap="flat" cmpd="sng" algn="ctr">
+                      <a:solidFill>
+                        <a:schemeClr val="accent1"/>
+                      </a:solidFill>
+                      <a:prstDash val="solid"/>
+                      <a:round/>
+                      <a:headEnd type="none" w="med" len="med"/>
+                      <a:tailEnd type="none" w="med" len="med"/>
+                    </a:lnB>
+                    <a:lnTlToBr w="12700" cmpd="sng">
+                      <a:noFill/>
+                      <a:prstDash val="solid"/>
+                    </a:lnTlToBr>
+                    <a:lnBlToTr w="12700" cmpd="sng">
+                      <a:noFill/>
+                      <a:prstDash val="solid"/>
+                    </a:lnBlToTr>
+                    <a:solidFill>
+                      <a:schemeClr val="accent1">
+                        <a:lumMod val="20000"/>
+                        <a:lumOff val="80000"/>
+                      </a:schemeClr>
+                    </a:solidFill>
+                  </a:tcPr>
+                </a:tc>
+                <a:extLst>
+                  <a:ext uri="{0D108BD9-81ED-4DB2-BD59-A6C34878D82A}">
+                    <a16:rowId xmlns:a16="http://schemas.microsoft.com/office/drawing/2014/main" val="3678188319"/>
+                  </a:ext>
+                </a:extLst>
+              </a:tr>
+              <a:tr h="228922">
+                <a:tc>
+                  <a:txBody>
+                    <a:bodyPr/>
+                    <a:lstStyle/>
+                    <a:p>
+                      <a:endParaRPr lang="en-US" sz="800" dirty="0"/>
+                    </a:p>
+                  </a:txBody>
+                  <a:tcPr>
+                    <a:lnL w="19050" cap="flat" cmpd="sng" algn="ctr">
+                      <a:solidFill>
+                        <a:schemeClr val="accent1"/>
+                      </a:solidFill>
+                      <a:prstDash val="solid"/>
+                      <a:round/>
+                      <a:headEnd type="none" w="med" len="med"/>
+                      <a:tailEnd type="none" w="med" len="med"/>
+                    </a:lnL>
+                    <a:lnR w="19050" cap="flat" cmpd="sng" algn="ctr">
+                      <a:solidFill>
+                        <a:schemeClr val="accent1"/>
+                      </a:solidFill>
+                      <a:prstDash val="solid"/>
+                      <a:round/>
+                      <a:headEnd type="none" w="med" len="med"/>
+                      <a:tailEnd type="none" w="med" len="med"/>
+                    </a:lnR>
+                    <a:lnT w="19050" cap="flat" cmpd="sng" algn="ctr">
+                      <a:solidFill>
+                        <a:schemeClr val="accent1"/>
+                      </a:solidFill>
+                      <a:prstDash val="solid"/>
+                      <a:round/>
+                      <a:headEnd type="none" w="med" len="med"/>
+                      <a:tailEnd type="none" w="med" len="med"/>
+                    </a:lnT>
+                    <a:lnB w="19050" cap="flat" cmpd="sng" algn="ctr">
+                      <a:solidFill>
+                        <a:schemeClr val="accent1"/>
+                      </a:solidFill>
+                      <a:prstDash val="solid"/>
+                      <a:round/>
+                      <a:headEnd type="none" w="med" len="med"/>
+                      <a:tailEnd type="none" w="med" len="med"/>
+                    </a:lnB>
+                    <a:lnTlToBr w="12700" cmpd="sng">
+                      <a:noFill/>
+                      <a:prstDash val="solid"/>
+                    </a:lnTlToBr>
+                    <a:lnBlToTr w="12700" cmpd="sng">
+                      <a:noFill/>
+                      <a:prstDash val="solid"/>
+                    </a:lnBlToTr>
+                    <a:solidFill>
+                      <a:schemeClr val="bg1"/>
+                    </a:solidFill>
+                  </a:tcPr>
+                </a:tc>
+                <a:extLst>
+                  <a:ext uri="{0D108BD9-81ED-4DB2-BD59-A6C34878D82A}">
+                    <a16:rowId xmlns:a16="http://schemas.microsoft.com/office/drawing/2014/main" val="2525101301"/>
+                  </a:ext>
+                </a:extLst>
+              </a:tr>
+              <a:tr h="228922">
+                <a:tc>
+                  <a:txBody>
+                    <a:bodyPr/>
+                    <a:lstStyle/>
+                    <a:p>
+                      <a:endParaRPr lang="en-US" sz="800" dirty="0"/>
+                    </a:p>
+                  </a:txBody>
+                  <a:tcPr>
+                    <a:lnL w="19050" cap="flat" cmpd="sng" algn="ctr">
+                      <a:solidFill>
+                        <a:schemeClr val="accent1"/>
+                      </a:solidFill>
+                      <a:prstDash val="solid"/>
+                      <a:round/>
+                      <a:headEnd type="none" w="med" len="med"/>
+                      <a:tailEnd type="none" w="med" len="med"/>
+                    </a:lnL>
+                    <a:lnR w="19050" cap="flat" cmpd="sng" algn="ctr">
+                      <a:solidFill>
+                        <a:schemeClr val="accent1"/>
+                      </a:solidFill>
+                      <a:prstDash val="solid"/>
+                      <a:round/>
+                      <a:headEnd type="none" w="med" len="med"/>
+                      <a:tailEnd type="none" w="med" len="med"/>
+                    </a:lnR>
+                    <a:lnT w="19050" cap="flat" cmpd="sng" algn="ctr">
+                      <a:solidFill>
+                        <a:schemeClr val="accent1"/>
+                      </a:solidFill>
+                      <a:prstDash val="solid"/>
+                      <a:round/>
+                      <a:headEnd type="none" w="med" len="med"/>
+                      <a:tailEnd type="none" w="med" len="med"/>
+                    </a:lnT>
+                    <a:lnB w="19050" cap="flat" cmpd="sng" algn="ctr">
+                      <a:solidFill>
+                        <a:schemeClr val="accent1"/>
+                      </a:solidFill>
+                      <a:prstDash val="solid"/>
+                      <a:round/>
+                      <a:headEnd type="none" w="med" len="med"/>
+                      <a:tailEnd type="none" w="med" len="med"/>
+                    </a:lnB>
+                    <a:lnTlToBr w="12700" cmpd="sng">
+                      <a:noFill/>
+                      <a:prstDash val="solid"/>
+                    </a:lnTlToBr>
+                    <a:lnBlToTr w="12700" cmpd="sng">
+                      <a:noFill/>
+                      <a:prstDash val="solid"/>
+                    </a:lnBlToTr>
+                    <a:solidFill>
+                      <a:schemeClr val="bg1"/>
+                    </a:solidFill>
+                  </a:tcPr>
+                </a:tc>
+                <a:extLst>
+                  <a:ext uri="{0D108BD9-81ED-4DB2-BD59-A6C34878D82A}">
+                    <a16:rowId xmlns:a16="http://schemas.microsoft.com/office/drawing/2014/main" val="1313577860"/>
+                  </a:ext>
+                </a:extLst>
+              </a:tr>
+            </a:tbl>
+          </a:graphicData>
+        </a:graphic>
+      </p:graphicFrame>
+      <p:cxnSp>
+        <p:nvCxnSpPr>
+          <p:cNvPr id="99" name="Straight Connector 98"/>
+          <p:cNvCxnSpPr/>
+          <p:nvPr/>
+        </p:nvCxnSpPr>
+        <p:spPr>
+          <a:xfrm>
+            <a:off x="1217342" y="3523525"/>
+            <a:ext cx="1593850" cy="480717"/>
+          </a:xfrm>
+          <a:prstGeom prst="line">
+            <a:avLst/>
+          </a:prstGeom>
+        </p:spPr>
+        <p:style>
+          <a:lnRef idx="1">
+            <a:schemeClr val="accent1"/>
+          </a:lnRef>
+          <a:fillRef idx="0">
+            <a:schemeClr val="accent1"/>
+          </a:fillRef>
+          <a:effectRef idx="0">
+            <a:schemeClr val="accent1"/>
+          </a:effectRef>
+          <a:fontRef idx="minor">
+            <a:schemeClr val="tx1"/>
+          </a:fontRef>
+        </p:style>
+      </p:cxnSp>
+      <p:cxnSp>
+        <p:nvCxnSpPr>
+          <p:cNvPr id="100" name="Straight Connector 99"/>
+          <p:cNvCxnSpPr/>
+          <p:nvPr/>
+        </p:nvCxnSpPr>
+        <p:spPr>
+          <a:xfrm>
+            <a:off x="2291767" y="3523520"/>
+            <a:ext cx="781685" cy="487714"/>
+          </a:xfrm>
+          <a:prstGeom prst="line">
+            <a:avLst/>
+          </a:prstGeom>
+        </p:spPr>
+        <p:style>
+          <a:lnRef idx="1">
+            <a:schemeClr val="accent1"/>
+          </a:lnRef>
+          <a:fillRef idx="0">
+            <a:schemeClr val="accent1"/>
+          </a:fillRef>
+          <a:effectRef idx="0">
+            <a:schemeClr val="accent1"/>
+          </a:effectRef>
+          <a:fontRef idx="minor">
+            <a:schemeClr val="tx1"/>
+          </a:fontRef>
+        </p:style>
+      </p:cxnSp>
+      <p:cxnSp>
+        <p:nvCxnSpPr>
+          <p:cNvPr id="101" name="Straight Connector 100"/>
+          <p:cNvCxnSpPr>
+            <a:endCxn id="98" idx="1"/>
+          </p:cNvCxnSpPr>
+          <p:nvPr/>
+        </p:nvCxnSpPr>
+        <p:spPr>
+          <a:xfrm>
+            <a:off x="1217342" y="4115611"/>
+            <a:ext cx="1593850" cy="130289"/>
+          </a:xfrm>
+          <a:prstGeom prst="line">
+            <a:avLst/>
+          </a:prstGeom>
+        </p:spPr>
+        <p:style>
+          <a:lnRef idx="1">
+            <a:schemeClr val="accent1"/>
+          </a:lnRef>
+          <a:fillRef idx="0">
+            <a:schemeClr val="accent1"/>
+          </a:fillRef>
+          <a:effectRef idx="0">
+            <a:schemeClr val="accent1"/>
+          </a:effectRef>
+          <a:fontRef idx="minor">
+            <a:schemeClr val="tx1"/>
+          </a:fontRef>
+        </p:style>
+      </p:cxnSp>
+      <p:cxnSp>
+        <p:nvCxnSpPr>
+          <p:cNvPr id="102" name="Straight Connector 101"/>
+          <p:cNvCxnSpPr>
+            <a:stCxn id="96" idx="3"/>
+            <a:endCxn id="98" idx="3"/>
+          </p:cNvCxnSpPr>
+          <p:nvPr/>
+        </p:nvCxnSpPr>
+        <p:spPr>
+          <a:xfrm>
+            <a:off x="2291762" y="4133120"/>
+            <a:ext cx="792480" cy="112775"/>
+          </a:xfrm>
+          <a:prstGeom prst="line">
+            <a:avLst/>
+          </a:prstGeom>
+        </p:spPr>
+        <p:style>
+          <a:lnRef idx="1">
+            <a:schemeClr val="accent1"/>
+          </a:lnRef>
+          <a:fillRef idx="0">
+            <a:schemeClr val="accent1"/>
+          </a:fillRef>
+          <a:effectRef idx="0">
+            <a:schemeClr val="accent1"/>
+          </a:effectRef>
+          <a:fontRef idx="minor">
+            <a:schemeClr val="tx1"/>
+          </a:fontRef>
+        </p:style>
+      </p:cxnSp>
+      <p:graphicFrame>
+        <p:nvGraphicFramePr>
+          <p:cNvPr id="103" name="Table 102"/>
+          <p:cNvGraphicFramePr>
+            <a:graphicFrameLocks noGrp="1"/>
+          </p:cNvGraphicFramePr>
+          <p:nvPr>
+            <p:extLst/>
+          </p:nvPr>
+        </p:nvGraphicFramePr>
+        <p:xfrm>
+          <a:off x="4246930" y="3604152"/>
+          <a:ext cx="273050" cy="1144610"/>
+        </p:xfrm>
+        <a:graphic>
+          <a:graphicData uri="http://schemas.openxmlformats.org/drawingml/2006/table">
+            <a:tbl>
+              <a:tblPr firstRow="1" bandRow="1"/>
+              <a:tblGrid>
+                <a:gridCol w="273050">
+                  <a:extLst>
+                    <a:ext uri="{9D8B030D-6E8A-4147-A177-3AD203B41FA5}">
+                      <a16:colId xmlns:a16="http://schemas.microsoft.com/office/drawing/2014/main" val="4185730726"/>
+                    </a:ext>
+                  </a:extLst>
+                </a:gridCol>
+              </a:tblGrid>
+              <a:tr h="228922">
+                <a:tc>
+                  <a:txBody>
+                    <a:bodyPr/>
+                    <a:lstStyle/>
+                    <a:p>
+                      <a:endParaRPr lang="en-US" sz="800" dirty="0"/>
+                    </a:p>
+                  </a:txBody>
+                  <a:tcPr>
+                    <a:lnL w="19050" cap="flat" cmpd="sng" algn="ctr">
+                      <a:solidFill>
+                        <a:schemeClr val="accent1"/>
+                      </a:solidFill>
+                      <a:prstDash val="solid"/>
+                      <a:round/>
+                      <a:headEnd type="none" w="med" len="med"/>
+                      <a:tailEnd type="none" w="med" len="med"/>
+                    </a:lnL>
+                    <a:lnR w="19050" cap="flat" cmpd="sng" algn="ctr">
+                      <a:solidFill>
+                        <a:schemeClr val="accent1"/>
+                      </a:solidFill>
+                      <a:prstDash val="solid"/>
+                      <a:round/>
+                      <a:headEnd type="none" w="med" len="med"/>
+                      <a:tailEnd type="none" w="med" len="med"/>
+                    </a:lnR>
+                    <a:lnT w="19050" cap="flat" cmpd="sng" algn="ctr">
+                      <a:solidFill>
+                        <a:schemeClr val="accent1"/>
+                      </a:solidFill>
+                      <a:prstDash val="solid"/>
+                      <a:round/>
+                      <a:headEnd type="none" w="med" len="med"/>
+                      <a:tailEnd type="none" w="med" len="med"/>
+                    </a:lnT>
+                    <a:lnB w="19050" cap="flat" cmpd="sng" algn="ctr">
+                      <a:solidFill>
+                        <a:schemeClr val="accent1"/>
+                      </a:solidFill>
+                      <a:prstDash val="solid"/>
+                      <a:round/>
+                      <a:headEnd type="none" w="med" len="med"/>
+                      <a:tailEnd type="none" w="med" len="med"/>
+                    </a:lnB>
+                    <a:lnTlToBr w="12700" cmpd="sng">
+                      <a:noFill/>
+                      <a:prstDash val="solid"/>
+                    </a:lnTlToBr>
+                    <a:lnBlToTr w="12700" cmpd="sng">
+                      <a:noFill/>
+                      <a:prstDash val="solid"/>
+                    </a:lnBlToTr>
+                    <a:solidFill>
+                      <a:schemeClr val="accent1">
+                        <a:lumMod val="20000"/>
+                        <a:lumOff val="80000"/>
+                      </a:schemeClr>
+                    </a:solidFill>
+                  </a:tcPr>
+                </a:tc>
+                <a:extLst>
+                  <a:ext uri="{0D108BD9-81ED-4DB2-BD59-A6C34878D82A}">
+                    <a16:rowId xmlns:a16="http://schemas.microsoft.com/office/drawing/2014/main" val="3678188319"/>
+                  </a:ext>
+                </a:extLst>
+              </a:tr>
+              <a:tr h="228922">
+                <a:tc>
+                  <a:txBody>
+                    <a:bodyPr/>
+                    <a:lstStyle/>
+                    <a:p>
+                      <a:endParaRPr lang="en-US" sz="800" dirty="0"/>
+                    </a:p>
+                  </a:txBody>
+                  <a:tcPr>
+                    <a:lnL w="19050" cap="flat" cmpd="sng" algn="ctr">
+                      <a:solidFill>
+                        <a:schemeClr val="bg1">
+                          <a:lumMod val="50000"/>
+                        </a:schemeClr>
+                      </a:solidFill>
+                      <a:prstDash val="solid"/>
+                      <a:round/>
+                      <a:headEnd type="none" w="med" len="med"/>
+                      <a:tailEnd type="none" w="med" len="med"/>
+                    </a:lnL>
+                    <a:lnR w="19050" cap="flat" cmpd="sng" algn="ctr">
+                      <a:solidFill>
+                        <a:schemeClr val="bg1">
+                          <a:lumMod val="50000"/>
+                        </a:schemeClr>
+                      </a:solidFill>
+                      <a:prstDash val="solid"/>
+                      <a:round/>
+                      <a:headEnd type="none" w="med" len="med"/>
+                      <a:tailEnd type="none" w="med" len="med"/>
+                    </a:lnR>
+                    <a:lnT w="19050" cap="flat" cmpd="sng" algn="ctr">
+                      <a:solidFill>
+                        <a:schemeClr val="accent1"/>
+                      </a:solidFill>
+                      <a:prstDash val="solid"/>
+                      <a:round/>
+                      <a:headEnd type="none" w="med" len="med"/>
+                      <a:tailEnd type="none" w="med" len="med"/>
+                    </a:lnT>
+                    <a:lnB w="19050" cap="flat" cmpd="sng" algn="ctr">
+                      <a:solidFill>
+                        <a:schemeClr val="accent2"/>
+                      </a:solidFill>
+                      <a:prstDash val="solid"/>
+                      <a:round/>
+                      <a:headEnd type="none" w="med" len="med"/>
+                      <a:tailEnd type="none" w="med" len="med"/>
+                    </a:lnB>
+                    <a:solidFill>
+                      <a:schemeClr val="bg1"/>
+                    </a:solidFill>
+                  </a:tcPr>
+                </a:tc>
+                <a:extLst>
+                  <a:ext uri="{0D108BD9-81ED-4DB2-BD59-A6C34878D82A}">
+                    <a16:rowId xmlns:a16="http://schemas.microsoft.com/office/drawing/2014/main" val="2525101301"/>
+                  </a:ext>
+                </a:extLst>
+              </a:tr>
+              <a:tr h="228922">
+                <a:tc>
+                  <a:txBody>
+                    <a:bodyPr/>
+                    <a:lstStyle/>
+                    <a:p>
+                      <a:endParaRPr lang="en-US" sz="800" dirty="0"/>
+                    </a:p>
+                  </a:txBody>
+                  <a:tcPr>
+                    <a:lnL w="19050" cap="flat" cmpd="sng" algn="ctr">
+                      <a:solidFill>
+                        <a:schemeClr val="accent2"/>
+                      </a:solidFill>
+                      <a:prstDash val="solid"/>
+                      <a:round/>
+                      <a:headEnd type="none" w="med" len="med"/>
+                      <a:tailEnd type="none" w="med" len="med"/>
+                    </a:lnL>
+                    <a:lnR w="19050" cap="flat" cmpd="sng" algn="ctr">
+                      <a:solidFill>
+                        <a:schemeClr val="accent2"/>
+                      </a:solidFill>
+                      <a:prstDash val="solid"/>
+                      <a:round/>
+                      <a:headEnd type="none" w="med" len="med"/>
+                      <a:tailEnd type="none" w="med" len="med"/>
+                    </a:lnR>
+                    <a:lnT w="19050" cap="flat" cmpd="sng" algn="ctr">
+                      <a:solidFill>
+                        <a:schemeClr val="accent2"/>
+                      </a:solidFill>
+                      <a:prstDash val="solid"/>
+                      <a:round/>
+                      <a:headEnd type="none" w="med" len="med"/>
+                      <a:tailEnd type="none" w="med" len="med"/>
+                    </a:lnT>
+                    <a:lnB w="19050" cap="flat" cmpd="sng" algn="ctr">
+                      <a:solidFill>
+                        <a:schemeClr val="accent2"/>
+                      </a:solidFill>
+                      <a:prstDash val="solid"/>
+                      <a:round/>
+                      <a:headEnd type="none" w="med" len="med"/>
+                      <a:tailEnd type="none" w="med" len="med"/>
+                    </a:lnB>
+                    <a:lnTlToBr w="12700" cmpd="sng">
+                      <a:noFill/>
+                      <a:prstDash val="solid"/>
+                    </a:lnTlToBr>
+                    <a:lnBlToTr w="12700" cmpd="sng">
+                      <a:noFill/>
+                      <a:prstDash val="solid"/>
+                    </a:lnBlToTr>
+                    <a:solidFill>
+                      <a:schemeClr val="accent2">
+                        <a:lumMod val="40000"/>
+                        <a:lumOff val="60000"/>
+                      </a:schemeClr>
+                    </a:solidFill>
+                  </a:tcPr>
+                </a:tc>
+                <a:extLst>
+                  <a:ext uri="{0D108BD9-81ED-4DB2-BD59-A6C34878D82A}">
+                    <a16:rowId xmlns:a16="http://schemas.microsoft.com/office/drawing/2014/main" val="1313577860"/>
+                  </a:ext>
+                </a:extLst>
+              </a:tr>
+              <a:tr h="228922">
+                <a:tc>
+                  <a:txBody>
+                    <a:bodyPr/>
+                    <a:lstStyle/>
+                    <a:p>
+                      <a:endParaRPr lang="en-US" sz="800" dirty="0"/>
+                    </a:p>
+                  </a:txBody>
+                  <a:tcPr>
+                    <a:lnL w="19050" cap="flat" cmpd="sng" algn="ctr">
+                      <a:solidFill>
+                        <a:schemeClr val="bg1">
+                          <a:lumMod val="50000"/>
+                        </a:schemeClr>
+                      </a:solidFill>
+                      <a:prstDash val="solid"/>
+                      <a:round/>
+                      <a:headEnd type="none" w="med" len="med"/>
+                      <a:tailEnd type="none" w="med" len="med"/>
+                    </a:lnL>
+                    <a:lnR w="19050" cap="flat" cmpd="sng" algn="ctr">
+                      <a:solidFill>
+                        <a:schemeClr val="bg1">
+                          <a:lumMod val="50000"/>
+                        </a:schemeClr>
+                      </a:solidFill>
+                      <a:prstDash val="solid"/>
+                      <a:round/>
+                      <a:headEnd type="none" w="med" len="med"/>
+                      <a:tailEnd type="none" w="med" len="med"/>
+                    </a:lnR>
+                    <a:lnT w="19050" cap="flat" cmpd="sng" algn="ctr">
+                      <a:solidFill>
+                        <a:schemeClr val="accent2"/>
+                      </a:solidFill>
+                      <a:prstDash val="solid"/>
+                      <a:round/>
+                      <a:headEnd type="none" w="med" len="med"/>
+                      <a:tailEnd type="none" w="med" len="med"/>
+                    </a:lnT>
+                    <a:lnB w="19050" cap="flat" cmpd="sng" algn="ctr">
+                      <a:solidFill>
+                        <a:schemeClr val="accent6"/>
+                      </a:solidFill>
+                      <a:prstDash val="solid"/>
+                      <a:round/>
+                      <a:headEnd type="none" w="med" len="med"/>
+                      <a:tailEnd type="none" w="med" len="med"/>
+                    </a:lnB>
+                    <a:solidFill>
+                      <a:schemeClr val="bg1"/>
+                    </a:solidFill>
+                  </a:tcPr>
+                </a:tc>
+                <a:extLst>
+                  <a:ext uri="{0D108BD9-81ED-4DB2-BD59-A6C34878D82A}">
+                    <a16:rowId xmlns:a16="http://schemas.microsoft.com/office/drawing/2014/main" val="279552576"/>
+                  </a:ext>
+                </a:extLst>
+              </a:tr>
+              <a:tr h="228922">
+                <a:tc>
+                  <a:txBody>
+                    <a:bodyPr/>
+                    <a:lstStyle/>
+                    <a:p>
+                      <a:endParaRPr lang="en-US" sz="800" dirty="0"/>
+                    </a:p>
+                  </a:txBody>
+                  <a:tcPr>
+                    <a:lnL w="19050" cap="flat" cmpd="sng" algn="ctr">
+                      <a:solidFill>
+                        <a:schemeClr val="accent6"/>
+                      </a:solidFill>
+                      <a:prstDash val="solid"/>
+                      <a:round/>
+                      <a:headEnd type="none" w="med" len="med"/>
+                      <a:tailEnd type="none" w="med" len="med"/>
+                    </a:lnL>
+                    <a:lnR w="19050" cap="flat" cmpd="sng" algn="ctr">
+                      <a:solidFill>
+                        <a:schemeClr val="accent6"/>
+                      </a:solidFill>
+                      <a:prstDash val="solid"/>
+                      <a:round/>
+                      <a:headEnd type="none" w="med" len="med"/>
+                      <a:tailEnd type="none" w="med" len="med"/>
+                    </a:lnR>
+                    <a:lnT w="19050" cap="flat" cmpd="sng" algn="ctr">
+                      <a:solidFill>
+                        <a:schemeClr val="accent6"/>
+                      </a:solidFill>
+                      <a:prstDash val="solid"/>
+                      <a:round/>
+                      <a:headEnd type="none" w="med" len="med"/>
+                      <a:tailEnd type="none" w="med" len="med"/>
+                    </a:lnT>
+                    <a:lnB w="19050" cap="flat" cmpd="sng" algn="ctr">
+                      <a:solidFill>
+                        <a:schemeClr val="accent6"/>
+                      </a:solidFill>
+                      <a:prstDash val="solid"/>
+                      <a:round/>
+                      <a:headEnd type="none" w="med" len="med"/>
+                      <a:tailEnd type="none" w="med" len="med"/>
+                    </a:lnB>
+                    <a:lnTlToBr w="12700" cmpd="sng">
+                      <a:noFill/>
+                      <a:prstDash val="solid"/>
+                    </a:lnTlToBr>
+                    <a:lnBlToTr w="12700" cmpd="sng">
+                      <a:noFill/>
+                      <a:prstDash val="solid"/>
+                    </a:lnBlToTr>
+                    <a:solidFill>
+                      <a:schemeClr val="accent6">
+                        <a:lumMod val="20000"/>
+                        <a:lumOff val="80000"/>
+                      </a:schemeClr>
+                    </a:solidFill>
+                  </a:tcPr>
+                </a:tc>
+                <a:extLst>
+                  <a:ext uri="{0D108BD9-81ED-4DB2-BD59-A6C34878D82A}">
+                    <a16:rowId xmlns:a16="http://schemas.microsoft.com/office/drawing/2014/main" val="1531947066"/>
+                  </a:ext>
+                </a:extLst>
+              </a:tr>
+            </a:tbl>
+          </a:graphicData>
+        </a:graphic>
+      </p:graphicFrame>
+      <p:cxnSp>
+        <p:nvCxnSpPr>
+          <p:cNvPr id="104" name="Straight Connector 103"/>
+          <p:cNvCxnSpPr/>
+          <p:nvPr/>
+        </p:nvCxnSpPr>
+        <p:spPr>
+          <a:xfrm flipV="1">
+            <a:off x="3084242" y="3611451"/>
+            <a:ext cx="1171482" cy="175739"/>
+          </a:xfrm>
+          <a:prstGeom prst="line">
+            <a:avLst/>
+          </a:prstGeom>
+        </p:spPr>
+        <p:style>
+          <a:lnRef idx="1">
+            <a:schemeClr val="accent1"/>
+          </a:lnRef>
+          <a:fillRef idx="0">
+            <a:schemeClr val="accent1"/>
+          </a:fillRef>
+          <a:effectRef idx="0">
+            <a:schemeClr val="accent1"/>
+          </a:effectRef>
+          <a:fontRef idx="minor">
+            <a:schemeClr val="tx1"/>
+          </a:fontRef>
+        </p:style>
+      </p:cxnSp>
+      <p:cxnSp>
+        <p:nvCxnSpPr>
+          <p:cNvPr id="105" name="Straight Connector 104"/>
+          <p:cNvCxnSpPr/>
+          <p:nvPr/>
+        </p:nvCxnSpPr>
+        <p:spPr>
+          <a:xfrm flipV="1">
+            <a:off x="3084242" y="3831288"/>
+            <a:ext cx="1162688" cy="872451"/>
+          </a:xfrm>
+          <a:prstGeom prst="line">
+            <a:avLst/>
+          </a:prstGeom>
+        </p:spPr>
+        <p:style>
+          <a:lnRef idx="1">
+            <a:schemeClr val="accent1"/>
+          </a:lnRef>
+          <a:fillRef idx="0">
+            <a:schemeClr val="accent1"/>
+          </a:fillRef>
+          <a:effectRef idx="0">
+            <a:schemeClr val="accent1"/>
+          </a:effectRef>
+          <a:fontRef idx="minor">
+            <a:schemeClr val="tx1"/>
+          </a:fontRef>
+        </p:style>
+      </p:cxnSp>
+      <p:cxnSp>
+        <p:nvCxnSpPr>
+          <p:cNvPr id="106" name="Straight Connector 105"/>
+          <p:cNvCxnSpPr/>
+          <p:nvPr/>
+        </p:nvCxnSpPr>
+        <p:spPr>
+          <a:xfrm>
+            <a:off x="3190922" y="3688890"/>
+            <a:ext cx="1056008" cy="360617"/>
+          </a:xfrm>
+          <a:prstGeom prst="line">
+            <a:avLst/>
+          </a:prstGeom>
+          <a:ln w="9525" cap="flat" cmpd="sng" algn="ctr">
+            <a:solidFill>
+              <a:schemeClr val="accent2"/>
+            </a:solidFill>
+            <a:prstDash val="dash"/>
+            <a:round/>
+            <a:headEnd type="none" w="med" len="med"/>
+            <a:tailEnd type="none" w="med" len="med"/>
+          </a:ln>
+        </p:spPr>
+        <p:style>
+          <a:lnRef idx="0">
+            <a:scrgbClr r="0" g="0" b="0"/>
+          </a:lnRef>
+          <a:fillRef idx="0">
+            <a:scrgbClr r="0" g="0" b="0"/>
+          </a:fillRef>
+          <a:effectRef idx="0">
+            <a:scrgbClr r="0" g="0" b="0"/>
+          </a:effectRef>
+          <a:fontRef idx="minor">
+            <a:schemeClr val="tx1"/>
+          </a:fontRef>
+        </p:style>
+      </p:cxnSp>
+      <p:cxnSp>
+        <p:nvCxnSpPr>
+          <p:cNvPr id="107" name="Straight Connector 106"/>
+          <p:cNvCxnSpPr/>
+          <p:nvPr/>
+        </p:nvCxnSpPr>
+        <p:spPr>
+          <a:xfrm flipV="1">
+            <a:off x="3190922" y="4277199"/>
+            <a:ext cx="1064802" cy="265134"/>
+          </a:xfrm>
+          <a:prstGeom prst="line">
+            <a:avLst/>
+          </a:prstGeom>
+          <a:ln w="9525" cap="flat" cmpd="sng" algn="ctr">
+            <a:solidFill>
+              <a:schemeClr val="accent2"/>
+            </a:solidFill>
+            <a:prstDash val="dash"/>
+            <a:round/>
+            <a:headEnd type="none" w="med" len="med"/>
+            <a:tailEnd type="none" w="med" len="med"/>
+          </a:ln>
+        </p:spPr>
+        <p:style>
+          <a:lnRef idx="0">
+            <a:scrgbClr r="0" g="0" b="0"/>
+          </a:lnRef>
+          <a:fillRef idx="0">
+            <a:scrgbClr r="0" g="0" b="0"/>
+          </a:fillRef>
+          <a:effectRef idx="0">
+            <a:scrgbClr r="0" g="0" b="0"/>
+          </a:effectRef>
+          <a:fontRef idx="minor">
+            <a:schemeClr val="tx1"/>
+          </a:fontRef>
+        </p:style>
+      </p:cxnSp>
+      <p:cxnSp>
+        <p:nvCxnSpPr>
+          <p:cNvPr id="108" name="Straight Connector 107"/>
+          <p:cNvCxnSpPr/>
+          <p:nvPr/>
+        </p:nvCxnSpPr>
+        <p:spPr>
+          <a:xfrm>
+            <a:off x="3297602" y="3523518"/>
+            <a:ext cx="947332" cy="991332"/>
+          </a:xfrm>
+          <a:prstGeom prst="line">
+            <a:avLst/>
+          </a:prstGeom>
+          <a:ln w="9525" cap="flat" cmpd="sng" algn="ctr">
+            <a:solidFill>
+              <a:schemeClr val="accent6"/>
+            </a:solidFill>
+            <a:prstDash val="dash"/>
+            <a:round/>
+            <a:headEnd type="none" w="med" len="med"/>
+            <a:tailEnd type="none" w="med" len="med"/>
+          </a:ln>
+        </p:spPr>
+        <p:style>
+          <a:lnRef idx="0">
+            <a:scrgbClr r="0" g="0" b="0"/>
+          </a:lnRef>
+          <a:fillRef idx="0">
+            <a:scrgbClr r="0" g="0" b="0"/>
+          </a:fillRef>
+          <a:effectRef idx="0">
+            <a:scrgbClr r="0" g="0" b="0"/>
+          </a:effectRef>
+          <a:fontRef idx="minor">
+            <a:schemeClr val="tx1"/>
+          </a:fontRef>
+        </p:style>
+      </p:cxnSp>
+      <p:cxnSp>
+        <p:nvCxnSpPr>
+          <p:cNvPr id="109" name="Straight Connector 108"/>
+          <p:cNvCxnSpPr/>
+          <p:nvPr/>
+        </p:nvCxnSpPr>
+        <p:spPr>
+          <a:xfrm>
+            <a:off x="3297602" y="4376959"/>
+            <a:ext cx="947332" cy="365761"/>
+          </a:xfrm>
+          <a:prstGeom prst="line">
+            <a:avLst/>
+          </a:prstGeom>
+          <a:ln w="9525" cap="flat" cmpd="sng" algn="ctr">
+            <a:solidFill>
+              <a:schemeClr val="accent6"/>
+            </a:solidFill>
+            <a:prstDash val="dash"/>
+            <a:round/>
+            <a:headEnd type="none" w="med" len="med"/>
+            <a:tailEnd type="none" w="med" len="med"/>
+          </a:ln>
+        </p:spPr>
+        <p:style>
+          <a:lnRef idx="0">
+            <a:scrgbClr r="0" g="0" b="0"/>
+          </a:lnRef>
+          <a:fillRef idx="0">
+            <a:scrgbClr r="0" g="0" b="0"/>
+          </a:fillRef>
+          <a:effectRef idx="0">
+            <a:scrgbClr r="0" g="0" b="0"/>
+          </a:effectRef>
+          <a:fontRef idx="minor">
+            <a:schemeClr val="tx1"/>
+          </a:fontRef>
+        </p:style>
+      </p:cxnSp>
+      <p:cxnSp>
+        <p:nvCxnSpPr>
+          <p:cNvPr id="146" name="Straight Connector 145"/>
+          <p:cNvCxnSpPr/>
+          <p:nvPr/>
+        </p:nvCxnSpPr>
+        <p:spPr>
+          <a:xfrm>
+            <a:off x="4517984" y="2240167"/>
+            <a:ext cx="1701702" cy="855008"/>
+          </a:xfrm>
+          <a:prstGeom prst="line">
+            <a:avLst/>
+          </a:prstGeom>
+          <a:ln w="9525" cap="flat" cmpd="sng" algn="ctr">
+            <a:solidFill>
+              <a:schemeClr val="accent3"/>
+            </a:solidFill>
+            <a:prstDash val="dash"/>
+            <a:round/>
+            <a:headEnd type="none" w="med" len="med"/>
+            <a:tailEnd type="none" w="med" len="med"/>
+          </a:ln>
+        </p:spPr>
+        <p:style>
+          <a:lnRef idx="0">
+            <a:scrgbClr r="0" g="0" b="0"/>
+          </a:lnRef>
+          <a:fillRef idx="0">
+            <a:scrgbClr r="0" g="0" b="0"/>
+          </a:fillRef>
+          <a:effectRef idx="0">
+            <a:scrgbClr r="0" g="0" b="0"/>
+          </a:effectRef>
+          <a:fontRef idx="minor">
+            <a:schemeClr val="tx1"/>
+          </a:fontRef>
+        </p:style>
+      </p:cxnSp>
+      <p:sp>
+        <p:nvSpPr>
+          <p:cNvPr id="209" name="TextBox 208"/>
+          <p:cNvSpPr txBox="1"/>
+          <p:nvPr/>
+        </p:nvSpPr>
+        <p:spPr>
+          <a:xfrm>
+            <a:off x="1100802" y="1734333"/>
+            <a:ext cx="1653334" cy="338554"/>
+          </a:xfrm>
+          <a:prstGeom prst="rect">
+            <a:avLst/>
+          </a:prstGeom>
+          <a:noFill/>
+        </p:spPr>
+        <p:txBody>
+          <a:bodyPr wrap="square" rtlCol="0">
+            <a:spAutoFit/>
+          </a:bodyPr>
+          <a:lstStyle/>
+          <a:p>
+            <a:r>
+              <a:rPr lang="en-US" sz="1600" dirty="0">
+                <a:solidFill>
+                  <a:schemeClr val="bg1">
+                    <a:lumMod val="50000"/>
+                  </a:schemeClr>
+                </a:solidFill>
+              </a:rPr>
+              <a:t>Sequence</a:t>
+            </a:r>
+            <a:r>
+              <a:rPr lang="en-US" sz="1600" dirty="0" smtClean="0"/>
+              <a:t> </a:t>
+            </a:r>
+            <a:endParaRPr lang="en-US" sz="1600" dirty="0"/>
+          </a:p>
+        </p:txBody>
+      </p:sp>
+      <p:sp>
+        <p:nvSpPr>
+          <p:cNvPr id="211" name="TextBox 210"/>
+          <p:cNvSpPr txBox="1"/>
+          <p:nvPr/>
+        </p:nvSpPr>
+        <p:spPr>
+          <a:xfrm>
+            <a:off x="2582163" y="1631059"/>
+            <a:ext cx="1653334" cy="584775"/>
+          </a:xfrm>
+          <a:prstGeom prst="rect">
+            <a:avLst/>
+          </a:prstGeom>
+          <a:noFill/>
+        </p:spPr>
+        <p:txBody>
+          <a:bodyPr wrap="square" rtlCol="0">
+            <a:spAutoFit/>
+          </a:bodyPr>
+          <a:lstStyle/>
+          <a:p>
+            <a:r>
+              <a:rPr lang="en-US" sz="1600" dirty="0" smtClean="0">
+                <a:solidFill>
+                  <a:schemeClr val="bg1">
+                    <a:lumMod val="50000"/>
+                  </a:schemeClr>
+                </a:solidFill>
+              </a:rPr>
+              <a:t>Convolution feature maps</a:t>
+            </a:r>
+            <a:r>
+              <a:rPr lang="en-US" sz="1600" dirty="0" smtClean="0"/>
+              <a:t> </a:t>
+            </a:r>
+            <a:endParaRPr lang="en-US" sz="1600" dirty="0"/>
+          </a:p>
+        </p:txBody>
+      </p:sp>
+      <p:sp>
+        <p:nvSpPr>
+          <p:cNvPr id="212" name="TextBox 211"/>
+          <p:cNvSpPr txBox="1"/>
+          <p:nvPr/>
+        </p:nvSpPr>
+        <p:spPr>
+          <a:xfrm>
+            <a:off x="4063524" y="1740636"/>
+            <a:ext cx="864758" cy="338554"/>
+          </a:xfrm>
+          <a:prstGeom prst="rect">
+            <a:avLst/>
+          </a:prstGeom>
+          <a:noFill/>
+        </p:spPr>
+        <p:txBody>
+          <a:bodyPr wrap="square" rtlCol="0">
+            <a:spAutoFit/>
+          </a:bodyPr>
+          <a:lstStyle/>
+          <a:p>
+            <a:r>
+              <a:rPr lang="en-US" sz="1600" dirty="0">
+                <a:solidFill>
+                  <a:schemeClr val="bg1">
+                    <a:lumMod val="50000"/>
+                  </a:schemeClr>
+                </a:solidFill>
+              </a:rPr>
+              <a:t>Pooling</a:t>
+            </a:r>
+          </a:p>
+        </p:txBody>
+      </p:sp>
+      <p:cxnSp>
+        <p:nvCxnSpPr>
+          <p:cNvPr id="117" name="Straight Connector 116"/>
+          <p:cNvCxnSpPr/>
+          <p:nvPr/>
+        </p:nvCxnSpPr>
+        <p:spPr>
+          <a:xfrm flipV="1">
+            <a:off x="4519980" y="3106486"/>
+            <a:ext cx="896436" cy="268744"/>
+          </a:xfrm>
+          <a:prstGeom prst="line">
+            <a:avLst/>
+          </a:prstGeom>
+          <a:ln>
+            <a:headEnd type="none" w="med" len="med"/>
+            <a:tailEnd type="none" w="med" len="med"/>
+          </a:ln>
+        </p:spPr>
+        <p:style>
+          <a:lnRef idx="1">
+            <a:schemeClr val="accent3"/>
+          </a:lnRef>
+          <a:fillRef idx="0">
+            <a:schemeClr val="accent3"/>
+          </a:fillRef>
+          <a:effectRef idx="0">
+            <a:schemeClr val="accent3"/>
+          </a:effectRef>
+          <a:fontRef idx="minor">
+            <a:schemeClr val="tx1"/>
+          </a:fontRef>
+        </p:style>
+      </p:cxnSp>
+      <p:cxnSp>
+        <p:nvCxnSpPr>
+          <p:cNvPr id="132" name="Straight Connector 131"/>
+          <p:cNvCxnSpPr/>
+          <p:nvPr/>
+        </p:nvCxnSpPr>
+        <p:spPr>
+          <a:xfrm>
+            <a:off x="4517984" y="3611452"/>
+            <a:ext cx="918016" cy="399782"/>
+          </a:xfrm>
+          <a:prstGeom prst="line">
+            <a:avLst/>
+          </a:prstGeom>
+          <a:ln>
+            <a:headEnd type="none" w="med" len="med"/>
+            <a:tailEnd type="none" w="med" len="med"/>
+          </a:ln>
+        </p:spPr>
+        <p:style>
+          <a:lnRef idx="1">
+            <a:schemeClr val="accent3"/>
+          </a:lnRef>
+          <a:fillRef idx="0">
+            <a:schemeClr val="accent3"/>
+          </a:fillRef>
+          <a:effectRef idx="0">
+            <a:schemeClr val="accent3"/>
+          </a:effectRef>
+          <a:fontRef idx="minor">
+            <a:schemeClr val="tx1"/>
+          </a:fontRef>
+        </p:style>
+      </p:cxnSp>
+      <p:cxnSp>
+        <p:nvCxnSpPr>
+          <p:cNvPr id="136" name="Straight Connector 135"/>
+          <p:cNvCxnSpPr/>
+          <p:nvPr/>
+        </p:nvCxnSpPr>
+        <p:spPr>
+          <a:xfrm flipV="1">
+            <a:off x="4519980" y="4011034"/>
+            <a:ext cx="1712043" cy="743770"/>
+          </a:xfrm>
+          <a:prstGeom prst="line">
+            <a:avLst/>
+          </a:prstGeom>
+          <a:ln w="9525" cap="flat" cmpd="sng" algn="ctr">
+            <a:solidFill>
+              <a:schemeClr val="accent3"/>
+            </a:solidFill>
+            <a:prstDash val="dash"/>
+            <a:round/>
+            <a:headEnd type="none" w="med" len="med"/>
+            <a:tailEnd type="none" w="med" len="med"/>
+          </a:ln>
+        </p:spPr>
+        <p:style>
+          <a:lnRef idx="0">
+            <a:scrgbClr r="0" g="0" b="0"/>
+          </a:lnRef>
+          <a:fillRef idx="0">
+            <a:scrgbClr r="0" g="0" b="0"/>
+          </a:fillRef>
+          <a:effectRef idx="0">
+            <a:scrgbClr r="0" g="0" b="0"/>
+          </a:effectRef>
+          <a:fontRef idx="minor">
+            <a:schemeClr val="tx1"/>
+          </a:fontRef>
+        </p:style>
+      </p:cxnSp>
+      <p:graphicFrame>
+        <p:nvGraphicFramePr>
+          <p:cNvPr id="51" name="Table 50"/>
+          <p:cNvGraphicFramePr>
+            <a:graphicFrameLocks noGrp="1"/>
+          </p:cNvGraphicFramePr>
+          <p:nvPr>
+            <p:extLst>
+              <p:ext uri="{D42A27DB-BD31-4B8C-83A1-F6EECF244321}">
+                <p14:modId xmlns:p14="http://schemas.microsoft.com/office/powerpoint/2010/main" val="2296334658"/>
+              </p:ext>
+            </p:extLst>
+          </p:nvPr>
+        </p:nvGraphicFramePr>
+        <p:xfrm>
+          <a:off x="5427206" y="3096005"/>
+          <a:ext cx="805815" cy="914400"/>
+        </p:xfrm>
+        <a:graphic>
+          <a:graphicData uri="http://schemas.openxmlformats.org/drawingml/2006/table">
+            <a:tbl>
+              <a:tblPr firstRow="1" bandRow="1"/>
+              <a:tblGrid>
+                <a:gridCol w="268605">
+                  <a:extLst>
+                    <a:ext uri="{9D8B030D-6E8A-4147-A177-3AD203B41FA5}">
+                      <a16:colId xmlns:a16="http://schemas.microsoft.com/office/drawing/2014/main" val="4185730726"/>
+                    </a:ext>
+                  </a:extLst>
+                </a:gridCol>
+                <a:gridCol w="268605">
+                  <a:extLst>
+                    <a:ext uri="{9D8B030D-6E8A-4147-A177-3AD203B41FA5}">
+                      <a16:colId xmlns:a16="http://schemas.microsoft.com/office/drawing/2014/main" val="1352304641"/>
+                    </a:ext>
+                  </a:extLst>
+                </a:gridCol>
+                <a:gridCol w="268605">
+                  <a:extLst>
+                    <a:ext uri="{9D8B030D-6E8A-4147-A177-3AD203B41FA5}">
+                      <a16:colId xmlns:a16="http://schemas.microsoft.com/office/drawing/2014/main" val="633533869"/>
+                    </a:ext>
+                  </a:extLst>
+                </a:gridCol>
+              </a:tblGrid>
+              <a:tr h="250825">
+                <a:tc>
+                  <a:txBody>
+                    <a:bodyPr/>
+                    <a:lstStyle/>
+                    <a:p>
+                      <a:endParaRPr lang="en-US" sz="1400" dirty="0"/>
+                    </a:p>
+                  </a:txBody>
+                  <a:tcPr>
+                    <a:lnL w="19050" cap="flat" cmpd="sng" algn="ctr">
+                      <a:solidFill>
+                        <a:schemeClr val="bg1">
+                          <a:lumMod val="50000"/>
+                        </a:schemeClr>
+                      </a:solidFill>
+                      <a:prstDash val="solid"/>
+                      <a:round/>
+                      <a:headEnd type="none" w="med" len="med"/>
+                      <a:tailEnd type="none" w="med" len="med"/>
+                    </a:lnL>
+                    <a:lnR w="19050" cap="flat" cmpd="sng" algn="ctr">
+                      <a:solidFill>
+                        <a:schemeClr val="bg1">
+                          <a:lumMod val="50000"/>
+                        </a:schemeClr>
+                      </a:solidFill>
+                      <a:prstDash val="solid"/>
+                      <a:round/>
+                      <a:headEnd type="none" w="med" len="med"/>
+                      <a:tailEnd type="none" w="med" len="med"/>
+                    </a:lnR>
+                    <a:lnT w="19050" cap="flat" cmpd="sng" algn="ctr">
+                      <a:solidFill>
+                        <a:schemeClr val="bg1">
+                          <a:lumMod val="50000"/>
+                        </a:schemeClr>
+                      </a:solidFill>
+                      <a:prstDash val="solid"/>
+                      <a:round/>
+                      <a:headEnd type="none" w="med" len="med"/>
+                      <a:tailEnd type="none" w="med" len="med"/>
+                    </a:lnT>
+                    <a:lnB w="19050" cap="flat" cmpd="sng" algn="ctr">
+                      <a:solidFill>
+                        <a:schemeClr val="bg1">
+                          <a:lumMod val="50000"/>
+                        </a:schemeClr>
+                      </a:solidFill>
+                      <a:prstDash val="solid"/>
+                      <a:round/>
+                      <a:headEnd type="none" w="med" len="med"/>
+                      <a:tailEnd type="none" w="med" len="med"/>
+                    </a:lnB>
+                  </a:tcPr>
+                </a:tc>
+                <a:tc>
+                  <a:txBody>
+                    <a:bodyPr/>
+                    <a:lstStyle/>
+                    <a:p>
+                      <a:endParaRPr lang="en-US" sz="1400"/>
+                    </a:p>
+                  </a:txBody>
+                  <a:tcPr>
+                    <a:lnL w="19050" cap="flat" cmpd="sng" algn="ctr">
+                      <a:solidFill>
+                        <a:schemeClr val="bg1">
+                          <a:lumMod val="50000"/>
+                        </a:schemeClr>
+                      </a:solidFill>
+                      <a:prstDash val="solid"/>
+                      <a:round/>
+                      <a:headEnd type="none" w="med" len="med"/>
+                      <a:tailEnd type="none" w="med" len="med"/>
+                    </a:lnL>
+                    <a:lnR w="19050" cap="flat" cmpd="sng" algn="ctr">
+                      <a:solidFill>
+                        <a:schemeClr val="bg1">
+                          <a:lumMod val="50000"/>
+                        </a:schemeClr>
+                      </a:solidFill>
+                      <a:prstDash val="solid"/>
+                      <a:round/>
+                      <a:headEnd type="none" w="med" len="med"/>
+                      <a:tailEnd type="none" w="med" len="med"/>
+                    </a:lnR>
+                    <a:lnT w="19050" cap="flat" cmpd="sng" algn="ctr">
+                      <a:solidFill>
+                        <a:schemeClr val="bg1">
+                          <a:lumMod val="50000"/>
+                        </a:schemeClr>
+                      </a:solidFill>
+                      <a:prstDash val="solid"/>
+                      <a:round/>
+                      <a:headEnd type="none" w="med" len="med"/>
+                      <a:tailEnd type="none" w="med" len="med"/>
+                    </a:lnT>
+                    <a:lnB w="19050" cap="flat" cmpd="sng" algn="ctr">
+                      <a:solidFill>
+                        <a:schemeClr val="bg1">
+                          <a:lumMod val="50000"/>
+                        </a:schemeClr>
+                      </a:solidFill>
+                      <a:prstDash val="solid"/>
+                      <a:round/>
+                      <a:headEnd type="none" w="med" len="med"/>
+                      <a:tailEnd type="none" w="med" len="med"/>
+                    </a:lnB>
+                  </a:tcPr>
+                </a:tc>
+                <a:tc>
+                  <a:txBody>
+                    <a:bodyPr/>
+                    <a:lstStyle/>
+                    <a:p>
+                      <a:endParaRPr lang="en-US" sz="1400" dirty="0"/>
+                    </a:p>
+                  </a:txBody>
+                  <a:tcPr>
+                    <a:lnL w="19050" cap="flat" cmpd="sng" algn="ctr">
+                      <a:solidFill>
+                        <a:schemeClr val="bg1">
+                          <a:lumMod val="50000"/>
+                        </a:schemeClr>
+                      </a:solidFill>
+                      <a:prstDash val="solid"/>
+                      <a:round/>
+                      <a:headEnd type="none" w="med" len="med"/>
+                      <a:tailEnd type="none" w="med" len="med"/>
+                    </a:lnL>
+                    <a:lnR w="19050" cap="flat" cmpd="sng" algn="ctr">
+                      <a:solidFill>
+                        <a:schemeClr val="bg1">
+                          <a:lumMod val="50000"/>
+                        </a:schemeClr>
+                      </a:solidFill>
+                      <a:prstDash val="solid"/>
+                      <a:round/>
+                      <a:headEnd type="none" w="med" len="med"/>
+                      <a:tailEnd type="none" w="med" len="med"/>
+                    </a:lnR>
+                    <a:lnT w="19050" cap="flat" cmpd="sng" algn="ctr">
+                      <a:solidFill>
+                        <a:schemeClr val="bg1">
+                          <a:lumMod val="50000"/>
+                        </a:schemeClr>
+                      </a:solidFill>
+                      <a:prstDash val="solid"/>
+                      <a:round/>
+                      <a:headEnd type="none" w="med" len="med"/>
+                      <a:tailEnd type="none" w="med" len="med"/>
+                    </a:lnT>
+                    <a:lnB w="19050" cap="flat" cmpd="sng" algn="ctr">
+                      <a:solidFill>
+                        <a:schemeClr val="bg1">
+                          <a:lumMod val="50000"/>
+                        </a:schemeClr>
+                      </a:solidFill>
+                      <a:prstDash val="solid"/>
+                      <a:round/>
+                      <a:headEnd type="none" w="med" len="med"/>
+                      <a:tailEnd type="none" w="med" len="med"/>
+                    </a:lnB>
+                  </a:tcPr>
+                </a:tc>
+                <a:extLst>
+                  <a:ext uri="{0D108BD9-81ED-4DB2-BD59-A6C34878D82A}">
+                    <a16:rowId xmlns:a16="http://schemas.microsoft.com/office/drawing/2014/main" val="3244523905"/>
+                  </a:ext>
+                </a:extLst>
+              </a:tr>
+              <a:tr h="250825">
+                <a:tc>
+                  <a:txBody>
+                    <a:bodyPr/>
+                    <a:lstStyle/>
+                    <a:p>
+                      <a:endParaRPr lang="en-US" sz="1400"/>
+                    </a:p>
+                  </a:txBody>
+                  <a:tcPr>
+                    <a:lnL w="19050" cap="flat" cmpd="sng" algn="ctr">
+                      <a:solidFill>
+                        <a:schemeClr val="bg1">
+                          <a:lumMod val="50000"/>
+                        </a:schemeClr>
+                      </a:solidFill>
+                      <a:prstDash val="solid"/>
+                      <a:round/>
+                      <a:headEnd type="none" w="med" len="med"/>
+                      <a:tailEnd type="none" w="med" len="med"/>
+                    </a:lnL>
+                    <a:lnR w="19050" cap="flat" cmpd="sng" algn="ctr">
+                      <a:solidFill>
+                        <a:schemeClr val="bg1">
+                          <a:lumMod val="50000"/>
+                        </a:schemeClr>
+                      </a:solidFill>
+                      <a:prstDash val="solid"/>
+                      <a:round/>
+                      <a:headEnd type="none" w="med" len="med"/>
+                      <a:tailEnd type="none" w="med" len="med"/>
+                    </a:lnR>
+                    <a:lnT w="19050" cap="flat" cmpd="sng" algn="ctr">
+                      <a:solidFill>
+                        <a:schemeClr val="bg1">
+                          <a:lumMod val="50000"/>
+                        </a:schemeClr>
+                      </a:solidFill>
+                      <a:prstDash val="solid"/>
+                      <a:round/>
+                      <a:headEnd type="none" w="med" len="med"/>
+                      <a:tailEnd type="none" w="med" len="med"/>
+                    </a:lnT>
+                    <a:lnB w="19050" cap="flat" cmpd="sng" algn="ctr">
+                      <a:solidFill>
+                        <a:schemeClr val="bg1">
+                          <a:lumMod val="50000"/>
+                        </a:schemeClr>
+                      </a:solidFill>
+                      <a:prstDash val="solid"/>
+                      <a:round/>
+                      <a:headEnd type="none" w="med" len="med"/>
+                      <a:tailEnd type="none" w="med" len="med"/>
+                    </a:lnB>
+                  </a:tcPr>
+                </a:tc>
+                <a:tc>
+                  <a:txBody>
+                    <a:bodyPr/>
+                    <a:lstStyle/>
+                    <a:p>
+                      <a:endParaRPr lang="en-US" sz="1400"/>
+                    </a:p>
+                  </a:txBody>
+                  <a:tcPr>
+                    <a:lnL w="19050" cap="flat" cmpd="sng" algn="ctr">
+                      <a:solidFill>
+                        <a:schemeClr val="bg1">
+                          <a:lumMod val="50000"/>
+                        </a:schemeClr>
+                      </a:solidFill>
+                      <a:prstDash val="solid"/>
+                      <a:round/>
+                      <a:headEnd type="none" w="med" len="med"/>
+                      <a:tailEnd type="none" w="med" len="med"/>
+                    </a:lnL>
+                    <a:lnR w="19050" cap="flat" cmpd="sng" algn="ctr">
+                      <a:solidFill>
+                        <a:schemeClr val="bg1">
+                          <a:lumMod val="50000"/>
+                        </a:schemeClr>
+                      </a:solidFill>
+                      <a:prstDash val="solid"/>
+                      <a:round/>
+                      <a:headEnd type="none" w="med" len="med"/>
+                      <a:tailEnd type="none" w="med" len="med"/>
+                    </a:lnR>
+                    <a:lnT w="19050" cap="flat" cmpd="sng" algn="ctr">
+                      <a:solidFill>
+                        <a:schemeClr val="bg1">
+                          <a:lumMod val="50000"/>
+                        </a:schemeClr>
+                      </a:solidFill>
+                      <a:prstDash val="solid"/>
+                      <a:round/>
+                      <a:headEnd type="none" w="med" len="med"/>
+                      <a:tailEnd type="none" w="med" len="med"/>
+                    </a:lnT>
+                    <a:lnB w="19050" cap="flat" cmpd="sng" algn="ctr">
+                      <a:solidFill>
+                        <a:schemeClr val="bg1">
+                          <a:lumMod val="50000"/>
+                        </a:schemeClr>
+                      </a:solidFill>
+                      <a:prstDash val="solid"/>
+                      <a:round/>
+                      <a:headEnd type="none" w="med" len="med"/>
+                      <a:tailEnd type="none" w="med" len="med"/>
+                    </a:lnB>
+                  </a:tcPr>
+                </a:tc>
+                <a:tc>
+                  <a:txBody>
+                    <a:bodyPr/>
+                    <a:lstStyle/>
+                    <a:p>
+                      <a:endParaRPr lang="en-US" sz="1400" dirty="0"/>
+                    </a:p>
+                  </a:txBody>
+                  <a:tcPr>
+                    <a:lnL w="19050" cap="flat" cmpd="sng" algn="ctr">
+                      <a:solidFill>
+                        <a:schemeClr val="bg1">
+                          <a:lumMod val="50000"/>
+                        </a:schemeClr>
+                      </a:solidFill>
+                      <a:prstDash val="solid"/>
+                      <a:round/>
+                      <a:headEnd type="none" w="med" len="med"/>
+                      <a:tailEnd type="none" w="med" len="med"/>
+                    </a:lnL>
+                    <a:lnR w="19050" cap="flat" cmpd="sng" algn="ctr">
+                      <a:solidFill>
+                        <a:schemeClr val="bg1">
+                          <a:lumMod val="50000"/>
+                        </a:schemeClr>
+                      </a:solidFill>
+                      <a:prstDash val="solid"/>
+                      <a:round/>
+                      <a:headEnd type="none" w="med" len="med"/>
+                      <a:tailEnd type="none" w="med" len="med"/>
+                    </a:lnR>
+                    <a:lnT w="19050" cap="flat" cmpd="sng" algn="ctr">
+                      <a:solidFill>
+                        <a:schemeClr val="bg1">
+                          <a:lumMod val="50000"/>
+                        </a:schemeClr>
+                      </a:solidFill>
+                      <a:prstDash val="solid"/>
+                      <a:round/>
+                      <a:headEnd type="none" w="med" len="med"/>
+                      <a:tailEnd type="none" w="med" len="med"/>
+                    </a:lnT>
+                    <a:lnB w="19050" cap="flat" cmpd="sng" algn="ctr">
+                      <a:solidFill>
+                        <a:schemeClr val="bg1">
+                          <a:lumMod val="50000"/>
+                        </a:schemeClr>
+                      </a:solidFill>
+                      <a:prstDash val="solid"/>
+                      <a:round/>
+                      <a:headEnd type="none" w="med" len="med"/>
+                      <a:tailEnd type="none" w="med" len="med"/>
+                    </a:lnB>
+                  </a:tcPr>
+                </a:tc>
+                <a:extLst>
+                  <a:ext uri="{0D108BD9-81ED-4DB2-BD59-A6C34878D82A}">
+                    <a16:rowId xmlns:a16="http://schemas.microsoft.com/office/drawing/2014/main" val="3678188319"/>
+                  </a:ext>
+                </a:extLst>
+              </a:tr>
+              <a:tr h="250825">
+                <a:tc>
+                  <a:txBody>
+                    <a:bodyPr/>
+                    <a:lstStyle/>
+                    <a:p>
+                      <a:endParaRPr lang="en-US" sz="1400"/>
+                    </a:p>
+                  </a:txBody>
+                  <a:tcPr>
+                    <a:lnL w="19050" cap="flat" cmpd="sng" algn="ctr">
+                      <a:solidFill>
+                        <a:schemeClr val="bg1">
+                          <a:lumMod val="50000"/>
+                        </a:schemeClr>
+                      </a:solidFill>
+                      <a:prstDash val="solid"/>
+                      <a:round/>
+                      <a:headEnd type="none" w="med" len="med"/>
+                      <a:tailEnd type="none" w="med" len="med"/>
+                    </a:lnL>
+                    <a:lnR w="19050" cap="flat" cmpd="sng" algn="ctr">
+                      <a:solidFill>
+                        <a:schemeClr val="bg1">
+                          <a:lumMod val="50000"/>
+                        </a:schemeClr>
+                      </a:solidFill>
+                      <a:prstDash val="solid"/>
+                      <a:round/>
+                      <a:headEnd type="none" w="med" len="med"/>
+                      <a:tailEnd type="none" w="med" len="med"/>
+                    </a:lnR>
+                    <a:lnT w="19050" cap="flat" cmpd="sng" algn="ctr">
+                      <a:solidFill>
+                        <a:schemeClr val="bg1">
+                          <a:lumMod val="50000"/>
+                        </a:schemeClr>
+                      </a:solidFill>
+                      <a:prstDash val="solid"/>
+                      <a:round/>
+                      <a:headEnd type="none" w="med" len="med"/>
+                      <a:tailEnd type="none" w="med" len="med"/>
+                    </a:lnT>
+                    <a:lnB w="19050" cap="flat" cmpd="sng" algn="ctr">
+                      <a:solidFill>
+                        <a:schemeClr val="bg1">
+                          <a:lumMod val="50000"/>
+                        </a:schemeClr>
+                      </a:solidFill>
+                      <a:prstDash val="solid"/>
+                      <a:round/>
+                      <a:headEnd type="none" w="med" len="med"/>
+                      <a:tailEnd type="none" w="med" len="med"/>
+                    </a:lnB>
+                  </a:tcPr>
+                </a:tc>
+                <a:tc>
+                  <a:txBody>
+                    <a:bodyPr/>
+                    <a:lstStyle/>
+                    <a:p>
+                      <a:endParaRPr lang="en-US" sz="1400" dirty="0"/>
+                    </a:p>
+                  </a:txBody>
+                  <a:tcPr>
+                    <a:lnL w="19050" cap="flat" cmpd="sng" algn="ctr">
+                      <a:solidFill>
+                        <a:schemeClr val="bg1">
+                          <a:lumMod val="50000"/>
+                        </a:schemeClr>
+                      </a:solidFill>
+                      <a:prstDash val="solid"/>
+                      <a:round/>
+                      <a:headEnd type="none" w="med" len="med"/>
+                      <a:tailEnd type="none" w="med" len="med"/>
+                    </a:lnL>
+                    <a:lnR w="19050" cap="flat" cmpd="sng" algn="ctr">
+                      <a:solidFill>
+                        <a:schemeClr val="bg1">
+                          <a:lumMod val="50000"/>
+                        </a:schemeClr>
+                      </a:solidFill>
+                      <a:prstDash val="solid"/>
+                      <a:round/>
+                      <a:headEnd type="none" w="med" len="med"/>
+                      <a:tailEnd type="none" w="med" len="med"/>
+                    </a:lnR>
+                    <a:lnT w="19050" cap="flat" cmpd="sng" algn="ctr">
+                      <a:solidFill>
+                        <a:schemeClr val="bg1">
+                          <a:lumMod val="50000"/>
+                        </a:schemeClr>
+                      </a:solidFill>
+                      <a:prstDash val="solid"/>
+                      <a:round/>
+                      <a:headEnd type="none" w="med" len="med"/>
+                      <a:tailEnd type="none" w="med" len="med"/>
+                    </a:lnT>
+                    <a:lnB w="19050" cap="flat" cmpd="sng" algn="ctr">
+                      <a:solidFill>
+                        <a:schemeClr val="bg1">
+                          <a:lumMod val="50000"/>
+                        </a:schemeClr>
+                      </a:solidFill>
+                      <a:prstDash val="solid"/>
+                      <a:round/>
+                      <a:headEnd type="none" w="med" len="med"/>
+                      <a:tailEnd type="none" w="med" len="med"/>
+                    </a:lnB>
+                  </a:tcPr>
+                </a:tc>
+                <a:tc>
+                  <a:txBody>
+                    <a:bodyPr/>
+                    <a:lstStyle/>
+                    <a:p>
+                      <a:endParaRPr lang="en-US" sz="1400" dirty="0"/>
+                    </a:p>
+                  </a:txBody>
+                  <a:tcPr>
+                    <a:lnL w="19050" cap="flat" cmpd="sng" algn="ctr">
+                      <a:solidFill>
+                        <a:schemeClr val="bg1">
+                          <a:lumMod val="50000"/>
+                        </a:schemeClr>
+                      </a:solidFill>
+                      <a:prstDash val="solid"/>
+                      <a:round/>
+                      <a:headEnd type="none" w="med" len="med"/>
+                      <a:tailEnd type="none" w="med" len="med"/>
+                    </a:lnL>
+                    <a:lnR w="19050" cap="flat" cmpd="sng" algn="ctr">
+                      <a:solidFill>
+                        <a:schemeClr val="bg1">
+                          <a:lumMod val="50000"/>
+                        </a:schemeClr>
+                      </a:solidFill>
+                      <a:prstDash val="solid"/>
+                      <a:round/>
+                      <a:headEnd type="none" w="med" len="med"/>
+                      <a:tailEnd type="none" w="med" len="med"/>
+                    </a:lnR>
+                    <a:lnT w="19050" cap="flat" cmpd="sng" algn="ctr">
+                      <a:solidFill>
+                        <a:schemeClr val="bg1">
+                          <a:lumMod val="50000"/>
+                        </a:schemeClr>
+                      </a:solidFill>
+                      <a:prstDash val="solid"/>
+                      <a:round/>
+                      <a:headEnd type="none" w="med" len="med"/>
+                      <a:tailEnd type="none" w="med" len="med"/>
+                    </a:lnT>
+                    <a:lnB w="19050" cap="flat" cmpd="sng" algn="ctr">
+                      <a:solidFill>
+                        <a:schemeClr val="bg1">
+                          <a:lumMod val="50000"/>
+                        </a:schemeClr>
+                      </a:solidFill>
+                      <a:prstDash val="solid"/>
+                      <a:round/>
+                      <a:headEnd type="none" w="med" len="med"/>
+                      <a:tailEnd type="none" w="med" len="med"/>
+                    </a:lnB>
+                  </a:tcPr>
+                </a:tc>
+                <a:extLst>
+                  <a:ext uri="{0D108BD9-81ED-4DB2-BD59-A6C34878D82A}">
+                    <a16:rowId xmlns:a16="http://schemas.microsoft.com/office/drawing/2014/main" val="2525101301"/>
+                  </a:ext>
+                </a:extLst>
+              </a:tr>
+            </a:tbl>
+          </a:graphicData>
+        </a:graphic>
+      </p:graphicFrame>
+      <p:sp>
+        <p:nvSpPr>
+          <p:cNvPr id="58" name="TextBox 57"/>
+          <p:cNvSpPr txBox="1"/>
+          <p:nvPr/>
+        </p:nvSpPr>
+        <p:spPr>
+          <a:xfrm>
+            <a:off x="5230537" y="1754169"/>
+            <a:ext cx="1653334" cy="338554"/>
+          </a:xfrm>
+          <a:prstGeom prst="rect">
+            <a:avLst/>
+          </a:prstGeom>
+          <a:noFill/>
+        </p:spPr>
+        <p:txBody>
+          <a:bodyPr wrap="square" rtlCol="0">
+            <a:spAutoFit/>
+          </a:bodyPr>
+          <a:lstStyle/>
+          <a:p>
+            <a:r>
+              <a:rPr lang="en-US" sz="1600" dirty="0" smtClean="0">
+                <a:solidFill>
+                  <a:schemeClr val="bg1">
+                    <a:lumMod val="50000"/>
+                  </a:schemeClr>
+                </a:solidFill>
+              </a:rPr>
+              <a:t>Fusion layer</a:t>
+            </a:r>
+            <a:endParaRPr lang="en-US" sz="1600" dirty="0"/>
+          </a:p>
+        </p:txBody>
+      </p:sp>
+      <p:graphicFrame>
+        <p:nvGraphicFramePr>
+          <p:cNvPr id="59" name="Table 58"/>
+          <p:cNvGraphicFramePr>
+            <a:graphicFrameLocks noGrp="1"/>
+          </p:cNvGraphicFramePr>
+          <p:nvPr>
+            <p:extLst>
+              <p:ext uri="{D42A27DB-BD31-4B8C-83A1-F6EECF244321}">
+                <p14:modId xmlns:p14="http://schemas.microsoft.com/office/powerpoint/2010/main" val="1314148203"/>
+              </p:ext>
+            </p:extLst>
+          </p:nvPr>
+        </p:nvGraphicFramePr>
+        <p:xfrm>
+          <a:off x="7180353" y="2480360"/>
+          <a:ext cx="273050" cy="2060298"/>
+        </p:xfrm>
+        <a:graphic>
+          <a:graphicData uri="http://schemas.openxmlformats.org/drawingml/2006/table">
+            <a:tbl>
+              <a:tblPr firstRow="1" bandRow="1">
+                <a:tableStyleId>{5940675A-B579-460E-94D1-54222C63F5DA}</a:tableStyleId>
+              </a:tblPr>
+              <a:tblGrid>
+                <a:gridCol w="273050">
+                  <a:extLst>
+                    <a:ext uri="{9D8B030D-6E8A-4147-A177-3AD203B41FA5}">
+                      <a16:colId xmlns:a16="http://schemas.microsoft.com/office/drawing/2014/main" val="4185730726"/>
+                    </a:ext>
+                  </a:extLst>
+                </a:gridCol>
+              </a:tblGrid>
+              <a:tr h="228922">
+                <a:tc>
+                  <a:txBody>
+                    <a:bodyPr/>
+                    <a:lstStyle/>
+                    <a:p>
+                      <a:endParaRPr lang="en-US" sz="800" dirty="0"/>
+                    </a:p>
+                  </a:txBody>
+                  <a:tcPr>
+                    <a:lnL w="12700" cap="flat" cmpd="sng" algn="ctr">
+                      <a:solidFill>
+                        <a:schemeClr val="bg1">
+                          <a:lumMod val="50000"/>
+                        </a:schemeClr>
+                      </a:solidFill>
+                      <a:prstDash val="solid"/>
+                      <a:round/>
+                      <a:headEnd type="none" w="med" len="med"/>
+                      <a:tailEnd type="none" w="med" len="med"/>
+                    </a:lnL>
+                    <a:lnR w="12700" cap="flat" cmpd="sng" algn="ctr">
+                      <a:solidFill>
+                        <a:schemeClr val="bg1">
+                          <a:lumMod val="50000"/>
+                        </a:schemeClr>
+                      </a:solidFill>
+                      <a:prstDash val="solid"/>
+                      <a:round/>
+                      <a:headEnd type="none" w="med" len="med"/>
+                      <a:tailEnd type="none" w="med" len="med"/>
+                    </a:lnR>
+                    <a:lnT w="12700" cap="flat" cmpd="sng" algn="ctr">
+                      <a:solidFill>
+                        <a:schemeClr val="bg1">
+                          <a:lumMod val="50000"/>
+                        </a:schemeClr>
+                      </a:solidFill>
+                      <a:prstDash val="solid"/>
+                      <a:round/>
+                      <a:headEnd type="none" w="med" len="med"/>
+                      <a:tailEnd type="none" w="med" len="med"/>
+                    </a:lnT>
+                    <a:lnB w="12700" cap="flat" cmpd="sng" algn="ctr">
+                      <a:solidFill>
+                        <a:schemeClr val="bg1">
+                          <a:lumMod val="50000"/>
+                        </a:schemeClr>
+                      </a:solidFill>
+                      <a:prstDash val="solid"/>
+                      <a:round/>
+                      <a:headEnd type="none" w="med" len="med"/>
+                      <a:tailEnd type="none" w="med" len="med"/>
+                    </a:lnB>
+                    <a:lnTlToBr w="12700" cmpd="sng">
+                      <a:noFill/>
+                      <a:prstDash val="solid"/>
+                    </a:lnTlToBr>
+                    <a:lnBlToTr w="12700" cmpd="sng">
+                      <a:noFill/>
+                      <a:prstDash val="solid"/>
+                    </a:lnBlToTr>
+                    <a:solidFill>
+                      <a:schemeClr val="bg1">
+                        <a:lumMod val="95000"/>
+                      </a:schemeClr>
+                    </a:solidFill>
+                  </a:tcPr>
+                </a:tc>
+                <a:extLst>
+                  <a:ext uri="{0D108BD9-81ED-4DB2-BD59-A6C34878D82A}">
+                    <a16:rowId xmlns:a16="http://schemas.microsoft.com/office/drawing/2014/main" val="3678188319"/>
+                  </a:ext>
+                </a:extLst>
+              </a:tr>
+              <a:tr h="228922">
+                <a:tc>
+                  <a:txBody>
+                    <a:bodyPr/>
+                    <a:lstStyle/>
+                    <a:p>
+                      <a:endParaRPr lang="en-US" sz="800" dirty="0"/>
+                    </a:p>
+                  </a:txBody>
+                  <a:tcPr>
+                    <a:lnL w="12700" cap="flat" cmpd="sng" algn="ctr">
+                      <a:solidFill>
+                        <a:schemeClr val="bg1">
+                          <a:lumMod val="50000"/>
+                        </a:schemeClr>
+                      </a:solidFill>
+                      <a:prstDash val="solid"/>
+                      <a:round/>
+                      <a:headEnd type="none" w="med" len="med"/>
+                      <a:tailEnd type="none" w="med" len="med"/>
+                    </a:lnL>
+                    <a:lnR w="12700" cap="flat" cmpd="sng" algn="ctr">
+                      <a:solidFill>
+                        <a:schemeClr val="bg1">
+                          <a:lumMod val="50000"/>
+                        </a:schemeClr>
+                      </a:solidFill>
+                      <a:prstDash val="solid"/>
+                      <a:round/>
+                      <a:headEnd type="none" w="med" len="med"/>
+                      <a:tailEnd type="none" w="med" len="med"/>
+                    </a:lnR>
+                    <a:lnT w="12700" cap="flat" cmpd="sng" algn="ctr">
+                      <a:solidFill>
+                        <a:schemeClr val="bg1">
+                          <a:lumMod val="50000"/>
+                        </a:schemeClr>
+                      </a:solidFill>
+                      <a:prstDash val="solid"/>
+                      <a:round/>
+                      <a:headEnd type="none" w="med" len="med"/>
+                      <a:tailEnd type="none" w="med" len="med"/>
+                    </a:lnT>
+                    <a:lnB w="12700" cap="flat" cmpd="sng" algn="ctr">
+                      <a:solidFill>
+                        <a:schemeClr val="bg1">
+                          <a:lumMod val="50000"/>
+                        </a:schemeClr>
+                      </a:solidFill>
+                      <a:prstDash val="solid"/>
+                      <a:round/>
+                      <a:headEnd type="none" w="med" len="med"/>
+                      <a:tailEnd type="none" w="med" len="med"/>
+                    </a:lnB>
+                    <a:lnTlToBr w="12700" cmpd="sng">
+                      <a:noFill/>
+                      <a:prstDash val="solid"/>
+                    </a:lnTlToBr>
+                    <a:lnBlToTr w="12700" cmpd="sng">
+                      <a:noFill/>
+                      <a:prstDash val="solid"/>
+                    </a:lnBlToTr>
+                    <a:solidFill>
+                      <a:schemeClr val="bg1">
+                        <a:lumMod val="95000"/>
+                      </a:schemeClr>
+                    </a:solidFill>
+                  </a:tcPr>
+                </a:tc>
+                <a:extLst>
+                  <a:ext uri="{0D108BD9-81ED-4DB2-BD59-A6C34878D82A}">
+                    <a16:rowId xmlns:a16="http://schemas.microsoft.com/office/drawing/2014/main" val="2525101301"/>
+                  </a:ext>
+                </a:extLst>
+              </a:tr>
+              <a:tr h="228922">
+                <a:tc>
+                  <a:txBody>
+                    <a:bodyPr/>
+                    <a:lstStyle/>
+                    <a:p>
+                      <a:endParaRPr lang="en-US" sz="800" dirty="0"/>
+                    </a:p>
+                  </a:txBody>
+                  <a:tcPr>
+                    <a:lnL w="12700" cap="flat" cmpd="sng" algn="ctr">
+                      <a:solidFill>
+                        <a:schemeClr val="bg1">
+                          <a:lumMod val="50000"/>
+                        </a:schemeClr>
+                      </a:solidFill>
+                      <a:prstDash val="solid"/>
+                      <a:round/>
+                      <a:headEnd type="none" w="med" len="med"/>
+                      <a:tailEnd type="none" w="med" len="med"/>
+                    </a:lnL>
+                    <a:lnR w="12700" cap="flat" cmpd="sng" algn="ctr">
+                      <a:solidFill>
+                        <a:schemeClr val="bg1">
+                          <a:lumMod val="50000"/>
+                        </a:schemeClr>
+                      </a:solidFill>
+                      <a:prstDash val="solid"/>
+                      <a:round/>
+                      <a:headEnd type="none" w="med" len="med"/>
+                      <a:tailEnd type="none" w="med" len="med"/>
+                    </a:lnR>
+                    <a:lnT w="12700" cap="flat" cmpd="sng" algn="ctr">
+                      <a:solidFill>
+                        <a:schemeClr val="bg1">
+                          <a:lumMod val="50000"/>
+                        </a:schemeClr>
+                      </a:solidFill>
+                      <a:prstDash val="solid"/>
+                      <a:round/>
+                      <a:headEnd type="none" w="med" len="med"/>
+                      <a:tailEnd type="none" w="med" len="med"/>
+                    </a:lnT>
+                    <a:lnB w="12700" cap="flat" cmpd="sng" algn="ctr">
+                      <a:solidFill>
+                        <a:schemeClr val="bg1">
+                          <a:lumMod val="50000"/>
+                        </a:schemeClr>
+                      </a:solidFill>
+                      <a:prstDash val="solid"/>
+                      <a:round/>
+                      <a:headEnd type="none" w="med" len="med"/>
+                      <a:tailEnd type="none" w="med" len="med"/>
+                    </a:lnB>
+                    <a:lnTlToBr w="12700" cmpd="sng">
+                      <a:noFill/>
+                      <a:prstDash val="solid"/>
+                    </a:lnTlToBr>
+                    <a:lnBlToTr w="12700" cmpd="sng">
+                      <a:noFill/>
+                      <a:prstDash val="solid"/>
+                    </a:lnBlToTr>
+                    <a:solidFill>
+                      <a:schemeClr val="bg1">
+                        <a:lumMod val="95000"/>
+                      </a:schemeClr>
+                    </a:solidFill>
+                  </a:tcPr>
+                </a:tc>
+                <a:extLst>
+                  <a:ext uri="{0D108BD9-81ED-4DB2-BD59-A6C34878D82A}">
+                    <a16:rowId xmlns:a16="http://schemas.microsoft.com/office/drawing/2014/main" val="1313577860"/>
+                  </a:ext>
+                </a:extLst>
+              </a:tr>
+              <a:tr h="228922">
+                <a:tc>
+                  <a:txBody>
+                    <a:bodyPr/>
+                    <a:lstStyle/>
+                    <a:p>
+                      <a:endParaRPr lang="en-US" sz="800" dirty="0"/>
+                    </a:p>
+                  </a:txBody>
+                  <a:tcPr>
+                    <a:lnL w="12700" cap="flat" cmpd="sng" algn="ctr">
+                      <a:solidFill>
+                        <a:schemeClr val="bg1">
+                          <a:lumMod val="50000"/>
+                        </a:schemeClr>
+                      </a:solidFill>
+                      <a:prstDash val="solid"/>
+                      <a:round/>
+                      <a:headEnd type="none" w="med" len="med"/>
+                      <a:tailEnd type="none" w="med" len="med"/>
+                    </a:lnL>
+                    <a:lnR w="12700" cap="flat" cmpd="sng" algn="ctr">
+                      <a:solidFill>
+                        <a:schemeClr val="bg1">
+                          <a:lumMod val="50000"/>
+                        </a:schemeClr>
+                      </a:solidFill>
+                      <a:prstDash val="solid"/>
+                      <a:round/>
+                      <a:headEnd type="none" w="med" len="med"/>
+                      <a:tailEnd type="none" w="med" len="med"/>
+                    </a:lnR>
+                    <a:lnT w="12700" cap="flat" cmpd="sng" algn="ctr">
+                      <a:solidFill>
+                        <a:schemeClr val="bg1">
+                          <a:lumMod val="50000"/>
+                        </a:schemeClr>
+                      </a:solidFill>
+                      <a:prstDash val="solid"/>
+                      <a:round/>
+                      <a:headEnd type="none" w="med" len="med"/>
+                      <a:tailEnd type="none" w="med" len="med"/>
+                    </a:lnT>
+                    <a:lnB w="12700" cap="flat" cmpd="sng" algn="ctr">
+                      <a:solidFill>
+                        <a:schemeClr val="bg1">
+                          <a:lumMod val="50000"/>
+                        </a:schemeClr>
+                      </a:solidFill>
+                      <a:prstDash val="solid"/>
+                      <a:round/>
+                      <a:headEnd type="none" w="med" len="med"/>
+                      <a:tailEnd type="none" w="med" len="med"/>
+                    </a:lnB>
+                    <a:lnTlToBr w="12700" cmpd="sng">
+                      <a:noFill/>
+                      <a:prstDash val="solid"/>
+                    </a:lnTlToBr>
+                    <a:lnBlToTr w="12700" cmpd="sng">
+                      <a:noFill/>
+                      <a:prstDash val="solid"/>
+                    </a:lnBlToTr>
+                    <a:solidFill>
+                      <a:schemeClr val="bg1">
+                        <a:lumMod val="95000"/>
+                      </a:schemeClr>
+                    </a:solidFill>
+                  </a:tcPr>
+                </a:tc>
+                <a:extLst>
+                  <a:ext uri="{0D108BD9-81ED-4DB2-BD59-A6C34878D82A}">
+                    <a16:rowId xmlns:a16="http://schemas.microsoft.com/office/drawing/2014/main" val="279552576"/>
+                  </a:ext>
+                </a:extLst>
+              </a:tr>
+              <a:tr h="228922">
+                <a:tc>
+                  <a:txBody>
+                    <a:bodyPr/>
+                    <a:lstStyle/>
+                    <a:p>
+                      <a:endParaRPr lang="en-US" sz="800" dirty="0"/>
+                    </a:p>
+                  </a:txBody>
+                  <a:tcPr>
+                    <a:lnL w="12700" cap="flat" cmpd="sng" algn="ctr">
+                      <a:solidFill>
+                        <a:schemeClr val="bg1">
+                          <a:lumMod val="50000"/>
+                        </a:schemeClr>
+                      </a:solidFill>
+                      <a:prstDash val="solid"/>
+                      <a:round/>
+                      <a:headEnd type="none" w="med" len="med"/>
+                      <a:tailEnd type="none" w="med" len="med"/>
+                    </a:lnL>
+                    <a:lnR w="12700" cap="flat" cmpd="sng" algn="ctr">
+                      <a:solidFill>
+                        <a:schemeClr val="bg1">
+                          <a:lumMod val="50000"/>
+                        </a:schemeClr>
+                      </a:solidFill>
+                      <a:prstDash val="solid"/>
+                      <a:round/>
+                      <a:headEnd type="none" w="med" len="med"/>
+                      <a:tailEnd type="none" w="med" len="med"/>
+                    </a:lnR>
+                    <a:lnT w="12700" cap="flat" cmpd="sng" algn="ctr">
+                      <a:solidFill>
+                        <a:schemeClr val="bg1">
+                          <a:lumMod val="50000"/>
+                        </a:schemeClr>
+                      </a:solidFill>
+                      <a:prstDash val="solid"/>
+                      <a:round/>
+                      <a:headEnd type="none" w="med" len="med"/>
+                      <a:tailEnd type="none" w="med" len="med"/>
+                    </a:lnT>
+                    <a:lnB w="12700" cap="flat" cmpd="sng" algn="ctr">
+                      <a:solidFill>
+                        <a:schemeClr val="bg1">
+                          <a:lumMod val="50000"/>
+                        </a:schemeClr>
+                      </a:solidFill>
+                      <a:prstDash val="solid"/>
+                      <a:round/>
+                      <a:headEnd type="none" w="med" len="med"/>
+                      <a:tailEnd type="none" w="med" len="med"/>
+                    </a:lnB>
+                    <a:lnTlToBr w="12700" cmpd="sng">
+                      <a:noFill/>
+                      <a:prstDash val="solid"/>
+                    </a:lnTlToBr>
+                    <a:lnBlToTr w="12700" cmpd="sng">
+                      <a:noFill/>
+                      <a:prstDash val="solid"/>
+                    </a:lnBlToTr>
+                    <a:solidFill>
+                      <a:schemeClr val="bg1">
+                        <a:lumMod val="95000"/>
+                      </a:schemeClr>
+                    </a:solidFill>
+                  </a:tcPr>
+                </a:tc>
+                <a:extLst>
+                  <a:ext uri="{0D108BD9-81ED-4DB2-BD59-A6C34878D82A}">
+                    <a16:rowId xmlns:a16="http://schemas.microsoft.com/office/drawing/2014/main" val="1531947066"/>
+                  </a:ext>
+                </a:extLst>
+              </a:tr>
+              <a:tr h="228922">
+                <a:tc>
+                  <a:txBody>
+                    <a:bodyPr/>
+                    <a:lstStyle/>
+                    <a:p>
+                      <a:endParaRPr lang="en-US" sz="800" dirty="0"/>
+                    </a:p>
+                  </a:txBody>
+                  <a:tcPr>
+                    <a:lnL w="12700" cap="flat" cmpd="sng" algn="ctr">
+                      <a:solidFill>
+                        <a:schemeClr val="bg1">
+                          <a:lumMod val="50000"/>
+                        </a:schemeClr>
+                      </a:solidFill>
+                      <a:prstDash val="solid"/>
+                      <a:round/>
+                      <a:headEnd type="none" w="med" len="med"/>
+                      <a:tailEnd type="none" w="med" len="med"/>
+                    </a:lnL>
+                    <a:lnR w="12700" cap="flat" cmpd="sng" algn="ctr">
+                      <a:solidFill>
+                        <a:schemeClr val="bg1">
+                          <a:lumMod val="50000"/>
+                        </a:schemeClr>
+                      </a:solidFill>
+                      <a:prstDash val="solid"/>
+                      <a:round/>
+                      <a:headEnd type="none" w="med" len="med"/>
+                      <a:tailEnd type="none" w="med" len="med"/>
+                    </a:lnR>
+                    <a:lnT w="12700" cap="flat" cmpd="sng" algn="ctr">
+                      <a:solidFill>
+                        <a:schemeClr val="bg1">
+                          <a:lumMod val="50000"/>
+                        </a:schemeClr>
+                      </a:solidFill>
+                      <a:prstDash val="solid"/>
+                      <a:round/>
+                      <a:headEnd type="none" w="med" len="med"/>
+                      <a:tailEnd type="none" w="med" len="med"/>
+                    </a:lnT>
+                    <a:lnB w="12700" cap="flat" cmpd="sng" algn="ctr">
+                      <a:solidFill>
+                        <a:schemeClr val="bg1">
+                          <a:lumMod val="50000"/>
+                        </a:schemeClr>
+                      </a:solidFill>
+                      <a:prstDash val="solid"/>
+                      <a:round/>
+                      <a:headEnd type="none" w="med" len="med"/>
+                      <a:tailEnd type="none" w="med" len="med"/>
+                    </a:lnB>
+                    <a:lnTlToBr w="12700" cmpd="sng">
+                      <a:noFill/>
+                      <a:prstDash val="solid"/>
+                    </a:lnTlToBr>
+                    <a:lnBlToTr w="12700" cmpd="sng">
+                      <a:noFill/>
+                      <a:prstDash val="solid"/>
+                    </a:lnBlToTr>
+                    <a:solidFill>
+                      <a:schemeClr val="bg1">
+                        <a:lumMod val="95000"/>
+                      </a:schemeClr>
+                    </a:solidFill>
+                  </a:tcPr>
+                </a:tc>
+                <a:extLst>
+                  <a:ext uri="{0D108BD9-81ED-4DB2-BD59-A6C34878D82A}">
+                    <a16:rowId xmlns:a16="http://schemas.microsoft.com/office/drawing/2014/main" val="990489041"/>
+                  </a:ext>
+                </a:extLst>
+              </a:tr>
+              <a:tr h="228922">
+                <a:tc>
+                  <a:txBody>
+                    <a:bodyPr/>
+                    <a:lstStyle/>
+                    <a:p>
+                      <a:endParaRPr lang="en-US" sz="800" dirty="0"/>
+                    </a:p>
+                  </a:txBody>
+                  <a:tcPr>
+                    <a:lnL w="12700" cap="flat" cmpd="sng" algn="ctr">
+                      <a:solidFill>
+                        <a:schemeClr val="bg1">
+                          <a:lumMod val="50000"/>
+                        </a:schemeClr>
+                      </a:solidFill>
+                      <a:prstDash val="solid"/>
+                      <a:round/>
+                      <a:headEnd type="none" w="med" len="med"/>
+                      <a:tailEnd type="none" w="med" len="med"/>
+                    </a:lnL>
+                    <a:lnR w="12700" cap="flat" cmpd="sng" algn="ctr">
+                      <a:solidFill>
+                        <a:schemeClr val="bg1">
+                          <a:lumMod val="50000"/>
+                        </a:schemeClr>
+                      </a:solidFill>
+                      <a:prstDash val="solid"/>
+                      <a:round/>
+                      <a:headEnd type="none" w="med" len="med"/>
+                      <a:tailEnd type="none" w="med" len="med"/>
+                    </a:lnR>
+                    <a:lnT w="12700" cap="flat" cmpd="sng" algn="ctr">
+                      <a:solidFill>
+                        <a:schemeClr val="bg1">
+                          <a:lumMod val="50000"/>
+                        </a:schemeClr>
+                      </a:solidFill>
+                      <a:prstDash val="solid"/>
+                      <a:round/>
+                      <a:headEnd type="none" w="med" len="med"/>
+                      <a:tailEnd type="none" w="med" len="med"/>
+                    </a:lnT>
+                    <a:lnB w="12700" cap="flat" cmpd="sng" algn="ctr">
+                      <a:solidFill>
+                        <a:schemeClr val="bg1">
+                          <a:lumMod val="50000"/>
+                        </a:schemeClr>
+                      </a:solidFill>
+                      <a:prstDash val="solid"/>
+                      <a:round/>
+                      <a:headEnd type="none" w="med" len="med"/>
+                      <a:tailEnd type="none" w="med" len="med"/>
+                    </a:lnB>
+                    <a:lnTlToBr w="12700" cmpd="sng">
+                      <a:noFill/>
+                      <a:prstDash val="solid"/>
+                    </a:lnTlToBr>
+                    <a:lnBlToTr w="12700" cmpd="sng">
+                      <a:noFill/>
+                      <a:prstDash val="solid"/>
+                    </a:lnBlToTr>
+                    <a:solidFill>
+                      <a:schemeClr val="bg1">
+                        <a:lumMod val="95000"/>
+                      </a:schemeClr>
+                    </a:solidFill>
+                  </a:tcPr>
+                </a:tc>
+                <a:extLst>
+                  <a:ext uri="{0D108BD9-81ED-4DB2-BD59-A6C34878D82A}">
+                    <a16:rowId xmlns:a16="http://schemas.microsoft.com/office/drawing/2014/main" val="1637261236"/>
+                  </a:ext>
+                </a:extLst>
+              </a:tr>
+              <a:tr h="228922">
+                <a:tc>
+                  <a:txBody>
+                    <a:bodyPr/>
+                    <a:lstStyle/>
+                    <a:p>
+                      <a:endParaRPr lang="en-US" sz="800" dirty="0"/>
+                    </a:p>
+                  </a:txBody>
+                  <a:tcPr>
+                    <a:lnL w="12700" cap="flat" cmpd="sng" algn="ctr">
+                      <a:solidFill>
+                        <a:schemeClr val="bg1">
+                          <a:lumMod val="50000"/>
+                        </a:schemeClr>
+                      </a:solidFill>
+                      <a:prstDash val="solid"/>
+                      <a:round/>
+                      <a:headEnd type="none" w="med" len="med"/>
+                      <a:tailEnd type="none" w="med" len="med"/>
+                    </a:lnL>
+                    <a:lnR w="12700" cap="flat" cmpd="sng" algn="ctr">
+                      <a:solidFill>
+                        <a:schemeClr val="bg1">
+                          <a:lumMod val="50000"/>
+                        </a:schemeClr>
+                      </a:solidFill>
+                      <a:prstDash val="solid"/>
+                      <a:round/>
+                      <a:headEnd type="none" w="med" len="med"/>
+                      <a:tailEnd type="none" w="med" len="med"/>
+                    </a:lnR>
+                    <a:lnT w="12700" cap="flat" cmpd="sng" algn="ctr">
+                      <a:solidFill>
+                        <a:schemeClr val="bg1">
+                          <a:lumMod val="50000"/>
+                        </a:schemeClr>
+                      </a:solidFill>
+                      <a:prstDash val="solid"/>
+                      <a:round/>
+                      <a:headEnd type="none" w="med" len="med"/>
+                      <a:tailEnd type="none" w="med" len="med"/>
+                    </a:lnT>
+                    <a:lnB w="12700" cap="flat" cmpd="sng" algn="ctr">
+                      <a:solidFill>
+                        <a:schemeClr val="bg1">
+                          <a:lumMod val="50000"/>
+                        </a:schemeClr>
+                      </a:solidFill>
+                      <a:prstDash val="solid"/>
+                      <a:round/>
+                      <a:headEnd type="none" w="med" len="med"/>
+                      <a:tailEnd type="none" w="med" len="med"/>
+                    </a:lnB>
+                    <a:lnTlToBr w="12700" cmpd="sng">
+                      <a:noFill/>
+                      <a:prstDash val="solid"/>
+                    </a:lnTlToBr>
+                    <a:lnBlToTr w="12700" cmpd="sng">
+                      <a:noFill/>
+                      <a:prstDash val="solid"/>
+                    </a:lnBlToTr>
+                    <a:solidFill>
+                      <a:schemeClr val="bg1">
+                        <a:lumMod val="95000"/>
+                      </a:schemeClr>
+                    </a:solidFill>
+                  </a:tcPr>
+                </a:tc>
+                <a:extLst>
+                  <a:ext uri="{0D108BD9-81ED-4DB2-BD59-A6C34878D82A}">
+                    <a16:rowId xmlns:a16="http://schemas.microsoft.com/office/drawing/2014/main" val="4054187074"/>
+                  </a:ext>
+                </a:extLst>
+              </a:tr>
+              <a:tr h="228922">
+                <a:tc>
+                  <a:txBody>
+                    <a:bodyPr/>
+                    <a:lstStyle/>
+                    <a:p>
+                      <a:endParaRPr lang="en-US" sz="800" dirty="0"/>
+                    </a:p>
+                  </a:txBody>
+                  <a:tcPr>
+                    <a:lnL w="12700" cap="flat" cmpd="sng" algn="ctr">
+                      <a:solidFill>
+                        <a:schemeClr val="bg1">
+                          <a:lumMod val="50000"/>
+                        </a:schemeClr>
+                      </a:solidFill>
+                      <a:prstDash val="solid"/>
+                      <a:round/>
+                      <a:headEnd type="none" w="med" len="med"/>
+                      <a:tailEnd type="none" w="med" len="med"/>
+                    </a:lnL>
+                    <a:lnR w="12700" cap="flat" cmpd="sng" algn="ctr">
+                      <a:solidFill>
+                        <a:schemeClr val="bg1">
+                          <a:lumMod val="50000"/>
+                        </a:schemeClr>
+                      </a:solidFill>
+                      <a:prstDash val="solid"/>
+                      <a:round/>
+                      <a:headEnd type="none" w="med" len="med"/>
+                      <a:tailEnd type="none" w="med" len="med"/>
+                    </a:lnR>
+                    <a:lnT w="12700" cap="flat" cmpd="sng" algn="ctr">
+                      <a:solidFill>
+                        <a:schemeClr val="bg1">
+                          <a:lumMod val="50000"/>
+                        </a:schemeClr>
+                      </a:solidFill>
+                      <a:prstDash val="solid"/>
+                      <a:round/>
+                      <a:headEnd type="none" w="med" len="med"/>
+                      <a:tailEnd type="none" w="med" len="med"/>
+                    </a:lnT>
+                    <a:lnB w="12700" cap="flat" cmpd="sng" algn="ctr">
+                      <a:solidFill>
+                        <a:schemeClr val="bg1">
+                          <a:lumMod val="50000"/>
+                        </a:schemeClr>
+                      </a:solidFill>
+                      <a:prstDash val="solid"/>
+                      <a:round/>
+                      <a:headEnd type="none" w="med" len="med"/>
+                      <a:tailEnd type="none" w="med" len="med"/>
+                    </a:lnB>
+                    <a:lnTlToBr w="12700" cmpd="sng">
+                      <a:noFill/>
+                      <a:prstDash val="solid"/>
+                    </a:lnTlToBr>
+                    <a:lnBlToTr w="12700" cmpd="sng">
+                      <a:noFill/>
+                      <a:prstDash val="solid"/>
+                    </a:lnBlToTr>
+                    <a:solidFill>
+                      <a:schemeClr val="bg1">
+                        <a:lumMod val="95000"/>
+                      </a:schemeClr>
+                    </a:solidFill>
+                  </a:tcPr>
+                </a:tc>
+                <a:extLst>
+                  <a:ext uri="{0D108BD9-81ED-4DB2-BD59-A6C34878D82A}">
+                    <a16:rowId xmlns:a16="http://schemas.microsoft.com/office/drawing/2014/main" val="3277664137"/>
+                  </a:ext>
+                </a:extLst>
+              </a:tr>
+            </a:tbl>
+          </a:graphicData>
+        </a:graphic>
+      </p:graphicFrame>
+      <p:cxnSp>
+        <p:nvCxnSpPr>
+          <p:cNvPr id="62" name="Straight Connector 61"/>
+          <p:cNvCxnSpPr/>
+          <p:nvPr/>
+        </p:nvCxnSpPr>
+        <p:spPr>
+          <a:xfrm flipV="1">
+            <a:off x="6234019" y="2480360"/>
+            <a:ext cx="944338" cy="613896"/>
+          </a:xfrm>
+          <a:prstGeom prst="line">
+            <a:avLst/>
+          </a:prstGeom>
+          <a:ln>
+            <a:headEnd type="none" w="med" len="med"/>
+            <a:tailEnd type="none" w="med" len="med"/>
+          </a:ln>
+        </p:spPr>
+        <p:style>
+          <a:lnRef idx="1">
+            <a:schemeClr val="accent3"/>
+          </a:lnRef>
+          <a:fillRef idx="0">
+            <a:schemeClr val="accent3"/>
+          </a:fillRef>
+          <a:effectRef idx="0">
+            <a:schemeClr val="accent3"/>
+          </a:effectRef>
+          <a:fontRef idx="minor">
+            <a:schemeClr val="tx1"/>
+          </a:fontRef>
+        </p:style>
+      </p:cxnSp>
+      <p:cxnSp>
+        <p:nvCxnSpPr>
+          <p:cNvPr id="64" name="Straight Connector 63"/>
+          <p:cNvCxnSpPr/>
+          <p:nvPr/>
+        </p:nvCxnSpPr>
+        <p:spPr>
+          <a:xfrm>
+            <a:off x="6234019" y="4017705"/>
+            <a:ext cx="944338" cy="522953"/>
+          </a:xfrm>
+          <a:prstGeom prst="line">
+            <a:avLst/>
+          </a:prstGeom>
+          <a:ln>
+            <a:headEnd type="none" w="med" len="med"/>
+            <a:tailEnd type="none" w="med" len="med"/>
+          </a:ln>
+        </p:spPr>
+        <p:style>
+          <a:lnRef idx="1">
+            <a:schemeClr val="accent3"/>
+          </a:lnRef>
+          <a:fillRef idx="0">
+            <a:schemeClr val="accent3"/>
+          </a:fillRef>
+          <a:effectRef idx="0">
+            <a:schemeClr val="accent3"/>
+          </a:effectRef>
+          <a:fontRef idx="minor">
+            <a:schemeClr val="tx1"/>
+          </a:fontRef>
+        </p:style>
+      </p:cxnSp>
+      <p:sp>
+        <p:nvSpPr>
+          <p:cNvPr id="67" name="TextBox 66"/>
+          <p:cNvSpPr txBox="1"/>
+          <p:nvPr/>
+        </p:nvSpPr>
+        <p:spPr>
+          <a:xfrm>
+            <a:off x="6427580" y="1752420"/>
+            <a:ext cx="2047653" cy="338554"/>
+          </a:xfrm>
+          <a:prstGeom prst="rect">
+            <a:avLst/>
+          </a:prstGeom>
+          <a:noFill/>
+        </p:spPr>
+        <p:txBody>
+          <a:bodyPr wrap="square" rtlCol="0">
+            <a:spAutoFit/>
+          </a:bodyPr>
+          <a:lstStyle/>
+          <a:p>
+            <a:r>
+              <a:rPr lang="en-US" sz="1600" dirty="0" smtClean="0">
+                <a:solidFill>
+                  <a:schemeClr val="bg1">
+                    <a:lumMod val="50000"/>
+                  </a:schemeClr>
+                </a:solidFill>
+              </a:rPr>
+              <a:t>Fully-connected layer</a:t>
+            </a:r>
+            <a:endParaRPr lang="en-US" sz="1600" dirty="0"/>
+          </a:p>
+        </p:txBody>
+      </p:sp>
+      <p:sp>
+        <p:nvSpPr>
+          <p:cNvPr id="69" name="TextBox 68"/>
+          <p:cNvSpPr txBox="1"/>
+          <p:nvPr/>
+        </p:nvSpPr>
+        <p:spPr>
+          <a:xfrm>
+            <a:off x="8383169" y="1740966"/>
+            <a:ext cx="922111" cy="338554"/>
+          </a:xfrm>
+          <a:prstGeom prst="rect">
+            <a:avLst/>
+          </a:prstGeom>
+          <a:noFill/>
+        </p:spPr>
+        <p:txBody>
+          <a:bodyPr wrap="square" rtlCol="0">
+            <a:spAutoFit/>
+          </a:bodyPr>
+          <a:lstStyle/>
+          <a:p>
+            <a:pPr algn="ctr"/>
+            <a:r>
+              <a:rPr lang="en-US" sz="1600" dirty="0" smtClean="0">
+                <a:solidFill>
+                  <a:schemeClr val="bg1">
+                    <a:lumMod val="50000"/>
+                  </a:schemeClr>
+                </a:solidFill>
+              </a:rPr>
+              <a:t>Output</a:t>
+            </a:r>
+            <a:endParaRPr lang="en-US" sz="1600" dirty="0"/>
+          </a:p>
+        </p:txBody>
+      </p:sp>
+      <p:graphicFrame>
+        <p:nvGraphicFramePr>
+          <p:cNvPr id="70" name="Table 69"/>
+          <p:cNvGraphicFramePr>
+            <a:graphicFrameLocks noGrp="1"/>
+          </p:cNvGraphicFramePr>
+          <p:nvPr>
+            <p:extLst>
+              <p:ext uri="{D42A27DB-BD31-4B8C-83A1-F6EECF244321}">
+                <p14:modId xmlns:p14="http://schemas.microsoft.com/office/powerpoint/2010/main" val="250858835"/>
+              </p:ext>
+            </p:extLst>
+          </p:nvPr>
+        </p:nvGraphicFramePr>
+        <p:xfrm>
+          <a:off x="8743583" y="3383758"/>
+          <a:ext cx="299622" cy="228922"/>
+        </p:xfrm>
+        <a:graphic>
+          <a:graphicData uri="http://schemas.openxmlformats.org/drawingml/2006/table">
+            <a:tbl>
+              <a:tblPr firstRow="1" bandRow="1">
+                <a:tableStyleId>{5940675A-B579-460E-94D1-54222C63F5DA}</a:tableStyleId>
+              </a:tblPr>
+              <a:tblGrid>
+                <a:gridCol w="299622">
+                  <a:extLst>
+                    <a:ext uri="{9D8B030D-6E8A-4147-A177-3AD203B41FA5}">
+                      <a16:colId xmlns:a16="http://schemas.microsoft.com/office/drawing/2014/main" val="4185730726"/>
+                    </a:ext>
+                  </a:extLst>
+                </a:gridCol>
+              </a:tblGrid>
+              <a:tr h="228922">
+                <a:tc>
+                  <a:txBody>
+                    <a:bodyPr/>
+                    <a:lstStyle/>
+                    <a:p>
+                      <a:endParaRPr lang="en-US" sz="800" dirty="0"/>
+                    </a:p>
+                  </a:txBody>
+                  <a:tcPr>
+                    <a:lnL w="12700" cap="flat" cmpd="sng" algn="ctr">
+                      <a:solidFill>
+                        <a:schemeClr val="accent5"/>
+                      </a:solidFill>
+                      <a:prstDash val="solid"/>
+                      <a:round/>
+                      <a:headEnd type="none" w="med" len="med"/>
+                      <a:tailEnd type="none" w="med" len="med"/>
+                    </a:lnL>
+                    <a:lnR w="12700" cap="flat" cmpd="sng" algn="ctr">
+                      <a:solidFill>
+                        <a:schemeClr val="accent5"/>
+                      </a:solidFill>
+                      <a:prstDash val="solid"/>
+                      <a:round/>
+                      <a:headEnd type="none" w="med" len="med"/>
+                      <a:tailEnd type="none" w="med" len="med"/>
+                    </a:lnR>
+                    <a:lnT w="12700" cap="flat" cmpd="sng" algn="ctr">
+                      <a:solidFill>
+                        <a:schemeClr val="accent5"/>
+                      </a:solidFill>
+                      <a:prstDash val="solid"/>
+                      <a:round/>
+                      <a:headEnd type="none" w="med" len="med"/>
+                      <a:tailEnd type="none" w="med" len="med"/>
+                    </a:lnT>
+                    <a:lnB w="12700" cap="flat" cmpd="sng" algn="ctr">
+                      <a:solidFill>
+                        <a:schemeClr val="accent5"/>
+                      </a:solidFill>
+                      <a:prstDash val="solid"/>
+                      <a:round/>
+                      <a:headEnd type="none" w="med" len="med"/>
+                      <a:tailEnd type="none" w="med" len="med"/>
+                    </a:lnB>
+                    <a:solidFill>
+                      <a:schemeClr val="accent5">
+                        <a:lumMod val="60000"/>
+                        <a:lumOff val="40000"/>
+                      </a:schemeClr>
+                    </a:solidFill>
+                  </a:tcPr>
+                </a:tc>
+                <a:extLst>
+                  <a:ext uri="{0D108BD9-81ED-4DB2-BD59-A6C34878D82A}">
+                    <a16:rowId xmlns:a16="http://schemas.microsoft.com/office/drawing/2014/main" val="3678188319"/>
+                  </a:ext>
+                </a:extLst>
+              </a:tr>
+            </a:tbl>
+          </a:graphicData>
+        </a:graphic>
+      </p:graphicFrame>
+      <p:cxnSp>
+        <p:nvCxnSpPr>
+          <p:cNvPr id="77" name="Straight Connector 76"/>
+          <p:cNvCxnSpPr/>
+          <p:nvPr/>
+        </p:nvCxnSpPr>
+        <p:spPr>
+          <a:xfrm>
+            <a:off x="7451406" y="2480359"/>
+            <a:ext cx="1292177" cy="894871"/>
+          </a:xfrm>
+          <a:prstGeom prst="line">
+            <a:avLst/>
+          </a:prstGeom>
+          <a:ln>
+            <a:headEnd type="none" w="med" len="med"/>
+            <a:tailEnd type="none" w="med" len="med"/>
+          </a:ln>
+        </p:spPr>
+        <p:style>
+          <a:lnRef idx="1">
+            <a:schemeClr val="accent5"/>
+          </a:lnRef>
+          <a:fillRef idx="0">
+            <a:schemeClr val="accent5"/>
+          </a:fillRef>
+          <a:effectRef idx="0">
+            <a:schemeClr val="accent5"/>
+          </a:effectRef>
+          <a:fontRef idx="minor">
+            <a:schemeClr val="tx1"/>
+          </a:fontRef>
+        </p:style>
+      </p:cxnSp>
+      <p:cxnSp>
+        <p:nvCxnSpPr>
+          <p:cNvPr id="82" name="Straight Connector 81"/>
+          <p:cNvCxnSpPr/>
+          <p:nvPr/>
+        </p:nvCxnSpPr>
+        <p:spPr>
+          <a:xfrm flipV="1">
+            <a:off x="7449410" y="3611451"/>
+            <a:ext cx="1294173" cy="929207"/>
+          </a:xfrm>
+          <a:prstGeom prst="line">
+            <a:avLst/>
+          </a:prstGeom>
+          <a:ln>
+            <a:headEnd type="none" w="med" len="med"/>
+            <a:tailEnd type="none" w="med" len="med"/>
+          </a:ln>
+        </p:spPr>
+        <p:style>
+          <a:lnRef idx="1">
+            <a:schemeClr val="accent5"/>
+          </a:lnRef>
+          <a:fillRef idx="0">
+            <a:schemeClr val="accent5"/>
+          </a:fillRef>
+          <a:effectRef idx="0">
+            <a:schemeClr val="accent5"/>
+          </a:effectRef>
+          <a:fontRef idx="minor">
+            <a:schemeClr val="tx1"/>
+          </a:fontRef>
+        </p:style>
+      </p:cxnSp>
+    </p:spTree>
+    <p:extLst>
+      <p:ext uri="{BB962C8B-B14F-4D97-AF65-F5344CB8AC3E}">
+        <p14:creationId xmlns:p14="http://schemas.microsoft.com/office/powerpoint/2010/main" val="2986385678"/>
+      </p:ext>
+    </p:extLst>
+  </p:cSld>
+  <p:clrMapOvr>
+    <a:masterClrMapping/>
+  </p:clrMapOvr>
+</p:sld>
+</file>
+
 <file path=ppt/theme/theme1.xml><?xml version="1.0" encoding="utf-8"?>
 <a:theme xmlns:a="http://schemas.openxmlformats.org/drawingml/2006/main" name="Office Theme">
   <a:themeElements>

--- a/Draft/ICSE'18/BugPatchingRanking.pptx
+++ b/Draft/ICSE'18/BugPatchingRanking.pptx
@@ -26842,16 +26842,25 @@
           <a:prstGeom prst="line">
             <a:avLst/>
           </a:prstGeom>
+          <a:ln w="9525" cap="flat" cmpd="sng" algn="ctr">
+            <a:solidFill>
+              <a:schemeClr val="accent1"/>
+            </a:solidFill>
+            <a:prstDash val="dash"/>
+            <a:round/>
+            <a:headEnd type="none" w="med" len="med"/>
+            <a:tailEnd type="none" w="med" len="med"/>
+          </a:ln>
         </p:spPr>
         <p:style>
-          <a:lnRef idx="1">
-            <a:schemeClr val="accent1"/>
+          <a:lnRef idx="0">
+            <a:scrgbClr r="0" g="0" b="0"/>
           </a:lnRef>
           <a:fillRef idx="0">
-            <a:schemeClr val="accent1"/>
+            <a:scrgbClr r="0" g="0" b="0"/>
           </a:fillRef>
           <a:effectRef idx="0">
-            <a:schemeClr val="accent1"/>
+            <a:scrgbClr r="0" g="0" b="0"/>
           </a:effectRef>
           <a:fontRef idx="minor">
             <a:schemeClr val="tx1"/>
@@ -26907,16 +26916,25 @@
           <a:prstGeom prst="line">
             <a:avLst/>
           </a:prstGeom>
+          <a:ln w="9525" cap="flat" cmpd="sng" algn="ctr">
+            <a:solidFill>
+              <a:schemeClr val="accent1"/>
+            </a:solidFill>
+            <a:prstDash val="dash"/>
+            <a:round/>
+            <a:headEnd type="none" w="med" len="med"/>
+            <a:tailEnd type="none" w="med" len="med"/>
+          </a:ln>
         </p:spPr>
         <p:style>
-          <a:lnRef idx="1">
-            <a:schemeClr val="accent1"/>
+          <a:lnRef idx="0">
+            <a:scrgbClr r="0" g="0" b="0"/>
           </a:lnRef>
           <a:fillRef idx="0">
-            <a:schemeClr val="accent1"/>
+            <a:scrgbClr r="0" g="0" b="0"/>
           </a:fillRef>
           <a:effectRef idx="0">
-            <a:schemeClr val="accent1"/>
+            <a:scrgbClr r="0" g="0" b="0"/>
           </a:effectRef>
           <a:fontRef idx="minor">
             <a:schemeClr val="tx1"/>
@@ -29422,16 +29440,25 @@
           <a:prstGeom prst="line">
             <a:avLst/>
           </a:prstGeom>
+          <a:ln w="9525" cap="flat" cmpd="sng" algn="ctr">
+            <a:solidFill>
+              <a:schemeClr val="accent1"/>
+            </a:solidFill>
+            <a:prstDash val="dash"/>
+            <a:round/>
+            <a:headEnd type="none" w="med" len="med"/>
+            <a:tailEnd type="none" w="med" len="med"/>
+          </a:ln>
         </p:spPr>
         <p:style>
-          <a:lnRef idx="1">
-            <a:schemeClr val="accent1"/>
+          <a:lnRef idx="0">
+            <a:scrgbClr r="0" g="0" b="0"/>
           </a:lnRef>
           <a:fillRef idx="0">
-            <a:schemeClr val="accent1"/>
+            <a:scrgbClr r="0" g="0" b="0"/>
           </a:fillRef>
           <a:effectRef idx="0">
-            <a:schemeClr val="accent1"/>
+            <a:scrgbClr r="0" g="0" b="0"/>
           </a:effectRef>
           <a:fontRef idx="minor">
             <a:schemeClr val="tx1"/>
@@ -29487,16 +29514,25 @@
           <a:prstGeom prst="line">
             <a:avLst/>
           </a:prstGeom>
+          <a:ln w="9525" cap="flat" cmpd="sng" algn="ctr">
+            <a:solidFill>
+              <a:schemeClr val="accent1"/>
+            </a:solidFill>
+            <a:prstDash val="dash"/>
+            <a:round/>
+            <a:headEnd type="none" w="med" len="med"/>
+            <a:tailEnd type="none" w="med" len="med"/>
+          </a:ln>
         </p:spPr>
         <p:style>
-          <a:lnRef idx="1">
-            <a:schemeClr val="accent1"/>
+          <a:lnRef idx="0">
+            <a:scrgbClr r="0" g="0" b="0"/>
           </a:lnRef>
           <a:fillRef idx="0">
-            <a:schemeClr val="accent1"/>
+            <a:scrgbClr r="0" g="0" b="0"/>
           </a:fillRef>
           <a:effectRef idx="0">
-            <a:schemeClr val="accent1"/>
+            <a:scrgbClr r="0" g="0" b="0"/>
           </a:effectRef>
           <a:fontRef idx="minor">
             <a:schemeClr val="tx1"/>
@@ -30244,20 +30280,25 @@
           <a:prstGeom prst="line">
             <a:avLst/>
           </a:prstGeom>
-          <a:ln>
+          <a:ln w="9525" cap="flat" cmpd="sng" algn="ctr">
+            <a:solidFill>
+              <a:schemeClr val="accent3"/>
+            </a:solidFill>
+            <a:prstDash val="dash"/>
+            <a:round/>
             <a:headEnd type="none" w="med" len="med"/>
             <a:tailEnd type="none" w="med" len="med"/>
           </a:ln>
         </p:spPr>
         <p:style>
-          <a:lnRef idx="1">
-            <a:schemeClr val="accent3"/>
+          <a:lnRef idx="0">
+            <a:scrgbClr r="0" g="0" b="0"/>
           </a:lnRef>
           <a:fillRef idx="0">
-            <a:schemeClr val="accent3"/>
+            <a:scrgbClr r="0" g="0" b="0"/>
           </a:fillRef>
           <a:effectRef idx="0">
-            <a:schemeClr val="accent3"/>
+            <a:scrgbClr r="0" g="0" b="0"/>
           </a:effectRef>
           <a:fontRef idx="minor">
             <a:schemeClr val="tx1"/>
@@ -30278,20 +30319,25 @@
           <a:prstGeom prst="line">
             <a:avLst/>
           </a:prstGeom>
-          <a:ln>
+          <a:ln w="9525" cap="flat" cmpd="sng" algn="ctr">
+            <a:solidFill>
+              <a:schemeClr val="accent3"/>
+            </a:solidFill>
+            <a:prstDash val="dash"/>
+            <a:round/>
             <a:headEnd type="none" w="med" len="med"/>
             <a:tailEnd type="none" w="med" len="med"/>
           </a:ln>
         </p:spPr>
         <p:style>
-          <a:lnRef idx="1">
-            <a:schemeClr val="accent3"/>
+          <a:lnRef idx="0">
+            <a:scrgbClr r="0" g="0" b="0"/>
           </a:lnRef>
           <a:fillRef idx="0">
-            <a:schemeClr val="accent3"/>
+            <a:scrgbClr r="0" g="0" b="0"/>
           </a:fillRef>
           <a:effectRef idx="0">
-            <a:schemeClr val="accent3"/>
+            <a:scrgbClr r="0" g="0" b="0"/>
           </a:effectRef>
           <a:fontRef idx="minor">
             <a:schemeClr val="tx1"/>
